--- a/PPT/그래픽 리소스 작업.pptx
+++ b/PPT/그래픽 리소스 작업.pptx
@@ -6,9 +6,10 @@
   </p:sldMasterIdLst>
   <p:sldIdLst>
     <p:sldId id="256" r:id="rId2"/>
-    <p:sldId id="257" r:id="rId3"/>
-    <p:sldId id="264" r:id="rId4"/>
-    <p:sldId id="260" r:id="rId5"/>
+    <p:sldId id="265" r:id="rId3"/>
+    <p:sldId id="257" r:id="rId4"/>
+    <p:sldId id="264" r:id="rId5"/>
+    <p:sldId id="260" r:id="rId6"/>
   </p:sldIdLst>
   <p:sldSz cx="12192000" cy="6858000"/>
   <p:notesSz cx="6858000" cy="9144000"/>
@@ -113,6 +114,10 @@
     </p:ext>
   </p:extLst>
 </p:presentation>
+</file>
+
+<file path=ppt/revisionInfo.xml><?xml version="1.0" encoding="utf-8"?>
+<p1510:revInfo xmlns:a="http://schemas.openxmlformats.org/drawingml/2006/main" xmlns:r="http://schemas.openxmlformats.org/officeDocument/2006/relationships" xmlns:p1510="http://schemas.microsoft.com/office/powerpoint/2015/10/main"/>
 </file>
 
 <file path=ppt/slideLayouts/slideLayout1.xml><?xml version="1.0" encoding="utf-8"?>
@@ -262,7 +267,7 @@
           <a:p>
             <a:fld id="{27D31188-FF41-4827-A5DA-97728D47966F}" type="datetimeFigureOut">
               <a:rPr lang="ko-KR" altLang="en-US" smtClean="0"/>
-              <a:t>2017-10-30</a:t>
+              <a:t>2017-10-31</a:t>
             </a:fld>
             <a:endParaRPr lang="ko-KR" altLang="en-US"/>
           </a:p>
@@ -460,7 +465,7 @@
           <a:p>
             <a:fld id="{27D31188-FF41-4827-A5DA-97728D47966F}" type="datetimeFigureOut">
               <a:rPr lang="ko-KR" altLang="en-US" smtClean="0"/>
-              <a:t>2017-10-30</a:t>
+              <a:t>2017-10-31</a:t>
             </a:fld>
             <a:endParaRPr lang="ko-KR" altLang="en-US"/>
           </a:p>
@@ -668,7 +673,7 @@
           <a:p>
             <a:fld id="{27D31188-FF41-4827-A5DA-97728D47966F}" type="datetimeFigureOut">
               <a:rPr lang="ko-KR" altLang="en-US" smtClean="0"/>
-              <a:t>2017-10-30</a:t>
+              <a:t>2017-10-31</a:t>
             </a:fld>
             <a:endParaRPr lang="ko-KR" altLang="en-US"/>
           </a:p>
@@ -866,7 +871,7 @@
           <a:p>
             <a:fld id="{27D31188-FF41-4827-A5DA-97728D47966F}" type="datetimeFigureOut">
               <a:rPr lang="ko-KR" altLang="en-US" smtClean="0"/>
-              <a:t>2017-10-30</a:t>
+              <a:t>2017-10-31</a:t>
             </a:fld>
             <a:endParaRPr lang="ko-KR" altLang="en-US"/>
           </a:p>
@@ -1141,7 +1146,7 @@
           <a:p>
             <a:fld id="{27D31188-FF41-4827-A5DA-97728D47966F}" type="datetimeFigureOut">
               <a:rPr lang="ko-KR" altLang="en-US" smtClean="0"/>
-              <a:t>2017-10-30</a:t>
+              <a:t>2017-10-31</a:t>
             </a:fld>
             <a:endParaRPr lang="ko-KR" altLang="en-US"/>
           </a:p>
@@ -1406,7 +1411,7 @@
           <a:p>
             <a:fld id="{27D31188-FF41-4827-A5DA-97728D47966F}" type="datetimeFigureOut">
               <a:rPr lang="ko-KR" altLang="en-US" smtClean="0"/>
-              <a:t>2017-10-30</a:t>
+              <a:t>2017-10-31</a:t>
             </a:fld>
             <a:endParaRPr lang="ko-KR" altLang="en-US"/>
           </a:p>
@@ -1818,7 +1823,7 @@
           <a:p>
             <a:fld id="{27D31188-FF41-4827-A5DA-97728D47966F}" type="datetimeFigureOut">
               <a:rPr lang="ko-KR" altLang="en-US" smtClean="0"/>
-              <a:t>2017-10-30</a:t>
+              <a:t>2017-10-31</a:t>
             </a:fld>
             <a:endParaRPr lang="ko-KR" altLang="en-US"/>
           </a:p>
@@ -1959,7 +1964,7 @@
           <a:p>
             <a:fld id="{27D31188-FF41-4827-A5DA-97728D47966F}" type="datetimeFigureOut">
               <a:rPr lang="ko-KR" altLang="en-US" smtClean="0"/>
-              <a:t>2017-10-30</a:t>
+              <a:t>2017-10-31</a:t>
             </a:fld>
             <a:endParaRPr lang="ko-KR" altLang="en-US"/>
           </a:p>
@@ -2072,7 +2077,7 @@
           <a:p>
             <a:fld id="{27D31188-FF41-4827-A5DA-97728D47966F}" type="datetimeFigureOut">
               <a:rPr lang="ko-KR" altLang="en-US" smtClean="0"/>
-              <a:t>2017-10-30</a:t>
+              <a:t>2017-10-31</a:t>
             </a:fld>
             <a:endParaRPr lang="ko-KR" altLang="en-US"/>
           </a:p>
@@ -2383,7 +2388,7 @@
           <a:p>
             <a:fld id="{27D31188-FF41-4827-A5DA-97728D47966F}" type="datetimeFigureOut">
               <a:rPr lang="ko-KR" altLang="en-US" smtClean="0"/>
-              <a:t>2017-10-30</a:t>
+              <a:t>2017-10-31</a:t>
             </a:fld>
             <a:endParaRPr lang="ko-KR" altLang="en-US"/>
           </a:p>
@@ -2671,7 +2676,7 @@
           <a:p>
             <a:fld id="{27D31188-FF41-4827-A5DA-97728D47966F}" type="datetimeFigureOut">
               <a:rPr lang="ko-KR" altLang="en-US" smtClean="0"/>
-              <a:t>2017-10-30</a:t>
+              <a:t>2017-10-31</a:t>
             </a:fld>
             <a:endParaRPr lang="ko-KR" altLang="en-US"/>
           </a:p>
@@ -2912,7 +2917,7 @@
           <a:p>
             <a:fld id="{27D31188-FF41-4827-A5DA-97728D47966F}" type="datetimeFigureOut">
               <a:rPr lang="ko-KR" altLang="en-US" smtClean="0"/>
-              <a:t>2017-10-30</a:t>
+              <a:t>2017-10-31</a:t>
             </a:fld>
             <a:endParaRPr lang="ko-KR" altLang="en-US"/>
           </a:p>
@@ -8344,32 +8349,254 @@
           </p:txBody>
         </p:sp>
       </p:grpSp>
-      <p:grpSp>
-        <p:nvGrpSpPr>
-          <p:cNvPr id="2" name="그룹 1">
+      <p:sp>
+        <p:nvSpPr>
+          <p:cNvPr id="103" name="직사각형 102">
             <a:extLst>
               <a:ext uri="{FF2B5EF4-FFF2-40B4-BE49-F238E27FC236}">
-                <a16:creationId xmlns:a16="http://schemas.microsoft.com/office/drawing/2014/main" id="{B7EC7C82-B680-4946-AF1B-70088AC10618}"/>
+                <a16:creationId xmlns:a16="http://schemas.microsoft.com/office/drawing/2014/main" id="{FDD9F468-B37A-45B0-A8D9-6A4C2974193D}"/>
               </a:ext>
             </a:extLst>
           </p:cNvPr>
-          <p:cNvGrpSpPr/>
+          <p:cNvSpPr/>
+          <p:nvPr/>
+        </p:nvSpPr>
+        <p:spPr>
+          <a:xfrm>
+            <a:off x="5095876" y="2336092"/>
+            <a:ext cx="2000249" cy="121708"/>
+          </a:xfrm>
+          <a:prstGeom prst="rect">
+            <a:avLst/>
+          </a:prstGeom>
+          <a:solidFill>
+            <a:schemeClr val="bg1"/>
+          </a:solidFill>
+          <a:ln>
+            <a:noFill/>
+          </a:ln>
+          <a:effectLst>
+            <a:outerShdw blurRad="50800" dist="38100" dir="5400000" algn="t" rotWithShape="0">
+              <a:prstClr val="black">
+                <a:alpha val="40000"/>
+              </a:prstClr>
+            </a:outerShdw>
+          </a:effectLst>
+        </p:spPr>
+        <p:style>
+          <a:lnRef idx="2">
+            <a:schemeClr val="accent1">
+              <a:shade val="50000"/>
+            </a:schemeClr>
+          </a:lnRef>
+          <a:fillRef idx="1">
+            <a:schemeClr val="accent1"/>
+          </a:fillRef>
+          <a:effectRef idx="0">
+            <a:schemeClr val="accent1"/>
+          </a:effectRef>
+          <a:fontRef idx="minor">
+            <a:schemeClr val="lt1"/>
+          </a:fontRef>
+        </p:style>
+        <p:txBody>
+          <a:bodyPr rtlCol="0" anchor="ctr"/>
+          <a:lstStyle/>
+          <a:p>
+            <a:pPr algn="ctr"/>
+            <a:endParaRPr lang="ko-KR" altLang="en-US"/>
+          </a:p>
+        </p:txBody>
+      </p:sp>
+      <p:sp>
+        <p:nvSpPr>
+          <p:cNvPr id="104" name="직사각형 103">
+            <a:extLst>
+              <a:ext uri="{FF2B5EF4-FFF2-40B4-BE49-F238E27FC236}">
+                <a16:creationId xmlns:a16="http://schemas.microsoft.com/office/drawing/2014/main" id="{176E8114-4E5C-4878-A165-01D2863AD27F}"/>
+              </a:ext>
+            </a:extLst>
+          </p:cNvPr>
+          <p:cNvSpPr/>
+          <p:nvPr/>
+        </p:nvSpPr>
+        <p:spPr>
+          <a:xfrm>
+            <a:off x="5095875" y="4375035"/>
+            <a:ext cx="2000248" cy="121708"/>
+          </a:xfrm>
+          <a:prstGeom prst="rect">
+            <a:avLst/>
+          </a:prstGeom>
+          <a:solidFill>
+            <a:schemeClr val="bg1"/>
+          </a:solidFill>
+          <a:ln>
+            <a:noFill/>
+          </a:ln>
+          <a:effectLst>
+            <a:outerShdw blurRad="50800" dist="38100" dir="5400000" algn="t" rotWithShape="0">
+              <a:prstClr val="black">
+                <a:alpha val="40000"/>
+              </a:prstClr>
+            </a:outerShdw>
+          </a:effectLst>
+        </p:spPr>
+        <p:style>
+          <a:lnRef idx="2">
+            <a:schemeClr val="accent1">
+              <a:shade val="50000"/>
+            </a:schemeClr>
+          </a:lnRef>
+          <a:fillRef idx="1">
+            <a:schemeClr val="accent1"/>
+          </a:fillRef>
+          <a:effectRef idx="0">
+            <a:schemeClr val="accent1"/>
+          </a:effectRef>
+          <a:fontRef idx="minor">
+            <a:schemeClr val="lt1"/>
+          </a:fontRef>
+        </p:style>
+        <p:txBody>
+          <a:bodyPr rtlCol="0" anchor="ctr"/>
+          <a:lstStyle/>
+          <a:p>
+            <a:pPr algn="ctr"/>
+            <a:endParaRPr lang="ko-KR" altLang="en-US"/>
+          </a:p>
+        </p:txBody>
+      </p:sp>
+      <p:sp>
+        <p:nvSpPr>
+          <p:cNvPr id="105" name="직사각형 104">
+            <a:extLst>
+              <a:ext uri="{FF2B5EF4-FFF2-40B4-BE49-F238E27FC236}">
+                <a16:creationId xmlns:a16="http://schemas.microsoft.com/office/drawing/2014/main" id="{842B8762-733B-4054-953C-2D0C2412304C}"/>
+              </a:ext>
+            </a:extLst>
+          </p:cNvPr>
+          <p:cNvSpPr/>
+          <p:nvPr/>
+        </p:nvSpPr>
+        <p:spPr>
+          <a:xfrm>
+            <a:off x="5101978" y="2782669"/>
+            <a:ext cx="1988045" cy="1292662"/>
+          </a:xfrm>
+          <a:prstGeom prst="rect">
+            <a:avLst/>
+          </a:prstGeom>
+          <a:noFill/>
+          <a:effectLst>
+            <a:outerShdw blurRad="50800" dist="38100" dir="2700000" algn="tl" rotWithShape="0">
+              <a:prstClr val="black">
+                <a:alpha val="40000"/>
+              </a:prstClr>
+            </a:outerShdw>
+          </a:effectLst>
+        </p:spPr>
+        <p:txBody>
+          <a:bodyPr wrap="none" lIns="91440" tIns="45720" rIns="91440" bIns="45720">
+            <a:spAutoFit/>
+          </a:bodyPr>
+          <a:lstStyle/>
+          <a:p>
+            <a:pPr algn="ctr"/>
+            <a:r>
+              <a:rPr lang="en-US" altLang="ko-KR" sz="5400" dirty="0">
+                <a:ln w="0"/>
+                <a:solidFill>
+                  <a:schemeClr val="bg1"/>
+                </a:solidFill>
+                <a:latin typeface="휴먼모음T" panose="02030504000101010101" pitchFamily="18" charset="-127"/>
+                <a:ea typeface="휴먼모음T" panose="02030504000101010101" pitchFamily="18" charset="-127"/>
+              </a:rPr>
+              <a:t>PIXEL</a:t>
+            </a:r>
+          </a:p>
+          <a:p>
+            <a:pPr algn="ctr"/>
+            <a:r>
+              <a:rPr lang="ko-KR" altLang="en-US" sz="2400" dirty="0">
+                <a:ln w="0"/>
+                <a:solidFill>
+                  <a:schemeClr val="bg1"/>
+                </a:solidFill>
+                <a:latin typeface="휴먼모음T" panose="02030504000101010101" pitchFamily="18" charset="-127"/>
+                <a:ea typeface="휴먼모음T" panose="02030504000101010101" pitchFamily="18" charset="-127"/>
+              </a:rPr>
+              <a:t>픽셀</a:t>
+            </a:r>
+            <a:endParaRPr lang="en-US" altLang="ko-KR" sz="2400" b="0" cap="none" spc="0" dirty="0">
+              <a:ln w="0"/>
+              <a:solidFill>
+                <a:schemeClr val="bg1"/>
+              </a:solidFill>
+              <a:latin typeface="휴먼모음T" panose="02030504000101010101" pitchFamily="18" charset="-127"/>
+              <a:ea typeface="휴먼모음T" panose="02030504000101010101" pitchFamily="18" charset="-127"/>
+            </a:endParaRPr>
+          </a:p>
+        </p:txBody>
+      </p:sp>
+    </p:spTree>
+    <p:extLst>
+      <p:ext uri="{BB962C8B-B14F-4D97-AF65-F5344CB8AC3E}">
+        <p14:creationId xmlns:p14="http://schemas.microsoft.com/office/powerpoint/2010/main" val="1609308388"/>
+      </p:ext>
+    </p:extLst>
+  </p:cSld>
+  <p:clrMapOvr>
+    <a:masterClrMapping/>
+  </p:clrMapOvr>
+</p:sld>
+</file>
+
+<file path=ppt/slides/slide2.xml><?xml version="1.0" encoding="utf-8"?>
+<p:sld xmlns:a="http://schemas.openxmlformats.org/drawingml/2006/main" xmlns:r="http://schemas.openxmlformats.org/officeDocument/2006/relationships" xmlns:p="http://schemas.openxmlformats.org/presentationml/2006/main">
+  <p:cSld>
+    <p:spTree>
+      <p:nvGrpSpPr>
+        <p:cNvPr id="1" name=""/>
+        <p:cNvGrpSpPr/>
+        <p:nvPr/>
+      </p:nvGrpSpPr>
+      <p:grpSpPr>
+        <a:xfrm>
+          <a:off x="0" y="0"/>
+          <a:ext cx="0" cy="0"/>
+          <a:chOff x="0" y="0"/>
+          <a:chExt cx="0" cy="0"/>
+        </a:xfrm>
+      </p:grpSpPr>
+      <p:grpSp>
+        <p:nvGrpSpPr>
+          <p:cNvPr id="102" name="그룹 101">
+            <a:extLst>
+              <a:ext uri="{FF2B5EF4-FFF2-40B4-BE49-F238E27FC236}">
+                <a16:creationId xmlns:a16="http://schemas.microsoft.com/office/drawing/2014/main" id="{B02F1B84-C5F7-4DBA-B483-ACC85F9CFDAF}"/>
+              </a:ext>
+            </a:extLst>
+          </p:cNvPr>
+          <p:cNvGrpSpPr>
+            <a:grpSpLocks/>
+          </p:cNvGrpSpPr>
           <p:nvPr/>
         </p:nvGrpSpPr>
         <p:grpSpPr>
           <a:xfrm>
-            <a:off x="5095875" y="2294147"/>
-            <a:ext cx="2000250" cy="2269708"/>
-            <a:chOff x="4885536" y="1982270"/>
-            <a:chExt cx="2300282" cy="2610157"/>
+            <a:off x="3592118" y="1551088"/>
+            <a:ext cx="5007765" cy="3755824"/>
+            <a:chOff x="0" y="0"/>
+            <a:chExt cx="7389840" cy="4868569"/>
           </a:xfrm>
         </p:grpSpPr>
         <p:sp>
           <p:nvSpPr>
-            <p:cNvPr id="103" name="직사각형 102">
+            <p:cNvPr id="5" name="직사각형 4">
               <a:extLst>
                 <a:ext uri="{FF2B5EF4-FFF2-40B4-BE49-F238E27FC236}">
-                  <a16:creationId xmlns:a16="http://schemas.microsoft.com/office/drawing/2014/main" id="{FDD9F468-B37A-45B0-A8D9-6A4C2974193D}"/>
+                  <a16:creationId xmlns:a16="http://schemas.microsoft.com/office/drawing/2014/main" id="{2D735A31-6A8B-4249-84C3-66383A09E188}"/>
                 </a:ext>
               </a:extLst>
             </p:cNvPr>
@@ -8378,25 +8605,18 @@
           </p:nvSpPr>
           <p:spPr>
             <a:xfrm>
-              <a:off x="4885537" y="1982270"/>
-              <a:ext cx="2300281" cy="139964"/>
+              <a:off x="0" y="0"/>
+              <a:ext cx="615820" cy="615820"/>
             </a:xfrm>
             <a:prstGeom prst="rect">
               <a:avLst/>
             </a:prstGeom>
             <a:solidFill>
-              <a:schemeClr val="bg1"/>
+              <a:srgbClr val="23DEB4"/>
             </a:solidFill>
             <a:ln>
               <a:noFill/>
             </a:ln>
-            <a:effectLst>
-              <a:outerShdw blurRad="50800" dist="38100" dir="5400000" algn="t" rotWithShape="0">
-                <a:prstClr val="black">
-                  <a:alpha val="40000"/>
-                </a:prstClr>
-              </a:outerShdw>
-            </a:effectLst>
           </p:spPr>
           <p:style>
             <a:lnRef idx="2">
@@ -8425,10 +8645,10 @@
         </p:sp>
         <p:sp>
           <p:nvSpPr>
-            <p:cNvPr id="104" name="직사각형 103">
+            <p:cNvPr id="6" name="직사각형 5">
               <a:extLst>
                 <a:ext uri="{FF2B5EF4-FFF2-40B4-BE49-F238E27FC236}">
-                  <a16:creationId xmlns:a16="http://schemas.microsoft.com/office/drawing/2014/main" id="{176E8114-4E5C-4878-A165-01D2863AD27F}"/>
+                  <a16:creationId xmlns:a16="http://schemas.microsoft.com/office/drawing/2014/main" id="{180DA91C-625B-4AA8-B3C1-9E58FEFD54CB}"/>
                 </a:ext>
               </a:extLst>
             </p:cNvPr>
@@ -8437,25 +8657,18 @@
           </p:nvSpPr>
           <p:spPr>
             <a:xfrm>
-              <a:off x="4885536" y="4452463"/>
-              <a:ext cx="2300280" cy="139964"/>
+              <a:off x="615820" y="0"/>
+              <a:ext cx="615820" cy="615820"/>
             </a:xfrm>
             <a:prstGeom prst="rect">
               <a:avLst/>
             </a:prstGeom>
             <a:solidFill>
-              <a:schemeClr val="bg1"/>
+              <a:srgbClr val="3EE2BD"/>
             </a:solidFill>
             <a:ln>
               <a:noFill/>
             </a:ln>
-            <a:effectLst>
-              <a:outerShdw blurRad="50800" dist="38100" dir="5400000" algn="t" rotWithShape="0">
-                <a:prstClr val="black">
-                  <a:alpha val="40000"/>
-                </a:prstClr>
-              </a:outerShdw>
-            </a:effectLst>
           </p:spPr>
           <p:style>
             <a:lnRef idx="2">
@@ -8484,10 +8697,10 @@
         </p:sp>
         <p:sp>
           <p:nvSpPr>
-            <p:cNvPr id="105" name="직사각형 104">
+            <p:cNvPr id="7" name="직사각형 6">
               <a:extLst>
                 <a:ext uri="{FF2B5EF4-FFF2-40B4-BE49-F238E27FC236}">
-                  <a16:creationId xmlns:a16="http://schemas.microsoft.com/office/drawing/2014/main" id="{842B8762-733B-4054-953C-2D0C2412304C}"/>
+                  <a16:creationId xmlns:a16="http://schemas.microsoft.com/office/drawing/2014/main" id="{AFF41B55-1BE5-4712-A86C-8AC29A5B4405}"/>
                 </a:ext>
               </a:extLst>
             </p:cNvPr>
@@ -8496,69 +8709,5353 @@
           </p:nvSpPr>
           <p:spPr>
             <a:xfrm>
-              <a:off x="5314700" y="2738738"/>
-              <a:ext cx="1441945" cy="1097220"/>
+              <a:off x="1231640" y="0"/>
+              <a:ext cx="615820" cy="615820"/>
             </a:xfrm>
             <a:prstGeom prst="rect">
               <a:avLst/>
             </a:prstGeom>
-            <a:noFill/>
-            <a:effectLst>
-              <a:outerShdw blurRad="50800" dist="38100" dir="2700000" algn="tl" rotWithShape="0">
-                <a:prstClr val="black">
-                  <a:alpha val="40000"/>
-                </a:prstClr>
-              </a:outerShdw>
-            </a:effectLst>
+            <a:solidFill>
+              <a:srgbClr val="23DEB4"/>
+            </a:solidFill>
+            <a:ln>
+              <a:noFill/>
+            </a:ln>
           </p:spPr>
+          <p:style>
+            <a:lnRef idx="2">
+              <a:schemeClr val="accent1">
+                <a:shade val="50000"/>
+              </a:schemeClr>
+            </a:lnRef>
+            <a:fillRef idx="1">
+              <a:schemeClr val="accent1"/>
+            </a:fillRef>
+            <a:effectRef idx="0">
+              <a:schemeClr val="accent1"/>
+            </a:effectRef>
+            <a:fontRef idx="minor">
+              <a:schemeClr val="lt1"/>
+            </a:fontRef>
+          </p:style>
           <p:txBody>
-            <a:bodyPr wrap="none" lIns="91440" tIns="45720" rIns="91440" bIns="45720">
-              <a:spAutoFit/>
-            </a:bodyPr>
+            <a:bodyPr rtlCol="0" anchor="ctr"/>
             <a:lstStyle/>
             <a:p>
               <a:pPr algn="ctr"/>
-              <a:r>
-                <a:rPr lang="en-US" altLang="ko-KR" sz="3200" dirty="0">
-                  <a:ln w="0"/>
-                  <a:solidFill>
-                    <a:schemeClr val="bg1"/>
-                  </a:solidFill>
-                  <a:latin typeface="휴먼모음T" panose="02030504000101010101" pitchFamily="18" charset="-127"/>
-                  <a:ea typeface="휴먼모음T" panose="02030504000101010101" pitchFamily="18" charset="-127"/>
-                </a:rPr>
-                <a:t>PIXEL</a:t>
-              </a:r>
+              <a:endParaRPr lang="ko-KR" altLang="en-US"/>
             </a:p>
+          </p:txBody>
+        </p:sp>
+        <p:sp>
+          <p:nvSpPr>
+            <p:cNvPr id="8" name="직사각형 7">
+              <a:extLst>
+                <a:ext uri="{FF2B5EF4-FFF2-40B4-BE49-F238E27FC236}">
+                  <a16:creationId xmlns:a16="http://schemas.microsoft.com/office/drawing/2014/main" id="{1CEF67EB-83CD-4AC8-B562-503B6BE57419}"/>
+                </a:ext>
+              </a:extLst>
+            </p:cNvPr>
+            <p:cNvSpPr/>
+            <p:nvPr/>
+          </p:nvSpPr>
+          <p:spPr>
+            <a:xfrm>
+              <a:off x="1847460" y="0"/>
+              <a:ext cx="615820" cy="615820"/>
+            </a:xfrm>
+            <a:prstGeom prst="rect">
+              <a:avLst/>
+            </a:prstGeom>
+            <a:solidFill>
+              <a:srgbClr val="3EE2BD"/>
+            </a:solidFill>
+            <a:ln>
+              <a:noFill/>
+            </a:ln>
+          </p:spPr>
+          <p:style>
+            <a:lnRef idx="2">
+              <a:schemeClr val="accent1">
+                <a:shade val="50000"/>
+              </a:schemeClr>
+            </a:lnRef>
+            <a:fillRef idx="1">
+              <a:schemeClr val="accent1"/>
+            </a:fillRef>
+            <a:effectRef idx="0">
+              <a:schemeClr val="accent1"/>
+            </a:effectRef>
+            <a:fontRef idx="minor">
+              <a:schemeClr val="lt1"/>
+            </a:fontRef>
+          </p:style>
+          <p:txBody>
+            <a:bodyPr rtlCol="0" anchor="ctr"/>
+            <a:lstStyle/>
             <a:p>
               <a:pPr algn="ctr"/>
-              <a:r>
-                <a:rPr lang="ko-KR" altLang="en-US" sz="2400" dirty="0">
-                  <a:ln w="0"/>
-                  <a:solidFill>
-                    <a:schemeClr val="bg1"/>
-                  </a:solidFill>
-                  <a:latin typeface="휴먼모음T" panose="02030504000101010101" pitchFamily="18" charset="-127"/>
-                  <a:ea typeface="휴먼모음T" panose="02030504000101010101" pitchFamily="18" charset="-127"/>
-                </a:rPr>
-                <a:t>픽셀</a:t>
-              </a:r>
-              <a:endParaRPr lang="en-US" altLang="ko-KR" sz="2400" b="0" cap="none" spc="0" dirty="0">
+              <a:endParaRPr lang="ko-KR" altLang="en-US"/>
+            </a:p>
+          </p:txBody>
+        </p:sp>
+        <p:sp>
+          <p:nvSpPr>
+            <p:cNvPr id="9" name="직사각형 8">
+              <a:extLst>
+                <a:ext uri="{FF2B5EF4-FFF2-40B4-BE49-F238E27FC236}">
+                  <a16:creationId xmlns:a16="http://schemas.microsoft.com/office/drawing/2014/main" id="{7474B73F-9C6F-4CA2-8E32-7495B5290A81}"/>
+                </a:ext>
+              </a:extLst>
+            </p:cNvPr>
+            <p:cNvSpPr/>
+            <p:nvPr/>
+          </p:nvSpPr>
+          <p:spPr>
+            <a:xfrm>
+              <a:off x="2463280" y="0"/>
+              <a:ext cx="615820" cy="615820"/>
+            </a:xfrm>
+            <a:prstGeom prst="rect">
+              <a:avLst/>
+            </a:prstGeom>
+            <a:solidFill>
+              <a:srgbClr val="23DEB4"/>
+            </a:solidFill>
+            <a:ln>
+              <a:noFill/>
+            </a:ln>
+          </p:spPr>
+          <p:style>
+            <a:lnRef idx="2">
+              <a:schemeClr val="accent1">
+                <a:shade val="50000"/>
+              </a:schemeClr>
+            </a:lnRef>
+            <a:fillRef idx="1">
+              <a:schemeClr val="accent1"/>
+            </a:fillRef>
+            <a:effectRef idx="0">
+              <a:schemeClr val="accent1"/>
+            </a:effectRef>
+            <a:fontRef idx="minor">
+              <a:schemeClr val="lt1"/>
+            </a:fontRef>
+          </p:style>
+          <p:txBody>
+            <a:bodyPr rtlCol="0" anchor="ctr"/>
+            <a:lstStyle/>
+            <a:p>
+              <a:pPr algn="ctr"/>
+              <a:endParaRPr lang="ko-KR" altLang="en-US"/>
+            </a:p>
+          </p:txBody>
+        </p:sp>
+        <p:sp>
+          <p:nvSpPr>
+            <p:cNvPr id="10" name="직사각형 9">
+              <a:extLst>
+                <a:ext uri="{FF2B5EF4-FFF2-40B4-BE49-F238E27FC236}">
+                  <a16:creationId xmlns:a16="http://schemas.microsoft.com/office/drawing/2014/main" id="{1011E1D3-B1D8-4504-953E-4E764A508610}"/>
+                </a:ext>
+              </a:extLst>
+            </p:cNvPr>
+            <p:cNvSpPr/>
+            <p:nvPr/>
+          </p:nvSpPr>
+          <p:spPr>
+            <a:xfrm>
+              <a:off x="3079100" y="0"/>
+              <a:ext cx="615820" cy="615820"/>
+            </a:xfrm>
+            <a:prstGeom prst="rect">
+              <a:avLst/>
+            </a:prstGeom>
+            <a:solidFill>
+              <a:srgbClr val="3EE2BD"/>
+            </a:solidFill>
+            <a:ln>
+              <a:noFill/>
+            </a:ln>
+          </p:spPr>
+          <p:style>
+            <a:lnRef idx="2">
+              <a:schemeClr val="accent1">
+                <a:shade val="50000"/>
+              </a:schemeClr>
+            </a:lnRef>
+            <a:fillRef idx="1">
+              <a:schemeClr val="accent1"/>
+            </a:fillRef>
+            <a:effectRef idx="0">
+              <a:schemeClr val="accent1"/>
+            </a:effectRef>
+            <a:fontRef idx="minor">
+              <a:schemeClr val="lt1"/>
+            </a:fontRef>
+          </p:style>
+          <p:txBody>
+            <a:bodyPr rtlCol="0" anchor="ctr"/>
+            <a:lstStyle/>
+            <a:p>
+              <a:pPr algn="ctr"/>
+              <a:endParaRPr lang="ko-KR" altLang="en-US"/>
+            </a:p>
+          </p:txBody>
+        </p:sp>
+        <p:sp>
+          <p:nvSpPr>
+            <p:cNvPr id="11" name="직사각형 10">
+              <a:extLst>
+                <a:ext uri="{FF2B5EF4-FFF2-40B4-BE49-F238E27FC236}">
+                  <a16:creationId xmlns:a16="http://schemas.microsoft.com/office/drawing/2014/main" id="{E820D510-1CB0-4E52-9C22-5279DB05AD5D}"/>
+                </a:ext>
+              </a:extLst>
+            </p:cNvPr>
+            <p:cNvSpPr/>
+            <p:nvPr/>
+          </p:nvSpPr>
+          <p:spPr>
+            <a:xfrm>
+              <a:off x="3694920" y="0"/>
+              <a:ext cx="615820" cy="615820"/>
+            </a:xfrm>
+            <a:prstGeom prst="rect">
+              <a:avLst/>
+            </a:prstGeom>
+            <a:solidFill>
+              <a:srgbClr val="23DEB4"/>
+            </a:solidFill>
+            <a:ln>
+              <a:noFill/>
+            </a:ln>
+          </p:spPr>
+          <p:style>
+            <a:lnRef idx="2">
+              <a:schemeClr val="accent1">
+                <a:shade val="50000"/>
+              </a:schemeClr>
+            </a:lnRef>
+            <a:fillRef idx="1">
+              <a:schemeClr val="accent1"/>
+            </a:fillRef>
+            <a:effectRef idx="0">
+              <a:schemeClr val="accent1"/>
+            </a:effectRef>
+            <a:fontRef idx="minor">
+              <a:schemeClr val="lt1"/>
+            </a:fontRef>
+          </p:style>
+          <p:txBody>
+            <a:bodyPr rtlCol="0" anchor="ctr"/>
+            <a:lstStyle/>
+            <a:p>
+              <a:pPr algn="ctr"/>
+              <a:endParaRPr lang="ko-KR" altLang="en-US"/>
+            </a:p>
+          </p:txBody>
+        </p:sp>
+        <p:sp>
+          <p:nvSpPr>
+            <p:cNvPr id="12" name="직사각형 11">
+              <a:extLst>
+                <a:ext uri="{FF2B5EF4-FFF2-40B4-BE49-F238E27FC236}">
+                  <a16:creationId xmlns:a16="http://schemas.microsoft.com/office/drawing/2014/main" id="{E5830419-6E88-4DFA-A16F-1EC5FE0B4A6E}"/>
+                </a:ext>
+              </a:extLst>
+            </p:cNvPr>
+            <p:cNvSpPr/>
+            <p:nvPr/>
+          </p:nvSpPr>
+          <p:spPr>
+            <a:xfrm>
+              <a:off x="4310740" y="0"/>
+              <a:ext cx="615820" cy="615820"/>
+            </a:xfrm>
+            <a:prstGeom prst="rect">
+              <a:avLst/>
+            </a:prstGeom>
+            <a:solidFill>
+              <a:srgbClr val="3EE2BD"/>
+            </a:solidFill>
+            <a:ln>
+              <a:noFill/>
+            </a:ln>
+          </p:spPr>
+          <p:style>
+            <a:lnRef idx="2">
+              <a:schemeClr val="accent1">
+                <a:shade val="50000"/>
+              </a:schemeClr>
+            </a:lnRef>
+            <a:fillRef idx="1">
+              <a:schemeClr val="accent1"/>
+            </a:fillRef>
+            <a:effectRef idx="0">
+              <a:schemeClr val="accent1"/>
+            </a:effectRef>
+            <a:fontRef idx="minor">
+              <a:schemeClr val="lt1"/>
+            </a:fontRef>
+          </p:style>
+          <p:txBody>
+            <a:bodyPr rtlCol="0" anchor="ctr"/>
+            <a:lstStyle/>
+            <a:p>
+              <a:pPr algn="ctr"/>
+              <a:endParaRPr lang="ko-KR" altLang="en-US"/>
+            </a:p>
+          </p:txBody>
+        </p:sp>
+        <p:sp>
+          <p:nvSpPr>
+            <p:cNvPr id="13" name="직사각형 12">
+              <a:extLst>
+                <a:ext uri="{FF2B5EF4-FFF2-40B4-BE49-F238E27FC236}">
+                  <a16:creationId xmlns:a16="http://schemas.microsoft.com/office/drawing/2014/main" id="{87836683-6875-443D-84B4-A493B143CC10}"/>
+                </a:ext>
+              </a:extLst>
+            </p:cNvPr>
+            <p:cNvSpPr/>
+            <p:nvPr/>
+          </p:nvSpPr>
+          <p:spPr>
+            <a:xfrm>
+              <a:off x="4926560" y="0"/>
+              <a:ext cx="615820" cy="615820"/>
+            </a:xfrm>
+            <a:prstGeom prst="rect">
+              <a:avLst/>
+            </a:prstGeom>
+            <a:solidFill>
+              <a:srgbClr val="23DEB4"/>
+            </a:solidFill>
+            <a:ln>
+              <a:noFill/>
+            </a:ln>
+          </p:spPr>
+          <p:style>
+            <a:lnRef idx="2">
+              <a:schemeClr val="accent1">
+                <a:shade val="50000"/>
+              </a:schemeClr>
+            </a:lnRef>
+            <a:fillRef idx="1">
+              <a:schemeClr val="accent1"/>
+            </a:fillRef>
+            <a:effectRef idx="0">
+              <a:schemeClr val="accent1"/>
+            </a:effectRef>
+            <a:fontRef idx="minor">
+              <a:schemeClr val="lt1"/>
+            </a:fontRef>
+          </p:style>
+          <p:txBody>
+            <a:bodyPr rtlCol="0" anchor="ctr"/>
+            <a:lstStyle/>
+            <a:p>
+              <a:pPr algn="ctr"/>
+              <a:endParaRPr lang="ko-KR" altLang="en-US"/>
+            </a:p>
+          </p:txBody>
+        </p:sp>
+        <p:sp>
+          <p:nvSpPr>
+            <p:cNvPr id="14" name="직사각형 13">
+              <a:extLst>
+                <a:ext uri="{FF2B5EF4-FFF2-40B4-BE49-F238E27FC236}">
+                  <a16:creationId xmlns:a16="http://schemas.microsoft.com/office/drawing/2014/main" id="{0860CB0E-B1BA-42E3-A996-B9EDBBF51728}"/>
+                </a:ext>
+              </a:extLst>
+            </p:cNvPr>
+            <p:cNvSpPr/>
+            <p:nvPr/>
+          </p:nvSpPr>
+          <p:spPr>
+            <a:xfrm>
+              <a:off x="5542380" y="0"/>
+              <a:ext cx="615820" cy="615820"/>
+            </a:xfrm>
+            <a:prstGeom prst="rect">
+              <a:avLst/>
+            </a:prstGeom>
+            <a:solidFill>
+              <a:srgbClr val="3EE2BD"/>
+            </a:solidFill>
+            <a:ln>
+              <a:noFill/>
+            </a:ln>
+          </p:spPr>
+          <p:style>
+            <a:lnRef idx="2">
+              <a:schemeClr val="accent1">
+                <a:shade val="50000"/>
+              </a:schemeClr>
+            </a:lnRef>
+            <a:fillRef idx="1">
+              <a:schemeClr val="accent1"/>
+            </a:fillRef>
+            <a:effectRef idx="0">
+              <a:schemeClr val="accent1"/>
+            </a:effectRef>
+            <a:fontRef idx="minor">
+              <a:schemeClr val="lt1"/>
+            </a:fontRef>
+          </p:style>
+          <p:txBody>
+            <a:bodyPr rtlCol="0" anchor="ctr"/>
+            <a:lstStyle/>
+            <a:p>
+              <a:pPr algn="ctr"/>
+              <a:endParaRPr lang="ko-KR" altLang="en-US"/>
+            </a:p>
+          </p:txBody>
+        </p:sp>
+        <p:sp>
+          <p:nvSpPr>
+            <p:cNvPr id="15" name="직사각형 14">
+              <a:extLst>
+                <a:ext uri="{FF2B5EF4-FFF2-40B4-BE49-F238E27FC236}">
+                  <a16:creationId xmlns:a16="http://schemas.microsoft.com/office/drawing/2014/main" id="{B430CDA4-75B6-4687-ADC9-B205D1F769E5}"/>
+                </a:ext>
+              </a:extLst>
+            </p:cNvPr>
+            <p:cNvSpPr/>
+            <p:nvPr/>
+          </p:nvSpPr>
+          <p:spPr>
+            <a:xfrm>
+              <a:off x="6158200" y="0"/>
+              <a:ext cx="615820" cy="615820"/>
+            </a:xfrm>
+            <a:prstGeom prst="rect">
+              <a:avLst/>
+            </a:prstGeom>
+            <a:solidFill>
+              <a:srgbClr val="23DEB4"/>
+            </a:solidFill>
+            <a:ln>
+              <a:noFill/>
+            </a:ln>
+          </p:spPr>
+          <p:style>
+            <a:lnRef idx="2">
+              <a:schemeClr val="accent1">
+                <a:shade val="50000"/>
+              </a:schemeClr>
+            </a:lnRef>
+            <a:fillRef idx="1">
+              <a:schemeClr val="accent1"/>
+            </a:fillRef>
+            <a:effectRef idx="0">
+              <a:schemeClr val="accent1"/>
+            </a:effectRef>
+            <a:fontRef idx="minor">
+              <a:schemeClr val="lt1"/>
+            </a:fontRef>
+          </p:style>
+          <p:txBody>
+            <a:bodyPr rtlCol="0" anchor="ctr"/>
+            <a:lstStyle/>
+            <a:p>
+              <a:pPr algn="ctr"/>
+              <a:endParaRPr lang="ko-KR" altLang="en-US"/>
+            </a:p>
+          </p:txBody>
+        </p:sp>
+        <p:sp>
+          <p:nvSpPr>
+            <p:cNvPr id="16" name="직사각형 15">
+              <a:extLst>
+                <a:ext uri="{FF2B5EF4-FFF2-40B4-BE49-F238E27FC236}">
+                  <a16:creationId xmlns:a16="http://schemas.microsoft.com/office/drawing/2014/main" id="{616BF026-CEAA-486E-8C95-009279C4980A}"/>
+                </a:ext>
+              </a:extLst>
+            </p:cNvPr>
+            <p:cNvSpPr/>
+            <p:nvPr/>
+          </p:nvSpPr>
+          <p:spPr>
+            <a:xfrm>
+              <a:off x="6774020" y="0"/>
+              <a:ext cx="615820" cy="615820"/>
+            </a:xfrm>
+            <a:prstGeom prst="rect">
+              <a:avLst/>
+            </a:prstGeom>
+            <a:solidFill>
+              <a:srgbClr val="3EE2BD"/>
+            </a:solidFill>
+            <a:ln>
+              <a:noFill/>
+            </a:ln>
+          </p:spPr>
+          <p:style>
+            <a:lnRef idx="2">
+              <a:schemeClr val="accent1">
+                <a:shade val="50000"/>
+              </a:schemeClr>
+            </a:lnRef>
+            <a:fillRef idx="1">
+              <a:schemeClr val="accent1"/>
+            </a:fillRef>
+            <a:effectRef idx="0">
+              <a:schemeClr val="accent1"/>
+            </a:effectRef>
+            <a:fontRef idx="minor">
+              <a:schemeClr val="lt1"/>
+            </a:fontRef>
+          </p:style>
+          <p:txBody>
+            <a:bodyPr rtlCol="0" anchor="ctr"/>
+            <a:lstStyle/>
+            <a:p>
+              <a:pPr algn="ctr"/>
+              <a:endParaRPr lang="ko-KR" altLang="en-US"/>
+            </a:p>
+          </p:txBody>
+        </p:sp>
+        <p:sp>
+          <p:nvSpPr>
+            <p:cNvPr id="18" name="직사각형 17">
+              <a:extLst>
+                <a:ext uri="{FF2B5EF4-FFF2-40B4-BE49-F238E27FC236}">
+                  <a16:creationId xmlns:a16="http://schemas.microsoft.com/office/drawing/2014/main" id="{0B96A17A-E116-408B-8DA4-E9357A0C3437}"/>
+                </a:ext>
+              </a:extLst>
+            </p:cNvPr>
+            <p:cNvSpPr/>
+            <p:nvPr/>
+          </p:nvSpPr>
+          <p:spPr>
+            <a:xfrm>
+              <a:off x="615820" y="615820"/>
+              <a:ext cx="615820" cy="615820"/>
+            </a:xfrm>
+            <a:prstGeom prst="rect">
+              <a:avLst/>
+            </a:prstGeom>
+            <a:solidFill>
+              <a:srgbClr val="23DEB4"/>
+            </a:solidFill>
+            <a:ln>
+              <a:noFill/>
+            </a:ln>
+          </p:spPr>
+          <p:style>
+            <a:lnRef idx="2">
+              <a:schemeClr val="accent1">
+                <a:shade val="50000"/>
+              </a:schemeClr>
+            </a:lnRef>
+            <a:fillRef idx="1">
+              <a:schemeClr val="accent1"/>
+            </a:fillRef>
+            <a:effectRef idx="0">
+              <a:schemeClr val="accent1"/>
+            </a:effectRef>
+            <a:fontRef idx="minor">
+              <a:schemeClr val="lt1"/>
+            </a:fontRef>
+          </p:style>
+          <p:txBody>
+            <a:bodyPr rtlCol="0" anchor="ctr"/>
+            <a:lstStyle/>
+            <a:p>
+              <a:pPr algn="ctr"/>
+              <a:endParaRPr lang="ko-KR" altLang="en-US"/>
+            </a:p>
+          </p:txBody>
+        </p:sp>
+        <p:sp>
+          <p:nvSpPr>
+            <p:cNvPr id="19" name="직사각형 18">
+              <a:extLst>
+                <a:ext uri="{FF2B5EF4-FFF2-40B4-BE49-F238E27FC236}">
+                  <a16:creationId xmlns:a16="http://schemas.microsoft.com/office/drawing/2014/main" id="{79C217F4-E3F2-428C-A5ED-B8E2A1AE6528}"/>
+                </a:ext>
+              </a:extLst>
+            </p:cNvPr>
+            <p:cNvSpPr/>
+            <p:nvPr/>
+          </p:nvSpPr>
+          <p:spPr>
+            <a:xfrm>
+              <a:off x="1231640" y="615820"/>
+              <a:ext cx="615820" cy="615820"/>
+            </a:xfrm>
+            <a:prstGeom prst="rect">
+              <a:avLst/>
+            </a:prstGeom>
+            <a:solidFill>
+              <a:srgbClr val="3EE2BD"/>
+            </a:solidFill>
+            <a:ln>
+              <a:noFill/>
+            </a:ln>
+          </p:spPr>
+          <p:style>
+            <a:lnRef idx="2">
+              <a:schemeClr val="accent1">
+                <a:shade val="50000"/>
+              </a:schemeClr>
+            </a:lnRef>
+            <a:fillRef idx="1">
+              <a:schemeClr val="accent1"/>
+            </a:fillRef>
+            <a:effectRef idx="0">
+              <a:schemeClr val="accent1"/>
+            </a:effectRef>
+            <a:fontRef idx="minor">
+              <a:schemeClr val="lt1"/>
+            </a:fontRef>
+          </p:style>
+          <p:txBody>
+            <a:bodyPr rtlCol="0" anchor="ctr"/>
+            <a:lstStyle/>
+            <a:p>
+              <a:pPr algn="ctr"/>
+              <a:endParaRPr lang="ko-KR" altLang="en-US"/>
+            </a:p>
+          </p:txBody>
+        </p:sp>
+        <p:sp>
+          <p:nvSpPr>
+            <p:cNvPr id="20" name="직사각형 19">
+              <a:extLst>
+                <a:ext uri="{FF2B5EF4-FFF2-40B4-BE49-F238E27FC236}">
+                  <a16:creationId xmlns:a16="http://schemas.microsoft.com/office/drawing/2014/main" id="{C08F340E-CA34-4159-8591-7CCCBA160317}"/>
+                </a:ext>
+              </a:extLst>
+            </p:cNvPr>
+            <p:cNvSpPr/>
+            <p:nvPr/>
+          </p:nvSpPr>
+          <p:spPr>
+            <a:xfrm>
+              <a:off x="1847460" y="615820"/>
+              <a:ext cx="615820" cy="615820"/>
+            </a:xfrm>
+            <a:prstGeom prst="rect">
+              <a:avLst/>
+            </a:prstGeom>
+            <a:solidFill>
+              <a:srgbClr val="23DEB4"/>
+            </a:solidFill>
+            <a:ln>
+              <a:noFill/>
+            </a:ln>
+          </p:spPr>
+          <p:style>
+            <a:lnRef idx="2">
+              <a:schemeClr val="accent1">
+                <a:shade val="50000"/>
+              </a:schemeClr>
+            </a:lnRef>
+            <a:fillRef idx="1">
+              <a:schemeClr val="accent1"/>
+            </a:fillRef>
+            <a:effectRef idx="0">
+              <a:schemeClr val="accent1"/>
+            </a:effectRef>
+            <a:fontRef idx="minor">
+              <a:schemeClr val="lt1"/>
+            </a:fontRef>
+          </p:style>
+          <p:txBody>
+            <a:bodyPr rtlCol="0" anchor="ctr"/>
+            <a:lstStyle/>
+            <a:p>
+              <a:pPr algn="ctr"/>
+              <a:endParaRPr lang="ko-KR" altLang="en-US"/>
+            </a:p>
+          </p:txBody>
+        </p:sp>
+        <p:sp>
+          <p:nvSpPr>
+            <p:cNvPr id="21" name="직사각형 20">
+              <a:extLst>
+                <a:ext uri="{FF2B5EF4-FFF2-40B4-BE49-F238E27FC236}">
+                  <a16:creationId xmlns:a16="http://schemas.microsoft.com/office/drawing/2014/main" id="{2B8FF4FB-B302-4908-AFCE-9AFE0771ED98}"/>
+                </a:ext>
+              </a:extLst>
+            </p:cNvPr>
+            <p:cNvSpPr/>
+            <p:nvPr/>
+          </p:nvSpPr>
+          <p:spPr>
+            <a:xfrm>
+              <a:off x="2463280" y="615820"/>
+              <a:ext cx="615820" cy="615820"/>
+            </a:xfrm>
+            <a:prstGeom prst="rect">
+              <a:avLst/>
+            </a:prstGeom>
+            <a:solidFill>
+              <a:srgbClr val="3EE2BD"/>
+            </a:solidFill>
+            <a:ln>
+              <a:noFill/>
+            </a:ln>
+          </p:spPr>
+          <p:style>
+            <a:lnRef idx="2">
+              <a:schemeClr val="accent1">
+                <a:shade val="50000"/>
+              </a:schemeClr>
+            </a:lnRef>
+            <a:fillRef idx="1">
+              <a:schemeClr val="accent1"/>
+            </a:fillRef>
+            <a:effectRef idx="0">
+              <a:schemeClr val="accent1"/>
+            </a:effectRef>
+            <a:fontRef idx="minor">
+              <a:schemeClr val="lt1"/>
+            </a:fontRef>
+          </p:style>
+          <p:txBody>
+            <a:bodyPr rtlCol="0" anchor="ctr"/>
+            <a:lstStyle/>
+            <a:p>
+              <a:pPr algn="ctr"/>
+              <a:endParaRPr lang="ko-KR" altLang="en-US"/>
+            </a:p>
+          </p:txBody>
+        </p:sp>
+        <p:sp>
+          <p:nvSpPr>
+            <p:cNvPr id="22" name="직사각형 21">
+              <a:extLst>
+                <a:ext uri="{FF2B5EF4-FFF2-40B4-BE49-F238E27FC236}">
+                  <a16:creationId xmlns:a16="http://schemas.microsoft.com/office/drawing/2014/main" id="{DA3DF4B6-6B71-43D6-9163-3FDEABCD1019}"/>
+                </a:ext>
+              </a:extLst>
+            </p:cNvPr>
+            <p:cNvSpPr/>
+            <p:nvPr/>
+          </p:nvSpPr>
+          <p:spPr>
+            <a:xfrm>
+              <a:off x="3079100" y="615820"/>
+              <a:ext cx="615820" cy="615820"/>
+            </a:xfrm>
+            <a:prstGeom prst="rect">
+              <a:avLst/>
+            </a:prstGeom>
+            <a:solidFill>
+              <a:srgbClr val="23DEB4"/>
+            </a:solidFill>
+            <a:ln>
+              <a:noFill/>
+            </a:ln>
+          </p:spPr>
+          <p:style>
+            <a:lnRef idx="2">
+              <a:schemeClr val="accent1">
+                <a:shade val="50000"/>
+              </a:schemeClr>
+            </a:lnRef>
+            <a:fillRef idx="1">
+              <a:schemeClr val="accent1"/>
+            </a:fillRef>
+            <a:effectRef idx="0">
+              <a:schemeClr val="accent1"/>
+            </a:effectRef>
+            <a:fontRef idx="minor">
+              <a:schemeClr val="lt1"/>
+            </a:fontRef>
+          </p:style>
+          <p:txBody>
+            <a:bodyPr rtlCol="0" anchor="ctr"/>
+            <a:lstStyle/>
+            <a:p>
+              <a:pPr algn="ctr"/>
+              <a:endParaRPr lang="ko-KR" altLang="en-US"/>
+            </a:p>
+          </p:txBody>
+        </p:sp>
+        <p:sp>
+          <p:nvSpPr>
+            <p:cNvPr id="23" name="직사각형 22">
+              <a:extLst>
+                <a:ext uri="{FF2B5EF4-FFF2-40B4-BE49-F238E27FC236}">
+                  <a16:creationId xmlns:a16="http://schemas.microsoft.com/office/drawing/2014/main" id="{5B9BFF14-2501-4C29-9571-3D2753A76D6C}"/>
+                </a:ext>
+              </a:extLst>
+            </p:cNvPr>
+            <p:cNvSpPr/>
+            <p:nvPr/>
+          </p:nvSpPr>
+          <p:spPr>
+            <a:xfrm>
+              <a:off x="3694920" y="615820"/>
+              <a:ext cx="615820" cy="615820"/>
+            </a:xfrm>
+            <a:prstGeom prst="rect">
+              <a:avLst/>
+            </a:prstGeom>
+            <a:solidFill>
+              <a:srgbClr val="3EE2BD"/>
+            </a:solidFill>
+            <a:ln>
+              <a:noFill/>
+            </a:ln>
+          </p:spPr>
+          <p:style>
+            <a:lnRef idx="2">
+              <a:schemeClr val="accent1">
+                <a:shade val="50000"/>
+              </a:schemeClr>
+            </a:lnRef>
+            <a:fillRef idx="1">
+              <a:schemeClr val="accent1"/>
+            </a:fillRef>
+            <a:effectRef idx="0">
+              <a:schemeClr val="accent1"/>
+            </a:effectRef>
+            <a:fontRef idx="minor">
+              <a:schemeClr val="lt1"/>
+            </a:fontRef>
+          </p:style>
+          <p:txBody>
+            <a:bodyPr rtlCol="0" anchor="ctr"/>
+            <a:lstStyle/>
+            <a:p>
+              <a:pPr algn="ctr"/>
+              <a:endParaRPr lang="ko-KR" altLang="en-US"/>
+            </a:p>
+          </p:txBody>
+        </p:sp>
+        <p:sp>
+          <p:nvSpPr>
+            <p:cNvPr id="24" name="직사각형 23">
+              <a:extLst>
+                <a:ext uri="{FF2B5EF4-FFF2-40B4-BE49-F238E27FC236}">
+                  <a16:creationId xmlns:a16="http://schemas.microsoft.com/office/drawing/2014/main" id="{C17A7CDE-A1F2-4D34-8FE2-2B6D90DCE97B}"/>
+                </a:ext>
+              </a:extLst>
+            </p:cNvPr>
+            <p:cNvSpPr/>
+            <p:nvPr/>
+          </p:nvSpPr>
+          <p:spPr>
+            <a:xfrm>
+              <a:off x="4310740" y="615820"/>
+              <a:ext cx="615820" cy="615820"/>
+            </a:xfrm>
+            <a:prstGeom prst="rect">
+              <a:avLst/>
+            </a:prstGeom>
+            <a:solidFill>
+              <a:srgbClr val="23DEB4"/>
+            </a:solidFill>
+            <a:ln>
+              <a:noFill/>
+            </a:ln>
+          </p:spPr>
+          <p:style>
+            <a:lnRef idx="2">
+              <a:schemeClr val="accent1">
+                <a:shade val="50000"/>
+              </a:schemeClr>
+            </a:lnRef>
+            <a:fillRef idx="1">
+              <a:schemeClr val="accent1"/>
+            </a:fillRef>
+            <a:effectRef idx="0">
+              <a:schemeClr val="accent1"/>
+            </a:effectRef>
+            <a:fontRef idx="minor">
+              <a:schemeClr val="lt1"/>
+            </a:fontRef>
+          </p:style>
+          <p:txBody>
+            <a:bodyPr rtlCol="0" anchor="ctr"/>
+            <a:lstStyle/>
+            <a:p>
+              <a:pPr algn="ctr"/>
+              <a:endParaRPr lang="ko-KR" altLang="en-US"/>
+            </a:p>
+          </p:txBody>
+        </p:sp>
+        <p:sp>
+          <p:nvSpPr>
+            <p:cNvPr id="25" name="직사각형 24">
+              <a:extLst>
+                <a:ext uri="{FF2B5EF4-FFF2-40B4-BE49-F238E27FC236}">
+                  <a16:creationId xmlns:a16="http://schemas.microsoft.com/office/drawing/2014/main" id="{78AFCF09-4E0A-49D5-935B-391D4F6F3CF3}"/>
+                </a:ext>
+              </a:extLst>
+            </p:cNvPr>
+            <p:cNvSpPr/>
+            <p:nvPr/>
+          </p:nvSpPr>
+          <p:spPr>
+            <a:xfrm>
+              <a:off x="4926560" y="615820"/>
+              <a:ext cx="615820" cy="615820"/>
+            </a:xfrm>
+            <a:prstGeom prst="rect">
+              <a:avLst/>
+            </a:prstGeom>
+            <a:solidFill>
+              <a:srgbClr val="3EE2BD"/>
+            </a:solidFill>
+            <a:ln>
+              <a:noFill/>
+            </a:ln>
+          </p:spPr>
+          <p:style>
+            <a:lnRef idx="2">
+              <a:schemeClr val="accent1">
+                <a:shade val="50000"/>
+              </a:schemeClr>
+            </a:lnRef>
+            <a:fillRef idx="1">
+              <a:schemeClr val="accent1"/>
+            </a:fillRef>
+            <a:effectRef idx="0">
+              <a:schemeClr val="accent1"/>
+            </a:effectRef>
+            <a:fontRef idx="minor">
+              <a:schemeClr val="lt1"/>
+            </a:fontRef>
+          </p:style>
+          <p:txBody>
+            <a:bodyPr rtlCol="0" anchor="ctr"/>
+            <a:lstStyle/>
+            <a:p>
+              <a:pPr algn="ctr"/>
+              <a:endParaRPr lang="ko-KR" altLang="en-US"/>
+            </a:p>
+          </p:txBody>
+        </p:sp>
+        <p:sp>
+          <p:nvSpPr>
+            <p:cNvPr id="26" name="직사각형 25">
+              <a:extLst>
+                <a:ext uri="{FF2B5EF4-FFF2-40B4-BE49-F238E27FC236}">
+                  <a16:creationId xmlns:a16="http://schemas.microsoft.com/office/drawing/2014/main" id="{D0A39CFF-12E6-47A3-93A8-D1EE740BBB97}"/>
+                </a:ext>
+              </a:extLst>
+            </p:cNvPr>
+            <p:cNvSpPr/>
+            <p:nvPr/>
+          </p:nvSpPr>
+          <p:spPr>
+            <a:xfrm>
+              <a:off x="5542380" y="615820"/>
+              <a:ext cx="615820" cy="615820"/>
+            </a:xfrm>
+            <a:prstGeom prst="rect">
+              <a:avLst/>
+            </a:prstGeom>
+            <a:solidFill>
+              <a:srgbClr val="23DEB4"/>
+            </a:solidFill>
+            <a:ln>
+              <a:noFill/>
+            </a:ln>
+          </p:spPr>
+          <p:style>
+            <a:lnRef idx="2">
+              <a:schemeClr val="accent1">
+                <a:shade val="50000"/>
+              </a:schemeClr>
+            </a:lnRef>
+            <a:fillRef idx="1">
+              <a:schemeClr val="accent1"/>
+            </a:fillRef>
+            <a:effectRef idx="0">
+              <a:schemeClr val="accent1"/>
+            </a:effectRef>
+            <a:fontRef idx="minor">
+              <a:schemeClr val="lt1"/>
+            </a:fontRef>
+          </p:style>
+          <p:txBody>
+            <a:bodyPr rtlCol="0" anchor="ctr"/>
+            <a:lstStyle/>
+            <a:p>
+              <a:pPr algn="ctr"/>
+              <a:endParaRPr lang="ko-KR" altLang="en-US"/>
+            </a:p>
+          </p:txBody>
+        </p:sp>
+        <p:sp>
+          <p:nvSpPr>
+            <p:cNvPr id="27" name="직사각형 26">
+              <a:extLst>
+                <a:ext uri="{FF2B5EF4-FFF2-40B4-BE49-F238E27FC236}">
+                  <a16:creationId xmlns:a16="http://schemas.microsoft.com/office/drawing/2014/main" id="{322ACEC0-BB21-460D-A29F-B33EE9717976}"/>
+                </a:ext>
+              </a:extLst>
+            </p:cNvPr>
+            <p:cNvSpPr/>
+            <p:nvPr/>
+          </p:nvSpPr>
+          <p:spPr>
+            <a:xfrm>
+              <a:off x="6158200" y="615820"/>
+              <a:ext cx="615820" cy="615820"/>
+            </a:xfrm>
+            <a:prstGeom prst="rect">
+              <a:avLst/>
+            </a:prstGeom>
+            <a:solidFill>
+              <a:srgbClr val="3EE2BD"/>
+            </a:solidFill>
+            <a:ln>
+              <a:noFill/>
+            </a:ln>
+          </p:spPr>
+          <p:style>
+            <a:lnRef idx="2">
+              <a:schemeClr val="accent1">
+                <a:shade val="50000"/>
+              </a:schemeClr>
+            </a:lnRef>
+            <a:fillRef idx="1">
+              <a:schemeClr val="accent1"/>
+            </a:fillRef>
+            <a:effectRef idx="0">
+              <a:schemeClr val="accent1"/>
+            </a:effectRef>
+            <a:fontRef idx="minor">
+              <a:schemeClr val="lt1"/>
+            </a:fontRef>
+          </p:style>
+          <p:txBody>
+            <a:bodyPr rtlCol="0" anchor="ctr"/>
+            <a:lstStyle/>
+            <a:p>
+              <a:pPr algn="ctr"/>
+              <a:endParaRPr lang="ko-KR" altLang="en-US"/>
+            </a:p>
+          </p:txBody>
+        </p:sp>
+        <p:sp>
+          <p:nvSpPr>
+            <p:cNvPr id="28" name="직사각형 27">
+              <a:extLst>
+                <a:ext uri="{FF2B5EF4-FFF2-40B4-BE49-F238E27FC236}">
+                  <a16:creationId xmlns:a16="http://schemas.microsoft.com/office/drawing/2014/main" id="{208EE40A-297B-49CA-B8B7-1E470EF1F984}"/>
+                </a:ext>
+              </a:extLst>
+            </p:cNvPr>
+            <p:cNvSpPr/>
+            <p:nvPr/>
+          </p:nvSpPr>
+          <p:spPr>
+            <a:xfrm>
+              <a:off x="6774020" y="615820"/>
+              <a:ext cx="615820" cy="615820"/>
+            </a:xfrm>
+            <a:prstGeom prst="rect">
+              <a:avLst/>
+            </a:prstGeom>
+            <a:solidFill>
+              <a:srgbClr val="23DEB4"/>
+            </a:solidFill>
+            <a:ln>
+              <a:noFill/>
+            </a:ln>
+          </p:spPr>
+          <p:style>
+            <a:lnRef idx="2">
+              <a:schemeClr val="accent1">
+                <a:shade val="50000"/>
+              </a:schemeClr>
+            </a:lnRef>
+            <a:fillRef idx="1">
+              <a:schemeClr val="accent1"/>
+            </a:fillRef>
+            <a:effectRef idx="0">
+              <a:schemeClr val="accent1"/>
+            </a:effectRef>
+            <a:fontRef idx="minor">
+              <a:schemeClr val="lt1"/>
+            </a:fontRef>
+          </p:style>
+          <p:txBody>
+            <a:bodyPr rtlCol="0" anchor="ctr"/>
+            <a:lstStyle/>
+            <a:p>
+              <a:pPr algn="ctr"/>
+              <a:endParaRPr lang="ko-KR" altLang="en-US"/>
+            </a:p>
+          </p:txBody>
+        </p:sp>
+        <p:sp>
+          <p:nvSpPr>
+            <p:cNvPr id="29" name="직사각형 28">
+              <a:extLst>
+                <a:ext uri="{FF2B5EF4-FFF2-40B4-BE49-F238E27FC236}">
+                  <a16:creationId xmlns:a16="http://schemas.microsoft.com/office/drawing/2014/main" id="{C7143B57-EF70-4DF1-9F73-C926FC5F9B3C}"/>
+                </a:ext>
+              </a:extLst>
+            </p:cNvPr>
+            <p:cNvSpPr/>
+            <p:nvPr/>
+          </p:nvSpPr>
+          <p:spPr>
+            <a:xfrm>
+              <a:off x="0" y="615820"/>
+              <a:ext cx="615820" cy="615820"/>
+            </a:xfrm>
+            <a:prstGeom prst="rect">
+              <a:avLst/>
+            </a:prstGeom>
+            <a:solidFill>
+              <a:srgbClr val="3EE2BD"/>
+            </a:solidFill>
+            <a:ln>
+              <a:noFill/>
+            </a:ln>
+          </p:spPr>
+          <p:style>
+            <a:lnRef idx="2">
+              <a:schemeClr val="accent1">
+                <a:shade val="50000"/>
+              </a:schemeClr>
+            </a:lnRef>
+            <a:fillRef idx="1">
+              <a:schemeClr val="accent1"/>
+            </a:fillRef>
+            <a:effectRef idx="0">
+              <a:schemeClr val="accent1"/>
+            </a:effectRef>
+            <a:fontRef idx="minor">
+              <a:schemeClr val="lt1"/>
+            </a:fontRef>
+          </p:style>
+          <p:txBody>
+            <a:bodyPr rtlCol="0" anchor="ctr"/>
+            <a:lstStyle/>
+            <a:p>
+              <a:pPr algn="ctr"/>
+              <a:endParaRPr lang="ko-KR" altLang="en-US"/>
+            </a:p>
+          </p:txBody>
+        </p:sp>
+        <p:sp>
+          <p:nvSpPr>
+            <p:cNvPr id="30" name="직사각형 29">
+              <a:extLst>
+                <a:ext uri="{FF2B5EF4-FFF2-40B4-BE49-F238E27FC236}">
+                  <a16:creationId xmlns:a16="http://schemas.microsoft.com/office/drawing/2014/main" id="{C17A882E-23D8-43D9-BF7A-EF421764315D}"/>
+                </a:ext>
+              </a:extLst>
+            </p:cNvPr>
+            <p:cNvSpPr/>
+            <p:nvPr/>
+          </p:nvSpPr>
+          <p:spPr>
+            <a:xfrm>
+              <a:off x="0" y="1231640"/>
+              <a:ext cx="615820" cy="615820"/>
+            </a:xfrm>
+            <a:prstGeom prst="rect">
+              <a:avLst/>
+            </a:prstGeom>
+            <a:solidFill>
+              <a:srgbClr val="23DEB4"/>
+            </a:solidFill>
+            <a:ln>
+              <a:noFill/>
+            </a:ln>
+          </p:spPr>
+          <p:style>
+            <a:lnRef idx="2">
+              <a:schemeClr val="accent1">
+                <a:shade val="50000"/>
+              </a:schemeClr>
+            </a:lnRef>
+            <a:fillRef idx="1">
+              <a:schemeClr val="accent1"/>
+            </a:fillRef>
+            <a:effectRef idx="0">
+              <a:schemeClr val="accent1"/>
+            </a:effectRef>
+            <a:fontRef idx="minor">
+              <a:schemeClr val="lt1"/>
+            </a:fontRef>
+          </p:style>
+          <p:txBody>
+            <a:bodyPr rtlCol="0" anchor="ctr"/>
+            <a:lstStyle/>
+            <a:p>
+              <a:pPr algn="ctr"/>
+              <a:endParaRPr lang="ko-KR" altLang="en-US"/>
+            </a:p>
+          </p:txBody>
+        </p:sp>
+        <p:sp>
+          <p:nvSpPr>
+            <p:cNvPr id="31" name="직사각형 30">
+              <a:extLst>
+                <a:ext uri="{FF2B5EF4-FFF2-40B4-BE49-F238E27FC236}">
+                  <a16:creationId xmlns:a16="http://schemas.microsoft.com/office/drawing/2014/main" id="{ABD438A7-528A-4052-9EA7-0B8EAD7A56AF}"/>
+                </a:ext>
+              </a:extLst>
+            </p:cNvPr>
+            <p:cNvSpPr/>
+            <p:nvPr/>
+          </p:nvSpPr>
+          <p:spPr>
+            <a:xfrm>
+              <a:off x="615820" y="1231640"/>
+              <a:ext cx="615820" cy="615820"/>
+            </a:xfrm>
+            <a:prstGeom prst="rect">
+              <a:avLst/>
+            </a:prstGeom>
+            <a:solidFill>
+              <a:srgbClr val="3EE2BD"/>
+            </a:solidFill>
+            <a:ln>
+              <a:noFill/>
+            </a:ln>
+          </p:spPr>
+          <p:style>
+            <a:lnRef idx="2">
+              <a:schemeClr val="accent1">
+                <a:shade val="50000"/>
+              </a:schemeClr>
+            </a:lnRef>
+            <a:fillRef idx="1">
+              <a:schemeClr val="accent1"/>
+            </a:fillRef>
+            <a:effectRef idx="0">
+              <a:schemeClr val="accent1"/>
+            </a:effectRef>
+            <a:fontRef idx="minor">
+              <a:schemeClr val="lt1"/>
+            </a:fontRef>
+          </p:style>
+          <p:txBody>
+            <a:bodyPr rtlCol="0" anchor="ctr"/>
+            <a:lstStyle/>
+            <a:p>
+              <a:pPr algn="ctr"/>
+              <a:endParaRPr lang="ko-KR" altLang="en-US"/>
+            </a:p>
+          </p:txBody>
+        </p:sp>
+        <p:sp>
+          <p:nvSpPr>
+            <p:cNvPr id="32" name="직사각형 31">
+              <a:extLst>
+                <a:ext uri="{FF2B5EF4-FFF2-40B4-BE49-F238E27FC236}">
+                  <a16:creationId xmlns:a16="http://schemas.microsoft.com/office/drawing/2014/main" id="{FB5C0721-4ACD-402E-9338-88D43072C47D}"/>
+                </a:ext>
+              </a:extLst>
+            </p:cNvPr>
+            <p:cNvSpPr/>
+            <p:nvPr/>
+          </p:nvSpPr>
+          <p:spPr>
+            <a:xfrm>
+              <a:off x="1231640" y="1231640"/>
+              <a:ext cx="615820" cy="615820"/>
+            </a:xfrm>
+            <a:prstGeom prst="rect">
+              <a:avLst/>
+            </a:prstGeom>
+            <a:solidFill>
+              <a:srgbClr val="23DEB4"/>
+            </a:solidFill>
+            <a:ln>
+              <a:noFill/>
+            </a:ln>
+          </p:spPr>
+          <p:style>
+            <a:lnRef idx="2">
+              <a:schemeClr val="accent1">
+                <a:shade val="50000"/>
+              </a:schemeClr>
+            </a:lnRef>
+            <a:fillRef idx="1">
+              <a:schemeClr val="accent1"/>
+            </a:fillRef>
+            <a:effectRef idx="0">
+              <a:schemeClr val="accent1"/>
+            </a:effectRef>
+            <a:fontRef idx="minor">
+              <a:schemeClr val="lt1"/>
+            </a:fontRef>
+          </p:style>
+          <p:txBody>
+            <a:bodyPr rtlCol="0" anchor="ctr"/>
+            <a:lstStyle/>
+            <a:p>
+              <a:pPr algn="ctr"/>
+              <a:endParaRPr lang="ko-KR" altLang="en-US"/>
+            </a:p>
+          </p:txBody>
+        </p:sp>
+        <p:sp>
+          <p:nvSpPr>
+            <p:cNvPr id="33" name="직사각형 32">
+              <a:extLst>
+                <a:ext uri="{FF2B5EF4-FFF2-40B4-BE49-F238E27FC236}">
+                  <a16:creationId xmlns:a16="http://schemas.microsoft.com/office/drawing/2014/main" id="{3F1AD95F-A43A-45D5-9BC6-035A51F2661A}"/>
+                </a:ext>
+              </a:extLst>
+            </p:cNvPr>
+            <p:cNvSpPr/>
+            <p:nvPr/>
+          </p:nvSpPr>
+          <p:spPr>
+            <a:xfrm>
+              <a:off x="1847460" y="1231640"/>
+              <a:ext cx="615820" cy="615820"/>
+            </a:xfrm>
+            <a:prstGeom prst="rect">
+              <a:avLst/>
+            </a:prstGeom>
+            <a:solidFill>
+              <a:srgbClr val="3EE2BD"/>
+            </a:solidFill>
+            <a:ln>
+              <a:noFill/>
+            </a:ln>
+          </p:spPr>
+          <p:style>
+            <a:lnRef idx="2">
+              <a:schemeClr val="accent1">
+                <a:shade val="50000"/>
+              </a:schemeClr>
+            </a:lnRef>
+            <a:fillRef idx="1">
+              <a:schemeClr val="accent1"/>
+            </a:fillRef>
+            <a:effectRef idx="0">
+              <a:schemeClr val="accent1"/>
+            </a:effectRef>
+            <a:fontRef idx="minor">
+              <a:schemeClr val="lt1"/>
+            </a:fontRef>
+          </p:style>
+          <p:txBody>
+            <a:bodyPr rtlCol="0" anchor="ctr"/>
+            <a:lstStyle/>
+            <a:p>
+              <a:pPr algn="ctr"/>
+              <a:endParaRPr lang="ko-KR" altLang="en-US"/>
+            </a:p>
+          </p:txBody>
+        </p:sp>
+        <p:sp>
+          <p:nvSpPr>
+            <p:cNvPr id="34" name="직사각형 33">
+              <a:extLst>
+                <a:ext uri="{FF2B5EF4-FFF2-40B4-BE49-F238E27FC236}">
+                  <a16:creationId xmlns:a16="http://schemas.microsoft.com/office/drawing/2014/main" id="{9E55AE0D-A5B4-4A2E-AE96-DA1A52A7FC25}"/>
+                </a:ext>
+              </a:extLst>
+            </p:cNvPr>
+            <p:cNvSpPr/>
+            <p:nvPr/>
+          </p:nvSpPr>
+          <p:spPr>
+            <a:xfrm>
+              <a:off x="2463280" y="1231640"/>
+              <a:ext cx="615820" cy="615820"/>
+            </a:xfrm>
+            <a:prstGeom prst="rect">
+              <a:avLst/>
+            </a:prstGeom>
+            <a:solidFill>
+              <a:srgbClr val="23DEB4"/>
+            </a:solidFill>
+            <a:ln>
+              <a:noFill/>
+            </a:ln>
+          </p:spPr>
+          <p:style>
+            <a:lnRef idx="2">
+              <a:schemeClr val="accent1">
+                <a:shade val="50000"/>
+              </a:schemeClr>
+            </a:lnRef>
+            <a:fillRef idx="1">
+              <a:schemeClr val="accent1"/>
+            </a:fillRef>
+            <a:effectRef idx="0">
+              <a:schemeClr val="accent1"/>
+            </a:effectRef>
+            <a:fontRef idx="minor">
+              <a:schemeClr val="lt1"/>
+            </a:fontRef>
+          </p:style>
+          <p:txBody>
+            <a:bodyPr rtlCol="0" anchor="ctr"/>
+            <a:lstStyle/>
+            <a:p>
+              <a:pPr algn="ctr"/>
+              <a:endParaRPr lang="ko-KR" altLang="en-US"/>
+            </a:p>
+          </p:txBody>
+        </p:sp>
+        <p:sp>
+          <p:nvSpPr>
+            <p:cNvPr id="35" name="직사각형 34">
+              <a:extLst>
+                <a:ext uri="{FF2B5EF4-FFF2-40B4-BE49-F238E27FC236}">
+                  <a16:creationId xmlns:a16="http://schemas.microsoft.com/office/drawing/2014/main" id="{D14F8BE2-7425-46B5-A1AB-EABF45EEAE88}"/>
+                </a:ext>
+              </a:extLst>
+            </p:cNvPr>
+            <p:cNvSpPr/>
+            <p:nvPr/>
+          </p:nvSpPr>
+          <p:spPr>
+            <a:xfrm>
+              <a:off x="3079100" y="1231640"/>
+              <a:ext cx="615820" cy="615820"/>
+            </a:xfrm>
+            <a:prstGeom prst="rect">
+              <a:avLst/>
+            </a:prstGeom>
+            <a:solidFill>
+              <a:srgbClr val="3EE2BD"/>
+            </a:solidFill>
+            <a:ln>
+              <a:noFill/>
+            </a:ln>
+          </p:spPr>
+          <p:style>
+            <a:lnRef idx="2">
+              <a:schemeClr val="accent1">
+                <a:shade val="50000"/>
+              </a:schemeClr>
+            </a:lnRef>
+            <a:fillRef idx="1">
+              <a:schemeClr val="accent1"/>
+            </a:fillRef>
+            <a:effectRef idx="0">
+              <a:schemeClr val="accent1"/>
+            </a:effectRef>
+            <a:fontRef idx="minor">
+              <a:schemeClr val="lt1"/>
+            </a:fontRef>
+          </p:style>
+          <p:txBody>
+            <a:bodyPr rtlCol="0" anchor="ctr"/>
+            <a:lstStyle/>
+            <a:p>
+              <a:pPr algn="ctr"/>
+              <a:endParaRPr lang="ko-KR" altLang="en-US"/>
+            </a:p>
+          </p:txBody>
+        </p:sp>
+        <p:sp>
+          <p:nvSpPr>
+            <p:cNvPr id="36" name="직사각형 35">
+              <a:extLst>
+                <a:ext uri="{FF2B5EF4-FFF2-40B4-BE49-F238E27FC236}">
+                  <a16:creationId xmlns:a16="http://schemas.microsoft.com/office/drawing/2014/main" id="{7F5F5E83-3799-4418-AF45-8E05BAF38746}"/>
+                </a:ext>
+              </a:extLst>
+            </p:cNvPr>
+            <p:cNvSpPr/>
+            <p:nvPr/>
+          </p:nvSpPr>
+          <p:spPr>
+            <a:xfrm>
+              <a:off x="3694920" y="1231640"/>
+              <a:ext cx="615820" cy="615820"/>
+            </a:xfrm>
+            <a:prstGeom prst="rect">
+              <a:avLst/>
+            </a:prstGeom>
+            <a:solidFill>
+              <a:srgbClr val="23DEB4"/>
+            </a:solidFill>
+            <a:ln>
+              <a:noFill/>
+            </a:ln>
+          </p:spPr>
+          <p:style>
+            <a:lnRef idx="2">
+              <a:schemeClr val="accent1">
+                <a:shade val="50000"/>
+              </a:schemeClr>
+            </a:lnRef>
+            <a:fillRef idx="1">
+              <a:schemeClr val="accent1"/>
+            </a:fillRef>
+            <a:effectRef idx="0">
+              <a:schemeClr val="accent1"/>
+            </a:effectRef>
+            <a:fontRef idx="minor">
+              <a:schemeClr val="lt1"/>
+            </a:fontRef>
+          </p:style>
+          <p:txBody>
+            <a:bodyPr rtlCol="0" anchor="ctr"/>
+            <a:lstStyle/>
+            <a:p>
+              <a:pPr algn="ctr"/>
+              <a:endParaRPr lang="ko-KR" altLang="en-US"/>
+            </a:p>
+          </p:txBody>
+        </p:sp>
+        <p:sp>
+          <p:nvSpPr>
+            <p:cNvPr id="37" name="직사각형 36">
+              <a:extLst>
+                <a:ext uri="{FF2B5EF4-FFF2-40B4-BE49-F238E27FC236}">
+                  <a16:creationId xmlns:a16="http://schemas.microsoft.com/office/drawing/2014/main" id="{5D9EA490-1202-4B6A-8690-3813E8105FCC}"/>
+                </a:ext>
+              </a:extLst>
+            </p:cNvPr>
+            <p:cNvSpPr/>
+            <p:nvPr/>
+          </p:nvSpPr>
+          <p:spPr>
+            <a:xfrm>
+              <a:off x="4310740" y="1231640"/>
+              <a:ext cx="615820" cy="615820"/>
+            </a:xfrm>
+            <a:prstGeom prst="rect">
+              <a:avLst/>
+            </a:prstGeom>
+            <a:solidFill>
+              <a:srgbClr val="3EE2BD"/>
+            </a:solidFill>
+            <a:ln>
+              <a:noFill/>
+            </a:ln>
+          </p:spPr>
+          <p:style>
+            <a:lnRef idx="2">
+              <a:schemeClr val="accent1">
+                <a:shade val="50000"/>
+              </a:schemeClr>
+            </a:lnRef>
+            <a:fillRef idx="1">
+              <a:schemeClr val="accent1"/>
+            </a:fillRef>
+            <a:effectRef idx="0">
+              <a:schemeClr val="accent1"/>
+            </a:effectRef>
+            <a:fontRef idx="minor">
+              <a:schemeClr val="lt1"/>
+            </a:fontRef>
+          </p:style>
+          <p:txBody>
+            <a:bodyPr rtlCol="0" anchor="ctr"/>
+            <a:lstStyle/>
+            <a:p>
+              <a:pPr algn="ctr"/>
+              <a:endParaRPr lang="ko-KR" altLang="en-US"/>
+            </a:p>
+          </p:txBody>
+        </p:sp>
+        <p:sp>
+          <p:nvSpPr>
+            <p:cNvPr id="38" name="직사각형 37">
+              <a:extLst>
+                <a:ext uri="{FF2B5EF4-FFF2-40B4-BE49-F238E27FC236}">
+                  <a16:creationId xmlns:a16="http://schemas.microsoft.com/office/drawing/2014/main" id="{5450C869-0EC1-4207-B217-1D845CD2ED0C}"/>
+                </a:ext>
+              </a:extLst>
+            </p:cNvPr>
+            <p:cNvSpPr/>
+            <p:nvPr/>
+          </p:nvSpPr>
+          <p:spPr>
+            <a:xfrm>
+              <a:off x="4926560" y="1231640"/>
+              <a:ext cx="615820" cy="615820"/>
+            </a:xfrm>
+            <a:prstGeom prst="rect">
+              <a:avLst/>
+            </a:prstGeom>
+            <a:solidFill>
+              <a:srgbClr val="23DEB4"/>
+            </a:solidFill>
+            <a:ln>
+              <a:noFill/>
+            </a:ln>
+          </p:spPr>
+          <p:style>
+            <a:lnRef idx="2">
+              <a:schemeClr val="accent1">
+                <a:shade val="50000"/>
+              </a:schemeClr>
+            </a:lnRef>
+            <a:fillRef idx="1">
+              <a:schemeClr val="accent1"/>
+            </a:fillRef>
+            <a:effectRef idx="0">
+              <a:schemeClr val="accent1"/>
+            </a:effectRef>
+            <a:fontRef idx="minor">
+              <a:schemeClr val="lt1"/>
+            </a:fontRef>
+          </p:style>
+          <p:txBody>
+            <a:bodyPr rtlCol="0" anchor="ctr"/>
+            <a:lstStyle/>
+            <a:p>
+              <a:pPr algn="ctr"/>
+              <a:endParaRPr lang="ko-KR" altLang="en-US"/>
+            </a:p>
+          </p:txBody>
+        </p:sp>
+        <p:sp>
+          <p:nvSpPr>
+            <p:cNvPr id="39" name="직사각형 38">
+              <a:extLst>
+                <a:ext uri="{FF2B5EF4-FFF2-40B4-BE49-F238E27FC236}">
+                  <a16:creationId xmlns:a16="http://schemas.microsoft.com/office/drawing/2014/main" id="{DB32A92F-FC76-476C-95FC-2DBFBA906928}"/>
+                </a:ext>
+              </a:extLst>
+            </p:cNvPr>
+            <p:cNvSpPr/>
+            <p:nvPr/>
+          </p:nvSpPr>
+          <p:spPr>
+            <a:xfrm>
+              <a:off x="5542380" y="1231640"/>
+              <a:ext cx="615820" cy="615820"/>
+            </a:xfrm>
+            <a:prstGeom prst="rect">
+              <a:avLst/>
+            </a:prstGeom>
+            <a:solidFill>
+              <a:srgbClr val="3EE2BD"/>
+            </a:solidFill>
+            <a:ln>
+              <a:noFill/>
+            </a:ln>
+          </p:spPr>
+          <p:style>
+            <a:lnRef idx="2">
+              <a:schemeClr val="accent1">
+                <a:shade val="50000"/>
+              </a:schemeClr>
+            </a:lnRef>
+            <a:fillRef idx="1">
+              <a:schemeClr val="accent1"/>
+            </a:fillRef>
+            <a:effectRef idx="0">
+              <a:schemeClr val="accent1"/>
+            </a:effectRef>
+            <a:fontRef idx="minor">
+              <a:schemeClr val="lt1"/>
+            </a:fontRef>
+          </p:style>
+          <p:txBody>
+            <a:bodyPr rtlCol="0" anchor="ctr"/>
+            <a:lstStyle/>
+            <a:p>
+              <a:pPr algn="ctr"/>
+              <a:endParaRPr lang="ko-KR" altLang="en-US"/>
+            </a:p>
+          </p:txBody>
+        </p:sp>
+        <p:sp>
+          <p:nvSpPr>
+            <p:cNvPr id="40" name="직사각형 39">
+              <a:extLst>
+                <a:ext uri="{FF2B5EF4-FFF2-40B4-BE49-F238E27FC236}">
+                  <a16:creationId xmlns:a16="http://schemas.microsoft.com/office/drawing/2014/main" id="{EE9650AD-384D-4386-B141-69C4D6D90E7E}"/>
+                </a:ext>
+              </a:extLst>
+            </p:cNvPr>
+            <p:cNvSpPr/>
+            <p:nvPr/>
+          </p:nvSpPr>
+          <p:spPr>
+            <a:xfrm>
+              <a:off x="6158200" y="1231640"/>
+              <a:ext cx="615820" cy="615820"/>
+            </a:xfrm>
+            <a:prstGeom prst="rect">
+              <a:avLst/>
+            </a:prstGeom>
+            <a:solidFill>
+              <a:srgbClr val="23DEB4"/>
+            </a:solidFill>
+            <a:ln>
+              <a:noFill/>
+            </a:ln>
+          </p:spPr>
+          <p:style>
+            <a:lnRef idx="2">
+              <a:schemeClr val="accent1">
+                <a:shade val="50000"/>
+              </a:schemeClr>
+            </a:lnRef>
+            <a:fillRef idx="1">
+              <a:schemeClr val="accent1"/>
+            </a:fillRef>
+            <a:effectRef idx="0">
+              <a:schemeClr val="accent1"/>
+            </a:effectRef>
+            <a:fontRef idx="minor">
+              <a:schemeClr val="lt1"/>
+            </a:fontRef>
+          </p:style>
+          <p:txBody>
+            <a:bodyPr rtlCol="0" anchor="ctr"/>
+            <a:lstStyle/>
+            <a:p>
+              <a:pPr algn="ctr"/>
+              <a:endParaRPr lang="ko-KR" altLang="en-US"/>
+            </a:p>
+          </p:txBody>
+        </p:sp>
+        <p:sp>
+          <p:nvSpPr>
+            <p:cNvPr id="41" name="직사각형 40">
+              <a:extLst>
+                <a:ext uri="{FF2B5EF4-FFF2-40B4-BE49-F238E27FC236}">
+                  <a16:creationId xmlns:a16="http://schemas.microsoft.com/office/drawing/2014/main" id="{08ECDF86-E33F-4E7A-92C6-B72FD187F06D}"/>
+                </a:ext>
+              </a:extLst>
+            </p:cNvPr>
+            <p:cNvSpPr/>
+            <p:nvPr/>
+          </p:nvSpPr>
+          <p:spPr>
+            <a:xfrm>
+              <a:off x="6774020" y="1231640"/>
+              <a:ext cx="615820" cy="615820"/>
+            </a:xfrm>
+            <a:prstGeom prst="rect">
+              <a:avLst/>
+            </a:prstGeom>
+            <a:solidFill>
+              <a:srgbClr val="3EE2BD"/>
+            </a:solidFill>
+            <a:ln>
+              <a:noFill/>
+            </a:ln>
+          </p:spPr>
+          <p:style>
+            <a:lnRef idx="2">
+              <a:schemeClr val="accent1">
+                <a:shade val="50000"/>
+              </a:schemeClr>
+            </a:lnRef>
+            <a:fillRef idx="1">
+              <a:schemeClr val="accent1"/>
+            </a:fillRef>
+            <a:effectRef idx="0">
+              <a:schemeClr val="accent1"/>
+            </a:effectRef>
+            <a:fontRef idx="minor">
+              <a:schemeClr val="lt1"/>
+            </a:fontRef>
+          </p:style>
+          <p:txBody>
+            <a:bodyPr rtlCol="0" anchor="ctr"/>
+            <a:lstStyle/>
+            <a:p>
+              <a:pPr algn="ctr"/>
+              <a:endParaRPr lang="ko-KR" altLang="en-US"/>
+            </a:p>
+          </p:txBody>
+        </p:sp>
+        <p:sp>
+          <p:nvSpPr>
+            <p:cNvPr id="42" name="직사각형 41">
+              <a:extLst>
+                <a:ext uri="{FF2B5EF4-FFF2-40B4-BE49-F238E27FC236}">
+                  <a16:creationId xmlns:a16="http://schemas.microsoft.com/office/drawing/2014/main" id="{06F9EF56-9EA0-4FDB-83D3-B3BD341404FF}"/>
+                </a:ext>
+              </a:extLst>
+            </p:cNvPr>
+            <p:cNvSpPr/>
+            <p:nvPr/>
+          </p:nvSpPr>
+          <p:spPr>
+            <a:xfrm>
+              <a:off x="615820" y="1847460"/>
+              <a:ext cx="615820" cy="615820"/>
+            </a:xfrm>
+            <a:prstGeom prst="rect">
+              <a:avLst/>
+            </a:prstGeom>
+            <a:solidFill>
+              <a:srgbClr val="23DEB4"/>
+            </a:solidFill>
+            <a:ln>
+              <a:noFill/>
+            </a:ln>
+          </p:spPr>
+          <p:style>
+            <a:lnRef idx="2">
+              <a:schemeClr val="accent1">
+                <a:shade val="50000"/>
+              </a:schemeClr>
+            </a:lnRef>
+            <a:fillRef idx="1">
+              <a:schemeClr val="accent1"/>
+            </a:fillRef>
+            <a:effectRef idx="0">
+              <a:schemeClr val="accent1"/>
+            </a:effectRef>
+            <a:fontRef idx="minor">
+              <a:schemeClr val="lt1"/>
+            </a:fontRef>
+          </p:style>
+          <p:txBody>
+            <a:bodyPr rtlCol="0" anchor="ctr"/>
+            <a:lstStyle/>
+            <a:p>
+              <a:pPr algn="ctr"/>
+              <a:endParaRPr lang="ko-KR" altLang="en-US"/>
+            </a:p>
+          </p:txBody>
+        </p:sp>
+        <p:sp>
+          <p:nvSpPr>
+            <p:cNvPr id="43" name="직사각형 42">
+              <a:extLst>
+                <a:ext uri="{FF2B5EF4-FFF2-40B4-BE49-F238E27FC236}">
+                  <a16:creationId xmlns:a16="http://schemas.microsoft.com/office/drawing/2014/main" id="{87655861-9519-408D-9390-57D7AC453997}"/>
+                </a:ext>
+              </a:extLst>
+            </p:cNvPr>
+            <p:cNvSpPr/>
+            <p:nvPr/>
+          </p:nvSpPr>
+          <p:spPr>
+            <a:xfrm>
+              <a:off x="1231640" y="1847460"/>
+              <a:ext cx="615820" cy="615820"/>
+            </a:xfrm>
+            <a:prstGeom prst="rect">
+              <a:avLst/>
+            </a:prstGeom>
+            <a:solidFill>
+              <a:srgbClr val="3EE2BD"/>
+            </a:solidFill>
+            <a:ln>
+              <a:noFill/>
+            </a:ln>
+          </p:spPr>
+          <p:style>
+            <a:lnRef idx="2">
+              <a:schemeClr val="accent1">
+                <a:shade val="50000"/>
+              </a:schemeClr>
+            </a:lnRef>
+            <a:fillRef idx="1">
+              <a:schemeClr val="accent1"/>
+            </a:fillRef>
+            <a:effectRef idx="0">
+              <a:schemeClr val="accent1"/>
+            </a:effectRef>
+            <a:fontRef idx="minor">
+              <a:schemeClr val="lt1"/>
+            </a:fontRef>
+          </p:style>
+          <p:txBody>
+            <a:bodyPr rtlCol="0" anchor="ctr"/>
+            <a:lstStyle/>
+            <a:p>
+              <a:pPr algn="ctr"/>
+              <a:endParaRPr lang="ko-KR" altLang="en-US"/>
+            </a:p>
+          </p:txBody>
+        </p:sp>
+        <p:sp>
+          <p:nvSpPr>
+            <p:cNvPr id="44" name="직사각형 43">
+              <a:extLst>
+                <a:ext uri="{FF2B5EF4-FFF2-40B4-BE49-F238E27FC236}">
+                  <a16:creationId xmlns:a16="http://schemas.microsoft.com/office/drawing/2014/main" id="{6FD40ACE-617C-411C-9944-6BFA7A8FA788}"/>
+                </a:ext>
+              </a:extLst>
+            </p:cNvPr>
+            <p:cNvSpPr/>
+            <p:nvPr/>
+          </p:nvSpPr>
+          <p:spPr>
+            <a:xfrm>
+              <a:off x="1847460" y="1847460"/>
+              <a:ext cx="615820" cy="615820"/>
+            </a:xfrm>
+            <a:prstGeom prst="rect">
+              <a:avLst/>
+            </a:prstGeom>
+            <a:solidFill>
+              <a:srgbClr val="23DEB4"/>
+            </a:solidFill>
+            <a:ln>
+              <a:noFill/>
+            </a:ln>
+          </p:spPr>
+          <p:style>
+            <a:lnRef idx="2">
+              <a:schemeClr val="accent1">
+                <a:shade val="50000"/>
+              </a:schemeClr>
+            </a:lnRef>
+            <a:fillRef idx="1">
+              <a:schemeClr val="accent1"/>
+            </a:fillRef>
+            <a:effectRef idx="0">
+              <a:schemeClr val="accent1"/>
+            </a:effectRef>
+            <a:fontRef idx="minor">
+              <a:schemeClr val="lt1"/>
+            </a:fontRef>
+          </p:style>
+          <p:txBody>
+            <a:bodyPr rtlCol="0" anchor="ctr"/>
+            <a:lstStyle/>
+            <a:p>
+              <a:pPr algn="ctr"/>
+              <a:endParaRPr lang="ko-KR" altLang="en-US"/>
+            </a:p>
+          </p:txBody>
+        </p:sp>
+        <p:sp>
+          <p:nvSpPr>
+            <p:cNvPr id="45" name="직사각형 44">
+              <a:extLst>
+                <a:ext uri="{FF2B5EF4-FFF2-40B4-BE49-F238E27FC236}">
+                  <a16:creationId xmlns:a16="http://schemas.microsoft.com/office/drawing/2014/main" id="{7D8A4C92-54FC-4940-B76C-61DE3D021154}"/>
+                </a:ext>
+              </a:extLst>
+            </p:cNvPr>
+            <p:cNvSpPr/>
+            <p:nvPr/>
+          </p:nvSpPr>
+          <p:spPr>
+            <a:xfrm>
+              <a:off x="2463280" y="1847460"/>
+              <a:ext cx="615820" cy="615820"/>
+            </a:xfrm>
+            <a:prstGeom prst="rect">
+              <a:avLst/>
+            </a:prstGeom>
+            <a:solidFill>
+              <a:srgbClr val="3EE2BD"/>
+            </a:solidFill>
+            <a:ln>
+              <a:noFill/>
+            </a:ln>
+          </p:spPr>
+          <p:style>
+            <a:lnRef idx="2">
+              <a:schemeClr val="accent1">
+                <a:shade val="50000"/>
+              </a:schemeClr>
+            </a:lnRef>
+            <a:fillRef idx="1">
+              <a:schemeClr val="accent1"/>
+            </a:fillRef>
+            <a:effectRef idx="0">
+              <a:schemeClr val="accent1"/>
+            </a:effectRef>
+            <a:fontRef idx="minor">
+              <a:schemeClr val="lt1"/>
+            </a:fontRef>
+          </p:style>
+          <p:txBody>
+            <a:bodyPr rtlCol="0" anchor="ctr"/>
+            <a:lstStyle/>
+            <a:p>
+              <a:pPr algn="ctr"/>
+              <a:endParaRPr lang="ko-KR" altLang="en-US"/>
+            </a:p>
+          </p:txBody>
+        </p:sp>
+        <p:sp>
+          <p:nvSpPr>
+            <p:cNvPr id="46" name="직사각형 45">
+              <a:extLst>
+                <a:ext uri="{FF2B5EF4-FFF2-40B4-BE49-F238E27FC236}">
+                  <a16:creationId xmlns:a16="http://schemas.microsoft.com/office/drawing/2014/main" id="{CF1C266B-EE29-4BCD-B124-89F3F328C890}"/>
+                </a:ext>
+              </a:extLst>
+            </p:cNvPr>
+            <p:cNvSpPr/>
+            <p:nvPr/>
+          </p:nvSpPr>
+          <p:spPr>
+            <a:xfrm>
+              <a:off x="3079100" y="1847460"/>
+              <a:ext cx="615820" cy="615820"/>
+            </a:xfrm>
+            <a:prstGeom prst="rect">
+              <a:avLst/>
+            </a:prstGeom>
+            <a:solidFill>
+              <a:srgbClr val="23DEB4"/>
+            </a:solidFill>
+            <a:ln>
+              <a:noFill/>
+            </a:ln>
+          </p:spPr>
+          <p:style>
+            <a:lnRef idx="2">
+              <a:schemeClr val="accent1">
+                <a:shade val="50000"/>
+              </a:schemeClr>
+            </a:lnRef>
+            <a:fillRef idx="1">
+              <a:schemeClr val="accent1"/>
+            </a:fillRef>
+            <a:effectRef idx="0">
+              <a:schemeClr val="accent1"/>
+            </a:effectRef>
+            <a:fontRef idx="minor">
+              <a:schemeClr val="lt1"/>
+            </a:fontRef>
+          </p:style>
+          <p:txBody>
+            <a:bodyPr rtlCol="0" anchor="ctr"/>
+            <a:lstStyle/>
+            <a:p>
+              <a:pPr algn="ctr"/>
+              <a:endParaRPr lang="ko-KR" altLang="en-US"/>
+            </a:p>
+          </p:txBody>
+        </p:sp>
+        <p:sp>
+          <p:nvSpPr>
+            <p:cNvPr id="47" name="직사각형 46">
+              <a:extLst>
+                <a:ext uri="{FF2B5EF4-FFF2-40B4-BE49-F238E27FC236}">
+                  <a16:creationId xmlns:a16="http://schemas.microsoft.com/office/drawing/2014/main" id="{95DF0788-BA8D-4647-AA22-9BBE609C4D8A}"/>
+                </a:ext>
+              </a:extLst>
+            </p:cNvPr>
+            <p:cNvSpPr/>
+            <p:nvPr/>
+          </p:nvSpPr>
+          <p:spPr>
+            <a:xfrm>
+              <a:off x="3694920" y="1847460"/>
+              <a:ext cx="615820" cy="615820"/>
+            </a:xfrm>
+            <a:prstGeom prst="rect">
+              <a:avLst/>
+            </a:prstGeom>
+            <a:solidFill>
+              <a:srgbClr val="3EE2BD"/>
+            </a:solidFill>
+            <a:ln>
+              <a:noFill/>
+            </a:ln>
+          </p:spPr>
+          <p:style>
+            <a:lnRef idx="2">
+              <a:schemeClr val="accent1">
+                <a:shade val="50000"/>
+              </a:schemeClr>
+            </a:lnRef>
+            <a:fillRef idx="1">
+              <a:schemeClr val="accent1"/>
+            </a:fillRef>
+            <a:effectRef idx="0">
+              <a:schemeClr val="accent1"/>
+            </a:effectRef>
+            <a:fontRef idx="minor">
+              <a:schemeClr val="lt1"/>
+            </a:fontRef>
+          </p:style>
+          <p:txBody>
+            <a:bodyPr rtlCol="0" anchor="ctr"/>
+            <a:lstStyle/>
+            <a:p>
+              <a:pPr algn="ctr"/>
+              <a:endParaRPr lang="ko-KR" altLang="en-US"/>
+            </a:p>
+          </p:txBody>
+        </p:sp>
+        <p:sp>
+          <p:nvSpPr>
+            <p:cNvPr id="48" name="직사각형 47">
+              <a:extLst>
+                <a:ext uri="{FF2B5EF4-FFF2-40B4-BE49-F238E27FC236}">
+                  <a16:creationId xmlns:a16="http://schemas.microsoft.com/office/drawing/2014/main" id="{25E79407-D3B5-4764-B0E3-5386ED46ECC3}"/>
+                </a:ext>
+              </a:extLst>
+            </p:cNvPr>
+            <p:cNvSpPr/>
+            <p:nvPr/>
+          </p:nvSpPr>
+          <p:spPr>
+            <a:xfrm>
+              <a:off x="4310740" y="1847460"/>
+              <a:ext cx="615820" cy="615820"/>
+            </a:xfrm>
+            <a:prstGeom prst="rect">
+              <a:avLst/>
+            </a:prstGeom>
+            <a:solidFill>
+              <a:srgbClr val="23DEB4"/>
+            </a:solidFill>
+            <a:ln>
+              <a:noFill/>
+            </a:ln>
+          </p:spPr>
+          <p:style>
+            <a:lnRef idx="2">
+              <a:schemeClr val="accent1">
+                <a:shade val="50000"/>
+              </a:schemeClr>
+            </a:lnRef>
+            <a:fillRef idx="1">
+              <a:schemeClr val="accent1"/>
+            </a:fillRef>
+            <a:effectRef idx="0">
+              <a:schemeClr val="accent1"/>
+            </a:effectRef>
+            <a:fontRef idx="minor">
+              <a:schemeClr val="lt1"/>
+            </a:fontRef>
+          </p:style>
+          <p:txBody>
+            <a:bodyPr rtlCol="0" anchor="ctr"/>
+            <a:lstStyle/>
+            <a:p>
+              <a:pPr algn="ctr"/>
+              <a:endParaRPr lang="ko-KR" altLang="en-US"/>
+            </a:p>
+          </p:txBody>
+        </p:sp>
+        <p:sp>
+          <p:nvSpPr>
+            <p:cNvPr id="49" name="직사각형 48">
+              <a:extLst>
+                <a:ext uri="{FF2B5EF4-FFF2-40B4-BE49-F238E27FC236}">
+                  <a16:creationId xmlns:a16="http://schemas.microsoft.com/office/drawing/2014/main" id="{AFF09BCC-292D-47F5-8452-1FD4126BD744}"/>
+                </a:ext>
+              </a:extLst>
+            </p:cNvPr>
+            <p:cNvSpPr/>
+            <p:nvPr/>
+          </p:nvSpPr>
+          <p:spPr>
+            <a:xfrm>
+              <a:off x="4926560" y="1847460"/>
+              <a:ext cx="615820" cy="615820"/>
+            </a:xfrm>
+            <a:prstGeom prst="rect">
+              <a:avLst/>
+            </a:prstGeom>
+            <a:solidFill>
+              <a:srgbClr val="3EE2BD"/>
+            </a:solidFill>
+            <a:ln>
+              <a:noFill/>
+            </a:ln>
+          </p:spPr>
+          <p:style>
+            <a:lnRef idx="2">
+              <a:schemeClr val="accent1">
+                <a:shade val="50000"/>
+              </a:schemeClr>
+            </a:lnRef>
+            <a:fillRef idx="1">
+              <a:schemeClr val="accent1"/>
+            </a:fillRef>
+            <a:effectRef idx="0">
+              <a:schemeClr val="accent1"/>
+            </a:effectRef>
+            <a:fontRef idx="minor">
+              <a:schemeClr val="lt1"/>
+            </a:fontRef>
+          </p:style>
+          <p:txBody>
+            <a:bodyPr rtlCol="0" anchor="ctr"/>
+            <a:lstStyle/>
+            <a:p>
+              <a:pPr algn="ctr"/>
+              <a:endParaRPr lang="ko-KR" altLang="en-US"/>
+            </a:p>
+          </p:txBody>
+        </p:sp>
+        <p:sp>
+          <p:nvSpPr>
+            <p:cNvPr id="50" name="직사각형 49">
+              <a:extLst>
+                <a:ext uri="{FF2B5EF4-FFF2-40B4-BE49-F238E27FC236}">
+                  <a16:creationId xmlns:a16="http://schemas.microsoft.com/office/drawing/2014/main" id="{21CE9D89-ECC7-4581-BEC0-097627236F52}"/>
+                </a:ext>
+              </a:extLst>
+            </p:cNvPr>
+            <p:cNvSpPr/>
+            <p:nvPr/>
+          </p:nvSpPr>
+          <p:spPr>
+            <a:xfrm>
+              <a:off x="5542380" y="1847460"/>
+              <a:ext cx="615820" cy="615820"/>
+            </a:xfrm>
+            <a:prstGeom prst="rect">
+              <a:avLst/>
+            </a:prstGeom>
+            <a:solidFill>
+              <a:srgbClr val="23DEB4"/>
+            </a:solidFill>
+            <a:ln>
+              <a:noFill/>
+            </a:ln>
+          </p:spPr>
+          <p:style>
+            <a:lnRef idx="2">
+              <a:schemeClr val="accent1">
+                <a:shade val="50000"/>
+              </a:schemeClr>
+            </a:lnRef>
+            <a:fillRef idx="1">
+              <a:schemeClr val="accent1"/>
+            </a:fillRef>
+            <a:effectRef idx="0">
+              <a:schemeClr val="accent1"/>
+            </a:effectRef>
+            <a:fontRef idx="minor">
+              <a:schemeClr val="lt1"/>
+            </a:fontRef>
+          </p:style>
+          <p:txBody>
+            <a:bodyPr rtlCol="0" anchor="ctr"/>
+            <a:lstStyle/>
+            <a:p>
+              <a:pPr algn="ctr"/>
+              <a:endParaRPr lang="ko-KR" altLang="en-US"/>
+            </a:p>
+          </p:txBody>
+        </p:sp>
+        <p:sp>
+          <p:nvSpPr>
+            <p:cNvPr id="51" name="직사각형 50">
+              <a:extLst>
+                <a:ext uri="{FF2B5EF4-FFF2-40B4-BE49-F238E27FC236}">
+                  <a16:creationId xmlns:a16="http://schemas.microsoft.com/office/drawing/2014/main" id="{EFFDFC87-B55C-467F-8062-E286D1AAD1F9}"/>
+                </a:ext>
+              </a:extLst>
+            </p:cNvPr>
+            <p:cNvSpPr/>
+            <p:nvPr/>
+          </p:nvSpPr>
+          <p:spPr>
+            <a:xfrm>
+              <a:off x="6158200" y="1847460"/>
+              <a:ext cx="615820" cy="615820"/>
+            </a:xfrm>
+            <a:prstGeom prst="rect">
+              <a:avLst/>
+            </a:prstGeom>
+            <a:solidFill>
+              <a:srgbClr val="3EE2BD"/>
+            </a:solidFill>
+            <a:ln>
+              <a:noFill/>
+            </a:ln>
+          </p:spPr>
+          <p:style>
+            <a:lnRef idx="2">
+              <a:schemeClr val="accent1">
+                <a:shade val="50000"/>
+              </a:schemeClr>
+            </a:lnRef>
+            <a:fillRef idx="1">
+              <a:schemeClr val="accent1"/>
+            </a:fillRef>
+            <a:effectRef idx="0">
+              <a:schemeClr val="accent1"/>
+            </a:effectRef>
+            <a:fontRef idx="minor">
+              <a:schemeClr val="lt1"/>
+            </a:fontRef>
+          </p:style>
+          <p:txBody>
+            <a:bodyPr rtlCol="0" anchor="ctr"/>
+            <a:lstStyle/>
+            <a:p>
+              <a:pPr algn="ctr"/>
+              <a:endParaRPr lang="ko-KR" altLang="en-US"/>
+            </a:p>
+          </p:txBody>
+        </p:sp>
+        <p:sp>
+          <p:nvSpPr>
+            <p:cNvPr id="52" name="직사각형 51">
+              <a:extLst>
+                <a:ext uri="{FF2B5EF4-FFF2-40B4-BE49-F238E27FC236}">
+                  <a16:creationId xmlns:a16="http://schemas.microsoft.com/office/drawing/2014/main" id="{74CCD2ED-61E2-4B8F-AC56-9D5602430242}"/>
+                </a:ext>
+              </a:extLst>
+            </p:cNvPr>
+            <p:cNvSpPr/>
+            <p:nvPr/>
+          </p:nvSpPr>
+          <p:spPr>
+            <a:xfrm>
+              <a:off x="6774020" y="1847460"/>
+              <a:ext cx="615820" cy="615820"/>
+            </a:xfrm>
+            <a:prstGeom prst="rect">
+              <a:avLst/>
+            </a:prstGeom>
+            <a:solidFill>
+              <a:srgbClr val="23DEB4"/>
+            </a:solidFill>
+            <a:ln>
+              <a:noFill/>
+            </a:ln>
+          </p:spPr>
+          <p:style>
+            <a:lnRef idx="2">
+              <a:schemeClr val="accent1">
+                <a:shade val="50000"/>
+              </a:schemeClr>
+            </a:lnRef>
+            <a:fillRef idx="1">
+              <a:schemeClr val="accent1"/>
+            </a:fillRef>
+            <a:effectRef idx="0">
+              <a:schemeClr val="accent1"/>
+            </a:effectRef>
+            <a:fontRef idx="minor">
+              <a:schemeClr val="lt1"/>
+            </a:fontRef>
+          </p:style>
+          <p:txBody>
+            <a:bodyPr rtlCol="0" anchor="ctr"/>
+            <a:lstStyle/>
+            <a:p>
+              <a:pPr algn="ctr"/>
+              <a:endParaRPr lang="ko-KR" altLang="en-US"/>
+            </a:p>
+          </p:txBody>
+        </p:sp>
+        <p:sp>
+          <p:nvSpPr>
+            <p:cNvPr id="53" name="직사각형 52">
+              <a:extLst>
+                <a:ext uri="{FF2B5EF4-FFF2-40B4-BE49-F238E27FC236}">
+                  <a16:creationId xmlns:a16="http://schemas.microsoft.com/office/drawing/2014/main" id="{F92B23B2-0FC0-42DC-B9C1-97722E91CA16}"/>
+                </a:ext>
+              </a:extLst>
+            </p:cNvPr>
+            <p:cNvSpPr/>
+            <p:nvPr/>
+          </p:nvSpPr>
+          <p:spPr>
+            <a:xfrm>
+              <a:off x="0" y="1847460"/>
+              <a:ext cx="615820" cy="615820"/>
+            </a:xfrm>
+            <a:prstGeom prst="rect">
+              <a:avLst/>
+            </a:prstGeom>
+            <a:solidFill>
+              <a:srgbClr val="3EE2BD"/>
+            </a:solidFill>
+            <a:ln>
+              <a:noFill/>
+            </a:ln>
+          </p:spPr>
+          <p:style>
+            <a:lnRef idx="2">
+              <a:schemeClr val="accent1">
+                <a:shade val="50000"/>
+              </a:schemeClr>
+            </a:lnRef>
+            <a:fillRef idx="1">
+              <a:schemeClr val="accent1"/>
+            </a:fillRef>
+            <a:effectRef idx="0">
+              <a:schemeClr val="accent1"/>
+            </a:effectRef>
+            <a:fontRef idx="minor">
+              <a:schemeClr val="lt1"/>
+            </a:fontRef>
+          </p:style>
+          <p:txBody>
+            <a:bodyPr rtlCol="0" anchor="ctr"/>
+            <a:lstStyle/>
+            <a:p>
+              <a:pPr algn="ctr"/>
+              <a:endParaRPr lang="ko-KR" altLang="en-US"/>
+            </a:p>
+          </p:txBody>
+        </p:sp>
+        <p:sp>
+          <p:nvSpPr>
+            <p:cNvPr id="54" name="직사각형 53">
+              <a:extLst>
+                <a:ext uri="{FF2B5EF4-FFF2-40B4-BE49-F238E27FC236}">
+                  <a16:creationId xmlns:a16="http://schemas.microsoft.com/office/drawing/2014/main" id="{87D33E4B-8D11-49B4-80D5-804B0F43DC13}"/>
+                </a:ext>
+              </a:extLst>
+            </p:cNvPr>
+            <p:cNvSpPr/>
+            <p:nvPr/>
+          </p:nvSpPr>
+          <p:spPr>
+            <a:xfrm>
+              <a:off x="0" y="2405289"/>
+              <a:ext cx="615820" cy="615820"/>
+            </a:xfrm>
+            <a:prstGeom prst="rect">
+              <a:avLst/>
+            </a:prstGeom>
+            <a:solidFill>
+              <a:srgbClr val="23DEB4"/>
+            </a:solidFill>
+            <a:ln>
+              <a:noFill/>
+            </a:ln>
+          </p:spPr>
+          <p:style>
+            <a:lnRef idx="2">
+              <a:schemeClr val="accent1">
+                <a:shade val="50000"/>
+              </a:schemeClr>
+            </a:lnRef>
+            <a:fillRef idx="1">
+              <a:schemeClr val="accent1"/>
+            </a:fillRef>
+            <a:effectRef idx="0">
+              <a:schemeClr val="accent1"/>
+            </a:effectRef>
+            <a:fontRef idx="minor">
+              <a:schemeClr val="lt1"/>
+            </a:fontRef>
+          </p:style>
+          <p:txBody>
+            <a:bodyPr rtlCol="0" anchor="ctr"/>
+            <a:lstStyle/>
+            <a:p>
+              <a:pPr algn="ctr"/>
+              <a:endParaRPr lang="ko-KR" altLang="en-US"/>
+            </a:p>
+          </p:txBody>
+        </p:sp>
+        <p:sp>
+          <p:nvSpPr>
+            <p:cNvPr id="55" name="직사각형 54">
+              <a:extLst>
+                <a:ext uri="{FF2B5EF4-FFF2-40B4-BE49-F238E27FC236}">
+                  <a16:creationId xmlns:a16="http://schemas.microsoft.com/office/drawing/2014/main" id="{A78F7F3E-7432-4B96-9939-C6D2300DEEC9}"/>
+                </a:ext>
+              </a:extLst>
+            </p:cNvPr>
+            <p:cNvSpPr/>
+            <p:nvPr/>
+          </p:nvSpPr>
+          <p:spPr>
+            <a:xfrm>
+              <a:off x="615820" y="2405289"/>
+              <a:ext cx="615820" cy="615820"/>
+            </a:xfrm>
+            <a:prstGeom prst="rect">
+              <a:avLst/>
+            </a:prstGeom>
+            <a:solidFill>
+              <a:srgbClr val="3EE2BD"/>
+            </a:solidFill>
+            <a:ln>
+              <a:noFill/>
+            </a:ln>
+          </p:spPr>
+          <p:style>
+            <a:lnRef idx="2">
+              <a:schemeClr val="accent1">
+                <a:shade val="50000"/>
+              </a:schemeClr>
+            </a:lnRef>
+            <a:fillRef idx="1">
+              <a:schemeClr val="accent1"/>
+            </a:fillRef>
+            <a:effectRef idx="0">
+              <a:schemeClr val="accent1"/>
+            </a:effectRef>
+            <a:fontRef idx="minor">
+              <a:schemeClr val="lt1"/>
+            </a:fontRef>
+          </p:style>
+          <p:txBody>
+            <a:bodyPr rtlCol="0" anchor="ctr"/>
+            <a:lstStyle/>
+            <a:p>
+              <a:pPr algn="ctr"/>
+              <a:endParaRPr lang="ko-KR" altLang="en-US"/>
+            </a:p>
+          </p:txBody>
+        </p:sp>
+        <p:sp>
+          <p:nvSpPr>
+            <p:cNvPr id="56" name="직사각형 55">
+              <a:extLst>
+                <a:ext uri="{FF2B5EF4-FFF2-40B4-BE49-F238E27FC236}">
+                  <a16:creationId xmlns:a16="http://schemas.microsoft.com/office/drawing/2014/main" id="{6A328476-63C5-4508-A232-BD9CB7576665}"/>
+                </a:ext>
+              </a:extLst>
+            </p:cNvPr>
+            <p:cNvSpPr/>
+            <p:nvPr/>
+          </p:nvSpPr>
+          <p:spPr>
+            <a:xfrm>
+              <a:off x="1231640" y="2405289"/>
+              <a:ext cx="615820" cy="615820"/>
+            </a:xfrm>
+            <a:prstGeom prst="rect">
+              <a:avLst/>
+            </a:prstGeom>
+            <a:solidFill>
+              <a:srgbClr val="23DEB4"/>
+            </a:solidFill>
+            <a:ln>
+              <a:noFill/>
+            </a:ln>
+          </p:spPr>
+          <p:style>
+            <a:lnRef idx="2">
+              <a:schemeClr val="accent1">
+                <a:shade val="50000"/>
+              </a:schemeClr>
+            </a:lnRef>
+            <a:fillRef idx="1">
+              <a:schemeClr val="accent1"/>
+            </a:fillRef>
+            <a:effectRef idx="0">
+              <a:schemeClr val="accent1"/>
+            </a:effectRef>
+            <a:fontRef idx="minor">
+              <a:schemeClr val="lt1"/>
+            </a:fontRef>
+          </p:style>
+          <p:txBody>
+            <a:bodyPr rtlCol="0" anchor="ctr"/>
+            <a:lstStyle/>
+            <a:p>
+              <a:pPr algn="ctr"/>
+              <a:endParaRPr lang="ko-KR" altLang="en-US"/>
+            </a:p>
+          </p:txBody>
+        </p:sp>
+        <p:sp>
+          <p:nvSpPr>
+            <p:cNvPr id="57" name="직사각형 56">
+              <a:extLst>
+                <a:ext uri="{FF2B5EF4-FFF2-40B4-BE49-F238E27FC236}">
+                  <a16:creationId xmlns:a16="http://schemas.microsoft.com/office/drawing/2014/main" id="{C008F3F4-A418-4489-8298-FD78AB018DC1}"/>
+                </a:ext>
+              </a:extLst>
+            </p:cNvPr>
+            <p:cNvSpPr/>
+            <p:nvPr/>
+          </p:nvSpPr>
+          <p:spPr>
+            <a:xfrm>
+              <a:off x="1847460" y="2405289"/>
+              <a:ext cx="615820" cy="615820"/>
+            </a:xfrm>
+            <a:prstGeom prst="rect">
+              <a:avLst/>
+            </a:prstGeom>
+            <a:solidFill>
+              <a:srgbClr val="3EE2BD"/>
+            </a:solidFill>
+            <a:ln>
+              <a:noFill/>
+            </a:ln>
+          </p:spPr>
+          <p:style>
+            <a:lnRef idx="2">
+              <a:schemeClr val="accent1">
+                <a:shade val="50000"/>
+              </a:schemeClr>
+            </a:lnRef>
+            <a:fillRef idx="1">
+              <a:schemeClr val="accent1"/>
+            </a:fillRef>
+            <a:effectRef idx="0">
+              <a:schemeClr val="accent1"/>
+            </a:effectRef>
+            <a:fontRef idx="minor">
+              <a:schemeClr val="lt1"/>
+            </a:fontRef>
+          </p:style>
+          <p:txBody>
+            <a:bodyPr rtlCol="0" anchor="ctr"/>
+            <a:lstStyle/>
+            <a:p>
+              <a:pPr algn="ctr"/>
+              <a:endParaRPr lang="ko-KR" altLang="en-US"/>
+            </a:p>
+          </p:txBody>
+        </p:sp>
+        <p:sp>
+          <p:nvSpPr>
+            <p:cNvPr id="58" name="직사각형 57">
+              <a:extLst>
+                <a:ext uri="{FF2B5EF4-FFF2-40B4-BE49-F238E27FC236}">
+                  <a16:creationId xmlns:a16="http://schemas.microsoft.com/office/drawing/2014/main" id="{B57465D9-87D6-45BB-BE5F-57A223D62960}"/>
+                </a:ext>
+              </a:extLst>
+            </p:cNvPr>
+            <p:cNvSpPr/>
+            <p:nvPr/>
+          </p:nvSpPr>
+          <p:spPr>
+            <a:xfrm>
+              <a:off x="2463280" y="2405289"/>
+              <a:ext cx="615820" cy="615820"/>
+            </a:xfrm>
+            <a:prstGeom prst="rect">
+              <a:avLst/>
+            </a:prstGeom>
+            <a:solidFill>
+              <a:srgbClr val="23DEB4"/>
+            </a:solidFill>
+            <a:ln>
+              <a:noFill/>
+            </a:ln>
+          </p:spPr>
+          <p:style>
+            <a:lnRef idx="2">
+              <a:schemeClr val="accent1">
+                <a:shade val="50000"/>
+              </a:schemeClr>
+            </a:lnRef>
+            <a:fillRef idx="1">
+              <a:schemeClr val="accent1"/>
+            </a:fillRef>
+            <a:effectRef idx="0">
+              <a:schemeClr val="accent1"/>
+            </a:effectRef>
+            <a:fontRef idx="minor">
+              <a:schemeClr val="lt1"/>
+            </a:fontRef>
+          </p:style>
+          <p:txBody>
+            <a:bodyPr rtlCol="0" anchor="ctr"/>
+            <a:lstStyle/>
+            <a:p>
+              <a:pPr algn="ctr"/>
+              <a:endParaRPr lang="ko-KR" altLang="en-US"/>
+            </a:p>
+          </p:txBody>
+        </p:sp>
+        <p:sp>
+          <p:nvSpPr>
+            <p:cNvPr id="59" name="직사각형 58">
+              <a:extLst>
+                <a:ext uri="{FF2B5EF4-FFF2-40B4-BE49-F238E27FC236}">
+                  <a16:creationId xmlns:a16="http://schemas.microsoft.com/office/drawing/2014/main" id="{52AF9FF0-9CAD-4624-BF02-B59167E954E7}"/>
+                </a:ext>
+              </a:extLst>
+            </p:cNvPr>
+            <p:cNvSpPr/>
+            <p:nvPr/>
+          </p:nvSpPr>
+          <p:spPr>
+            <a:xfrm>
+              <a:off x="3079100" y="2405289"/>
+              <a:ext cx="615820" cy="615820"/>
+            </a:xfrm>
+            <a:prstGeom prst="rect">
+              <a:avLst/>
+            </a:prstGeom>
+            <a:solidFill>
+              <a:srgbClr val="3EE2BD"/>
+            </a:solidFill>
+            <a:ln>
+              <a:noFill/>
+            </a:ln>
+          </p:spPr>
+          <p:style>
+            <a:lnRef idx="2">
+              <a:schemeClr val="accent1">
+                <a:shade val="50000"/>
+              </a:schemeClr>
+            </a:lnRef>
+            <a:fillRef idx="1">
+              <a:schemeClr val="accent1"/>
+            </a:fillRef>
+            <a:effectRef idx="0">
+              <a:schemeClr val="accent1"/>
+            </a:effectRef>
+            <a:fontRef idx="minor">
+              <a:schemeClr val="lt1"/>
+            </a:fontRef>
+          </p:style>
+          <p:txBody>
+            <a:bodyPr rtlCol="0" anchor="ctr"/>
+            <a:lstStyle/>
+            <a:p>
+              <a:pPr algn="ctr"/>
+              <a:endParaRPr lang="ko-KR" altLang="en-US"/>
+            </a:p>
+          </p:txBody>
+        </p:sp>
+        <p:sp>
+          <p:nvSpPr>
+            <p:cNvPr id="60" name="직사각형 59">
+              <a:extLst>
+                <a:ext uri="{FF2B5EF4-FFF2-40B4-BE49-F238E27FC236}">
+                  <a16:creationId xmlns:a16="http://schemas.microsoft.com/office/drawing/2014/main" id="{AF85BD74-F991-4DB6-BC87-64CF67D6DC0F}"/>
+                </a:ext>
+              </a:extLst>
+            </p:cNvPr>
+            <p:cNvSpPr/>
+            <p:nvPr/>
+          </p:nvSpPr>
+          <p:spPr>
+            <a:xfrm>
+              <a:off x="3694920" y="2405289"/>
+              <a:ext cx="615820" cy="615820"/>
+            </a:xfrm>
+            <a:prstGeom prst="rect">
+              <a:avLst/>
+            </a:prstGeom>
+            <a:solidFill>
+              <a:srgbClr val="23DEB4"/>
+            </a:solidFill>
+            <a:ln>
+              <a:noFill/>
+            </a:ln>
+          </p:spPr>
+          <p:style>
+            <a:lnRef idx="2">
+              <a:schemeClr val="accent1">
+                <a:shade val="50000"/>
+              </a:schemeClr>
+            </a:lnRef>
+            <a:fillRef idx="1">
+              <a:schemeClr val="accent1"/>
+            </a:fillRef>
+            <a:effectRef idx="0">
+              <a:schemeClr val="accent1"/>
+            </a:effectRef>
+            <a:fontRef idx="minor">
+              <a:schemeClr val="lt1"/>
+            </a:fontRef>
+          </p:style>
+          <p:txBody>
+            <a:bodyPr rtlCol="0" anchor="ctr"/>
+            <a:lstStyle/>
+            <a:p>
+              <a:pPr algn="ctr"/>
+              <a:endParaRPr lang="ko-KR" altLang="en-US"/>
+            </a:p>
+          </p:txBody>
+        </p:sp>
+        <p:sp>
+          <p:nvSpPr>
+            <p:cNvPr id="61" name="직사각형 60">
+              <a:extLst>
+                <a:ext uri="{FF2B5EF4-FFF2-40B4-BE49-F238E27FC236}">
+                  <a16:creationId xmlns:a16="http://schemas.microsoft.com/office/drawing/2014/main" id="{9B3531DF-2C2C-465E-90A6-CB50B6AEABE4}"/>
+                </a:ext>
+              </a:extLst>
+            </p:cNvPr>
+            <p:cNvSpPr/>
+            <p:nvPr/>
+          </p:nvSpPr>
+          <p:spPr>
+            <a:xfrm>
+              <a:off x="4310740" y="2405289"/>
+              <a:ext cx="615820" cy="615820"/>
+            </a:xfrm>
+            <a:prstGeom prst="rect">
+              <a:avLst/>
+            </a:prstGeom>
+            <a:solidFill>
+              <a:srgbClr val="3EE2BD"/>
+            </a:solidFill>
+            <a:ln>
+              <a:noFill/>
+            </a:ln>
+          </p:spPr>
+          <p:style>
+            <a:lnRef idx="2">
+              <a:schemeClr val="accent1">
+                <a:shade val="50000"/>
+              </a:schemeClr>
+            </a:lnRef>
+            <a:fillRef idx="1">
+              <a:schemeClr val="accent1"/>
+            </a:fillRef>
+            <a:effectRef idx="0">
+              <a:schemeClr val="accent1"/>
+            </a:effectRef>
+            <a:fontRef idx="minor">
+              <a:schemeClr val="lt1"/>
+            </a:fontRef>
+          </p:style>
+          <p:txBody>
+            <a:bodyPr rtlCol="0" anchor="ctr"/>
+            <a:lstStyle/>
+            <a:p>
+              <a:pPr algn="ctr"/>
+              <a:endParaRPr lang="ko-KR" altLang="en-US"/>
+            </a:p>
+          </p:txBody>
+        </p:sp>
+        <p:sp>
+          <p:nvSpPr>
+            <p:cNvPr id="62" name="직사각형 61">
+              <a:extLst>
+                <a:ext uri="{FF2B5EF4-FFF2-40B4-BE49-F238E27FC236}">
+                  <a16:creationId xmlns:a16="http://schemas.microsoft.com/office/drawing/2014/main" id="{73DD3AC2-A48C-44D0-93CD-45FBC5B10546}"/>
+                </a:ext>
+              </a:extLst>
+            </p:cNvPr>
+            <p:cNvSpPr/>
+            <p:nvPr/>
+          </p:nvSpPr>
+          <p:spPr>
+            <a:xfrm>
+              <a:off x="4926560" y="2405289"/>
+              <a:ext cx="615820" cy="615820"/>
+            </a:xfrm>
+            <a:prstGeom prst="rect">
+              <a:avLst/>
+            </a:prstGeom>
+            <a:solidFill>
+              <a:srgbClr val="23DEB4"/>
+            </a:solidFill>
+            <a:ln>
+              <a:noFill/>
+            </a:ln>
+          </p:spPr>
+          <p:style>
+            <a:lnRef idx="2">
+              <a:schemeClr val="accent1">
+                <a:shade val="50000"/>
+              </a:schemeClr>
+            </a:lnRef>
+            <a:fillRef idx="1">
+              <a:schemeClr val="accent1"/>
+            </a:fillRef>
+            <a:effectRef idx="0">
+              <a:schemeClr val="accent1"/>
+            </a:effectRef>
+            <a:fontRef idx="minor">
+              <a:schemeClr val="lt1"/>
+            </a:fontRef>
+          </p:style>
+          <p:txBody>
+            <a:bodyPr rtlCol="0" anchor="ctr"/>
+            <a:lstStyle/>
+            <a:p>
+              <a:pPr algn="ctr"/>
+              <a:endParaRPr lang="ko-KR" altLang="en-US"/>
+            </a:p>
+          </p:txBody>
+        </p:sp>
+        <p:sp>
+          <p:nvSpPr>
+            <p:cNvPr id="63" name="직사각형 62">
+              <a:extLst>
+                <a:ext uri="{FF2B5EF4-FFF2-40B4-BE49-F238E27FC236}">
+                  <a16:creationId xmlns:a16="http://schemas.microsoft.com/office/drawing/2014/main" id="{8AC60C6B-8F2E-489C-8825-D9C272F2C0E4}"/>
+                </a:ext>
+              </a:extLst>
+            </p:cNvPr>
+            <p:cNvSpPr/>
+            <p:nvPr/>
+          </p:nvSpPr>
+          <p:spPr>
+            <a:xfrm>
+              <a:off x="5542380" y="2405289"/>
+              <a:ext cx="615820" cy="615820"/>
+            </a:xfrm>
+            <a:prstGeom prst="rect">
+              <a:avLst/>
+            </a:prstGeom>
+            <a:solidFill>
+              <a:srgbClr val="3EE2BD"/>
+            </a:solidFill>
+            <a:ln>
+              <a:noFill/>
+            </a:ln>
+          </p:spPr>
+          <p:style>
+            <a:lnRef idx="2">
+              <a:schemeClr val="accent1">
+                <a:shade val="50000"/>
+              </a:schemeClr>
+            </a:lnRef>
+            <a:fillRef idx="1">
+              <a:schemeClr val="accent1"/>
+            </a:fillRef>
+            <a:effectRef idx="0">
+              <a:schemeClr val="accent1"/>
+            </a:effectRef>
+            <a:fontRef idx="minor">
+              <a:schemeClr val="lt1"/>
+            </a:fontRef>
+          </p:style>
+          <p:txBody>
+            <a:bodyPr rtlCol="0" anchor="ctr"/>
+            <a:lstStyle/>
+            <a:p>
+              <a:pPr algn="ctr"/>
+              <a:endParaRPr lang="ko-KR" altLang="en-US"/>
+            </a:p>
+          </p:txBody>
+        </p:sp>
+        <p:sp>
+          <p:nvSpPr>
+            <p:cNvPr id="64" name="직사각형 63">
+              <a:extLst>
+                <a:ext uri="{FF2B5EF4-FFF2-40B4-BE49-F238E27FC236}">
+                  <a16:creationId xmlns:a16="http://schemas.microsoft.com/office/drawing/2014/main" id="{80EDA97D-E724-4384-86EF-DE4CE3B20AE4}"/>
+                </a:ext>
+              </a:extLst>
+            </p:cNvPr>
+            <p:cNvSpPr/>
+            <p:nvPr/>
+          </p:nvSpPr>
+          <p:spPr>
+            <a:xfrm>
+              <a:off x="6158200" y="2405289"/>
+              <a:ext cx="615820" cy="615820"/>
+            </a:xfrm>
+            <a:prstGeom prst="rect">
+              <a:avLst/>
+            </a:prstGeom>
+            <a:solidFill>
+              <a:srgbClr val="23DEB4"/>
+            </a:solidFill>
+            <a:ln>
+              <a:noFill/>
+            </a:ln>
+          </p:spPr>
+          <p:style>
+            <a:lnRef idx="2">
+              <a:schemeClr val="accent1">
+                <a:shade val="50000"/>
+              </a:schemeClr>
+            </a:lnRef>
+            <a:fillRef idx="1">
+              <a:schemeClr val="accent1"/>
+            </a:fillRef>
+            <a:effectRef idx="0">
+              <a:schemeClr val="accent1"/>
+            </a:effectRef>
+            <a:fontRef idx="minor">
+              <a:schemeClr val="lt1"/>
+            </a:fontRef>
+          </p:style>
+          <p:txBody>
+            <a:bodyPr rtlCol="0" anchor="ctr"/>
+            <a:lstStyle/>
+            <a:p>
+              <a:pPr algn="ctr"/>
+              <a:endParaRPr lang="ko-KR" altLang="en-US"/>
+            </a:p>
+          </p:txBody>
+        </p:sp>
+        <p:sp>
+          <p:nvSpPr>
+            <p:cNvPr id="65" name="직사각형 64">
+              <a:extLst>
+                <a:ext uri="{FF2B5EF4-FFF2-40B4-BE49-F238E27FC236}">
+                  <a16:creationId xmlns:a16="http://schemas.microsoft.com/office/drawing/2014/main" id="{4748CE75-B94A-4A88-B056-FF94D053E873}"/>
+                </a:ext>
+              </a:extLst>
+            </p:cNvPr>
+            <p:cNvSpPr/>
+            <p:nvPr/>
+          </p:nvSpPr>
+          <p:spPr>
+            <a:xfrm>
+              <a:off x="6774020" y="2405289"/>
+              <a:ext cx="615820" cy="615820"/>
+            </a:xfrm>
+            <a:prstGeom prst="rect">
+              <a:avLst/>
+            </a:prstGeom>
+            <a:solidFill>
+              <a:srgbClr val="3EE2BD"/>
+            </a:solidFill>
+            <a:ln>
+              <a:noFill/>
+            </a:ln>
+          </p:spPr>
+          <p:style>
+            <a:lnRef idx="2">
+              <a:schemeClr val="accent1">
+                <a:shade val="50000"/>
+              </a:schemeClr>
+            </a:lnRef>
+            <a:fillRef idx="1">
+              <a:schemeClr val="accent1"/>
+            </a:fillRef>
+            <a:effectRef idx="0">
+              <a:schemeClr val="accent1"/>
+            </a:effectRef>
+            <a:fontRef idx="minor">
+              <a:schemeClr val="lt1"/>
+            </a:fontRef>
+          </p:style>
+          <p:txBody>
+            <a:bodyPr rtlCol="0" anchor="ctr"/>
+            <a:lstStyle/>
+            <a:p>
+              <a:pPr algn="ctr"/>
+              <a:endParaRPr lang="ko-KR" altLang="en-US"/>
+            </a:p>
+          </p:txBody>
+        </p:sp>
+        <p:sp>
+          <p:nvSpPr>
+            <p:cNvPr id="66" name="직사각형 65">
+              <a:extLst>
+                <a:ext uri="{FF2B5EF4-FFF2-40B4-BE49-F238E27FC236}">
+                  <a16:creationId xmlns:a16="http://schemas.microsoft.com/office/drawing/2014/main" id="{31489A40-11D1-460F-BF06-D1495E519439}"/>
+                </a:ext>
+              </a:extLst>
+            </p:cNvPr>
+            <p:cNvSpPr/>
+            <p:nvPr/>
+          </p:nvSpPr>
+          <p:spPr>
+            <a:xfrm>
+              <a:off x="615820" y="3021109"/>
+              <a:ext cx="615820" cy="615820"/>
+            </a:xfrm>
+            <a:prstGeom prst="rect">
+              <a:avLst/>
+            </a:prstGeom>
+            <a:solidFill>
+              <a:srgbClr val="23DEB4"/>
+            </a:solidFill>
+            <a:ln>
+              <a:noFill/>
+            </a:ln>
+          </p:spPr>
+          <p:style>
+            <a:lnRef idx="2">
+              <a:schemeClr val="accent1">
+                <a:shade val="50000"/>
+              </a:schemeClr>
+            </a:lnRef>
+            <a:fillRef idx="1">
+              <a:schemeClr val="accent1"/>
+            </a:fillRef>
+            <a:effectRef idx="0">
+              <a:schemeClr val="accent1"/>
+            </a:effectRef>
+            <a:fontRef idx="minor">
+              <a:schemeClr val="lt1"/>
+            </a:fontRef>
+          </p:style>
+          <p:txBody>
+            <a:bodyPr rtlCol="0" anchor="ctr"/>
+            <a:lstStyle/>
+            <a:p>
+              <a:pPr algn="ctr"/>
+              <a:endParaRPr lang="ko-KR" altLang="en-US"/>
+            </a:p>
+          </p:txBody>
+        </p:sp>
+        <p:sp>
+          <p:nvSpPr>
+            <p:cNvPr id="67" name="직사각형 66">
+              <a:extLst>
+                <a:ext uri="{FF2B5EF4-FFF2-40B4-BE49-F238E27FC236}">
+                  <a16:creationId xmlns:a16="http://schemas.microsoft.com/office/drawing/2014/main" id="{3CE7876E-519C-4DFB-B1E4-1092C1741539}"/>
+                </a:ext>
+              </a:extLst>
+            </p:cNvPr>
+            <p:cNvSpPr/>
+            <p:nvPr/>
+          </p:nvSpPr>
+          <p:spPr>
+            <a:xfrm>
+              <a:off x="1231640" y="3021109"/>
+              <a:ext cx="615820" cy="615820"/>
+            </a:xfrm>
+            <a:prstGeom prst="rect">
+              <a:avLst/>
+            </a:prstGeom>
+            <a:solidFill>
+              <a:srgbClr val="3EE2BD"/>
+            </a:solidFill>
+            <a:ln>
+              <a:noFill/>
+            </a:ln>
+          </p:spPr>
+          <p:style>
+            <a:lnRef idx="2">
+              <a:schemeClr val="accent1">
+                <a:shade val="50000"/>
+              </a:schemeClr>
+            </a:lnRef>
+            <a:fillRef idx="1">
+              <a:schemeClr val="accent1"/>
+            </a:fillRef>
+            <a:effectRef idx="0">
+              <a:schemeClr val="accent1"/>
+            </a:effectRef>
+            <a:fontRef idx="minor">
+              <a:schemeClr val="lt1"/>
+            </a:fontRef>
+          </p:style>
+          <p:txBody>
+            <a:bodyPr rtlCol="0" anchor="ctr"/>
+            <a:lstStyle/>
+            <a:p>
+              <a:pPr algn="ctr"/>
+              <a:endParaRPr lang="ko-KR" altLang="en-US"/>
+            </a:p>
+          </p:txBody>
+        </p:sp>
+        <p:sp>
+          <p:nvSpPr>
+            <p:cNvPr id="68" name="직사각형 67">
+              <a:extLst>
+                <a:ext uri="{FF2B5EF4-FFF2-40B4-BE49-F238E27FC236}">
+                  <a16:creationId xmlns:a16="http://schemas.microsoft.com/office/drawing/2014/main" id="{328FA61F-41FF-4474-AAC4-2B67DA770363}"/>
+                </a:ext>
+              </a:extLst>
+            </p:cNvPr>
+            <p:cNvSpPr/>
+            <p:nvPr/>
+          </p:nvSpPr>
+          <p:spPr>
+            <a:xfrm>
+              <a:off x="1847460" y="3021109"/>
+              <a:ext cx="615820" cy="615820"/>
+            </a:xfrm>
+            <a:prstGeom prst="rect">
+              <a:avLst/>
+            </a:prstGeom>
+            <a:solidFill>
+              <a:srgbClr val="23DEB4"/>
+            </a:solidFill>
+            <a:ln>
+              <a:noFill/>
+            </a:ln>
+          </p:spPr>
+          <p:style>
+            <a:lnRef idx="2">
+              <a:schemeClr val="accent1">
+                <a:shade val="50000"/>
+              </a:schemeClr>
+            </a:lnRef>
+            <a:fillRef idx="1">
+              <a:schemeClr val="accent1"/>
+            </a:fillRef>
+            <a:effectRef idx="0">
+              <a:schemeClr val="accent1"/>
+            </a:effectRef>
+            <a:fontRef idx="minor">
+              <a:schemeClr val="lt1"/>
+            </a:fontRef>
+          </p:style>
+          <p:txBody>
+            <a:bodyPr rtlCol="0" anchor="ctr"/>
+            <a:lstStyle/>
+            <a:p>
+              <a:pPr algn="ctr"/>
+              <a:endParaRPr lang="ko-KR" altLang="en-US"/>
+            </a:p>
+          </p:txBody>
+        </p:sp>
+        <p:sp>
+          <p:nvSpPr>
+            <p:cNvPr id="69" name="직사각형 68">
+              <a:extLst>
+                <a:ext uri="{FF2B5EF4-FFF2-40B4-BE49-F238E27FC236}">
+                  <a16:creationId xmlns:a16="http://schemas.microsoft.com/office/drawing/2014/main" id="{92061CB4-97EF-4889-B80F-BA40A97924A6}"/>
+                </a:ext>
+              </a:extLst>
+            </p:cNvPr>
+            <p:cNvSpPr/>
+            <p:nvPr/>
+          </p:nvSpPr>
+          <p:spPr>
+            <a:xfrm>
+              <a:off x="2463280" y="3021109"/>
+              <a:ext cx="615820" cy="615820"/>
+            </a:xfrm>
+            <a:prstGeom prst="rect">
+              <a:avLst/>
+            </a:prstGeom>
+            <a:solidFill>
+              <a:srgbClr val="3EE2BD"/>
+            </a:solidFill>
+            <a:ln>
+              <a:noFill/>
+            </a:ln>
+          </p:spPr>
+          <p:style>
+            <a:lnRef idx="2">
+              <a:schemeClr val="accent1">
+                <a:shade val="50000"/>
+              </a:schemeClr>
+            </a:lnRef>
+            <a:fillRef idx="1">
+              <a:schemeClr val="accent1"/>
+            </a:fillRef>
+            <a:effectRef idx="0">
+              <a:schemeClr val="accent1"/>
+            </a:effectRef>
+            <a:fontRef idx="minor">
+              <a:schemeClr val="lt1"/>
+            </a:fontRef>
+          </p:style>
+          <p:txBody>
+            <a:bodyPr rtlCol="0" anchor="ctr"/>
+            <a:lstStyle/>
+            <a:p>
+              <a:pPr algn="ctr"/>
+              <a:endParaRPr lang="ko-KR" altLang="en-US"/>
+            </a:p>
+          </p:txBody>
+        </p:sp>
+        <p:sp>
+          <p:nvSpPr>
+            <p:cNvPr id="70" name="직사각형 69">
+              <a:extLst>
+                <a:ext uri="{FF2B5EF4-FFF2-40B4-BE49-F238E27FC236}">
+                  <a16:creationId xmlns:a16="http://schemas.microsoft.com/office/drawing/2014/main" id="{4C24728C-6EC9-4246-9628-81B3F706FC48}"/>
+                </a:ext>
+              </a:extLst>
+            </p:cNvPr>
+            <p:cNvSpPr/>
+            <p:nvPr/>
+          </p:nvSpPr>
+          <p:spPr>
+            <a:xfrm>
+              <a:off x="3079100" y="3021109"/>
+              <a:ext cx="615820" cy="615820"/>
+            </a:xfrm>
+            <a:prstGeom prst="rect">
+              <a:avLst/>
+            </a:prstGeom>
+            <a:solidFill>
+              <a:srgbClr val="23DEB4"/>
+            </a:solidFill>
+            <a:ln>
+              <a:noFill/>
+            </a:ln>
+          </p:spPr>
+          <p:style>
+            <a:lnRef idx="2">
+              <a:schemeClr val="accent1">
+                <a:shade val="50000"/>
+              </a:schemeClr>
+            </a:lnRef>
+            <a:fillRef idx="1">
+              <a:schemeClr val="accent1"/>
+            </a:fillRef>
+            <a:effectRef idx="0">
+              <a:schemeClr val="accent1"/>
+            </a:effectRef>
+            <a:fontRef idx="minor">
+              <a:schemeClr val="lt1"/>
+            </a:fontRef>
+          </p:style>
+          <p:txBody>
+            <a:bodyPr rtlCol="0" anchor="ctr"/>
+            <a:lstStyle/>
+            <a:p>
+              <a:pPr algn="ctr"/>
+              <a:endParaRPr lang="ko-KR" altLang="en-US"/>
+            </a:p>
+          </p:txBody>
+        </p:sp>
+        <p:sp>
+          <p:nvSpPr>
+            <p:cNvPr id="71" name="직사각형 70">
+              <a:extLst>
+                <a:ext uri="{FF2B5EF4-FFF2-40B4-BE49-F238E27FC236}">
+                  <a16:creationId xmlns:a16="http://schemas.microsoft.com/office/drawing/2014/main" id="{9DA97865-ECFB-4886-9673-89B57BB6192E}"/>
+                </a:ext>
+              </a:extLst>
+            </p:cNvPr>
+            <p:cNvSpPr/>
+            <p:nvPr/>
+          </p:nvSpPr>
+          <p:spPr>
+            <a:xfrm>
+              <a:off x="3694920" y="3021109"/>
+              <a:ext cx="615820" cy="615820"/>
+            </a:xfrm>
+            <a:prstGeom prst="rect">
+              <a:avLst/>
+            </a:prstGeom>
+            <a:solidFill>
+              <a:srgbClr val="3EE2BD"/>
+            </a:solidFill>
+            <a:ln>
+              <a:noFill/>
+            </a:ln>
+          </p:spPr>
+          <p:style>
+            <a:lnRef idx="2">
+              <a:schemeClr val="accent1">
+                <a:shade val="50000"/>
+              </a:schemeClr>
+            </a:lnRef>
+            <a:fillRef idx="1">
+              <a:schemeClr val="accent1"/>
+            </a:fillRef>
+            <a:effectRef idx="0">
+              <a:schemeClr val="accent1"/>
+            </a:effectRef>
+            <a:fontRef idx="minor">
+              <a:schemeClr val="lt1"/>
+            </a:fontRef>
+          </p:style>
+          <p:txBody>
+            <a:bodyPr rtlCol="0" anchor="ctr"/>
+            <a:lstStyle/>
+            <a:p>
+              <a:pPr algn="ctr"/>
+              <a:endParaRPr lang="ko-KR" altLang="en-US"/>
+            </a:p>
+          </p:txBody>
+        </p:sp>
+        <p:sp>
+          <p:nvSpPr>
+            <p:cNvPr id="72" name="직사각형 71">
+              <a:extLst>
+                <a:ext uri="{FF2B5EF4-FFF2-40B4-BE49-F238E27FC236}">
+                  <a16:creationId xmlns:a16="http://schemas.microsoft.com/office/drawing/2014/main" id="{B4584715-2B40-4F81-8841-802FEBD1B2C9}"/>
+                </a:ext>
+              </a:extLst>
+            </p:cNvPr>
+            <p:cNvSpPr/>
+            <p:nvPr/>
+          </p:nvSpPr>
+          <p:spPr>
+            <a:xfrm>
+              <a:off x="4310740" y="3021109"/>
+              <a:ext cx="615820" cy="615820"/>
+            </a:xfrm>
+            <a:prstGeom prst="rect">
+              <a:avLst/>
+            </a:prstGeom>
+            <a:solidFill>
+              <a:srgbClr val="23DEB4"/>
+            </a:solidFill>
+            <a:ln>
+              <a:noFill/>
+            </a:ln>
+          </p:spPr>
+          <p:style>
+            <a:lnRef idx="2">
+              <a:schemeClr val="accent1">
+                <a:shade val="50000"/>
+              </a:schemeClr>
+            </a:lnRef>
+            <a:fillRef idx="1">
+              <a:schemeClr val="accent1"/>
+            </a:fillRef>
+            <a:effectRef idx="0">
+              <a:schemeClr val="accent1"/>
+            </a:effectRef>
+            <a:fontRef idx="minor">
+              <a:schemeClr val="lt1"/>
+            </a:fontRef>
+          </p:style>
+          <p:txBody>
+            <a:bodyPr rtlCol="0" anchor="ctr"/>
+            <a:lstStyle/>
+            <a:p>
+              <a:pPr algn="ctr"/>
+              <a:endParaRPr lang="ko-KR" altLang="en-US"/>
+            </a:p>
+          </p:txBody>
+        </p:sp>
+        <p:sp>
+          <p:nvSpPr>
+            <p:cNvPr id="73" name="직사각형 72">
+              <a:extLst>
+                <a:ext uri="{FF2B5EF4-FFF2-40B4-BE49-F238E27FC236}">
+                  <a16:creationId xmlns:a16="http://schemas.microsoft.com/office/drawing/2014/main" id="{6BB7259B-80B4-4965-9E88-A148AD6A8927}"/>
+                </a:ext>
+              </a:extLst>
+            </p:cNvPr>
+            <p:cNvSpPr/>
+            <p:nvPr/>
+          </p:nvSpPr>
+          <p:spPr>
+            <a:xfrm>
+              <a:off x="4926560" y="3021109"/>
+              <a:ext cx="615820" cy="615820"/>
+            </a:xfrm>
+            <a:prstGeom prst="rect">
+              <a:avLst/>
+            </a:prstGeom>
+            <a:solidFill>
+              <a:srgbClr val="3EE2BD"/>
+            </a:solidFill>
+            <a:ln>
+              <a:noFill/>
+            </a:ln>
+          </p:spPr>
+          <p:style>
+            <a:lnRef idx="2">
+              <a:schemeClr val="accent1">
+                <a:shade val="50000"/>
+              </a:schemeClr>
+            </a:lnRef>
+            <a:fillRef idx="1">
+              <a:schemeClr val="accent1"/>
+            </a:fillRef>
+            <a:effectRef idx="0">
+              <a:schemeClr val="accent1"/>
+            </a:effectRef>
+            <a:fontRef idx="minor">
+              <a:schemeClr val="lt1"/>
+            </a:fontRef>
+          </p:style>
+          <p:txBody>
+            <a:bodyPr rtlCol="0" anchor="ctr"/>
+            <a:lstStyle/>
+            <a:p>
+              <a:pPr algn="ctr"/>
+              <a:endParaRPr lang="ko-KR" altLang="en-US"/>
+            </a:p>
+          </p:txBody>
+        </p:sp>
+        <p:sp>
+          <p:nvSpPr>
+            <p:cNvPr id="74" name="직사각형 73">
+              <a:extLst>
+                <a:ext uri="{FF2B5EF4-FFF2-40B4-BE49-F238E27FC236}">
+                  <a16:creationId xmlns:a16="http://schemas.microsoft.com/office/drawing/2014/main" id="{2A921364-B495-453C-AD04-55F2A1C0F4BF}"/>
+                </a:ext>
+              </a:extLst>
+            </p:cNvPr>
+            <p:cNvSpPr/>
+            <p:nvPr/>
+          </p:nvSpPr>
+          <p:spPr>
+            <a:xfrm>
+              <a:off x="5542380" y="3021109"/>
+              <a:ext cx="615820" cy="615820"/>
+            </a:xfrm>
+            <a:prstGeom prst="rect">
+              <a:avLst/>
+            </a:prstGeom>
+            <a:solidFill>
+              <a:srgbClr val="23DEB4"/>
+            </a:solidFill>
+            <a:ln>
+              <a:noFill/>
+            </a:ln>
+          </p:spPr>
+          <p:style>
+            <a:lnRef idx="2">
+              <a:schemeClr val="accent1">
+                <a:shade val="50000"/>
+              </a:schemeClr>
+            </a:lnRef>
+            <a:fillRef idx="1">
+              <a:schemeClr val="accent1"/>
+            </a:fillRef>
+            <a:effectRef idx="0">
+              <a:schemeClr val="accent1"/>
+            </a:effectRef>
+            <a:fontRef idx="minor">
+              <a:schemeClr val="lt1"/>
+            </a:fontRef>
+          </p:style>
+          <p:txBody>
+            <a:bodyPr rtlCol="0" anchor="ctr"/>
+            <a:lstStyle/>
+            <a:p>
+              <a:pPr algn="ctr"/>
+              <a:endParaRPr lang="ko-KR" altLang="en-US"/>
+            </a:p>
+          </p:txBody>
+        </p:sp>
+        <p:sp>
+          <p:nvSpPr>
+            <p:cNvPr id="75" name="직사각형 74">
+              <a:extLst>
+                <a:ext uri="{FF2B5EF4-FFF2-40B4-BE49-F238E27FC236}">
+                  <a16:creationId xmlns:a16="http://schemas.microsoft.com/office/drawing/2014/main" id="{2466ADD9-764C-498E-BCA8-01D88A9C7608}"/>
+                </a:ext>
+              </a:extLst>
+            </p:cNvPr>
+            <p:cNvSpPr/>
+            <p:nvPr/>
+          </p:nvSpPr>
+          <p:spPr>
+            <a:xfrm>
+              <a:off x="6158200" y="3021109"/>
+              <a:ext cx="615820" cy="615820"/>
+            </a:xfrm>
+            <a:prstGeom prst="rect">
+              <a:avLst/>
+            </a:prstGeom>
+            <a:solidFill>
+              <a:srgbClr val="3EE2BD"/>
+            </a:solidFill>
+            <a:ln>
+              <a:noFill/>
+            </a:ln>
+          </p:spPr>
+          <p:style>
+            <a:lnRef idx="2">
+              <a:schemeClr val="accent1">
+                <a:shade val="50000"/>
+              </a:schemeClr>
+            </a:lnRef>
+            <a:fillRef idx="1">
+              <a:schemeClr val="accent1"/>
+            </a:fillRef>
+            <a:effectRef idx="0">
+              <a:schemeClr val="accent1"/>
+            </a:effectRef>
+            <a:fontRef idx="minor">
+              <a:schemeClr val="lt1"/>
+            </a:fontRef>
+          </p:style>
+          <p:txBody>
+            <a:bodyPr rtlCol="0" anchor="ctr"/>
+            <a:lstStyle/>
+            <a:p>
+              <a:pPr algn="ctr"/>
+              <a:endParaRPr lang="ko-KR" altLang="en-US"/>
+            </a:p>
+          </p:txBody>
+        </p:sp>
+        <p:sp>
+          <p:nvSpPr>
+            <p:cNvPr id="76" name="직사각형 75">
+              <a:extLst>
+                <a:ext uri="{FF2B5EF4-FFF2-40B4-BE49-F238E27FC236}">
+                  <a16:creationId xmlns:a16="http://schemas.microsoft.com/office/drawing/2014/main" id="{146F75ED-1F71-4770-802C-918ADDB54D81}"/>
+                </a:ext>
+              </a:extLst>
+            </p:cNvPr>
+            <p:cNvSpPr/>
+            <p:nvPr/>
+          </p:nvSpPr>
+          <p:spPr>
+            <a:xfrm>
+              <a:off x="6774020" y="3021109"/>
+              <a:ext cx="615820" cy="615820"/>
+            </a:xfrm>
+            <a:prstGeom prst="rect">
+              <a:avLst/>
+            </a:prstGeom>
+            <a:solidFill>
+              <a:srgbClr val="23DEB4"/>
+            </a:solidFill>
+            <a:ln>
+              <a:noFill/>
+            </a:ln>
+          </p:spPr>
+          <p:style>
+            <a:lnRef idx="2">
+              <a:schemeClr val="accent1">
+                <a:shade val="50000"/>
+              </a:schemeClr>
+            </a:lnRef>
+            <a:fillRef idx="1">
+              <a:schemeClr val="accent1"/>
+            </a:fillRef>
+            <a:effectRef idx="0">
+              <a:schemeClr val="accent1"/>
+            </a:effectRef>
+            <a:fontRef idx="minor">
+              <a:schemeClr val="lt1"/>
+            </a:fontRef>
+          </p:style>
+          <p:txBody>
+            <a:bodyPr rtlCol="0" anchor="ctr"/>
+            <a:lstStyle/>
+            <a:p>
+              <a:pPr algn="ctr"/>
+              <a:endParaRPr lang="ko-KR" altLang="en-US"/>
+            </a:p>
+          </p:txBody>
+        </p:sp>
+        <p:sp>
+          <p:nvSpPr>
+            <p:cNvPr id="77" name="직사각형 76">
+              <a:extLst>
+                <a:ext uri="{FF2B5EF4-FFF2-40B4-BE49-F238E27FC236}">
+                  <a16:creationId xmlns:a16="http://schemas.microsoft.com/office/drawing/2014/main" id="{3EEDC638-8C3E-4122-8C78-CFD23BEEECEA}"/>
+                </a:ext>
+              </a:extLst>
+            </p:cNvPr>
+            <p:cNvSpPr/>
+            <p:nvPr/>
+          </p:nvSpPr>
+          <p:spPr>
+            <a:xfrm>
+              <a:off x="0" y="3021109"/>
+              <a:ext cx="615820" cy="615820"/>
+            </a:xfrm>
+            <a:prstGeom prst="rect">
+              <a:avLst/>
+            </a:prstGeom>
+            <a:solidFill>
+              <a:srgbClr val="3EE2BD"/>
+            </a:solidFill>
+            <a:ln>
+              <a:noFill/>
+            </a:ln>
+          </p:spPr>
+          <p:style>
+            <a:lnRef idx="2">
+              <a:schemeClr val="accent1">
+                <a:shade val="50000"/>
+              </a:schemeClr>
+            </a:lnRef>
+            <a:fillRef idx="1">
+              <a:schemeClr val="accent1"/>
+            </a:fillRef>
+            <a:effectRef idx="0">
+              <a:schemeClr val="accent1"/>
+            </a:effectRef>
+            <a:fontRef idx="minor">
+              <a:schemeClr val="lt1"/>
+            </a:fontRef>
+          </p:style>
+          <p:txBody>
+            <a:bodyPr rtlCol="0" anchor="ctr"/>
+            <a:lstStyle/>
+            <a:p>
+              <a:pPr algn="ctr"/>
+              <a:endParaRPr lang="ko-KR" altLang="en-US"/>
+            </a:p>
+          </p:txBody>
+        </p:sp>
+        <p:sp>
+          <p:nvSpPr>
+            <p:cNvPr id="78" name="직사각형 77">
+              <a:extLst>
+                <a:ext uri="{FF2B5EF4-FFF2-40B4-BE49-F238E27FC236}">
+                  <a16:creationId xmlns:a16="http://schemas.microsoft.com/office/drawing/2014/main" id="{A11D36D7-30E2-4875-A0F4-222F2E08ECFA}"/>
+                </a:ext>
+              </a:extLst>
+            </p:cNvPr>
+            <p:cNvSpPr/>
+            <p:nvPr/>
+          </p:nvSpPr>
+          <p:spPr>
+            <a:xfrm>
+              <a:off x="0" y="3636929"/>
+              <a:ext cx="615820" cy="615820"/>
+            </a:xfrm>
+            <a:prstGeom prst="rect">
+              <a:avLst/>
+            </a:prstGeom>
+            <a:solidFill>
+              <a:srgbClr val="23DEB4"/>
+            </a:solidFill>
+            <a:ln>
+              <a:noFill/>
+            </a:ln>
+          </p:spPr>
+          <p:style>
+            <a:lnRef idx="2">
+              <a:schemeClr val="accent1">
+                <a:shade val="50000"/>
+              </a:schemeClr>
+            </a:lnRef>
+            <a:fillRef idx="1">
+              <a:schemeClr val="accent1"/>
+            </a:fillRef>
+            <a:effectRef idx="0">
+              <a:schemeClr val="accent1"/>
+            </a:effectRef>
+            <a:fontRef idx="minor">
+              <a:schemeClr val="lt1"/>
+            </a:fontRef>
+          </p:style>
+          <p:txBody>
+            <a:bodyPr rtlCol="0" anchor="ctr"/>
+            <a:lstStyle/>
+            <a:p>
+              <a:pPr algn="ctr"/>
+              <a:endParaRPr lang="ko-KR" altLang="en-US"/>
+            </a:p>
+          </p:txBody>
+        </p:sp>
+        <p:sp>
+          <p:nvSpPr>
+            <p:cNvPr id="79" name="직사각형 78">
+              <a:extLst>
+                <a:ext uri="{FF2B5EF4-FFF2-40B4-BE49-F238E27FC236}">
+                  <a16:creationId xmlns:a16="http://schemas.microsoft.com/office/drawing/2014/main" id="{367BC136-61DF-40F5-93DF-8DB9E45291B5}"/>
+                </a:ext>
+              </a:extLst>
+            </p:cNvPr>
+            <p:cNvSpPr/>
+            <p:nvPr/>
+          </p:nvSpPr>
+          <p:spPr>
+            <a:xfrm>
+              <a:off x="615820" y="3636929"/>
+              <a:ext cx="615820" cy="615820"/>
+            </a:xfrm>
+            <a:prstGeom prst="rect">
+              <a:avLst/>
+            </a:prstGeom>
+            <a:solidFill>
+              <a:srgbClr val="3EE2BD"/>
+            </a:solidFill>
+            <a:ln>
+              <a:noFill/>
+            </a:ln>
+          </p:spPr>
+          <p:style>
+            <a:lnRef idx="2">
+              <a:schemeClr val="accent1">
+                <a:shade val="50000"/>
+              </a:schemeClr>
+            </a:lnRef>
+            <a:fillRef idx="1">
+              <a:schemeClr val="accent1"/>
+            </a:fillRef>
+            <a:effectRef idx="0">
+              <a:schemeClr val="accent1"/>
+            </a:effectRef>
+            <a:fontRef idx="minor">
+              <a:schemeClr val="lt1"/>
+            </a:fontRef>
+          </p:style>
+          <p:txBody>
+            <a:bodyPr rtlCol="0" anchor="ctr"/>
+            <a:lstStyle/>
+            <a:p>
+              <a:pPr algn="ctr"/>
+              <a:endParaRPr lang="ko-KR" altLang="en-US"/>
+            </a:p>
+          </p:txBody>
+        </p:sp>
+        <p:sp>
+          <p:nvSpPr>
+            <p:cNvPr id="80" name="직사각형 79">
+              <a:extLst>
+                <a:ext uri="{FF2B5EF4-FFF2-40B4-BE49-F238E27FC236}">
+                  <a16:creationId xmlns:a16="http://schemas.microsoft.com/office/drawing/2014/main" id="{5C85A7D4-B65B-41F5-80C6-EB4BBDD80E2D}"/>
+                </a:ext>
+              </a:extLst>
+            </p:cNvPr>
+            <p:cNvSpPr/>
+            <p:nvPr/>
+          </p:nvSpPr>
+          <p:spPr>
+            <a:xfrm>
+              <a:off x="1231640" y="3636929"/>
+              <a:ext cx="615820" cy="615820"/>
+            </a:xfrm>
+            <a:prstGeom prst="rect">
+              <a:avLst/>
+            </a:prstGeom>
+            <a:solidFill>
+              <a:srgbClr val="23DEB4"/>
+            </a:solidFill>
+            <a:ln>
+              <a:noFill/>
+            </a:ln>
+          </p:spPr>
+          <p:style>
+            <a:lnRef idx="2">
+              <a:schemeClr val="accent1">
+                <a:shade val="50000"/>
+              </a:schemeClr>
+            </a:lnRef>
+            <a:fillRef idx="1">
+              <a:schemeClr val="accent1"/>
+            </a:fillRef>
+            <a:effectRef idx="0">
+              <a:schemeClr val="accent1"/>
+            </a:effectRef>
+            <a:fontRef idx="minor">
+              <a:schemeClr val="lt1"/>
+            </a:fontRef>
+          </p:style>
+          <p:txBody>
+            <a:bodyPr rtlCol="0" anchor="ctr"/>
+            <a:lstStyle/>
+            <a:p>
+              <a:pPr algn="ctr"/>
+              <a:endParaRPr lang="ko-KR" altLang="en-US"/>
+            </a:p>
+          </p:txBody>
+        </p:sp>
+        <p:sp>
+          <p:nvSpPr>
+            <p:cNvPr id="81" name="직사각형 80">
+              <a:extLst>
+                <a:ext uri="{FF2B5EF4-FFF2-40B4-BE49-F238E27FC236}">
+                  <a16:creationId xmlns:a16="http://schemas.microsoft.com/office/drawing/2014/main" id="{01044F19-98C5-48E8-9640-602FC5787334}"/>
+                </a:ext>
+              </a:extLst>
+            </p:cNvPr>
+            <p:cNvSpPr/>
+            <p:nvPr/>
+          </p:nvSpPr>
+          <p:spPr>
+            <a:xfrm>
+              <a:off x="1847460" y="3636929"/>
+              <a:ext cx="615820" cy="615820"/>
+            </a:xfrm>
+            <a:prstGeom prst="rect">
+              <a:avLst/>
+            </a:prstGeom>
+            <a:solidFill>
+              <a:srgbClr val="3EE2BD"/>
+            </a:solidFill>
+            <a:ln>
+              <a:noFill/>
+            </a:ln>
+          </p:spPr>
+          <p:style>
+            <a:lnRef idx="2">
+              <a:schemeClr val="accent1">
+                <a:shade val="50000"/>
+              </a:schemeClr>
+            </a:lnRef>
+            <a:fillRef idx="1">
+              <a:schemeClr val="accent1"/>
+            </a:fillRef>
+            <a:effectRef idx="0">
+              <a:schemeClr val="accent1"/>
+            </a:effectRef>
+            <a:fontRef idx="minor">
+              <a:schemeClr val="lt1"/>
+            </a:fontRef>
+          </p:style>
+          <p:txBody>
+            <a:bodyPr rtlCol="0" anchor="ctr"/>
+            <a:lstStyle/>
+            <a:p>
+              <a:pPr algn="ctr"/>
+              <a:endParaRPr lang="ko-KR" altLang="en-US"/>
+            </a:p>
+          </p:txBody>
+        </p:sp>
+        <p:sp>
+          <p:nvSpPr>
+            <p:cNvPr id="82" name="직사각형 81">
+              <a:extLst>
+                <a:ext uri="{FF2B5EF4-FFF2-40B4-BE49-F238E27FC236}">
+                  <a16:creationId xmlns:a16="http://schemas.microsoft.com/office/drawing/2014/main" id="{87D93B4F-2411-45E1-B686-CA48E07352FB}"/>
+                </a:ext>
+              </a:extLst>
+            </p:cNvPr>
+            <p:cNvSpPr/>
+            <p:nvPr/>
+          </p:nvSpPr>
+          <p:spPr>
+            <a:xfrm>
+              <a:off x="2463280" y="3636929"/>
+              <a:ext cx="615820" cy="615820"/>
+            </a:xfrm>
+            <a:prstGeom prst="rect">
+              <a:avLst/>
+            </a:prstGeom>
+            <a:solidFill>
+              <a:srgbClr val="23DEB4"/>
+            </a:solidFill>
+            <a:ln>
+              <a:noFill/>
+            </a:ln>
+          </p:spPr>
+          <p:style>
+            <a:lnRef idx="2">
+              <a:schemeClr val="accent1">
+                <a:shade val="50000"/>
+              </a:schemeClr>
+            </a:lnRef>
+            <a:fillRef idx="1">
+              <a:schemeClr val="accent1"/>
+            </a:fillRef>
+            <a:effectRef idx="0">
+              <a:schemeClr val="accent1"/>
+            </a:effectRef>
+            <a:fontRef idx="minor">
+              <a:schemeClr val="lt1"/>
+            </a:fontRef>
+          </p:style>
+          <p:txBody>
+            <a:bodyPr rtlCol="0" anchor="ctr"/>
+            <a:lstStyle/>
+            <a:p>
+              <a:pPr algn="ctr"/>
+              <a:endParaRPr lang="ko-KR" altLang="en-US"/>
+            </a:p>
+          </p:txBody>
+        </p:sp>
+        <p:sp>
+          <p:nvSpPr>
+            <p:cNvPr id="83" name="직사각형 82">
+              <a:extLst>
+                <a:ext uri="{FF2B5EF4-FFF2-40B4-BE49-F238E27FC236}">
+                  <a16:creationId xmlns:a16="http://schemas.microsoft.com/office/drawing/2014/main" id="{9CC8386C-93C7-46E9-99EB-D1AA1F964077}"/>
+                </a:ext>
+              </a:extLst>
+            </p:cNvPr>
+            <p:cNvSpPr/>
+            <p:nvPr/>
+          </p:nvSpPr>
+          <p:spPr>
+            <a:xfrm>
+              <a:off x="3079100" y="3636929"/>
+              <a:ext cx="615820" cy="615820"/>
+            </a:xfrm>
+            <a:prstGeom prst="rect">
+              <a:avLst/>
+            </a:prstGeom>
+            <a:solidFill>
+              <a:srgbClr val="3EE2BD"/>
+            </a:solidFill>
+            <a:ln>
+              <a:noFill/>
+            </a:ln>
+          </p:spPr>
+          <p:style>
+            <a:lnRef idx="2">
+              <a:schemeClr val="accent1">
+                <a:shade val="50000"/>
+              </a:schemeClr>
+            </a:lnRef>
+            <a:fillRef idx="1">
+              <a:schemeClr val="accent1"/>
+            </a:fillRef>
+            <a:effectRef idx="0">
+              <a:schemeClr val="accent1"/>
+            </a:effectRef>
+            <a:fontRef idx="minor">
+              <a:schemeClr val="lt1"/>
+            </a:fontRef>
+          </p:style>
+          <p:txBody>
+            <a:bodyPr rtlCol="0" anchor="ctr"/>
+            <a:lstStyle/>
+            <a:p>
+              <a:pPr algn="ctr"/>
+              <a:endParaRPr lang="ko-KR" altLang="en-US"/>
+            </a:p>
+          </p:txBody>
+        </p:sp>
+        <p:sp>
+          <p:nvSpPr>
+            <p:cNvPr id="84" name="직사각형 83">
+              <a:extLst>
+                <a:ext uri="{FF2B5EF4-FFF2-40B4-BE49-F238E27FC236}">
+                  <a16:creationId xmlns:a16="http://schemas.microsoft.com/office/drawing/2014/main" id="{985D4C35-28D4-4F57-8A48-2C20CD37FEC6}"/>
+                </a:ext>
+              </a:extLst>
+            </p:cNvPr>
+            <p:cNvSpPr/>
+            <p:nvPr/>
+          </p:nvSpPr>
+          <p:spPr>
+            <a:xfrm>
+              <a:off x="3694920" y="3636929"/>
+              <a:ext cx="615820" cy="615820"/>
+            </a:xfrm>
+            <a:prstGeom prst="rect">
+              <a:avLst/>
+            </a:prstGeom>
+            <a:solidFill>
+              <a:srgbClr val="23DEB4"/>
+            </a:solidFill>
+            <a:ln>
+              <a:noFill/>
+            </a:ln>
+          </p:spPr>
+          <p:style>
+            <a:lnRef idx="2">
+              <a:schemeClr val="accent1">
+                <a:shade val="50000"/>
+              </a:schemeClr>
+            </a:lnRef>
+            <a:fillRef idx="1">
+              <a:schemeClr val="accent1"/>
+            </a:fillRef>
+            <a:effectRef idx="0">
+              <a:schemeClr val="accent1"/>
+            </a:effectRef>
+            <a:fontRef idx="minor">
+              <a:schemeClr val="lt1"/>
+            </a:fontRef>
+          </p:style>
+          <p:txBody>
+            <a:bodyPr rtlCol="0" anchor="ctr"/>
+            <a:lstStyle/>
+            <a:p>
+              <a:pPr algn="ctr"/>
+              <a:endParaRPr lang="ko-KR" altLang="en-US"/>
+            </a:p>
+          </p:txBody>
+        </p:sp>
+        <p:sp>
+          <p:nvSpPr>
+            <p:cNvPr id="85" name="직사각형 84">
+              <a:extLst>
+                <a:ext uri="{FF2B5EF4-FFF2-40B4-BE49-F238E27FC236}">
+                  <a16:creationId xmlns:a16="http://schemas.microsoft.com/office/drawing/2014/main" id="{10BA05C9-BFCB-45AA-99FC-8621EE66B67E}"/>
+                </a:ext>
+              </a:extLst>
+            </p:cNvPr>
+            <p:cNvSpPr/>
+            <p:nvPr/>
+          </p:nvSpPr>
+          <p:spPr>
+            <a:xfrm>
+              <a:off x="4310740" y="3636929"/>
+              <a:ext cx="615820" cy="615820"/>
+            </a:xfrm>
+            <a:prstGeom prst="rect">
+              <a:avLst/>
+            </a:prstGeom>
+            <a:solidFill>
+              <a:srgbClr val="3EE2BD"/>
+            </a:solidFill>
+            <a:ln>
+              <a:noFill/>
+            </a:ln>
+          </p:spPr>
+          <p:style>
+            <a:lnRef idx="2">
+              <a:schemeClr val="accent1">
+                <a:shade val="50000"/>
+              </a:schemeClr>
+            </a:lnRef>
+            <a:fillRef idx="1">
+              <a:schemeClr val="accent1"/>
+            </a:fillRef>
+            <a:effectRef idx="0">
+              <a:schemeClr val="accent1"/>
+            </a:effectRef>
+            <a:fontRef idx="minor">
+              <a:schemeClr val="lt1"/>
+            </a:fontRef>
+          </p:style>
+          <p:txBody>
+            <a:bodyPr rtlCol="0" anchor="ctr"/>
+            <a:lstStyle/>
+            <a:p>
+              <a:pPr algn="ctr"/>
+              <a:endParaRPr lang="ko-KR" altLang="en-US"/>
+            </a:p>
+          </p:txBody>
+        </p:sp>
+        <p:sp>
+          <p:nvSpPr>
+            <p:cNvPr id="86" name="직사각형 85">
+              <a:extLst>
+                <a:ext uri="{FF2B5EF4-FFF2-40B4-BE49-F238E27FC236}">
+                  <a16:creationId xmlns:a16="http://schemas.microsoft.com/office/drawing/2014/main" id="{C8175FAC-E89A-4A15-82E3-230177328C6D}"/>
+                </a:ext>
+              </a:extLst>
+            </p:cNvPr>
+            <p:cNvSpPr/>
+            <p:nvPr/>
+          </p:nvSpPr>
+          <p:spPr>
+            <a:xfrm>
+              <a:off x="4926560" y="3636929"/>
+              <a:ext cx="615820" cy="615820"/>
+            </a:xfrm>
+            <a:prstGeom prst="rect">
+              <a:avLst/>
+            </a:prstGeom>
+            <a:solidFill>
+              <a:srgbClr val="23DEB4"/>
+            </a:solidFill>
+            <a:ln>
+              <a:noFill/>
+            </a:ln>
+          </p:spPr>
+          <p:style>
+            <a:lnRef idx="2">
+              <a:schemeClr val="accent1">
+                <a:shade val="50000"/>
+              </a:schemeClr>
+            </a:lnRef>
+            <a:fillRef idx="1">
+              <a:schemeClr val="accent1"/>
+            </a:fillRef>
+            <a:effectRef idx="0">
+              <a:schemeClr val="accent1"/>
+            </a:effectRef>
+            <a:fontRef idx="minor">
+              <a:schemeClr val="lt1"/>
+            </a:fontRef>
+          </p:style>
+          <p:txBody>
+            <a:bodyPr rtlCol="0" anchor="ctr"/>
+            <a:lstStyle/>
+            <a:p>
+              <a:pPr algn="ctr"/>
+              <a:endParaRPr lang="ko-KR" altLang="en-US"/>
+            </a:p>
+          </p:txBody>
+        </p:sp>
+        <p:sp>
+          <p:nvSpPr>
+            <p:cNvPr id="87" name="직사각형 86">
+              <a:extLst>
+                <a:ext uri="{FF2B5EF4-FFF2-40B4-BE49-F238E27FC236}">
+                  <a16:creationId xmlns:a16="http://schemas.microsoft.com/office/drawing/2014/main" id="{41020454-92B0-4590-B8B0-D813C4B856BE}"/>
+                </a:ext>
+              </a:extLst>
+            </p:cNvPr>
+            <p:cNvSpPr/>
+            <p:nvPr/>
+          </p:nvSpPr>
+          <p:spPr>
+            <a:xfrm>
+              <a:off x="5542380" y="3636929"/>
+              <a:ext cx="615820" cy="615820"/>
+            </a:xfrm>
+            <a:prstGeom prst="rect">
+              <a:avLst/>
+            </a:prstGeom>
+            <a:solidFill>
+              <a:srgbClr val="3EE2BD"/>
+            </a:solidFill>
+            <a:ln>
+              <a:noFill/>
+            </a:ln>
+          </p:spPr>
+          <p:style>
+            <a:lnRef idx="2">
+              <a:schemeClr val="accent1">
+                <a:shade val="50000"/>
+              </a:schemeClr>
+            </a:lnRef>
+            <a:fillRef idx="1">
+              <a:schemeClr val="accent1"/>
+            </a:fillRef>
+            <a:effectRef idx="0">
+              <a:schemeClr val="accent1"/>
+            </a:effectRef>
+            <a:fontRef idx="minor">
+              <a:schemeClr val="lt1"/>
+            </a:fontRef>
+          </p:style>
+          <p:txBody>
+            <a:bodyPr rtlCol="0" anchor="ctr"/>
+            <a:lstStyle/>
+            <a:p>
+              <a:pPr algn="ctr"/>
+              <a:endParaRPr lang="ko-KR" altLang="en-US"/>
+            </a:p>
+          </p:txBody>
+        </p:sp>
+        <p:sp>
+          <p:nvSpPr>
+            <p:cNvPr id="88" name="직사각형 87">
+              <a:extLst>
+                <a:ext uri="{FF2B5EF4-FFF2-40B4-BE49-F238E27FC236}">
+                  <a16:creationId xmlns:a16="http://schemas.microsoft.com/office/drawing/2014/main" id="{8975284E-2D7E-48FC-B524-9E6B5C0B67D6}"/>
+                </a:ext>
+              </a:extLst>
+            </p:cNvPr>
+            <p:cNvSpPr/>
+            <p:nvPr/>
+          </p:nvSpPr>
+          <p:spPr>
+            <a:xfrm>
+              <a:off x="6158200" y="3636929"/>
+              <a:ext cx="615820" cy="615820"/>
+            </a:xfrm>
+            <a:prstGeom prst="rect">
+              <a:avLst/>
+            </a:prstGeom>
+            <a:solidFill>
+              <a:srgbClr val="23DEB4"/>
+            </a:solidFill>
+            <a:ln>
+              <a:noFill/>
+            </a:ln>
+          </p:spPr>
+          <p:style>
+            <a:lnRef idx="2">
+              <a:schemeClr val="accent1">
+                <a:shade val="50000"/>
+              </a:schemeClr>
+            </a:lnRef>
+            <a:fillRef idx="1">
+              <a:schemeClr val="accent1"/>
+            </a:fillRef>
+            <a:effectRef idx="0">
+              <a:schemeClr val="accent1"/>
+            </a:effectRef>
+            <a:fontRef idx="minor">
+              <a:schemeClr val="lt1"/>
+            </a:fontRef>
+          </p:style>
+          <p:txBody>
+            <a:bodyPr rtlCol="0" anchor="ctr"/>
+            <a:lstStyle/>
+            <a:p>
+              <a:pPr algn="ctr"/>
+              <a:endParaRPr lang="ko-KR" altLang="en-US"/>
+            </a:p>
+          </p:txBody>
+        </p:sp>
+        <p:sp>
+          <p:nvSpPr>
+            <p:cNvPr id="89" name="직사각형 88">
+              <a:extLst>
+                <a:ext uri="{FF2B5EF4-FFF2-40B4-BE49-F238E27FC236}">
+                  <a16:creationId xmlns:a16="http://schemas.microsoft.com/office/drawing/2014/main" id="{E7584DF0-2156-4999-AFAB-D71030C9B734}"/>
+                </a:ext>
+              </a:extLst>
+            </p:cNvPr>
+            <p:cNvSpPr/>
+            <p:nvPr/>
+          </p:nvSpPr>
+          <p:spPr>
+            <a:xfrm>
+              <a:off x="6774020" y="3636929"/>
+              <a:ext cx="615820" cy="615820"/>
+            </a:xfrm>
+            <a:prstGeom prst="rect">
+              <a:avLst/>
+            </a:prstGeom>
+            <a:solidFill>
+              <a:srgbClr val="3EE2BD"/>
+            </a:solidFill>
+            <a:ln>
+              <a:noFill/>
+            </a:ln>
+          </p:spPr>
+          <p:style>
+            <a:lnRef idx="2">
+              <a:schemeClr val="accent1">
+                <a:shade val="50000"/>
+              </a:schemeClr>
+            </a:lnRef>
+            <a:fillRef idx="1">
+              <a:schemeClr val="accent1"/>
+            </a:fillRef>
+            <a:effectRef idx="0">
+              <a:schemeClr val="accent1"/>
+            </a:effectRef>
+            <a:fontRef idx="minor">
+              <a:schemeClr val="lt1"/>
+            </a:fontRef>
+          </p:style>
+          <p:txBody>
+            <a:bodyPr rtlCol="0" anchor="ctr"/>
+            <a:lstStyle/>
+            <a:p>
+              <a:pPr algn="ctr"/>
+              <a:endParaRPr lang="ko-KR" altLang="en-US"/>
+            </a:p>
+          </p:txBody>
+        </p:sp>
+        <p:sp>
+          <p:nvSpPr>
+            <p:cNvPr id="90" name="직사각형 89">
+              <a:extLst>
+                <a:ext uri="{FF2B5EF4-FFF2-40B4-BE49-F238E27FC236}">
+                  <a16:creationId xmlns:a16="http://schemas.microsoft.com/office/drawing/2014/main" id="{5545C66F-9CF7-4FD9-9E46-AE5CAD609BBE}"/>
+                </a:ext>
+              </a:extLst>
+            </p:cNvPr>
+            <p:cNvSpPr/>
+            <p:nvPr/>
+          </p:nvSpPr>
+          <p:spPr>
+            <a:xfrm>
+              <a:off x="615820" y="4252749"/>
+              <a:ext cx="615820" cy="615820"/>
+            </a:xfrm>
+            <a:prstGeom prst="rect">
+              <a:avLst/>
+            </a:prstGeom>
+            <a:solidFill>
+              <a:srgbClr val="23DEB4"/>
+            </a:solidFill>
+            <a:ln>
+              <a:noFill/>
+            </a:ln>
+          </p:spPr>
+          <p:style>
+            <a:lnRef idx="2">
+              <a:schemeClr val="accent1">
+                <a:shade val="50000"/>
+              </a:schemeClr>
+            </a:lnRef>
+            <a:fillRef idx="1">
+              <a:schemeClr val="accent1"/>
+            </a:fillRef>
+            <a:effectRef idx="0">
+              <a:schemeClr val="accent1"/>
+            </a:effectRef>
+            <a:fontRef idx="minor">
+              <a:schemeClr val="lt1"/>
+            </a:fontRef>
+          </p:style>
+          <p:txBody>
+            <a:bodyPr rtlCol="0" anchor="ctr"/>
+            <a:lstStyle/>
+            <a:p>
+              <a:pPr algn="ctr"/>
+              <a:endParaRPr lang="ko-KR" altLang="en-US"/>
+            </a:p>
+          </p:txBody>
+        </p:sp>
+        <p:sp>
+          <p:nvSpPr>
+            <p:cNvPr id="91" name="직사각형 90">
+              <a:extLst>
+                <a:ext uri="{FF2B5EF4-FFF2-40B4-BE49-F238E27FC236}">
+                  <a16:creationId xmlns:a16="http://schemas.microsoft.com/office/drawing/2014/main" id="{57DC8CCD-DB68-45B3-B304-B103222B6ACE}"/>
+                </a:ext>
+              </a:extLst>
+            </p:cNvPr>
+            <p:cNvSpPr/>
+            <p:nvPr/>
+          </p:nvSpPr>
+          <p:spPr>
+            <a:xfrm>
+              <a:off x="1231640" y="4252749"/>
+              <a:ext cx="615820" cy="615820"/>
+            </a:xfrm>
+            <a:prstGeom prst="rect">
+              <a:avLst/>
+            </a:prstGeom>
+            <a:solidFill>
+              <a:srgbClr val="3EE2BD"/>
+            </a:solidFill>
+            <a:ln>
+              <a:noFill/>
+            </a:ln>
+          </p:spPr>
+          <p:style>
+            <a:lnRef idx="2">
+              <a:schemeClr val="accent1">
+                <a:shade val="50000"/>
+              </a:schemeClr>
+            </a:lnRef>
+            <a:fillRef idx="1">
+              <a:schemeClr val="accent1"/>
+            </a:fillRef>
+            <a:effectRef idx="0">
+              <a:schemeClr val="accent1"/>
+            </a:effectRef>
+            <a:fontRef idx="minor">
+              <a:schemeClr val="lt1"/>
+            </a:fontRef>
+          </p:style>
+          <p:txBody>
+            <a:bodyPr rtlCol="0" anchor="ctr"/>
+            <a:lstStyle/>
+            <a:p>
+              <a:pPr algn="ctr"/>
+              <a:endParaRPr lang="ko-KR" altLang="en-US"/>
+            </a:p>
+          </p:txBody>
+        </p:sp>
+        <p:sp>
+          <p:nvSpPr>
+            <p:cNvPr id="92" name="직사각형 91">
+              <a:extLst>
+                <a:ext uri="{FF2B5EF4-FFF2-40B4-BE49-F238E27FC236}">
+                  <a16:creationId xmlns:a16="http://schemas.microsoft.com/office/drawing/2014/main" id="{28E97660-90A7-4481-B119-3802E745C73C}"/>
+                </a:ext>
+              </a:extLst>
+            </p:cNvPr>
+            <p:cNvSpPr/>
+            <p:nvPr/>
+          </p:nvSpPr>
+          <p:spPr>
+            <a:xfrm>
+              <a:off x="1847460" y="4252749"/>
+              <a:ext cx="615820" cy="615820"/>
+            </a:xfrm>
+            <a:prstGeom prst="rect">
+              <a:avLst/>
+            </a:prstGeom>
+            <a:solidFill>
+              <a:srgbClr val="23DEB4"/>
+            </a:solidFill>
+            <a:ln>
+              <a:noFill/>
+            </a:ln>
+          </p:spPr>
+          <p:style>
+            <a:lnRef idx="2">
+              <a:schemeClr val="accent1">
+                <a:shade val="50000"/>
+              </a:schemeClr>
+            </a:lnRef>
+            <a:fillRef idx="1">
+              <a:schemeClr val="accent1"/>
+            </a:fillRef>
+            <a:effectRef idx="0">
+              <a:schemeClr val="accent1"/>
+            </a:effectRef>
+            <a:fontRef idx="minor">
+              <a:schemeClr val="lt1"/>
+            </a:fontRef>
+          </p:style>
+          <p:txBody>
+            <a:bodyPr rtlCol="0" anchor="ctr"/>
+            <a:lstStyle/>
+            <a:p>
+              <a:pPr algn="ctr"/>
+              <a:endParaRPr lang="ko-KR" altLang="en-US"/>
+            </a:p>
+          </p:txBody>
+        </p:sp>
+        <p:sp>
+          <p:nvSpPr>
+            <p:cNvPr id="93" name="직사각형 92">
+              <a:extLst>
+                <a:ext uri="{FF2B5EF4-FFF2-40B4-BE49-F238E27FC236}">
+                  <a16:creationId xmlns:a16="http://schemas.microsoft.com/office/drawing/2014/main" id="{3A5C8FD5-750E-4F24-AC65-9F99CA1BF18E}"/>
+                </a:ext>
+              </a:extLst>
+            </p:cNvPr>
+            <p:cNvSpPr/>
+            <p:nvPr/>
+          </p:nvSpPr>
+          <p:spPr>
+            <a:xfrm>
+              <a:off x="2463280" y="4252749"/>
+              <a:ext cx="615820" cy="615820"/>
+            </a:xfrm>
+            <a:prstGeom prst="rect">
+              <a:avLst/>
+            </a:prstGeom>
+            <a:solidFill>
+              <a:srgbClr val="3EE2BD"/>
+            </a:solidFill>
+            <a:ln>
+              <a:noFill/>
+            </a:ln>
+          </p:spPr>
+          <p:style>
+            <a:lnRef idx="2">
+              <a:schemeClr val="accent1">
+                <a:shade val="50000"/>
+              </a:schemeClr>
+            </a:lnRef>
+            <a:fillRef idx="1">
+              <a:schemeClr val="accent1"/>
+            </a:fillRef>
+            <a:effectRef idx="0">
+              <a:schemeClr val="accent1"/>
+            </a:effectRef>
+            <a:fontRef idx="minor">
+              <a:schemeClr val="lt1"/>
+            </a:fontRef>
+          </p:style>
+          <p:txBody>
+            <a:bodyPr rtlCol="0" anchor="ctr"/>
+            <a:lstStyle/>
+            <a:p>
+              <a:pPr algn="ctr"/>
+              <a:endParaRPr lang="ko-KR" altLang="en-US"/>
+            </a:p>
+          </p:txBody>
+        </p:sp>
+        <p:sp>
+          <p:nvSpPr>
+            <p:cNvPr id="94" name="직사각형 93">
+              <a:extLst>
+                <a:ext uri="{FF2B5EF4-FFF2-40B4-BE49-F238E27FC236}">
+                  <a16:creationId xmlns:a16="http://schemas.microsoft.com/office/drawing/2014/main" id="{86DA66C7-CAA2-4241-861A-5BEA3EF810E7}"/>
+                </a:ext>
+              </a:extLst>
+            </p:cNvPr>
+            <p:cNvSpPr/>
+            <p:nvPr/>
+          </p:nvSpPr>
+          <p:spPr>
+            <a:xfrm>
+              <a:off x="3079100" y="4252749"/>
+              <a:ext cx="615820" cy="615820"/>
+            </a:xfrm>
+            <a:prstGeom prst="rect">
+              <a:avLst/>
+            </a:prstGeom>
+            <a:solidFill>
+              <a:srgbClr val="23DEB4"/>
+            </a:solidFill>
+            <a:ln>
+              <a:noFill/>
+            </a:ln>
+          </p:spPr>
+          <p:style>
+            <a:lnRef idx="2">
+              <a:schemeClr val="accent1">
+                <a:shade val="50000"/>
+              </a:schemeClr>
+            </a:lnRef>
+            <a:fillRef idx="1">
+              <a:schemeClr val="accent1"/>
+            </a:fillRef>
+            <a:effectRef idx="0">
+              <a:schemeClr val="accent1"/>
+            </a:effectRef>
+            <a:fontRef idx="minor">
+              <a:schemeClr val="lt1"/>
+            </a:fontRef>
+          </p:style>
+          <p:txBody>
+            <a:bodyPr rtlCol="0" anchor="ctr"/>
+            <a:lstStyle/>
+            <a:p>
+              <a:pPr algn="ctr"/>
+              <a:endParaRPr lang="ko-KR" altLang="en-US"/>
+            </a:p>
+          </p:txBody>
+        </p:sp>
+        <p:sp>
+          <p:nvSpPr>
+            <p:cNvPr id="95" name="직사각형 94">
+              <a:extLst>
+                <a:ext uri="{FF2B5EF4-FFF2-40B4-BE49-F238E27FC236}">
+                  <a16:creationId xmlns:a16="http://schemas.microsoft.com/office/drawing/2014/main" id="{0E1D21DD-F6C9-46C2-9DDD-F45A2063CFFE}"/>
+                </a:ext>
+              </a:extLst>
+            </p:cNvPr>
+            <p:cNvSpPr/>
+            <p:nvPr/>
+          </p:nvSpPr>
+          <p:spPr>
+            <a:xfrm>
+              <a:off x="3694920" y="4252749"/>
+              <a:ext cx="615820" cy="615820"/>
+            </a:xfrm>
+            <a:prstGeom prst="rect">
+              <a:avLst/>
+            </a:prstGeom>
+            <a:solidFill>
+              <a:srgbClr val="3EE2BD"/>
+            </a:solidFill>
+            <a:ln>
+              <a:noFill/>
+            </a:ln>
+          </p:spPr>
+          <p:style>
+            <a:lnRef idx="2">
+              <a:schemeClr val="accent1">
+                <a:shade val="50000"/>
+              </a:schemeClr>
+            </a:lnRef>
+            <a:fillRef idx="1">
+              <a:schemeClr val="accent1"/>
+            </a:fillRef>
+            <a:effectRef idx="0">
+              <a:schemeClr val="accent1"/>
+            </a:effectRef>
+            <a:fontRef idx="minor">
+              <a:schemeClr val="lt1"/>
+            </a:fontRef>
+          </p:style>
+          <p:txBody>
+            <a:bodyPr rtlCol="0" anchor="ctr"/>
+            <a:lstStyle/>
+            <a:p>
+              <a:pPr algn="ctr"/>
+              <a:endParaRPr lang="ko-KR" altLang="en-US"/>
+            </a:p>
+          </p:txBody>
+        </p:sp>
+        <p:sp>
+          <p:nvSpPr>
+            <p:cNvPr id="96" name="직사각형 95">
+              <a:extLst>
+                <a:ext uri="{FF2B5EF4-FFF2-40B4-BE49-F238E27FC236}">
+                  <a16:creationId xmlns:a16="http://schemas.microsoft.com/office/drawing/2014/main" id="{A0B17955-DE35-4218-A27F-ED5029E5AF46}"/>
+                </a:ext>
+              </a:extLst>
+            </p:cNvPr>
+            <p:cNvSpPr/>
+            <p:nvPr/>
+          </p:nvSpPr>
+          <p:spPr>
+            <a:xfrm>
+              <a:off x="4310740" y="4252749"/>
+              <a:ext cx="615820" cy="615820"/>
+            </a:xfrm>
+            <a:prstGeom prst="rect">
+              <a:avLst/>
+            </a:prstGeom>
+            <a:solidFill>
+              <a:srgbClr val="23DEB4"/>
+            </a:solidFill>
+            <a:ln>
+              <a:noFill/>
+            </a:ln>
+          </p:spPr>
+          <p:style>
+            <a:lnRef idx="2">
+              <a:schemeClr val="accent1">
+                <a:shade val="50000"/>
+              </a:schemeClr>
+            </a:lnRef>
+            <a:fillRef idx="1">
+              <a:schemeClr val="accent1"/>
+            </a:fillRef>
+            <a:effectRef idx="0">
+              <a:schemeClr val="accent1"/>
+            </a:effectRef>
+            <a:fontRef idx="minor">
+              <a:schemeClr val="lt1"/>
+            </a:fontRef>
+          </p:style>
+          <p:txBody>
+            <a:bodyPr rtlCol="0" anchor="ctr"/>
+            <a:lstStyle/>
+            <a:p>
+              <a:pPr algn="ctr"/>
+              <a:endParaRPr lang="ko-KR" altLang="en-US"/>
+            </a:p>
+          </p:txBody>
+        </p:sp>
+        <p:sp>
+          <p:nvSpPr>
+            <p:cNvPr id="97" name="직사각형 96">
+              <a:extLst>
+                <a:ext uri="{FF2B5EF4-FFF2-40B4-BE49-F238E27FC236}">
+                  <a16:creationId xmlns:a16="http://schemas.microsoft.com/office/drawing/2014/main" id="{F3AD21EB-0C36-410F-9195-7DDF27638893}"/>
+                </a:ext>
+              </a:extLst>
+            </p:cNvPr>
+            <p:cNvSpPr/>
+            <p:nvPr/>
+          </p:nvSpPr>
+          <p:spPr>
+            <a:xfrm>
+              <a:off x="4926560" y="4252749"/>
+              <a:ext cx="615820" cy="615820"/>
+            </a:xfrm>
+            <a:prstGeom prst="rect">
+              <a:avLst/>
+            </a:prstGeom>
+            <a:solidFill>
+              <a:srgbClr val="3EE2BD"/>
+            </a:solidFill>
+            <a:ln>
+              <a:noFill/>
+            </a:ln>
+          </p:spPr>
+          <p:style>
+            <a:lnRef idx="2">
+              <a:schemeClr val="accent1">
+                <a:shade val="50000"/>
+              </a:schemeClr>
+            </a:lnRef>
+            <a:fillRef idx="1">
+              <a:schemeClr val="accent1"/>
+            </a:fillRef>
+            <a:effectRef idx="0">
+              <a:schemeClr val="accent1"/>
+            </a:effectRef>
+            <a:fontRef idx="minor">
+              <a:schemeClr val="lt1"/>
+            </a:fontRef>
+          </p:style>
+          <p:txBody>
+            <a:bodyPr rtlCol="0" anchor="ctr"/>
+            <a:lstStyle/>
+            <a:p>
+              <a:pPr algn="ctr"/>
+              <a:endParaRPr lang="ko-KR" altLang="en-US"/>
+            </a:p>
+          </p:txBody>
+        </p:sp>
+        <p:sp>
+          <p:nvSpPr>
+            <p:cNvPr id="98" name="직사각형 97">
+              <a:extLst>
+                <a:ext uri="{FF2B5EF4-FFF2-40B4-BE49-F238E27FC236}">
+                  <a16:creationId xmlns:a16="http://schemas.microsoft.com/office/drawing/2014/main" id="{978E6BB4-CB53-4472-B3AB-71851E58B163}"/>
+                </a:ext>
+              </a:extLst>
+            </p:cNvPr>
+            <p:cNvSpPr/>
+            <p:nvPr/>
+          </p:nvSpPr>
+          <p:spPr>
+            <a:xfrm>
+              <a:off x="5542380" y="4252749"/>
+              <a:ext cx="615820" cy="615820"/>
+            </a:xfrm>
+            <a:prstGeom prst="rect">
+              <a:avLst/>
+            </a:prstGeom>
+            <a:solidFill>
+              <a:srgbClr val="23DEB4"/>
+            </a:solidFill>
+            <a:ln>
+              <a:noFill/>
+            </a:ln>
+          </p:spPr>
+          <p:style>
+            <a:lnRef idx="2">
+              <a:schemeClr val="accent1">
+                <a:shade val="50000"/>
+              </a:schemeClr>
+            </a:lnRef>
+            <a:fillRef idx="1">
+              <a:schemeClr val="accent1"/>
+            </a:fillRef>
+            <a:effectRef idx="0">
+              <a:schemeClr val="accent1"/>
+            </a:effectRef>
+            <a:fontRef idx="minor">
+              <a:schemeClr val="lt1"/>
+            </a:fontRef>
+          </p:style>
+          <p:txBody>
+            <a:bodyPr rtlCol="0" anchor="ctr"/>
+            <a:lstStyle/>
+            <a:p>
+              <a:pPr algn="ctr"/>
+              <a:endParaRPr lang="ko-KR" altLang="en-US"/>
+            </a:p>
+          </p:txBody>
+        </p:sp>
+        <p:sp>
+          <p:nvSpPr>
+            <p:cNvPr id="99" name="직사각형 98">
+              <a:extLst>
+                <a:ext uri="{FF2B5EF4-FFF2-40B4-BE49-F238E27FC236}">
+                  <a16:creationId xmlns:a16="http://schemas.microsoft.com/office/drawing/2014/main" id="{8EF3F535-4CBB-45DD-AB99-4361DA8CBE01}"/>
+                </a:ext>
+              </a:extLst>
+            </p:cNvPr>
+            <p:cNvSpPr/>
+            <p:nvPr/>
+          </p:nvSpPr>
+          <p:spPr>
+            <a:xfrm>
+              <a:off x="6158200" y="4252749"/>
+              <a:ext cx="615820" cy="615820"/>
+            </a:xfrm>
+            <a:prstGeom prst="rect">
+              <a:avLst/>
+            </a:prstGeom>
+            <a:solidFill>
+              <a:srgbClr val="3EE2BD"/>
+            </a:solidFill>
+            <a:ln>
+              <a:noFill/>
+            </a:ln>
+          </p:spPr>
+          <p:style>
+            <a:lnRef idx="2">
+              <a:schemeClr val="accent1">
+                <a:shade val="50000"/>
+              </a:schemeClr>
+            </a:lnRef>
+            <a:fillRef idx="1">
+              <a:schemeClr val="accent1"/>
+            </a:fillRef>
+            <a:effectRef idx="0">
+              <a:schemeClr val="accent1"/>
+            </a:effectRef>
+            <a:fontRef idx="minor">
+              <a:schemeClr val="lt1"/>
+            </a:fontRef>
+          </p:style>
+          <p:txBody>
+            <a:bodyPr rtlCol="0" anchor="ctr"/>
+            <a:lstStyle/>
+            <a:p>
+              <a:pPr algn="ctr"/>
+              <a:endParaRPr lang="ko-KR" altLang="en-US"/>
+            </a:p>
+          </p:txBody>
+        </p:sp>
+        <p:sp>
+          <p:nvSpPr>
+            <p:cNvPr id="100" name="직사각형 99">
+              <a:extLst>
+                <a:ext uri="{FF2B5EF4-FFF2-40B4-BE49-F238E27FC236}">
+                  <a16:creationId xmlns:a16="http://schemas.microsoft.com/office/drawing/2014/main" id="{87C44432-6251-48B4-97B0-1DCCCFC455C4}"/>
+                </a:ext>
+              </a:extLst>
+            </p:cNvPr>
+            <p:cNvSpPr/>
+            <p:nvPr/>
+          </p:nvSpPr>
+          <p:spPr>
+            <a:xfrm>
+              <a:off x="6774020" y="4252749"/>
+              <a:ext cx="615820" cy="615820"/>
+            </a:xfrm>
+            <a:prstGeom prst="rect">
+              <a:avLst/>
+            </a:prstGeom>
+            <a:solidFill>
+              <a:srgbClr val="23DEB4"/>
+            </a:solidFill>
+            <a:ln>
+              <a:noFill/>
+            </a:ln>
+          </p:spPr>
+          <p:style>
+            <a:lnRef idx="2">
+              <a:schemeClr val="accent1">
+                <a:shade val="50000"/>
+              </a:schemeClr>
+            </a:lnRef>
+            <a:fillRef idx="1">
+              <a:schemeClr val="accent1"/>
+            </a:fillRef>
+            <a:effectRef idx="0">
+              <a:schemeClr val="accent1"/>
+            </a:effectRef>
+            <a:fontRef idx="minor">
+              <a:schemeClr val="lt1"/>
+            </a:fontRef>
+          </p:style>
+          <p:txBody>
+            <a:bodyPr rtlCol="0" anchor="ctr"/>
+            <a:lstStyle/>
+            <a:p>
+              <a:pPr algn="ctr"/>
+              <a:endParaRPr lang="ko-KR" altLang="en-US"/>
+            </a:p>
+          </p:txBody>
+        </p:sp>
+        <p:sp>
+          <p:nvSpPr>
+            <p:cNvPr id="101" name="직사각형 100">
+              <a:extLst>
+                <a:ext uri="{FF2B5EF4-FFF2-40B4-BE49-F238E27FC236}">
+                  <a16:creationId xmlns:a16="http://schemas.microsoft.com/office/drawing/2014/main" id="{ABE73225-9A46-4870-9988-A4CF234779F6}"/>
+                </a:ext>
+              </a:extLst>
+            </p:cNvPr>
+            <p:cNvSpPr/>
+            <p:nvPr/>
+          </p:nvSpPr>
+          <p:spPr>
+            <a:xfrm>
+              <a:off x="0" y="4252749"/>
+              <a:ext cx="615820" cy="615820"/>
+            </a:xfrm>
+            <a:prstGeom prst="rect">
+              <a:avLst/>
+            </a:prstGeom>
+            <a:solidFill>
+              <a:srgbClr val="3EE2BD"/>
+            </a:solidFill>
+            <a:ln>
+              <a:noFill/>
+            </a:ln>
+          </p:spPr>
+          <p:style>
+            <a:lnRef idx="2">
+              <a:schemeClr val="accent1">
+                <a:shade val="50000"/>
+              </a:schemeClr>
+            </a:lnRef>
+            <a:fillRef idx="1">
+              <a:schemeClr val="accent1"/>
+            </a:fillRef>
+            <a:effectRef idx="0">
+              <a:schemeClr val="accent1"/>
+            </a:effectRef>
+            <a:fontRef idx="minor">
+              <a:schemeClr val="lt1"/>
+            </a:fontRef>
+          </p:style>
+          <p:txBody>
+            <a:bodyPr rtlCol="0" anchor="ctr"/>
+            <a:lstStyle/>
+            <a:p>
+              <a:pPr algn="ctr"/>
+              <a:endParaRPr lang="ko-KR" altLang="en-US"/>
+            </a:p>
+          </p:txBody>
+        </p:sp>
+      </p:grpSp>
+      <p:sp>
+        <p:nvSpPr>
+          <p:cNvPr id="104" name="직사각형 103">
+            <a:extLst>
+              <a:ext uri="{FF2B5EF4-FFF2-40B4-BE49-F238E27FC236}">
+                <a16:creationId xmlns:a16="http://schemas.microsoft.com/office/drawing/2014/main" id="{176E8114-4E5C-4878-A165-01D2863AD27F}"/>
+              </a:ext>
+            </a:extLst>
+          </p:cNvPr>
+          <p:cNvSpPr/>
+          <p:nvPr/>
+        </p:nvSpPr>
+        <p:spPr>
+          <a:xfrm>
+            <a:off x="6636544" y="4114685"/>
+            <a:ext cx="1336492" cy="51709"/>
+          </a:xfrm>
+          <a:prstGeom prst="rect">
+            <a:avLst/>
+          </a:prstGeom>
+          <a:solidFill>
+            <a:schemeClr val="bg1"/>
+          </a:solidFill>
+          <a:ln>
+            <a:noFill/>
+          </a:ln>
+          <a:effectLst>
+            <a:outerShdw blurRad="50800" dist="38100" dir="5400000" algn="t" rotWithShape="0">
+              <a:prstClr val="black">
+                <a:alpha val="40000"/>
+              </a:prstClr>
+            </a:outerShdw>
+          </a:effectLst>
+        </p:spPr>
+        <p:style>
+          <a:lnRef idx="2">
+            <a:schemeClr val="accent1">
+              <a:shade val="50000"/>
+            </a:schemeClr>
+          </a:lnRef>
+          <a:fillRef idx="1">
+            <a:schemeClr val="accent1"/>
+          </a:fillRef>
+          <a:effectRef idx="0">
+            <a:schemeClr val="accent1"/>
+          </a:effectRef>
+          <a:fontRef idx="minor">
+            <a:schemeClr val="lt1"/>
+          </a:fontRef>
+        </p:style>
+        <p:txBody>
+          <a:bodyPr rtlCol="0" anchor="ctr"/>
+          <a:lstStyle/>
+          <a:p>
+            <a:pPr algn="ctr"/>
+            <a:endParaRPr lang="ko-KR" altLang="en-US"/>
+          </a:p>
+        </p:txBody>
+      </p:sp>
+      <p:sp>
+        <p:nvSpPr>
+          <p:cNvPr id="105" name="직사각형 104">
+            <a:extLst>
+              <a:ext uri="{FF2B5EF4-FFF2-40B4-BE49-F238E27FC236}">
+                <a16:creationId xmlns:a16="http://schemas.microsoft.com/office/drawing/2014/main" id="{842B8762-733B-4054-953C-2D0C2412304C}"/>
+              </a:ext>
+            </a:extLst>
+          </p:cNvPr>
+          <p:cNvSpPr/>
+          <p:nvPr/>
+        </p:nvSpPr>
+        <p:spPr>
+          <a:xfrm>
+            <a:off x="3793294" y="2782669"/>
+            <a:ext cx="1988045" cy="1292662"/>
+          </a:xfrm>
+          <a:prstGeom prst="rect">
+            <a:avLst/>
+          </a:prstGeom>
+          <a:noFill/>
+          <a:effectLst>
+            <a:outerShdw blurRad="50800" dist="38100" dir="2700000" algn="tl" rotWithShape="0">
+              <a:prstClr val="black">
+                <a:alpha val="40000"/>
+              </a:prstClr>
+            </a:outerShdw>
+          </a:effectLst>
+        </p:spPr>
+        <p:txBody>
+          <a:bodyPr wrap="none" lIns="91440" tIns="45720" rIns="91440" bIns="45720">
+            <a:spAutoFit/>
+          </a:bodyPr>
+          <a:lstStyle/>
+          <a:p>
+            <a:pPr algn="ctr"/>
+            <a:r>
+              <a:rPr lang="en-US" altLang="ko-KR" sz="5400" dirty="0">
                 <a:ln w="0"/>
                 <a:solidFill>
                   <a:schemeClr val="bg1"/>
                 </a:solidFill>
                 <a:latin typeface="휴먼모음T" panose="02030504000101010101" pitchFamily="18" charset="-127"/>
                 <a:ea typeface="휴먼모음T" panose="02030504000101010101" pitchFamily="18" charset="-127"/>
-              </a:endParaRPr>
-            </a:p>
-          </p:txBody>
-        </p:sp>
-      </p:grpSp>
+              </a:rPr>
+              <a:t>PIXEL</a:t>
+            </a:r>
+          </a:p>
+          <a:p>
+            <a:pPr algn="ctr"/>
+            <a:r>
+              <a:rPr lang="ko-KR" altLang="en-US" sz="2400" dirty="0">
+                <a:ln w="0"/>
+                <a:solidFill>
+                  <a:schemeClr val="bg1"/>
+                </a:solidFill>
+                <a:latin typeface="휴먼모음T" panose="02030504000101010101" pitchFamily="18" charset="-127"/>
+                <a:ea typeface="휴먼모음T" panose="02030504000101010101" pitchFamily="18" charset="-127"/>
+              </a:rPr>
+              <a:t>픽셀</a:t>
+            </a:r>
+            <a:endParaRPr lang="en-US" altLang="ko-KR" sz="2400" b="0" cap="none" spc="0" dirty="0">
+              <a:ln w="0"/>
+              <a:solidFill>
+                <a:schemeClr val="bg1"/>
+              </a:solidFill>
+              <a:latin typeface="휴먼모음T" panose="02030504000101010101" pitchFamily="18" charset="-127"/>
+              <a:ea typeface="휴먼모음T" panose="02030504000101010101" pitchFamily="18" charset="-127"/>
+            </a:endParaRPr>
+          </a:p>
+        </p:txBody>
+      </p:sp>
+      <p:sp>
+        <p:nvSpPr>
+          <p:cNvPr id="106" name="직사각형 105">
+            <a:extLst>
+              <a:ext uri="{FF2B5EF4-FFF2-40B4-BE49-F238E27FC236}">
+                <a16:creationId xmlns:a16="http://schemas.microsoft.com/office/drawing/2014/main" id="{315C56A9-3B55-4E42-B628-4A2CB587B46C}"/>
+              </a:ext>
+            </a:extLst>
+          </p:cNvPr>
+          <p:cNvSpPr/>
+          <p:nvPr/>
+        </p:nvSpPr>
+        <p:spPr>
+          <a:xfrm>
+            <a:off x="6705908" y="3651807"/>
+            <a:ext cx="1197764" cy="461665"/>
+          </a:xfrm>
+          <a:prstGeom prst="rect">
+            <a:avLst/>
+          </a:prstGeom>
+          <a:noFill/>
+          <a:effectLst>
+            <a:outerShdw blurRad="50800" dist="38100" dir="2700000" algn="tl" rotWithShape="0">
+              <a:prstClr val="black">
+                <a:alpha val="40000"/>
+              </a:prstClr>
+            </a:outerShdw>
+          </a:effectLst>
+        </p:spPr>
+        <p:txBody>
+          <a:bodyPr wrap="none" lIns="91440" tIns="45720" rIns="91440" bIns="45720">
+            <a:spAutoFit/>
+          </a:bodyPr>
+          <a:lstStyle/>
+          <a:p>
+            <a:pPr algn="ctr"/>
+            <a:r>
+              <a:rPr lang="ko-KR" altLang="en-US" sz="2400" dirty="0">
+                <a:ln w="0"/>
+                <a:solidFill>
+                  <a:schemeClr val="bg1"/>
+                </a:solidFill>
+                <a:latin typeface="휴먼모음T" panose="02030504000101010101" pitchFamily="18" charset="-127"/>
+                <a:ea typeface="휴먼모음T" panose="02030504000101010101" pitchFamily="18" charset="-127"/>
+              </a:rPr>
+              <a:t>이어하기</a:t>
+            </a:r>
+            <a:endParaRPr lang="en-US" altLang="ko-KR" sz="2400" b="0" cap="none" spc="0" dirty="0">
+              <a:ln w="0"/>
+              <a:solidFill>
+                <a:schemeClr val="bg1"/>
+              </a:solidFill>
+              <a:latin typeface="휴먼모음T" panose="02030504000101010101" pitchFamily="18" charset="-127"/>
+              <a:ea typeface="휴먼모음T" panose="02030504000101010101" pitchFamily="18" charset="-127"/>
+            </a:endParaRPr>
+          </a:p>
+        </p:txBody>
+      </p:sp>
+      <p:sp>
+        <p:nvSpPr>
+          <p:cNvPr id="108" name="직사각형 107">
+            <a:extLst>
+              <a:ext uri="{FF2B5EF4-FFF2-40B4-BE49-F238E27FC236}">
+                <a16:creationId xmlns:a16="http://schemas.microsoft.com/office/drawing/2014/main" id="{B6CF9978-F762-48B7-85F5-9B9E725E6215}"/>
+              </a:ext>
+            </a:extLst>
+          </p:cNvPr>
+          <p:cNvSpPr/>
+          <p:nvPr/>
+        </p:nvSpPr>
+        <p:spPr>
+          <a:xfrm>
+            <a:off x="6636544" y="3110598"/>
+            <a:ext cx="1336492" cy="51709"/>
+          </a:xfrm>
+          <a:prstGeom prst="rect">
+            <a:avLst/>
+          </a:prstGeom>
+          <a:solidFill>
+            <a:schemeClr val="bg1"/>
+          </a:solidFill>
+          <a:ln>
+            <a:noFill/>
+          </a:ln>
+          <a:effectLst>
+            <a:outerShdw blurRad="50800" dist="38100" dir="5400000" algn="t" rotWithShape="0">
+              <a:prstClr val="black">
+                <a:alpha val="40000"/>
+              </a:prstClr>
+            </a:outerShdw>
+          </a:effectLst>
+        </p:spPr>
+        <p:style>
+          <a:lnRef idx="2">
+            <a:schemeClr val="accent1">
+              <a:shade val="50000"/>
+            </a:schemeClr>
+          </a:lnRef>
+          <a:fillRef idx="1">
+            <a:schemeClr val="accent1"/>
+          </a:fillRef>
+          <a:effectRef idx="0">
+            <a:schemeClr val="accent1"/>
+          </a:effectRef>
+          <a:fontRef idx="minor">
+            <a:schemeClr val="lt1"/>
+          </a:fontRef>
+        </p:style>
+        <p:txBody>
+          <a:bodyPr rtlCol="0" anchor="ctr"/>
+          <a:lstStyle/>
+          <a:p>
+            <a:pPr algn="ctr"/>
+            <a:endParaRPr lang="ko-KR" altLang="en-US"/>
+          </a:p>
+        </p:txBody>
+      </p:sp>
+      <p:sp>
+        <p:nvSpPr>
+          <p:cNvPr id="109" name="직사각형 108">
+            <a:extLst>
+              <a:ext uri="{FF2B5EF4-FFF2-40B4-BE49-F238E27FC236}">
+                <a16:creationId xmlns:a16="http://schemas.microsoft.com/office/drawing/2014/main" id="{DC9E683F-ADA7-4282-9B2B-4A1B0B23A7E2}"/>
+              </a:ext>
+            </a:extLst>
+          </p:cNvPr>
+          <p:cNvSpPr/>
+          <p:nvPr/>
+        </p:nvSpPr>
+        <p:spPr>
+          <a:xfrm>
+            <a:off x="6705908" y="2647720"/>
+            <a:ext cx="1197764" cy="461665"/>
+          </a:xfrm>
+          <a:prstGeom prst="rect">
+            <a:avLst/>
+          </a:prstGeom>
+          <a:noFill/>
+          <a:effectLst>
+            <a:outerShdw blurRad="50800" dist="38100" dir="2700000" algn="tl" rotWithShape="0">
+              <a:prstClr val="black">
+                <a:alpha val="40000"/>
+              </a:prstClr>
+            </a:outerShdw>
+          </a:effectLst>
+        </p:spPr>
+        <p:txBody>
+          <a:bodyPr wrap="none" lIns="91440" tIns="45720" rIns="91440" bIns="45720">
+            <a:spAutoFit/>
+          </a:bodyPr>
+          <a:lstStyle/>
+          <a:p>
+            <a:pPr algn="ctr"/>
+            <a:r>
+              <a:rPr lang="ko-KR" altLang="en-US" sz="2400" dirty="0" err="1">
+                <a:ln w="0"/>
+                <a:solidFill>
+                  <a:schemeClr val="bg1"/>
+                </a:solidFill>
+                <a:latin typeface="휴먼모음T" panose="02030504000101010101" pitchFamily="18" charset="-127"/>
+                <a:ea typeface="휴먼모음T" panose="02030504000101010101" pitchFamily="18" charset="-127"/>
+              </a:rPr>
+              <a:t>새로하기</a:t>
+            </a:r>
+            <a:endParaRPr lang="en-US" altLang="ko-KR" sz="2400" b="0" cap="none" spc="0" dirty="0">
+              <a:ln w="0"/>
+              <a:solidFill>
+                <a:schemeClr val="bg1"/>
+              </a:solidFill>
+              <a:latin typeface="휴먼모음T" panose="02030504000101010101" pitchFamily="18" charset="-127"/>
+              <a:ea typeface="휴먼모음T" panose="02030504000101010101" pitchFamily="18" charset="-127"/>
+            </a:endParaRPr>
+          </a:p>
+        </p:txBody>
+      </p:sp>
+      <p:sp>
+        <p:nvSpPr>
+          <p:cNvPr id="111" name="직사각형 110">
+            <a:extLst>
+              <a:ext uri="{FF2B5EF4-FFF2-40B4-BE49-F238E27FC236}">
+                <a16:creationId xmlns:a16="http://schemas.microsoft.com/office/drawing/2014/main" id="{17EC7284-E0B7-4B37-B1FE-A0E7E8892FDE}"/>
+              </a:ext>
+            </a:extLst>
+          </p:cNvPr>
+          <p:cNvSpPr/>
+          <p:nvPr/>
+        </p:nvSpPr>
+        <p:spPr>
+          <a:xfrm>
+            <a:off x="4795003" y="4914498"/>
+            <a:ext cx="2601994" cy="215444"/>
+          </a:xfrm>
+          <a:prstGeom prst="rect">
+            <a:avLst/>
+          </a:prstGeom>
+          <a:noFill/>
+          <a:effectLst>
+            <a:outerShdw blurRad="50800" dist="38100" dir="2700000" algn="tl" rotWithShape="0">
+              <a:prstClr val="black">
+                <a:alpha val="40000"/>
+              </a:prstClr>
+            </a:outerShdw>
+          </a:effectLst>
+        </p:spPr>
+        <p:txBody>
+          <a:bodyPr wrap="none" lIns="91440" tIns="45720" rIns="91440" bIns="45720">
+            <a:spAutoFit/>
+          </a:bodyPr>
+          <a:lstStyle/>
+          <a:p>
+            <a:pPr algn="ctr"/>
+            <a:r>
+              <a:rPr lang="ko-KR" altLang="en-US" sz="800" dirty="0">
+                <a:ln w="0"/>
+                <a:solidFill>
+                  <a:schemeClr val="bg1"/>
+                </a:solidFill>
+                <a:effectLst>
+                  <a:outerShdw blurRad="38100" dist="38100" dir="2700000" algn="tl">
+                    <a:srgbClr val="000000">
+                      <a:alpha val="43137"/>
+                    </a:srgbClr>
+                  </a:outerShdw>
+                </a:effectLst>
+                <a:latin typeface="돋움" panose="020B0600000101010101" pitchFamily="50" charset="-127"/>
+                <a:ea typeface="돋움" panose="020B0600000101010101" pitchFamily="50" charset="-127"/>
+              </a:rPr>
+              <a:t>방향키와 </a:t>
+            </a:r>
+            <a:r>
+              <a:rPr lang="en-US" altLang="ko-KR" sz="800" dirty="0">
+                <a:ln w="0"/>
+                <a:solidFill>
+                  <a:schemeClr val="bg1"/>
+                </a:solidFill>
+                <a:effectLst>
+                  <a:outerShdw blurRad="38100" dist="38100" dir="2700000" algn="tl">
+                    <a:srgbClr val="000000">
+                      <a:alpha val="43137"/>
+                    </a:srgbClr>
+                  </a:outerShdw>
+                </a:effectLst>
+                <a:latin typeface="돋움" panose="020B0600000101010101" pitchFamily="50" charset="-127"/>
+                <a:ea typeface="돋움" panose="020B0600000101010101" pitchFamily="50" charset="-127"/>
+              </a:rPr>
+              <a:t>Space Bar</a:t>
+            </a:r>
+            <a:r>
+              <a:rPr lang="ko-KR" altLang="en-US" sz="800" dirty="0">
+                <a:ln w="0"/>
+                <a:solidFill>
+                  <a:schemeClr val="bg1"/>
+                </a:solidFill>
+                <a:effectLst>
+                  <a:outerShdw blurRad="38100" dist="38100" dir="2700000" algn="tl">
+                    <a:srgbClr val="000000">
+                      <a:alpha val="43137"/>
+                    </a:srgbClr>
+                  </a:outerShdw>
+                </a:effectLst>
+                <a:latin typeface="돋움" panose="020B0600000101010101" pitchFamily="50" charset="-127"/>
+                <a:ea typeface="돋움" panose="020B0600000101010101" pitchFamily="50" charset="-127"/>
+              </a:rPr>
+              <a:t>를</a:t>
+            </a:r>
+            <a:r>
+              <a:rPr lang="en-US" altLang="ko-KR" sz="800" dirty="0">
+                <a:ln w="0"/>
+                <a:solidFill>
+                  <a:schemeClr val="bg1"/>
+                </a:solidFill>
+                <a:effectLst>
+                  <a:outerShdw blurRad="38100" dist="38100" dir="2700000" algn="tl">
+                    <a:srgbClr val="000000">
+                      <a:alpha val="43137"/>
+                    </a:srgbClr>
+                  </a:outerShdw>
+                </a:effectLst>
+                <a:latin typeface="돋움" panose="020B0600000101010101" pitchFamily="50" charset="-127"/>
+                <a:ea typeface="돋움" panose="020B0600000101010101" pitchFamily="50" charset="-127"/>
+              </a:rPr>
+              <a:t> </a:t>
+            </a:r>
+            <a:r>
+              <a:rPr lang="ko-KR" altLang="en-US" sz="800" dirty="0">
+                <a:ln w="0"/>
+                <a:solidFill>
+                  <a:schemeClr val="bg1"/>
+                </a:solidFill>
+                <a:effectLst>
+                  <a:outerShdw blurRad="38100" dist="38100" dir="2700000" algn="tl">
+                    <a:srgbClr val="000000">
+                      <a:alpha val="43137"/>
+                    </a:srgbClr>
+                  </a:outerShdw>
+                </a:effectLst>
+                <a:latin typeface="돋움" panose="020B0600000101010101" pitchFamily="50" charset="-127"/>
+                <a:ea typeface="돋움" panose="020B0600000101010101" pitchFamily="50" charset="-127"/>
+              </a:rPr>
+              <a:t>이용하여 메뉴를 조작합니다</a:t>
+            </a:r>
+            <a:r>
+              <a:rPr lang="en-US" altLang="ko-KR" sz="800" dirty="0">
+                <a:ln w="0"/>
+                <a:solidFill>
+                  <a:schemeClr val="bg1"/>
+                </a:solidFill>
+                <a:effectLst>
+                  <a:outerShdw blurRad="38100" dist="38100" dir="2700000" algn="tl">
+                    <a:srgbClr val="000000">
+                      <a:alpha val="43137"/>
+                    </a:srgbClr>
+                  </a:outerShdw>
+                </a:effectLst>
+                <a:latin typeface="돋움" panose="020B0600000101010101" pitchFamily="50" charset="-127"/>
+                <a:ea typeface="돋움" panose="020B0600000101010101" pitchFamily="50" charset="-127"/>
+              </a:rPr>
+              <a:t>.</a:t>
+            </a:r>
+            <a:endParaRPr lang="en-US" altLang="ko-KR" sz="800" cap="none" spc="0" dirty="0">
+              <a:ln w="0"/>
+              <a:solidFill>
+                <a:schemeClr val="bg1"/>
+              </a:solidFill>
+              <a:effectLst>
+                <a:outerShdw blurRad="38100" dist="38100" dir="2700000" algn="tl">
+                  <a:srgbClr val="000000">
+                    <a:alpha val="43137"/>
+                  </a:srgbClr>
+                </a:outerShdw>
+              </a:effectLst>
+              <a:latin typeface="돋움" panose="020B0600000101010101" pitchFamily="50" charset="-127"/>
+              <a:ea typeface="돋움" panose="020B0600000101010101" pitchFamily="50" charset="-127"/>
+            </a:endParaRPr>
+          </a:p>
+        </p:txBody>
+      </p:sp>
     </p:spTree>
     <p:extLst>
       <p:ext uri="{BB962C8B-B14F-4D97-AF65-F5344CB8AC3E}">
-        <p14:creationId xmlns:p14="http://schemas.microsoft.com/office/powerpoint/2010/main" val="1609308388"/>
+        <p14:creationId xmlns:p14="http://schemas.microsoft.com/office/powerpoint/2010/main" val="2961163070"/>
       </p:ext>
     </p:extLst>
   </p:cSld>
@@ -8568,7 +14065,7 @@
 </p:sld>
 </file>
 
-<file path=ppt/slides/slide2.xml><?xml version="1.0" encoding="utf-8"?>
+<file path=ppt/slides/slide3.xml><?xml version="1.0" encoding="utf-8"?>
 <p:sld xmlns:a="http://schemas.openxmlformats.org/drawingml/2006/main" xmlns:r="http://schemas.openxmlformats.org/officeDocument/2006/relationships" xmlns:p="http://schemas.openxmlformats.org/presentationml/2006/main">
   <p:cSld>
     <p:spTree>
@@ -12970,7 +18467,7 @@
 </p:sld>
 </file>
 
-<file path=ppt/slides/slide3.xml><?xml version="1.0" encoding="utf-8"?>
+<file path=ppt/slides/slide4.xml><?xml version="1.0" encoding="utf-8"?>
 <p:sld xmlns:a="http://schemas.openxmlformats.org/drawingml/2006/main" xmlns:r="http://schemas.openxmlformats.org/officeDocument/2006/relationships" xmlns:p="http://schemas.openxmlformats.org/presentationml/2006/main">
   <p:cSld>
     <p:spTree>
@@ -16594,7 +22091,7 @@
 </p:sld>
 </file>
 
-<file path=ppt/slides/slide4.xml><?xml version="1.0" encoding="utf-8"?>
+<file path=ppt/slides/slide5.xml><?xml version="1.0" encoding="utf-8"?>
 <p:sld xmlns:a="http://schemas.openxmlformats.org/drawingml/2006/main" xmlns:r="http://schemas.openxmlformats.org/officeDocument/2006/relationships" xmlns:p="http://schemas.openxmlformats.org/presentationml/2006/main">
   <p:cSld>
     <p:spTree>

--- a/PPT/그래픽 리소스 작업.pptx
+++ b/PPT/그래픽 리소스 작업.pptx
@@ -267,7 +267,7 @@
           <a:p>
             <a:fld id="{27D31188-FF41-4827-A5DA-97728D47966F}" type="datetimeFigureOut">
               <a:rPr lang="ko-KR" altLang="en-US" smtClean="0"/>
-              <a:t>2017-10-31</a:t>
+              <a:t>2017-11-01</a:t>
             </a:fld>
             <a:endParaRPr lang="ko-KR" altLang="en-US"/>
           </a:p>
@@ -465,7 +465,7 @@
           <a:p>
             <a:fld id="{27D31188-FF41-4827-A5DA-97728D47966F}" type="datetimeFigureOut">
               <a:rPr lang="ko-KR" altLang="en-US" smtClean="0"/>
-              <a:t>2017-10-31</a:t>
+              <a:t>2017-11-01</a:t>
             </a:fld>
             <a:endParaRPr lang="ko-KR" altLang="en-US"/>
           </a:p>
@@ -673,7 +673,7 @@
           <a:p>
             <a:fld id="{27D31188-FF41-4827-A5DA-97728D47966F}" type="datetimeFigureOut">
               <a:rPr lang="ko-KR" altLang="en-US" smtClean="0"/>
-              <a:t>2017-10-31</a:t>
+              <a:t>2017-11-01</a:t>
             </a:fld>
             <a:endParaRPr lang="ko-KR" altLang="en-US"/>
           </a:p>
@@ -871,7 +871,7 @@
           <a:p>
             <a:fld id="{27D31188-FF41-4827-A5DA-97728D47966F}" type="datetimeFigureOut">
               <a:rPr lang="ko-KR" altLang="en-US" smtClean="0"/>
-              <a:t>2017-10-31</a:t>
+              <a:t>2017-11-01</a:t>
             </a:fld>
             <a:endParaRPr lang="ko-KR" altLang="en-US"/>
           </a:p>
@@ -1146,7 +1146,7 @@
           <a:p>
             <a:fld id="{27D31188-FF41-4827-A5DA-97728D47966F}" type="datetimeFigureOut">
               <a:rPr lang="ko-KR" altLang="en-US" smtClean="0"/>
-              <a:t>2017-10-31</a:t>
+              <a:t>2017-11-01</a:t>
             </a:fld>
             <a:endParaRPr lang="ko-KR" altLang="en-US"/>
           </a:p>
@@ -1411,7 +1411,7 @@
           <a:p>
             <a:fld id="{27D31188-FF41-4827-A5DA-97728D47966F}" type="datetimeFigureOut">
               <a:rPr lang="ko-KR" altLang="en-US" smtClean="0"/>
-              <a:t>2017-10-31</a:t>
+              <a:t>2017-11-01</a:t>
             </a:fld>
             <a:endParaRPr lang="ko-KR" altLang="en-US"/>
           </a:p>
@@ -1823,7 +1823,7 @@
           <a:p>
             <a:fld id="{27D31188-FF41-4827-A5DA-97728D47966F}" type="datetimeFigureOut">
               <a:rPr lang="ko-KR" altLang="en-US" smtClean="0"/>
-              <a:t>2017-10-31</a:t>
+              <a:t>2017-11-01</a:t>
             </a:fld>
             <a:endParaRPr lang="ko-KR" altLang="en-US"/>
           </a:p>
@@ -1964,7 +1964,7 @@
           <a:p>
             <a:fld id="{27D31188-FF41-4827-A5DA-97728D47966F}" type="datetimeFigureOut">
               <a:rPr lang="ko-KR" altLang="en-US" smtClean="0"/>
-              <a:t>2017-10-31</a:t>
+              <a:t>2017-11-01</a:t>
             </a:fld>
             <a:endParaRPr lang="ko-KR" altLang="en-US"/>
           </a:p>
@@ -2077,7 +2077,7 @@
           <a:p>
             <a:fld id="{27D31188-FF41-4827-A5DA-97728D47966F}" type="datetimeFigureOut">
               <a:rPr lang="ko-KR" altLang="en-US" smtClean="0"/>
-              <a:t>2017-10-31</a:t>
+              <a:t>2017-11-01</a:t>
             </a:fld>
             <a:endParaRPr lang="ko-KR" altLang="en-US"/>
           </a:p>
@@ -2388,7 +2388,7 @@
           <a:p>
             <a:fld id="{27D31188-FF41-4827-A5DA-97728D47966F}" type="datetimeFigureOut">
               <a:rPr lang="ko-KR" altLang="en-US" smtClean="0"/>
-              <a:t>2017-10-31</a:t>
+              <a:t>2017-11-01</a:t>
             </a:fld>
             <a:endParaRPr lang="ko-KR" altLang="en-US"/>
           </a:p>
@@ -2676,7 +2676,7 @@
           <a:p>
             <a:fld id="{27D31188-FF41-4827-A5DA-97728D47966F}" type="datetimeFigureOut">
               <a:rPr lang="ko-KR" altLang="en-US" smtClean="0"/>
-              <a:t>2017-10-31</a:t>
+              <a:t>2017-11-01</a:t>
             </a:fld>
             <a:endParaRPr lang="ko-KR" altLang="en-US"/>
           </a:p>
@@ -2917,7 +2917,7 @@
           <a:p>
             <a:fld id="{27D31188-FF41-4827-A5DA-97728D47966F}" type="datetimeFigureOut">
               <a:rPr lang="ko-KR" altLang="en-US" smtClean="0"/>
-              <a:t>2017-10-31</a:t>
+              <a:t>2017-11-01</a:t>
             </a:fld>
             <a:endParaRPr lang="ko-KR" altLang="en-US"/>
           </a:p>
@@ -8539,6 +8539,150 @@
           </a:p>
         </p:txBody>
       </p:sp>
+      <p:sp>
+        <p:nvSpPr>
+          <p:cNvPr id="106" name="직사각형 105">
+            <a:extLst>
+              <a:ext uri="{FF2B5EF4-FFF2-40B4-BE49-F238E27FC236}">
+                <a16:creationId xmlns:a16="http://schemas.microsoft.com/office/drawing/2014/main" id="{1AD766DA-7B81-4FC9-8252-9D8047CD64F1}"/>
+              </a:ext>
+            </a:extLst>
+          </p:cNvPr>
+          <p:cNvSpPr/>
+          <p:nvPr/>
+        </p:nvSpPr>
+        <p:spPr>
+          <a:xfrm>
+            <a:off x="5337619" y="4679606"/>
+            <a:ext cx="1516762" cy="215444"/>
+          </a:xfrm>
+          <a:prstGeom prst="rect">
+            <a:avLst/>
+          </a:prstGeom>
+          <a:noFill/>
+          <a:effectLst>
+            <a:outerShdw blurRad="50800" dist="38100" dir="2700000" algn="tl" rotWithShape="0">
+              <a:prstClr val="black">
+                <a:alpha val="40000"/>
+              </a:prstClr>
+            </a:outerShdw>
+          </a:effectLst>
+        </p:spPr>
+        <p:txBody>
+          <a:bodyPr wrap="none" lIns="91440" tIns="45720" rIns="91440" bIns="45720">
+            <a:spAutoFit/>
+          </a:bodyPr>
+          <a:lstStyle/>
+          <a:p>
+            <a:pPr algn="ctr"/>
+            <a:r>
+              <a:rPr lang="en-US" altLang="ko-KR" sz="800" dirty="0">
+                <a:ln w="0"/>
+                <a:solidFill>
+                  <a:schemeClr val="bg1"/>
+                </a:solidFill>
+                <a:effectLst>
+                  <a:outerShdw blurRad="38100" dist="38100" dir="2700000" algn="tl">
+                    <a:srgbClr val="000000">
+                      <a:alpha val="43137"/>
+                    </a:srgbClr>
+                  </a:outerShdw>
+                </a:effectLst>
+                <a:latin typeface="돋움" panose="020B0600000101010101" pitchFamily="50" charset="-127"/>
+                <a:ea typeface="돋움" panose="020B0600000101010101" pitchFamily="50" charset="-127"/>
+              </a:rPr>
+              <a:t>Space</a:t>
+            </a:r>
+            <a:r>
+              <a:rPr lang="ko-KR" altLang="en-US" sz="800" dirty="0">
+                <a:ln w="0"/>
+                <a:solidFill>
+                  <a:schemeClr val="bg1"/>
+                </a:solidFill>
+                <a:effectLst>
+                  <a:outerShdw blurRad="38100" dist="38100" dir="2700000" algn="tl">
+                    <a:srgbClr val="000000">
+                      <a:alpha val="43137"/>
+                    </a:srgbClr>
+                  </a:outerShdw>
+                </a:effectLst>
+                <a:latin typeface="돋움" panose="020B0600000101010101" pitchFamily="50" charset="-127"/>
+                <a:ea typeface="돋움" panose="020B0600000101010101" pitchFamily="50" charset="-127"/>
+              </a:rPr>
+              <a:t>를</a:t>
+            </a:r>
+            <a:r>
+              <a:rPr lang="en-US" altLang="ko-KR" sz="800" dirty="0">
+                <a:ln w="0"/>
+                <a:solidFill>
+                  <a:schemeClr val="bg1"/>
+                </a:solidFill>
+                <a:effectLst>
+                  <a:outerShdw blurRad="38100" dist="38100" dir="2700000" algn="tl">
+                    <a:srgbClr val="000000">
+                      <a:alpha val="43137"/>
+                    </a:srgbClr>
+                  </a:outerShdw>
+                </a:effectLst>
+                <a:latin typeface="돋움" panose="020B0600000101010101" pitchFamily="50" charset="-127"/>
+                <a:ea typeface="돋움" panose="020B0600000101010101" pitchFamily="50" charset="-127"/>
+              </a:rPr>
+              <a:t> </a:t>
+            </a:r>
+            <a:r>
+              <a:rPr lang="ko-KR" altLang="en-US" sz="800" dirty="0">
+                <a:ln w="0"/>
+                <a:solidFill>
+                  <a:schemeClr val="bg1"/>
+                </a:solidFill>
+                <a:effectLst>
+                  <a:outerShdw blurRad="38100" dist="38100" dir="2700000" algn="tl">
+                    <a:srgbClr val="000000">
+                      <a:alpha val="43137"/>
+                    </a:srgbClr>
+                  </a:outerShdw>
+                </a:effectLst>
+                <a:latin typeface="돋움" panose="020B0600000101010101" pitchFamily="50" charset="-127"/>
+                <a:ea typeface="돋움" panose="020B0600000101010101" pitchFamily="50" charset="-127"/>
+              </a:rPr>
+              <a:t>누르면 넘어갑니다</a:t>
+            </a:r>
+            <a:r>
+              <a:rPr lang="en-US" altLang="ko-KR" sz="800" dirty="0">
+                <a:ln w="0"/>
+                <a:solidFill>
+                  <a:schemeClr val="bg1"/>
+                </a:solidFill>
+                <a:effectLst>
+                  <a:outerShdw blurRad="38100" dist="38100" dir="2700000" algn="tl">
+                    <a:srgbClr val="000000">
+                      <a:alpha val="43137"/>
+                    </a:srgbClr>
+                  </a:outerShdw>
+                </a:effectLst>
+                <a:latin typeface="돋움" panose="020B0600000101010101" pitchFamily="50" charset="-127"/>
+                <a:ea typeface="돋움" panose="020B0600000101010101" pitchFamily="50" charset="-127"/>
+              </a:rPr>
+              <a:t>.</a:t>
+            </a:r>
+            <a:endParaRPr lang="en-US" altLang="ko-KR" sz="800" cap="none" spc="0" dirty="0">
+              <a:ln w="0"/>
+              <a:solidFill>
+                <a:schemeClr val="bg1"/>
+              </a:solidFill>
+              <a:effectLst>
+                <a:outerShdw blurRad="38100" dist="38100" dir="2700000" algn="tl">
+                  <a:srgbClr val="000000">
+                    <a:alpha val="43137"/>
+                  </a:srgbClr>
+                </a:outerShdw>
+              </a:effectLst>
+              <a:latin typeface="돋움" panose="020B0600000101010101" pitchFamily="50" charset="-127"/>
+              <a:ea typeface="돋움" panose="020B0600000101010101" pitchFamily="50" charset="-127"/>
+            </a:endParaRPr>
+          </a:p>
+        </p:txBody>
+      </p:sp>
     </p:spTree>
     <p:extLst>
       <p:ext uri="{BB962C8B-B14F-4D97-AF65-F5344CB8AC3E}">
@@ -8586,9 +8730,9 @@
         <p:grpSpPr>
           <a:xfrm>
             <a:off x="3592118" y="1551088"/>
-            <a:ext cx="5007765" cy="3755824"/>
-            <a:chOff x="0" y="0"/>
-            <a:chExt cx="7389840" cy="4868569"/>
+            <a:ext cx="5007765" cy="3755850"/>
+            <a:chOff x="0" y="-9"/>
+            <a:chExt cx="7389836" cy="4868579"/>
           </a:xfrm>
         </p:grpSpPr>
         <p:sp>
@@ -8605,8 +8749,8 @@
           </p:nvSpPr>
           <p:spPr>
             <a:xfrm>
-              <a:off x="0" y="0"/>
-              <a:ext cx="615820" cy="615820"/>
+              <a:off x="0" y="-9"/>
+              <a:ext cx="615820" cy="615817"/>
             </a:xfrm>
             <a:prstGeom prst="rect">
               <a:avLst/>
@@ -8657,8 +8801,8 @@
           </p:nvSpPr>
           <p:spPr>
             <a:xfrm>
-              <a:off x="615820" y="0"/>
-              <a:ext cx="615820" cy="615820"/>
+              <a:off x="615820" y="-9"/>
+              <a:ext cx="615820" cy="615817"/>
             </a:xfrm>
             <a:prstGeom prst="rect">
               <a:avLst/>
@@ -8709,8 +8853,8 @@
           </p:nvSpPr>
           <p:spPr>
             <a:xfrm>
-              <a:off x="1231640" y="0"/>
-              <a:ext cx="615820" cy="615820"/>
+              <a:off x="1231640" y="-9"/>
+              <a:ext cx="615820" cy="615817"/>
             </a:xfrm>
             <a:prstGeom prst="rect">
               <a:avLst/>
@@ -8761,8 +8905,8 @@
           </p:nvSpPr>
           <p:spPr>
             <a:xfrm>
-              <a:off x="1847460" y="0"/>
-              <a:ext cx="615820" cy="615820"/>
+              <a:off x="1847459" y="-9"/>
+              <a:ext cx="615820" cy="615817"/>
             </a:xfrm>
             <a:prstGeom prst="rect">
               <a:avLst/>
@@ -8813,8 +8957,8 @@
           </p:nvSpPr>
           <p:spPr>
             <a:xfrm>
-              <a:off x="2463280" y="0"/>
-              <a:ext cx="615820" cy="615820"/>
+              <a:off x="2463279" y="-9"/>
+              <a:ext cx="615820" cy="615817"/>
             </a:xfrm>
             <a:prstGeom prst="rect">
               <a:avLst/>
@@ -8865,8 +9009,8 @@
           </p:nvSpPr>
           <p:spPr>
             <a:xfrm>
-              <a:off x="3079100" y="0"/>
-              <a:ext cx="615820" cy="615820"/>
+              <a:off x="3079099" y="-9"/>
+              <a:ext cx="615820" cy="615817"/>
             </a:xfrm>
             <a:prstGeom prst="rect">
               <a:avLst/>
@@ -8917,8 +9061,8 @@
           </p:nvSpPr>
           <p:spPr>
             <a:xfrm>
-              <a:off x="3694920" y="0"/>
-              <a:ext cx="615820" cy="615820"/>
+              <a:off x="3694919" y="-9"/>
+              <a:ext cx="615820" cy="615817"/>
             </a:xfrm>
             <a:prstGeom prst="rect">
               <a:avLst/>
@@ -8969,8 +9113,8 @@
           </p:nvSpPr>
           <p:spPr>
             <a:xfrm>
-              <a:off x="4310740" y="0"/>
-              <a:ext cx="615820" cy="615820"/>
+              <a:off x="4310737" y="-9"/>
+              <a:ext cx="615820" cy="615817"/>
             </a:xfrm>
             <a:prstGeom prst="rect">
               <a:avLst/>
@@ -9021,8 +9165,8 @@
           </p:nvSpPr>
           <p:spPr>
             <a:xfrm>
-              <a:off x="4926560" y="0"/>
-              <a:ext cx="615820" cy="615820"/>
+              <a:off x="4926557" y="-9"/>
+              <a:ext cx="615820" cy="615817"/>
             </a:xfrm>
             <a:prstGeom prst="rect">
               <a:avLst/>
@@ -9073,8 +9217,8 @@
           </p:nvSpPr>
           <p:spPr>
             <a:xfrm>
-              <a:off x="5542380" y="0"/>
-              <a:ext cx="615820" cy="615820"/>
+              <a:off x="5542377" y="-9"/>
+              <a:ext cx="615820" cy="615817"/>
             </a:xfrm>
             <a:prstGeom prst="rect">
               <a:avLst/>
@@ -9125,8 +9269,8 @@
           </p:nvSpPr>
           <p:spPr>
             <a:xfrm>
-              <a:off x="6158200" y="0"/>
-              <a:ext cx="615820" cy="615820"/>
+              <a:off x="6158197" y="-9"/>
+              <a:ext cx="615820" cy="615817"/>
             </a:xfrm>
             <a:prstGeom prst="rect">
               <a:avLst/>
@@ -9177,8 +9321,8 @@
           </p:nvSpPr>
           <p:spPr>
             <a:xfrm>
-              <a:off x="6774020" y="0"/>
-              <a:ext cx="615820" cy="615820"/>
+              <a:off x="6774016" y="-9"/>
+              <a:ext cx="615820" cy="615817"/>
             </a:xfrm>
             <a:prstGeom prst="rect">
               <a:avLst/>
@@ -9229,8 +9373,8 @@
           </p:nvSpPr>
           <p:spPr>
             <a:xfrm>
-              <a:off x="615820" y="615820"/>
-              <a:ext cx="615820" cy="615820"/>
+              <a:off x="615820" y="615808"/>
+              <a:ext cx="615820" cy="615817"/>
             </a:xfrm>
             <a:prstGeom prst="rect">
               <a:avLst/>
@@ -9281,8 +9425,8 @@
           </p:nvSpPr>
           <p:spPr>
             <a:xfrm>
-              <a:off x="1231640" y="615820"/>
-              <a:ext cx="615820" cy="615820"/>
+              <a:off x="1231640" y="615808"/>
+              <a:ext cx="615820" cy="615817"/>
             </a:xfrm>
             <a:prstGeom prst="rect">
               <a:avLst/>
@@ -9333,8 +9477,8 @@
           </p:nvSpPr>
           <p:spPr>
             <a:xfrm>
-              <a:off x="1847460" y="615820"/>
-              <a:ext cx="615820" cy="615820"/>
+              <a:off x="1847459" y="615808"/>
+              <a:ext cx="615820" cy="615817"/>
             </a:xfrm>
             <a:prstGeom prst="rect">
               <a:avLst/>
@@ -9385,8 +9529,8 @@
           </p:nvSpPr>
           <p:spPr>
             <a:xfrm>
-              <a:off x="2463280" y="615820"/>
-              <a:ext cx="615820" cy="615820"/>
+              <a:off x="2463279" y="615808"/>
+              <a:ext cx="615820" cy="615817"/>
             </a:xfrm>
             <a:prstGeom prst="rect">
               <a:avLst/>
@@ -9437,8 +9581,8 @@
           </p:nvSpPr>
           <p:spPr>
             <a:xfrm>
-              <a:off x="3079100" y="615820"/>
-              <a:ext cx="615820" cy="615820"/>
+              <a:off x="3079099" y="615808"/>
+              <a:ext cx="615820" cy="615817"/>
             </a:xfrm>
             <a:prstGeom prst="rect">
               <a:avLst/>
@@ -9489,8 +9633,8 @@
           </p:nvSpPr>
           <p:spPr>
             <a:xfrm>
-              <a:off x="3694920" y="615820"/>
-              <a:ext cx="615820" cy="615820"/>
+              <a:off x="3694919" y="615808"/>
+              <a:ext cx="615820" cy="615817"/>
             </a:xfrm>
             <a:prstGeom prst="rect">
               <a:avLst/>
@@ -9541,8 +9685,8 @@
           </p:nvSpPr>
           <p:spPr>
             <a:xfrm>
-              <a:off x="4310740" y="615820"/>
-              <a:ext cx="615820" cy="615820"/>
+              <a:off x="4310737" y="615808"/>
+              <a:ext cx="615820" cy="615817"/>
             </a:xfrm>
             <a:prstGeom prst="rect">
               <a:avLst/>
@@ -9593,8 +9737,8 @@
           </p:nvSpPr>
           <p:spPr>
             <a:xfrm>
-              <a:off x="4926560" y="615820"/>
-              <a:ext cx="615820" cy="615820"/>
+              <a:off x="4926557" y="615808"/>
+              <a:ext cx="615820" cy="615817"/>
             </a:xfrm>
             <a:prstGeom prst="rect">
               <a:avLst/>
@@ -9645,8 +9789,8 @@
           </p:nvSpPr>
           <p:spPr>
             <a:xfrm>
-              <a:off x="5542380" y="615820"/>
-              <a:ext cx="615820" cy="615820"/>
+              <a:off x="5542377" y="615808"/>
+              <a:ext cx="615820" cy="615817"/>
             </a:xfrm>
             <a:prstGeom prst="rect">
               <a:avLst/>
@@ -9697,8 +9841,8 @@
           </p:nvSpPr>
           <p:spPr>
             <a:xfrm>
-              <a:off x="6158200" y="615820"/>
-              <a:ext cx="615820" cy="615820"/>
+              <a:off x="6158197" y="615808"/>
+              <a:ext cx="615820" cy="615817"/>
             </a:xfrm>
             <a:prstGeom prst="rect">
               <a:avLst/>
@@ -9749,8 +9893,8 @@
           </p:nvSpPr>
           <p:spPr>
             <a:xfrm>
-              <a:off x="6774020" y="615820"/>
-              <a:ext cx="615820" cy="615820"/>
+              <a:off x="6774016" y="615808"/>
+              <a:ext cx="615820" cy="615817"/>
             </a:xfrm>
             <a:prstGeom prst="rect">
               <a:avLst/>
@@ -9801,8 +9945,8 @@
           </p:nvSpPr>
           <p:spPr>
             <a:xfrm>
-              <a:off x="0" y="615820"/>
-              <a:ext cx="615820" cy="615820"/>
+              <a:off x="0" y="615808"/>
+              <a:ext cx="615820" cy="615817"/>
             </a:xfrm>
             <a:prstGeom prst="rect">
               <a:avLst/>
@@ -9853,8 +9997,8 @@
           </p:nvSpPr>
           <p:spPr>
             <a:xfrm>
-              <a:off x="0" y="1231640"/>
-              <a:ext cx="615820" cy="615820"/>
+              <a:off x="0" y="1231625"/>
+              <a:ext cx="615820" cy="615817"/>
             </a:xfrm>
             <a:prstGeom prst="rect">
               <a:avLst/>
@@ -9905,8 +10049,8 @@
           </p:nvSpPr>
           <p:spPr>
             <a:xfrm>
-              <a:off x="615820" y="1231640"/>
-              <a:ext cx="615820" cy="615820"/>
+              <a:off x="615820" y="1231625"/>
+              <a:ext cx="615820" cy="615817"/>
             </a:xfrm>
             <a:prstGeom prst="rect">
               <a:avLst/>
@@ -9957,8 +10101,8 @@
           </p:nvSpPr>
           <p:spPr>
             <a:xfrm>
-              <a:off x="1231640" y="1231640"/>
-              <a:ext cx="615820" cy="615820"/>
+              <a:off x="1231640" y="1231625"/>
+              <a:ext cx="615820" cy="615817"/>
             </a:xfrm>
             <a:prstGeom prst="rect">
               <a:avLst/>
@@ -10009,8 +10153,8 @@
           </p:nvSpPr>
           <p:spPr>
             <a:xfrm>
-              <a:off x="1847460" y="1231640"/>
-              <a:ext cx="615820" cy="615820"/>
+              <a:off x="1847459" y="1231625"/>
+              <a:ext cx="615820" cy="615817"/>
             </a:xfrm>
             <a:prstGeom prst="rect">
               <a:avLst/>
@@ -10061,8 +10205,8 @@
           </p:nvSpPr>
           <p:spPr>
             <a:xfrm>
-              <a:off x="2463280" y="1231640"/>
-              <a:ext cx="615820" cy="615820"/>
+              <a:off x="2463279" y="1231625"/>
+              <a:ext cx="615820" cy="615817"/>
             </a:xfrm>
             <a:prstGeom prst="rect">
               <a:avLst/>
@@ -10113,8 +10257,8 @@
           </p:nvSpPr>
           <p:spPr>
             <a:xfrm>
-              <a:off x="3079100" y="1231640"/>
-              <a:ext cx="615820" cy="615820"/>
+              <a:off x="3079099" y="1231625"/>
+              <a:ext cx="615820" cy="615817"/>
             </a:xfrm>
             <a:prstGeom prst="rect">
               <a:avLst/>
@@ -10165,8 +10309,8 @@
           </p:nvSpPr>
           <p:spPr>
             <a:xfrm>
-              <a:off x="3694920" y="1231640"/>
-              <a:ext cx="615820" cy="615820"/>
+              <a:off x="3694919" y="1231625"/>
+              <a:ext cx="615820" cy="615817"/>
             </a:xfrm>
             <a:prstGeom prst="rect">
               <a:avLst/>
@@ -10217,8 +10361,8 @@
           </p:nvSpPr>
           <p:spPr>
             <a:xfrm>
-              <a:off x="4310740" y="1231640"/>
-              <a:ext cx="615820" cy="615820"/>
+              <a:off x="4310737" y="1231625"/>
+              <a:ext cx="615820" cy="615817"/>
             </a:xfrm>
             <a:prstGeom prst="rect">
               <a:avLst/>
@@ -10269,8 +10413,8 @@
           </p:nvSpPr>
           <p:spPr>
             <a:xfrm>
-              <a:off x="4926560" y="1231640"/>
-              <a:ext cx="615820" cy="615820"/>
+              <a:off x="4926557" y="1231625"/>
+              <a:ext cx="615820" cy="615817"/>
             </a:xfrm>
             <a:prstGeom prst="rect">
               <a:avLst/>
@@ -10321,8 +10465,8 @@
           </p:nvSpPr>
           <p:spPr>
             <a:xfrm>
-              <a:off x="5542380" y="1231640"/>
-              <a:ext cx="615820" cy="615820"/>
+              <a:off x="5542377" y="1231625"/>
+              <a:ext cx="615820" cy="615817"/>
             </a:xfrm>
             <a:prstGeom prst="rect">
               <a:avLst/>
@@ -10373,8 +10517,8 @@
           </p:nvSpPr>
           <p:spPr>
             <a:xfrm>
-              <a:off x="6158200" y="1231640"/>
-              <a:ext cx="615820" cy="615820"/>
+              <a:off x="6158197" y="1231625"/>
+              <a:ext cx="615820" cy="615817"/>
             </a:xfrm>
             <a:prstGeom prst="rect">
               <a:avLst/>
@@ -10425,8 +10569,8 @@
           </p:nvSpPr>
           <p:spPr>
             <a:xfrm>
-              <a:off x="6774020" y="1231640"/>
-              <a:ext cx="615820" cy="615820"/>
+              <a:off x="6774016" y="1231625"/>
+              <a:ext cx="615820" cy="615817"/>
             </a:xfrm>
             <a:prstGeom prst="rect">
               <a:avLst/>
@@ -10477,8 +10621,8 @@
           </p:nvSpPr>
           <p:spPr>
             <a:xfrm>
-              <a:off x="615820" y="1847460"/>
-              <a:ext cx="615820" cy="615820"/>
+              <a:off x="615820" y="1847442"/>
+              <a:ext cx="615820" cy="615817"/>
             </a:xfrm>
             <a:prstGeom prst="rect">
               <a:avLst/>
@@ -10529,8 +10673,8 @@
           </p:nvSpPr>
           <p:spPr>
             <a:xfrm>
-              <a:off x="1231640" y="1847460"/>
-              <a:ext cx="615820" cy="615820"/>
+              <a:off x="1231640" y="1847442"/>
+              <a:ext cx="615820" cy="615817"/>
             </a:xfrm>
             <a:prstGeom prst="rect">
               <a:avLst/>
@@ -10581,8 +10725,8 @@
           </p:nvSpPr>
           <p:spPr>
             <a:xfrm>
-              <a:off x="1847460" y="1847460"/>
-              <a:ext cx="615820" cy="615820"/>
+              <a:off x="1847459" y="1847442"/>
+              <a:ext cx="615820" cy="615817"/>
             </a:xfrm>
             <a:prstGeom prst="rect">
               <a:avLst/>
@@ -10633,8 +10777,8 @@
           </p:nvSpPr>
           <p:spPr>
             <a:xfrm>
-              <a:off x="2463280" y="1847460"/>
-              <a:ext cx="615820" cy="615820"/>
+              <a:off x="2463279" y="1847442"/>
+              <a:ext cx="615820" cy="615817"/>
             </a:xfrm>
             <a:prstGeom prst="rect">
               <a:avLst/>
@@ -10685,8 +10829,8 @@
           </p:nvSpPr>
           <p:spPr>
             <a:xfrm>
-              <a:off x="3079100" y="1847460"/>
-              <a:ext cx="615820" cy="615820"/>
+              <a:off x="3079099" y="1847442"/>
+              <a:ext cx="615820" cy="615817"/>
             </a:xfrm>
             <a:prstGeom prst="rect">
               <a:avLst/>
@@ -10737,8 +10881,8 @@
           </p:nvSpPr>
           <p:spPr>
             <a:xfrm>
-              <a:off x="3694920" y="1847460"/>
-              <a:ext cx="615820" cy="615820"/>
+              <a:off x="3694919" y="1847442"/>
+              <a:ext cx="615820" cy="615817"/>
             </a:xfrm>
             <a:prstGeom prst="rect">
               <a:avLst/>
@@ -10789,8 +10933,8 @@
           </p:nvSpPr>
           <p:spPr>
             <a:xfrm>
-              <a:off x="4310740" y="1847460"/>
-              <a:ext cx="615820" cy="615820"/>
+              <a:off x="4310737" y="1847442"/>
+              <a:ext cx="615820" cy="615817"/>
             </a:xfrm>
             <a:prstGeom prst="rect">
               <a:avLst/>
@@ -10841,8 +10985,8 @@
           </p:nvSpPr>
           <p:spPr>
             <a:xfrm>
-              <a:off x="4926560" y="1847460"/>
-              <a:ext cx="615820" cy="615820"/>
+              <a:off x="4926557" y="1847442"/>
+              <a:ext cx="615820" cy="615817"/>
             </a:xfrm>
             <a:prstGeom prst="rect">
               <a:avLst/>
@@ -10893,8 +11037,8 @@
           </p:nvSpPr>
           <p:spPr>
             <a:xfrm>
-              <a:off x="5542380" y="1847460"/>
-              <a:ext cx="615820" cy="615820"/>
+              <a:off x="5542377" y="1847442"/>
+              <a:ext cx="615820" cy="615817"/>
             </a:xfrm>
             <a:prstGeom prst="rect">
               <a:avLst/>
@@ -10945,8 +11089,8 @@
           </p:nvSpPr>
           <p:spPr>
             <a:xfrm>
-              <a:off x="6158200" y="1847460"/>
-              <a:ext cx="615820" cy="615820"/>
+              <a:off x="6158197" y="1847442"/>
+              <a:ext cx="615820" cy="615817"/>
             </a:xfrm>
             <a:prstGeom prst="rect">
               <a:avLst/>
@@ -10997,8 +11141,8 @@
           </p:nvSpPr>
           <p:spPr>
             <a:xfrm>
-              <a:off x="6774020" y="1847460"/>
-              <a:ext cx="615820" cy="615820"/>
+              <a:off x="6774016" y="1847442"/>
+              <a:ext cx="615820" cy="615817"/>
             </a:xfrm>
             <a:prstGeom prst="rect">
               <a:avLst/>
@@ -11049,8 +11193,8 @@
           </p:nvSpPr>
           <p:spPr>
             <a:xfrm>
-              <a:off x="0" y="1847460"/>
-              <a:ext cx="615820" cy="615820"/>
+              <a:off x="0" y="1847442"/>
+              <a:ext cx="615820" cy="615817"/>
             </a:xfrm>
             <a:prstGeom prst="rect">
               <a:avLst/>
@@ -11101,8 +11245,8 @@
           </p:nvSpPr>
           <p:spPr>
             <a:xfrm>
-              <a:off x="0" y="2405289"/>
-              <a:ext cx="615820" cy="615820"/>
+              <a:off x="0" y="2405269"/>
+              <a:ext cx="615820" cy="615817"/>
             </a:xfrm>
             <a:prstGeom prst="rect">
               <a:avLst/>
@@ -11153,8 +11297,8 @@
           </p:nvSpPr>
           <p:spPr>
             <a:xfrm>
-              <a:off x="615820" y="2405289"/>
-              <a:ext cx="615820" cy="615820"/>
+              <a:off x="615820" y="2405269"/>
+              <a:ext cx="615820" cy="615817"/>
             </a:xfrm>
             <a:prstGeom prst="rect">
               <a:avLst/>
@@ -11205,8 +11349,8 @@
           </p:nvSpPr>
           <p:spPr>
             <a:xfrm>
-              <a:off x="1231640" y="2405289"/>
-              <a:ext cx="615820" cy="615820"/>
+              <a:off x="1231640" y="2405269"/>
+              <a:ext cx="615820" cy="615817"/>
             </a:xfrm>
             <a:prstGeom prst="rect">
               <a:avLst/>
@@ -11257,8 +11401,8 @@
           </p:nvSpPr>
           <p:spPr>
             <a:xfrm>
-              <a:off x="1847460" y="2405289"/>
-              <a:ext cx="615820" cy="615820"/>
+              <a:off x="1847459" y="2405269"/>
+              <a:ext cx="615820" cy="615817"/>
             </a:xfrm>
             <a:prstGeom prst="rect">
               <a:avLst/>
@@ -11309,8 +11453,8 @@
           </p:nvSpPr>
           <p:spPr>
             <a:xfrm>
-              <a:off x="2463280" y="2405289"/>
-              <a:ext cx="615820" cy="615820"/>
+              <a:off x="2463279" y="2405269"/>
+              <a:ext cx="615820" cy="615817"/>
             </a:xfrm>
             <a:prstGeom prst="rect">
               <a:avLst/>
@@ -11361,8 +11505,8 @@
           </p:nvSpPr>
           <p:spPr>
             <a:xfrm>
-              <a:off x="3079100" y="2405289"/>
-              <a:ext cx="615820" cy="615820"/>
+              <a:off x="3079099" y="2405269"/>
+              <a:ext cx="615820" cy="615817"/>
             </a:xfrm>
             <a:prstGeom prst="rect">
               <a:avLst/>
@@ -11413,8 +11557,8 @@
           </p:nvSpPr>
           <p:spPr>
             <a:xfrm>
-              <a:off x="3694920" y="2405289"/>
-              <a:ext cx="615820" cy="615820"/>
+              <a:off x="3694919" y="2405269"/>
+              <a:ext cx="615820" cy="615817"/>
             </a:xfrm>
             <a:prstGeom prst="rect">
               <a:avLst/>
@@ -11465,8 +11609,8 @@
           </p:nvSpPr>
           <p:spPr>
             <a:xfrm>
-              <a:off x="4310740" y="2405289"/>
-              <a:ext cx="615820" cy="615820"/>
+              <a:off x="4310737" y="2405269"/>
+              <a:ext cx="615820" cy="615817"/>
             </a:xfrm>
             <a:prstGeom prst="rect">
               <a:avLst/>
@@ -11517,8 +11661,8 @@
           </p:nvSpPr>
           <p:spPr>
             <a:xfrm>
-              <a:off x="4926560" y="2405289"/>
-              <a:ext cx="615820" cy="615820"/>
+              <a:off x="4926557" y="2405269"/>
+              <a:ext cx="615820" cy="615817"/>
             </a:xfrm>
             <a:prstGeom prst="rect">
               <a:avLst/>
@@ -11569,8 +11713,8 @@
           </p:nvSpPr>
           <p:spPr>
             <a:xfrm>
-              <a:off x="5542380" y="2405289"/>
-              <a:ext cx="615820" cy="615820"/>
+              <a:off x="5542377" y="2405269"/>
+              <a:ext cx="615820" cy="615817"/>
             </a:xfrm>
             <a:prstGeom prst="rect">
               <a:avLst/>
@@ -11621,8 +11765,8 @@
           </p:nvSpPr>
           <p:spPr>
             <a:xfrm>
-              <a:off x="6158200" y="2405289"/>
-              <a:ext cx="615820" cy="615820"/>
+              <a:off x="6158197" y="2405269"/>
+              <a:ext cx="615820" cy="615817"/>
             </a:xfrm>
             <a:prstGeom prst="rect">
               <a:avLst/>
@@ -11673,8 +11817,8 @@
           </p:nvSpPr>
           <p:spPr>
             <a:xfrm>
-              <a:off x="6774020" y="2405289"/>
-              <a:ext cx="615820" cy="615820"/>
+              <a:off x="6774016" y="2405269"/>
+              <a:ext cx="615820" cy="615817"/>
             </a:xfrm>
             <a:prstGeom prst="rect">
               <a:avLst/>
@@ -11725,8 +11869,8 @@
           </p:nvSpPr>
           <p:spPr>
             <a:xfrm>
-              <a:off x="615820" y="3021109"/>
-              <a:ext cx="615820" cy="615820"/>
+              <a:off x="615820" y="3021087"/>
+              <a:ext cx="615820" cy="615817"/>
             </a:xfrm>
             <a:prstGeom prst="rect">
               <a:avLst/>
@@ -11777,8 +11921,8 @@
           </p:nvSpPr>
           <p:spPr>
             <a:xfrm>
-              <a:off x="1231640" y="3021109"/>
-              <a:ext cx="615820" cy="615820"/>
+              <a:off x="1231640" y="3021088"/>
+              <a:ext cx="615820" cy="615817"/>
             </a:xfrm>
             <a:prstGeom prst="rect">
               <a:avLst/>
@@ -11829,8 +11973,8 @@
           </p:nvSpPr>
           <p:spPr>
             <a:xfrm>
-              <a:off x="1847460" y="3021109"/>
-              <a:ext cx="615820" cy="615820"/>
+              <a:off x="1847459" y="3021089"/>
+              <a:ext cx="615820" cy="615817"/>
             </a:xfrm>
             <a:prstGeom prst="rect">
               <a:avLst/>
@@ -11881,8 +12025,8 @@
           </p:nvSpPr>
           <p:spPr>
             <a:xfrm>
-              <a:off x="2463280" y="3021109"/>
-              <a:ext cx="615820" cy="615820"/>
+              <a:off x="2463279" y="3021090"/>
+              <a:ext cx="615820" cy="615817"/>
             </a:xfrm>
             <a:prstGeom prst="rect">
               <a:avLst/>
@@ -11933,8 +12077,8 @@
           </p:nvSpPr>
           <p:spPr>
             <a:xfrm>
-              <a:off x="3079100" y="3021109"/>
-              <a:ext cx="615820" cy="615820"/>
+              <a:off x="3079099" y="3021091"/>
+              <a:ext cx="615820" cy="615817"/>
             </a:xfrm>
             <a:prstGeom prst="rect">
               <a:avLst/>
@@ -11985,8 +12129,8 @@
           </p:nvSpPr>
           <p:spPr>
             <a:xfrm>
-              <a:off x="3694920" y="3021109"/>
-              <a:ext cx="615820" cy="615820"/>
+              <a:off x="3694919" y="3021092"/>
+              <a:ext cx="615820" cy="615817"/>
             </a:xfrm>
             <a:prstGeom prst="rect">
               <a:avLst/>
@@ -12037,8 +12181,8 @@
           </p:nvSpPr>
           <p:spPr>
             <a:xfrm>
-              <a:off x="4310740" y="3021109"/>
-              <a:ext cx="615820" cy="615820"/>
+              <a:off x="4310737" y="3021093"/>
+              <a:ext cx="615820" cy="615818"/>
             </a:xfrm>
             <a:prstGeom prst="rect">
               <a:avLst/>
@@ -12089,8 +12233,8 @@
           </p:nvSpPr>
           <p:spPr>
             <a:xfrm>
-              <a:off x="4926560" y="3021109"/>
-              <a:ext cx="615820" cy="615820"/>
+              <a:off x="4926557" y="3021094"/>
+              <a:ext cx="615820" cy="615818"/>
             </a:xfrm>
             <a:prstGeom prst="rect">
               <a:avLst/>
@@ -12141,8 +12285,8 @@
           </p:nvSpPr>
           <p:spPr>
             <a:xfrm>
-              <a:off x="5542380" y="3021109"/>
-              <a:ext cx="615820" cy="615820"/>
+              <a:off x="5542377" y="3021095"/>
+              <a:ext cx="615820" cy="615818"/>
             </a:xfrm>
             <a:prstGeom prst="rect">
               <a:avLst/>
@@ -12193,8 +12337,8 @@
           </p:nvSpPr>
           <p:spPr>
             <a:xfrm>
-              <a:off x="6158200" y="3021109"/>
-              <a:ext cx="615820" cy="615820"/>
+              <a:off x="6158197" y="3021096"/>
+              <a:ext cx="615820" cy="615818"/>
             </a:xfrm>
             <a:prstGeom prst="rect">
               <a:avLst/>
@@ -12245,8 +12389,8 @@
           </p:nvSpPr>
           <p:spPr>
             <a:xfrm>
-              <a:off x="6774020" y="3021109"/>
-              <a:ext cx="615820" cy="615820"/>
+              <a:off x="6774016" y="3021097"/>
+              <a:ext cx="615820" cy="615818"/>
             </a:xfrm>
             <a:prstGeom prst="rect">
               <a:avLst/>
@@ -12297,8 +12441,8 @@
           </p:nvSpPr>
           <p:spPr>
             <a:xfrm>
-              <a:off x="0" y="3021109"/>
-              <a:ext cx="615820" cy="615820"/>
+              <a:off x="0" y="3021098"/>
+              <a:ext cx="615820" cy="615818"/>
             </a:xfrm>
             <a:prstGeom prst="rect">
               <a:avLst/>
@@ -12349,8 +12493,8 @@
           </p:nvSpPr>
           <p:spPr>
             <a:xfrm>
-              <a:off x="0" y="3636929"/>
-              <a:ext cx="615820" cy="615820"/>
+              <a:off x="0" y="3636917"/>
+              <a:ext cx="615820" cy="615818"/>
             </a:xfrm>
             <a:prstGeom prst="rect">
               <a:avLst/>
@@ -12401,8 +12545,8 @@
           </p:nvSpPr>
           <p:spPr>
             <a:xfrm>
-              <a:off x="615820" y="3636929"/>
-              <a:ext cx="615820" cy="615820"/>
+              <a:off x="615820" y="3636918"/>
+              <a:ext cx="615820" cy="615818"/>
             </a:xfrm>
             <a:prstGeom prst="rect">
               <a:avLst/>
@@ -12453,8 +12597,8 @@
           </p:nvSpPr>
           <p:spPr>
             <a:xfrm>
-              <a:off x="1231640" y="3636929"/>
-              <a:ext cx="615820" cy="615820"/>
+              <a:off x="1231640" y="3636919"/>
+              <a:ext cx="615820" cy="615819"/>
             </a:xfrm>
             <a:prstGeom prst="rect">
               <a:avLst/>
@@ -12505,8 +12649,8 @@
           </p:nvSpPr>
           <p:spPr>
             <a:xfrm>
-              <a:off x="1847460" y="3636929"/>
-              <a:ext cx="615820" cy="615820"/>
+              <a:off x="1847459" y="3636920"/>
+              <a:ext cx="615820" cy="615819"/>
             </a:xfrm>
             <a:prstGeom prst="rect">
               <a:avLst/>
@@ -12557,8 +12701,8 @@
           </p:nvSpPr>
           <p:spPr>
             <a:xfrm>
-              <a:off x="2463280" y="3636929"/>
-              <a:ext cx="615820" cy="615820"/>
+              <a:off x="2463279" y="3636921"/>
+              <a:ext cx="615820" cy="615819"/>
             </a:xfrm>
             <a:prstGeom prst="rect">
               <a:avLst/>
@@ -12609,8 +12753,8 @@
           </p:nvSpPr>
           <p:spPr>
             <a:xfrm>
-              <a:off x="3079100" y="3636929"/>
-              <a:ext cx="615820" cy="615820"/>
+              <a:off x="3079099" y="3636922"/>
+              <a:ext cx="615820" cy="615819"/>
             </a:xfrm>
             <a:prstGeom prst="rect">
               <a:avLst/>
@@ -12661,8 +12805,8 @@
           </p:nvSpPr>
           <p:spPr>
             <a:xfrm>
-              <a:off x="3694920" y="3636929"/>
-              <a:ext cx="615820" cy="615820"/>
+              <a:off x="3694919" y="3636923"/>
+              <a:ext cx="615820" cy="615819"/>
             </a:xfrm>
             <a:prstGeom prst="rect">
               <a:avLst/>
@@ -12713,8 +12857,8 @@
           </p:nvSpPr>
           <p:spPr>
             <a:xfrm>
-              <a:off x="4310740" y="3636929"/>
-              <a:ext cx="615820" cy="615820"/>
+              <a:off x="4310737" y="3636924"/>
+              <a:ext cx="615820" cy="615819"/>
             </a:xfrm>
             <a:prstGeom prst="rect">
               <a:avLst/>
@@ -12765,8 +12909,8 @@
           </p:nvSpPr>
           <p:spPr>
             <a:xfrm>
-              <a:off x="4926560" y="3636929"/>
-              <a:ext cx="615820" cy="615820"/>
+              <a:off x="4926557" y="3636925"/>
+              <a:ext cx="615820" cy="615819"/>
             </a:xfrm>
             <a:prstGeom prst="rect">
               <a:avLst/>
@@ -12817,7 +12961,7 @@
           </p:nvSpPr>
           <p:spPr>
             <a:xfrm>
-              <a:off x="5542380" y="3636929"/>
+              <a:off x="5542377" y="3636926"/>
               <a:ext cx="615820" cy="615820"/>
             </a:xfrm>
             <a:prstGeom prst="rect">
@@ -12869,7 +13013,7 @@
           </p:nvSpPr>
           <p:spPr>
             <a:xfrm>
-              <a:off x="6158200" y="3636929"/>
+              <a:off x="6158197" y="3636927"/>
               <a:ext cx="615820" cy="615820"/>
             </a:xfrm>
             <a:prstGeom prst="rect">
@@ -12921,7 +13065,7 @@
           </p:nvSpPr>
           <p:spPr>
             <a:xfrm>
-              <a:off x="6774020" y="3636929"/>
+              <a:off x="6774016" y="3636928"/>
               <a:ext cx="615820" cy="615820"/>
             </a:xfrm>
             <a:prstGeom prst="rect">
@@ -12973,7 +13117,7 @@
           </p:nvSpPr>
           <p:spPr>
             <a:xfrm>
-              <a:off x="615820" y="4252749"/>
+              <a:off x="615820" y="4252748"/>
               <a:ext cx="615820" cy="615820"/>
             </a:xfrm>
             <a:prstGeom prst="rect">
@@ -13025,7 +13169,7 @@
           </p:nvSpPr>
           <p:spPr>
             <a:xfrm>
-              <a:off x="1231640" y="4252749"/>
+              <a:off x="1231640" y="4252748"/>
               <a:ext cx="615820" cy="615820"/>
             </a:xfrm>
             <a:prstGeom prst="rect">
@@ -13077,7 +13221,7 @@
           </p:nvSpPr>
           <p:spPr>
             <a:xfrm>
-              <a:off x="1847460" y="4252749"/>
+              <a:off x="1847459" y="4252748"/>
               <a:ext cx="615820" cy="615820"/>
             </a:xfrm>
             <a:prstGeom prst="rect">
@@ -13129,7 +13273,7 @@
           </p:nvSpPr>
           <p:spPr>
             <a:xfrm>
-              <a:off x="2463280" y="4252749"/>
+              <a:off x="2463279" y="4252748"/>
               <a:ext cx="615820" cy="615820"/>
             </a:xfrm>
             <a:prstGeom prst="rect">
@@ -13181,7 +13325,7 @@
           </p:nvSpPr>
           <p:spPr>
             <a:xfrm>
-              <a:off x="3079100" y="4252749"/>
+              <a:off x="3079099" y="4252748"/>
               <a:ext cx="615820" cy="615820"/>
             </a:xfrm>
             <a:prstGeom prst="rect">
@@ -13233,7 +13377,7 @@
           </p:nvSpPr>
           <p:spPr>
             <a:xfrm>
-              <a:off x="3694920" y="4252749"/>
+              <a:off x="3694919" y="4252748"/>
               <a:ext cx="615820" cy="615820"/>
             </a:xfrm>
             <a:prstGeom prst="rect">
@@ -13285,7 +13429,7 @@
           </p:nvSpPr>
           <p:spPr>
             <a:xfrm>
-              <a:off x="4310740" y="4252749"/>
+              <a:off x="4310737" y="4252748"/>
               <a:ext cx="615820" cy="615820"/>
             </a:xfrm>
             <a:prstGeom prst="rect">
@@ -13337,7 +13481,7 @@
           </p:nvSpPr>
           <p:spPr>
             <a:xfrm>
-              <a:off x="4926560" y="4252749"/>
+              <a:off x="4926557" y="4252748"/>
               <a:ext cx="615820" cy="615820"/>
             </a:xfrm>
             <a:prstGeom prst="rect">
@@ -13389,8 +13533,8 @@
           </p:nvSpPr>
           <p:spPr>
             <a:xfrm>
-              <a:off x="5542380" y="4252749"/>
-              <a:ext cx="615820" cy="615820"/>
+              <a:off x="5542377" y="4252745"/>
+              <a:ext cx="615820" cy="615819"/>
             </a:xfrm>
             <a:prstGeom prst="rect">
               <a:avLst/>
@@ -13441,7 +13585,7 @@
           </p:nvSpPr>
           <p:spPr>
             <a:xfrm>
-              <a:off x="6158200" y="4252749"/>
+              <a:off x="6158197" y="4252748"/>
               <a:ext cx="615820" cy="615820"/>
             </a:xfrm>
             <a:prstGeom prst="rect">
@@ -13493,7 +13637,7 @@
           </p:nvSpPr>
           <p:spPr>
             <a:xfrm>
-              <a:off x="6774020" y="4252749"/>
+              <a:off x="6774016" y="4252750"/>
               <a:ext cx="615820" cy="615820"/>
             </a:xfrm>
             <a:prstGeom prst="rect">
@@ -14052,6 +14196,656 @@
           </a:p>
         </p:txBody>
       </p:sp>
+      <p:sp>
+        <p:nvSpPr>
+          <p:cNvPr id="2" name="이등변 삼각형 1">
+            <a:extLst>
+              <a:ext uri="{FF2B5EF4-FFF2-40B4-BE49-F238E27FC236}">
+                <a16:creationId xmlns:a16="http://schemas.microsoft.com/office/drawing/2014/main" id="{D482B228-1C1D-46F4-9BF8-DA8437E2CB8F}"/>
+              </a:ext>
+            </a:extLst>
+          </p:cNvPr>
+          <p:cNvSpPr/>
+          <p:nvPr/>
+        </p:nvSpPr>
+        <p:spPr>
+          <a:xfrm rot="5400000">
+            <a:off x="6532002" y="2124888"/>
+            <a:ext cx="201175" cy="173427"/>
+          </a:xfrm>
+          <a:prstGeom prst="triangle">
+            <a:avLst/>
+          </a:prstGeom>
+          <a:solidFill>
+            <a:schemeClr val="bg1"/>
+          </a:solidFill>
+          <a:ln>
+            <a:noFill/>
+          </a:ln>
+          <a:effectLst>
+            <a:outerShdw blurRad="50800" dist="25400" dir="2700000" algn="tl" rotWithShape="0">
+              <a:prstClr val="black">
+                <a:alpha val="40000"/>
+              </a:prstClr>
+            </a:outerShdw>
+          </a:effectLst>
+        </p:spPr>
+        <p:style>
+          <a:lnRef idx="2">
+            <a:schemeClr val="accent1">
+              <a:shade val="50000"/>
+            </a:schemeClr>
+          </a:lnRef>
+          <a:fillRef idx="1">
+            <a:schemeClr val="accent1"/>
+          </a:fillRef>
+          <a:effectRef idx="0">
+            <a:schemeClr val="accent1"/>
+          </a:effectRef>
+          <a:fontRef idx="minor">
+            <a:schemeClr val="lt1"/>
+          </a:fontRef>
+        </p:style>
+        <p:txBody>
+          <a:bodyPr rtlCol="0" anchor="ctr"/>
+          <a:lstStyle/>
+          <a:p>
+            <a:pPr algn="ctr"/>
+            <a:endParaRPr lang="ko-KR" altLang="en-US"/>
+          </a:p>
+        </p:txBody>
+      </p:sp>
+      <p:grpSp>
+        <p:nvGrpSpPr>
+          <p:cNvPr id="121" name="그룹 120">
+            <a:extLst>
+              <a:ext uri="{FF2B5EF4-FFF2-40B4-BE49-F238E27FC236}">
+                <a16:creationId xmlns:a16="http://schemas.microsoft.com/office/drawing/2014/main" id="{D1E03D88-195F-4196-87BE-F6E48857D524}"/>
+              </a:ext>
+            </a:extLst>
+          </p:cNvPr>
+          <p:cNvGrpSpPr/>
+          <p:nvPr/>
+        </p:nvGrpSpPr>
+        <p:grpSpPr>
+          <a:xfrm>
+            <a:off x="6705908" y="1980769"/>
+            <a:ext cx="1197764" cy="461665"/>
+            <a:chOff x="6705908" y="1929277"/>
+            <a:chExt cx="1197764" cy="461665"/>
+          </a:xfrm>
+        </p:grpSpPr>
+        <p:grpSp>
+          <p:nvGrpSpPr>
+            <p:cNvPr id="114" name="그룹 113">
+              <a:extLst>
+                <a:ext uri="{FF2B5EF4-FFF2-40B4-BE49-F238E27FC236}">
+                  <a16:creationId xmlns:a16="http://schemas.microsoft.com/office/drawing/2014/main" id="{6E184CCB-CA38-46B1-8EA8-024A8E34F906}"/>
+                </a:ext>
+              </a:extLst>
+            </p:cNvPr>
+            <p:cNvGrpSpPr/>
+            <p:nvPr/>
+          </p:nvGrpSpPr>
+          <p:grpSpPr>
+            <a:xfrm>
+              <a:off x="6875143" y="2092538"/>
+              <a:ext cx="890113" cy="135143"/>
+              <a:chOff x="5052716" y="2027865"/>
+              <a:chExt cx="1010723" cy="135143"/>
+            </a:xfrm>
+          </p:grpSpPr>
+          <p:sp>
+            <p:nvSpPr>
+              <p:cNvPr id="17" name="타원 16">
+                <a:extLst>
+                  <a:ext uri="{FF2B5EF4-FFF2-40B4-BE49-F238E27FC236}">
+                    <a16:creationId xmlns:a16="http://schemas.microsoft.com/office/drawing/2014/main" id="{9AE46147-1870-4615-80F7-CE66702F74B1}"/>
+                  </a:ext>
+                </a:extLst>
+              </p:cNvPr>
+              <p:cNvSpPr/>
+              <p:nvPr/>
+            </p:nvSpPr>
+            <p:spPr>
+              <a:xfrm>
+                <a:off x="5052716" y="2027865"/>
+                <a:ext cx="1010723" cy="135143"/>
+              </a:xfrm>
+              <a:prstGeom prst="ellipse">
+                <a:avLst/>
+              </a:prstGeom>
+              <a:solidFill>
+                <a:schemeClr val="bg1">
+                  <a:alpha val="3000"/>
+                </a:schemeClr>
+              </a:solidFill>
+              <a:ln>
+                <a:noFill/>
+              </a:ln>
+              <a:effectLst>
+                <a:glow rad="127000">
+                  <a:schemeClr val="bg1">
+                    <a:alpha val="31000"/>
+                  </a:schemeClr>
+                </a:glow>
+              </a:effectLst>
+            </p:spPr>
+            <p:style>
+              <a:lnRef idx="2">
+                <a:schemeClr val="accent1">
+                  <a:shade val="50000"/>
+                </a:schemeClr>
+              </a:lnRef>
+              <a:fillRef idx="1">
+                <a:schemeClr val="accent1"/>
+              </a:fillRef>
+              <a:effectRef idx="0">
+                <a:schemeClr val="accent1"/>
+              </a:effectRef>
+              <a:fontRef idx="minor">
+                <a:schemeClr val="lt1"/>
+              </a:fontRef>
+            </p:style>
+            <p:txBody>
+              <a:bodyPr rtlCol="0" anchor="ctr"/>
+              <a:lstStyle/>
+              <a:p>
+                <a:pPr algn="ctr"/>
+                <a:endParaRPr lang="ko-KR" altLang="en-US"/>
+              </a:p>
+            </p:txBody>
+          </p:sp>
+          <p:sp>
+            <p:nvSpPr>
+              <p:cNvPr id="110" name="타원 109">
+                <a:extLst>
+                  <a:ext uri="{FF2B5EF4-FFF2-40B4-BE49-F238E27FC236}">
+                    <a16:creationId xmlns:a16="http://schemas.microsoft.com/office/drawing/2014/main" id="{A0FA715A-5505-4F30-9F30-DF115B1DF348}"/>
+                  </a:ext>
+                </a:extLst>
+              </p:cNvPr>
+              <p:cNvSpPr/>
+              <p:nvPr/>
+            </p:nvSpPr>
+            <p:spPr>
+              <a:xfrm>
+                <a:off x="5116260" y="2027865"/>
+                <a:ext cx="571566" cy="135143"/>
+              </a:xfrm>
+              <a:prstGeom prst="ellipse">
+                <a:avLst/>
+              </a:prstGeom>
+              <a:solidFill>
+                <a:schemeClr val="bg1">
+                  <a:alpha val="6000"/>
+                </a:schemeClr>
+              </a:solidFill>
+              <a:ln>
+                <a:noFill/>
+              </a:ln>
+              <a:effectLst>
+                <a:glow rad="101600">
+                  <a:schemeClr val="bg1">
+                    <a:alpha val="22000"/>
+                  </a:schemeClr>
+                </a:glow>
+              </a:effectLst>
+            </p:spPr>
+            <p:style>
+              <a:lnRef idx="2">
+                <a:schemeClr val="accent1">
+                  <a:shade val="50000"/>
+                </a:schemeClr>
+              </a:lnRef>
+              <a:fillRef idx="1">
+                <a:schemeClr val="accent1"/>
+              </a:fillRef>
+              <a:effectRef idx="0">
+                <a:schemeClr val="accent1"/>
+              </a:effectRef>
+              <a:fontRef idx="minor">
+                <a:schemeClr val="lt1"/>
+              </a:fontRef>
+            </p:style>
+            <p:txBody>
+              <a:bodyPr rtlCol="0" anchor="ctr"/>
+              <a:lstStyle/>
+              <a:p>
+                <a:pPr algn="ctr"/>
+                <a:endParaRPr lang="ko-KR" altLang="en-US"/>
+              </a:p>
+            </p:txBody>
+          </p:sp>
+        </p:grpSp>
+        <p:sp>
+          <p:nvSpPr>
+            <p:cNvPr id="107" name="직사각형 106">
+              <a:extLst>
+                <a:ext uri="{FF2B5EF4-FFF2-40B4-BE49-F238E27FC236}">
+                  <a16:creationId xmlns:a16="http://schemas.microsoft.com/office/drawing/2014/main" id="{2A6A5CC1-A4A0-468F-9EFD-2686C6F5B072}"/>
+                </a:ext>
+              </a:extLst>
+            </p:cNvPr>
+            <p:cNvSpPr/>
+            <p:nvPr/>
+          </p:nvSpPr>
+          <p:spPr>
+            <a:xfrm>
+              <a:off x="6705908" y="1929277"/>
+              <a:ext cx="1197764" cy="461665"/>
+            </a:xfrm>
+            <a:prstGeom prst="rect">
+              <a:avLst/>
+            </a:prstGeom>
+            <a:noFill/>
+            <a:effectLst>
+              <a:outerShdw blurRad="25400" dist="25400" dir="2400000" algn="tl" rotWithShape="0">
+                <a:prstClr val="black">
+                  <a:alpha val="49000"/>
+                </a:prstClr>
+              </a:outerShdw>
+            </a:effectLst>
+          </p:spPr>
+          <p:txBody>
+            <a:bodyPr wrap="none" lIns="91440" tIns="45720" rIns="91440" bIns="45720">
+              <a:spAutoFit/>
+            </a:bodyPr>
+            <a:lstStyle/>
+            <a:p>
+              <a:pPr algn="ctr"/>
+              <a:r>
+                <a:rPr lang="ko-KR" altLang="en-US" sz="2400" dirty="0" err="1">
+                  <a:ln w="0"/>
+                  <a:solidFill>
+                    <a:schemeClr val="bg1"/>
+                  </a:solidFill>
+                  <a:effectLst/>
+                  <a:latin typeface="휴먼모음T" panose="02030504000101010101" pitchFamily="18" charset="-127"/>
+                  <a:ea typeface="휴먼모음T" panose="02030504000101010101" pitchFamily="18" charset="-127"/>
+                </a:rPr>
+                <a:t>새로하기</a:t>
+              </a:r>
+              <a:endParaRPr lang="en-US" altLang="ko-KR" sz="2400" b="0" cap="none" spc="0" dirty="0">
+                <a:ln w="0"/>
+                <a:solidFill>
+                  <a:schemeClr val="bg1"/>
+                </a:solidFill>
+                <a:effectLst/>
+                <a:latin typeface="휴먼모음T" panose="02030504000101010101" pitchFamily="18" charset="-127"/>
+                <a:ea typeface="휴먼모음T" panose="02030504000101010101" pitchFamily="18" charset="-127"/>
+              </a:endParaRPr>
+            </a:p>
+          </p:txBody>
+        </p:sp>
+      </p:grpSp>
+      <p:grpSp>
+        <p:nvGrpSpPr>
+          <p:cNvPr id="115" name="그룹 114">
+            <a:extLst>
+              <a:ext uri="{FF2B5EF4-FFF2-40B4-BE49-F238E27FC236}">
+                <a16:creationId xmlns:a16="http://schemas.microsoft.com/office/drawing/2014/main" id="{43165779-7076-4C82-8E4F-8F1230B8F88B}"/>
+              </a:ext>
+            </a:extLst>
+          </p:cNvPr>
+          <p:cNvGrpSpPr/>
+          <p:nvPr/>
+        </p:nvGrpSpPr>
+        <p:grpSpPr>
+          <a:xfrm>
+            <a:off x="5414545" y="1332109"/>
+            <a:ext cx="890113" cy="135143"/>
+            <a:chOff x="5052716" y="2027865"/>
+            <a:chExt cx="1010723" cy="135143"/>
+          </a:xfrm>
+        </p:grpSpPr>
+        <p:sp>
+          <p:nvSpPr>
+            <p:cNvPr id="116" name="타원 115">
+              <a:extLst>
+                <a:ext uri="{FF2B5EF4-FFF2-40B4-BE49-F238E27FC236}">
+                  <a16:creationId xmlns:a16="http://schemas.microsoft.com/office/drawing/2014/main" id="{F63B266E-89F7-4850-B398-326D8C5AAC48}"/>
+                </a:ext>
+              </a:extLst>
+            </p:cNvPr>
+            <p:cNvSpPr/>
+            <p:nvPr/>
+          </p:nvSpPr>
+          <p:spPr>
+            <a:xfrm>
+              <a:off x="5052716" y="2027865"/>
+              <a:ext cx="1010723" cy="135143"/>
+            </a:xfrm>
+            <a:prstGeom prst="ellipse">
+              <a:avLst/>
+            </a:prstGeom>
+            <a:solidFill>
+              <a:schemeClr val="bg1">
+                <a:alpha val="10000"/>
+              </a:schemeClr>
+            </a:solidFill>
+            <a:ln>
+              <a:noFill/>
+            </a:ln>
+            <a:effectLst>
+              <a:glow rad="127000">
+                <a:schemeClr val="bg1">
+                  <a:alpha val="27000"/>
+                </a:schemeClr>
+              </a:glow>
+            </a:effectLst>
+          </p:spPr>
+          <p:style>
+            <a:lnRef idx="2">
+              <a:schemeClr val="accent1">
+                <a:shade val="50000"/>
+              </a:schemeClr>
+            </a:lnRef>
+            <a:fillRef idx="1">
+              <a:schemeClr val="accent1"/>
+            </a:fillRef>
+            <a:effectRef idx="0">
+              <a:schemeClr val="accent1"/>
+            </a:effectRef>
+            <a:fontRef idx="minor">
+              <a:schemeClr val="lt1"/>
+            </a:fontRef>
+          </p:style>
+          <p:txBody>
+            <a:bodyPr rtlCol="0" anchor="ctr"/>
+            <a:lstStyle/>
+            <a:p>
+              <a:pPr algn="ctr"/>
+              <a:endParaRPr lang="ko-KR" altLang="en-US"/>
+            </a:p>
+          </p:txBody>
+        </p:sp>
+        <p:sp>
+          <p:nvSpPr>
+            <p:cNvPr id="117" name="타원 116">
+              <a:extLst>
+                <a:ext uri="{FF2B5EF4-FFF2-40B4-BE49-F238E27FC236}">
+                  <a16:creationId xmlns:a16="http://schemas.microsoft.com/office/drawing/2014/main" id="{5333154D-DF47-4F80-A5C6-989A1FC475D0}"/>
+                </a:ext>
+              </a:extLst>
+            </p:cNvPr>
+            <p:cNvSpPr/>
+            <p:nvPr/>
+          </p:nvSpPr>
+          <p:spPr>
+            <a:xfrm>
+              <a:off x="5116260" y="2027865"/>
+              <a:ext cx="571566" cy="135143"/>
+            </a:xfrm>
+            <a:prstGeom prst="ellipse">
+              <a:avLst/>
+            </a:prstGeom>
+            <a:solidFill>
+              <a:schemeClr val="bg1">
+                <a:alpha val="10000"/>
+              </a:schemeClr>
+            </a:solidFill>
+            <a:ln>
+              <a:noFill/>
+            </a:ln>
+            <a:effectLst>
+              <a:glow rad="101600">
+                <a:schemeClr val="bg1">
+                  <a:alpha val="17000"/>
+                </a:schemeClr>
+              </a:glow>
+            </a:effectLst>
+          </p:spPr>
+          <p:style>
+            <a:lnRef idx="2">
+              <a:schemeClr val="accent1">
+                <a:shade val="50000"/>
+              </a:schemeClr>
+            </a:lnRef>
+            <a:fillRef idx="1">
+              <a:schemeClr val="accent1"/>
+            </a:fillRef>
+            <a:effectRef idx="0">
+              <a:schemeClr val="accent1"/>
+            </a:effectRef>
+            <a:fontRef idx="minor">
+              <a:schemeClr val="lt1"/>
+            </a:fontRef>
+          </p:style>
+          <p:txBody>
+            <a:bodyPr rtlCol="0" anchor="ctr"/>
+            <a:lstStyle/>
+            <a:p>
+              <a:pPr algn="ctr"/>
+              <a:endParaRPr lang="ko-KR" altLang="en-US"/>
+            </a:p>
+          </p:txBody>
+        </p:sp>
+      </p:grpSp>
+      <p:grpSp>
+        <p:nvGrpSpPr>
+          <p:cNvPr id="127" name="그룹 126">
+            <a:extLst>
+              <a:ext uri="{FF2B5EF4-FFF2-40B4-BE49-F238E27FC236}">
+                <a16:creationId xmlns:a16="http://schemas.microsoft.com/office/drawing/2014/main" id="{C5B0D86B-59E9-40BC-951C-3EF8347D005A}"/>
+              </a:ext>
+            </a:extLst>
+          </p:cNvPr>
+          <p:cNvGrpSpPr/>
+          <p:nvPr/>
+        </p:nvGrpSpPr>
+        <p:grpSpPr>
+          <a:xfrm>
+            <a:off x="6721317" y="4254729"/>
+            <a:ext cx="1197764" cy="461665"/>
+            <a:chOff x="5209545" y="3740908"/>
+            <a:chExt cx="1197764" cy="461665"/>
+          </a:xfrm>
+        </p:grpSpPr>
+        <p:grpSp>
+          <p:nvGrpSpPr>
+            <p:cNvPr id="123" name="그룹 122">
+              <a:extLst>
+                <a:ext uri="{FF2B5EF4-FFF2-40B4-BE49-F238E27FC236}">
+                  <a16:creationId xmlns:a16="http://schemas.microsoft.com/office/drawing/2014/main" id="{AEB475CD-369D-4D25-AF78-AB0941202CFB}"/>
+                </a:ext>
+              </a:extLst>
+            </p:cNvPr>
+            <p:cNvGrpSpPr/>
+            <p:nvPr/>
+          </p:nvGrpSpPr>
+          <p:grpSpPr>
+            <a:xfrm>
+              <a:off x="5398484" y="3881693"/>
+              <a:ext cx="861828" cy="117133"/>
+              <a:chOff x="5052716" y="1984998"/>
+              <a:chExt cx="1010723" cy="178010"/>
+            </a:xfrm>
+          </p:grpSpPr>
+          <p:sp>
+            <p:nvSpPr>
+              <p:cNvPr id="125" name="타원 124">
+                <a:extLst>
+                  <a:ext uri="{FF2B5EF4-FFF2-40B4-BE49-F238E27FC236}">
+                    <a16:creationId xmlns:a16="http://schemas.microsoft.com/office/drawing/2014/main" id="{8E3CF408-40DD-4BB0-AD97-DD2B87223E79}"/>
+                  </a:ext>
+                </a:extLst>
+              </p:cNvPr>
+              <p:cNvSpPr/>
+              <p:nvPr/>
+            </p:nvSpPr>
+            <p:spPr>
+              <a:xfrm>
+                <a:off x="5052716" y="2027865"/>
+                <a:ext cx="1010723" cy="135143"/>
+              </a:xfrm>
+              <a:prstGeom prst="ellipse">
+                <a:avLst/>
+              </a:prstGeom>
+              <a:solidFill>
+                <a:schemeClr val="bg1">
+                  <a:alpha val="3000"/>
+                </a:schemeClr>
+              </a:solidFill>
+              <a:ln>
+                <a:noFill/>
+              </a:ln>
+              <a:effectLst>
+                <a:glow rad="228600">
+                  <a:schemeClr val="bg1">
+                    <a:alpha val="31000"/>
+                  </a:schemeClr>
+                </a:glow>
+              </a:effectLst>
+            </p:spPr>
+            <p:style>
+              <a:lnRef idx="2">
+                <a:schemeClr val="accent1">
+                  <a:shade val="50000"/>
+                </a:schemeClr>
+              </a:lnRef>
+              <a:fillRef idx="1">
+                <a:schemeClr val="accent1"/>
+              </a:fillRef>
+              <a:effectRef idx="0">
+                <a:schemeClr val="accent1"/>
+              </a:effectRef>
+              <a:fontRef idx="minor">
+                <a:schemeClr val="lt1"/>
+              </a:fontRef>
+            </p:style>
+            <p:txBody>
+              <a:bodyPr rtlCol="0" anchor="ctr"/>
+              <a:lstStyle/>
+              <a:p>
+                <a:pPr algn="ctr"/>
+                <a:endParaRPr lang="ko-KR" altLang="en-US"/>
+              </a:p>
+            </p:txBody>
+          </p:sp>
+          <p:sp>
+            <p:nvSpPr>
+              <p:cNvPr id="126" name="타원 125">
+                <a:extLst>
+                  <a:ext uri="{FF2B5EF4-FFF2-40B4-BE49-F238E27FC236}">
+                    <a16:creationId xmlns:a16="http://schemas.microsoft.com/office/drawing/2014/main" id="{62B60A95-17DD-496A-8300-AA26A6F70F44}"/>
+                  </a:ext>
+                </a:extLst>
+              </p:cNvPr>
+              <p:cNvSpPr/>
+              <p:nvPr/>
+            </p:nvSpPr>
+            <p:spPr>
+              <a:xfrm>
+                <a:off x="5072993" y="1984998"/>
+                <a:ext cx="571566" cy="135143"/>
+              </a:xfrm>
+              <a:prstGeom prst="ellipse">
+                <a:avLst/>
+              </a:prstGeom>
+              <a:solidFill>
+                <a:schemeClr val="bg1">
+                  <a:alpha val="1000"/>
+                </a:schemeClr>
+              </a:solidFill>
+              <a:ln>
+                <a:noFill/>
+              </a:ln>
+              <a:effectLst>
+                <a:glow rad="114300">
+                  <a:schemeClr val="bg1">
+                    <a:alpha val="16000"/>
+                  </a:schemeClr>
+                </a:glow>
+              </a:effectLst>
+            </p:spPr>
+            <p:style>
+              <a:lnRef idx="2">
+                <a:schemeClr val="accent1">
+                  <a:shade val="50000"/>
+                </a:schemeClr>
+              </a:lnRef>
+              <a:fillRef idx="1">
+                <a:schemeClr val="accent1"/>
+              </a:fillRef>
+              <a:effectRef idx="0">
+                <a:schemeClr val="accent1"/>
+              </a:effectRef>
+              <a:fontRef idx="minor">
+                <a:schemeClr val="lt1"/>
+              </a:fontRef>
+            </p:style>
+            <p:txBody>
+              <a:bodyPr rtlCol="0" anchor="ctr"/>
+              <a:lstStyle/>
+              <a:p>
+                <a:pPr algn="ctr"/>
+                <a:endParaRPr lang="ko-KR" altLang="en-US"/>
+              </a:p>
+            </p:txBody>
+          </p:sp>
+        </p:grpSp>
+        <p:sp>
+          <p:nvSpPr>
+            <p:cNvPr id="124" name="직사각형 123">
+              <a:extLst>
+                <a:ext uri="{FF2B5EF4-FFF2-40B4-BE49-F238E27FC236}">
+                  <a16:creationId xmlns:a16="http://schemas.microsoft.com/office/drawing/2014/main" id="{7A75DE43-39A1-4466-943E-3E109740C346}"/>
+                </a:ext>
+              </a:extLst>
+            </p:cNvPr>
+            <p:cNvSpPr/>
+            <p:nvPr/>
+          </p:nvSpPr>
+          <p:spPr>
+            <a:xfrm>
+              <a:off x="5209545" y="3740908"/>
+              <a:ext cx="1197764" cy="461665"/>
+            </a:xfrm>
+            <a:prstGeom prst="rect">
+              <a:avLst/>
+            </a:prstGeom>
+            <a:noFill/>
+            <a:effectLst>
+              <a:outerShdw blurRad="25400" dist="25400" dir="2400000" algn="tl" rotWithShape="0">
+                <a:prstClr val="black">
+                  <a:alpha val="49000"/>
+                </a:prstClr>
+              </a:outerShdw>
+            </a:effectLst>
+          </p:spPr>
+          <p:txBody>
+            <a:bodyPr wrap="none" lIns="91440" tIns="45720" rIns="91440" bIns="45720">
+              <a:spAutoFit/>
+            </a:bodyPr>
+            <a:lstStyle/>
+            <a:p>
+              <a:pPr algn="ctr"/>
+              <a:r>
+                <a:rPr lang="ko-KR" altLang="en-US" sz="2400" dirty="0">
+                  <a:ln w="0"/>
+                  <a:solidFill>
+                    <a:schemeClr val="bg1"/>
+                  </a:solidFill>
+                  <a:effectLst/>
+                  <a:latin typeface="휴먼모음T" panose="02030504000101010101" pitchFamily="18" charset="-127"/>
+                  <a:ea typeface="휴먼모음T" panose="02030504000101010101" pitchFamily="18" charset="-127"/>
+                </a:rPr>
+                <a:t>이어하기</a:t>
+              </a:r>
+              <a:endParaRPr lang="en-US" altLang="ko-KR" sz="2400" b="0" cap="none" spc="0" dirty="0">
+                <a:ln w="0"/>
+                <a:solidFill>
+                  <a:schemeClr val="bg1"/>
+                </a:solidFill>
+                <a:effectLst/>
+                <a:latin typeface="휴먼모음T" panose="02030504000101010101" pitchFamily="18" charset="-127"/>
+                <a:ea typeface="휴먼모음T" panose="02030504000101010101" pitchFamily="18" charset="-127"/>
+              </a:endParaRPr>
+            </a:p>
+          </p:txBody>
+        </p:sp>
+      </p:grpSp>
     </p:spTree>
     <p:extLst>
       <p:ext uri="{BB962C8B-B14F-4D97-AF65-F5344CB8AC3E}">

--- a/PPT/그래픽 리소스 작업.pptx
+++ b/PPT/그래픽 리소스 작업.pptx
@@ -7,9 +7,10 @@
   <p:sldIdLst>
     <p:sldId id="256" r:id="rId2"/>
     <p:sldId id="265" r:id="rId3"/>
-    <p:sldId id="257" r:id="rId4"/>
-    <p:sldId id="264" r:id="rId5"/>
-    <p:sldId id="260" r:id="rId6"/>
+    <p:sldId id="266" r:id="rId4"/>
+    <p:sldId id="257" r:id="rId5"/>
+    <p:sldId id="264" r:id="rId6"/>
+    <p:sldId id="260" r:id="rId7"/>
   </p:sldIdLst>
   <p:sldSz cx="12192000" cy="6858000"/>
   <p:notesSz cx="6858000" cy="9144000"/>
@@ -267,7 +268,7 @@
           <a:p>
             <a:fld id="{27D31188-FF41-4827-A5DA-97728D47966F}" type="datetimeFigureOut">
               <a:rPr lang="ko-KR" altLang="en-US" smtClean="0"/>
-              <a:t>2017-11-01</a:t>
+              <a:t>2017-11-02</a:t>
             </a:fld>
             <a:endParaRPr lang="ko-KR" altLang="en-US"/>
           </a:p>
@@ -465,7 +466,7 @@
           <a:p>
             <a:fld id="{27D31188-FF41-4827-A5DA-97728D47966F}" type="datetimeFigureOut">
               <a:rPr lang="ko-KR" altLang="en-US" smtClean="0"/>
-              <a:t>2017-11-01</a:t>
+              <a:t>2017-11-02</a:t>
             </a:fld>
             <a:endParaRPr lang="ko-KR" altLang="en-US"/>
           </a:p>
@@ -673,7 +674,7 @@
           <a:p>
             <a:fld id="{27D31188-FF41-4827-A5DA-97728D47966F}" type="datetimeFigureOut">
               <a:rPr lang="ko-KR" altLang="en-US" smtClean="0"/>
-              <a:t>2017-11-01</a:t>
+              <a:t>2017-11-02</a:t>
             </a:fld>
             <a:endParaRPr lang="ko-KR" altLang="en-US"/>
           </a:p>
@@ -871,7 +872,7 @@
           <a:p>
             <a:fld id="{27D31188-FF41-4827-A5DA-97728D47966F}" type="datetimeFigureOut">
               <a:rPr lang="ko-KR" altLang="en-US" smtClean="0"/>
-              <a:t>2017-11-01</a:t>
+              <a:t>2017-11-02</a:t>
             </a:fld>
             <a:endParaRPr lang="ko-KR" altLang="en-US"/>
           </a:p>
@@ -1146,7 +1147,7 @@
           <a:p>
             <a:fld id="{27D31188-FF41-4827-A5DA-97728D47966F}" type="datetimeFigureOut">
               <a:rPr lang="ko-KR" altLang="en-US" smtClean="0"/>
-              <a:t>2017-11-01</a:t>
+              <a:t>2017-11-02</a:t>
             </a:fld>
             <a:endParaRPr lang="ko-KR" altLang="en-US"/>
           </a:p>
@@ -1411,7 +1412,7 @@
           <a:p>
             <a:fld id="{27D31188-FF41-4827-A5DA-97728D47966F}" type="datetimeFigureOut">
               <a:rPr lang="ko-KR" altLang="en-US" smtClean="0"/>
-              <a:t>2017-11-01</a:t>
+              <a:t>2017-11-02</a:t>
             </a:fld>
             <a:endParaRPr lang="ko-KR" altLang="en-US"/>
           </a:p>
@@ -1823,7 +1824,7 @@
           <a:p>
             <a:fld id="{27D31188-FF41-4827-A5DA-97728D47966F}" type="datetimeFigureOut">
               <a:rPr lang="ko-KR" altLang="en-US" smtClean="0"/>
-              <a:t>2017-11-01</a:t>
+              <a:t>2017-11-02</a:t>
             </a:fld>
             <a:endParaRPr lang="ko-KR" altLang="en-US"/>
           </a:p>
@@ -1964,7 +1965,7 @@
           <a:p>
             <a:fld id="{27D31188-FF41-4827-A5DA-97728D47966F}" type="datetimeFigureOut">
               <a:rPr lang="ko-KR" altLang="en-US" smtClean="0"/>
-              <a:t>2017-11-01</a:t>
+              <a:t>2017-11-02</a:t>
             </a:fld>
             <a:endParaRPr lang="ko-KR" altLang="en-US"/>
           </a:p>
@@ -2077,7 +2078,7 @@
           <a:p>
             <a:fld id="{27D31188-FF41-4827-A5DA-97728D47966F}" type="datetimeFigureOut">
               <a:rPr lang="ko-KR" altLang="en-US" smtClean="0"/>
-              <a:t>2017-11-01</a:t>
+              <a:t>2017-11-02</a:t>
             </a:fld>
             <a:endParaRPr lang="ko-KR" altLang="en-US"/>
           </a:p>
@@ -2388,7 +2389,7 @@
           <a:p>
             <a:fld id="{27D31188-FF41-4827-A5DA-97728D47966F}" type="datetimeFigureOut">
               <a:rPr lang="ko-KR" altLang="en-US" smtClean="0"/>
-              <a:t>2017-11-01</a:t>
+              <a:t>2017-11-02</a:t>
             </a:fld>
             <a:endParaRPr lang="ko-KR" altLang="en-US"/>
           </a:p>
@@ -2676,7 +2677,7 @@
           <a:p>
             <a:fld id="{27D31188-FF41-4827-A5DA-97728D47966F}" type="datetimeFigureOut">
               <a:rPr lang="ko-KR" altLang="en-US" smtClean="0"/>
-              <a:t>2017-11-01</a:t>
+              <a:t>2017-11-02</a:t>
             </a:fld>
             <a:endParaRPr lang="ko-KR" altLang="en-US"/>
           </a:p>
@@ -2917,7 +2918,7 @@
           <a:p>
             <a:fld id="{27D31188-FF41-4827-A5DA-97728D47966F}" type="datetimeFigureOut">
               <a:rPr lang="ko-KR" altLang="en-US" smtClean="0"/>
-              <a:t>2017-11-01</a:t>
+              <a:t>2017-11-02</a:t>
             </a:fld>
             <a:endParaRPr lang="ko-KR" altLang="en-US"/>
           </a:p>
@@ -14860,6 +14861,96 @@
 </file>
 
 <file path=ppt/slides/slide3.xml><?xml version="1.0" encoding="utf-8"?>
+<p:sld xmlns:a="http://schemas.openxmlformats.org/drawingml/2006/main" xmlns:r="http://schemas.openxmlformats.org/officeDocument/2006/relationships" xmlns:p="http://schemas.openxmlformats.org/presentationml/2006/main">
+  <p:cSld>
+    <p:bg>
+      <p:bgPr>
+        <a:solidFill>
+          <a:srgbClr val="23DEB4"/>
+        </a:solidFill>
+        <a:effectLst/>
+      </p:bgPr>
+    </p:bg>
+    <p:spTree>
+      <p:nvGrpSpPr>
+        <p:cNvPr id="1" name=""/>
+        <p:cNvGrpSpPr/>
+        <p:nvPr/>
+      </p:nvGrpSpPr>
+      <p:grpSpPr>
+        <a:xfrm>
+          <a:off x="0" y="0"/>
+          <a:ext cx="0" cy="0"/>
+          <a:chOff x="0" y="0"/>
+          <a:chExt cx="0" cy="0"/>
+        </a:xfrm>
+      </p:grpSpPr>
+      <p:sp>
+        <p:nvSpPr>
+          <p:cNvPr id="4" name="직사각형 3">
+            <a:extLst>
+              <a:ext uri="{FF2B5EF4-FFF2-40B4-BE49-F238E27FC236}">
+                <a16:creationId xmlns:a16="http://schemas.microsoft.com/office/drawing/2014/main" id="{DB6CA769-4B46-4200-A9BA-E47FB86BDB7E}"/>
+              </a:ext>
+            </a:extLst>
+          </p:cNvPr>
+          <p:cNvSpPr/>
+          <p:nvPr/>
+        </p:nvSpPr>
+        <p:spPr>
+          <a:xfrm>
+            <a:off x="3592118" y="1551077"/>
+            <a:ext cx="5007765" cy="3755846"/>
+          </a:xfrm>
+          <a:prstGeom prst="rect">
+            <a:avLst/>
+          </a:prstGeom>
+          <a:solidFill>
+            <a:schemeClr val="bg1"/>
+          </a:solidFill>
+          <a:ln>
+            <a:noFill/>
+          </a:ln>
+        </p:spPr>
+        <p:style>
+          <a:lnRef idx="2">
+            <a:schemeClr val="accent1">
+              <a:shade val="50000"/>
+            </a:schemeClr>
+          </a:lnRef>
+          <a:fillRef idx="1">
+            <a:schemeClr val="accent1"/>
+          </a:fillRef>
+          <a:effectRef idx="0">
+            <a:schemeClr val="accent1"/>
+          </a:effectRef>
+          <a:fontRef idx="minor">
+            <a:schemeClr val="lt1"/>
+          </a:fontRef>
+        </p:style>
+        <p:txBody>
+          <a:bodyPr rtlCol="0" anchor="ctr"/>
+          <a:lstStyle/>
+          <a:p>
+            <a:pPr algn="ctr"/>
+            <a:endParaRPr lang="ko-KR" altLang="en-US"/>
+          </a:p>
+        </p:txBody>
+      </p:sp>
+    </p:spTree>
+    <p:extLst>
+      <p:ext uri="{BB962C8B-B14F-4D97-AF65-F5344CB8AC3E}">
+        <p14:creationId xmlns:p14="http://schemas.microsoft.com/office/powerpoint/2010/main" val="3117866604"/>
+      </p:ext>
+    </p:extLst>
+  </p:cSld>
+  <p:clrMapOvr>
+    <a:masterClrMapping/>
+  </p:clrMapOvr>
+</p:sld>
+</file>
+
+<file path=ppt/slides/slide4.xml><?xml version="1.0" encoding="utf-8"?>
 <p:sld xmlns:a="http://schemas.openxmlformats.org/drawingml/2006/main" xmlns:r="http://schemas.openxmlformats.org/officeDocument/2006/relationships" xmlns:p="http://schemas.openxmlformats.org/presentationml/2006/main">
   <p:cSld>
     <p:spTree>
@@ -19261,7 +19352,7 @@
 </p:sld>
 </file>
 
-<file path=ppt/slides/slide4.xml><?xml version="1.0" encoding="utf-8"?>
+<file path=ppt/slides/slide5.xml><?xml version="1.0" encoding="utf-8"?>
 <p:sld xmlns:a="http://schemas.openxmlformats.org/drawingml/2006/main" xmlns:r="http://schemas.openxmlformats.org/officeDocument/2006/relationships" xmlns:p="http://schemas.openxmlformats.org/presentationml/2006/main">
   <p:cSld>
     <p:spTree>
@@ -22885,7 +22976,7 @@
 </p:sld>
 </file>
 
-<file path=ppt/slides/slide5.xml><?xml version="1.0" encoding="utf-8"?>
+<file path=ppt/slides/slide6.xml><?xml version="1.0" encoding="utf-8"?>
 <p:sld xmlns:a="http://schemas.openxmlformats.org/drawingml/2006/main" xmlns:r="http://schemas.openxmlformats.org/officeDocument/2006/relationships" xmlns:p="http://schemas.openxmlformats.org/presentationml/2006/main">
   <p:cSld>
     <p:spTree>

--- a/PPT/그래픽 리소스 작업.pptx
+++ b/PPT/그래픽 리소스 작업.pptx
@@ -7,10 +7,12 @@
   <p:sldIdLst>
     <p:sldId id="256" r:id="rId2"/>
     <p:sldId id="265" r:id="rId3"/>
-    <p:sldId id="266" r:id="rId4"/>
-    <p:sldId id="257" r:id="rId5"/>
-    <p:sldId id="264" r:id="rId6"/>
-    <p:sldId id="260" r:id="rId7"/>
+    <p:sldId id="268" r:id="rId4"/>
+    <p:sldId id="267" r:id="rId5"/>
+    <p:sldId id="266" r:id="rId6"/>
+    <p:sldId id="257" r:id="rId7"/>
+    <p:sldId id="264" r:id="rId8"/>
+    <p:sldId id="260" r:id="rId9"/>
   </p:sldIdLst>
   <p:sldSz cx="12192000" cy="6858000"/>
   <p:notesSz cx="6858000" cy="9144000"/>
@@ -268,7 +270,7 @@
           <a:p>
             <a:fld id="{27D31188-FF41-4827-A5DA-97728D47966F}" type="datetimeFigureOut">
               <a:rPr lang="ko-KR" altLang="en-US" smtClean="0"/>
-              <a:t>2017-11-02</a:t>
+              <a:t>2017-11-03</a:t>
             </a:fld>
             <a:endParaRPr lang="ko-KR" altLang="en-US"/>
           </a:p>
@@ -466,7 +468,7 @@
           <a:p>
             <a:fld id="{27D31188-FF41-4827-A5DA-97728D47966F}" type="datetimeFigureOut">
               <a:rPr lang="ko-KR" altLang="en-US" smtClean="0"/>
-              <a:t>2017-11-02</a:t>
+              <a:t>2017-11-03</a:t>
             </a:fld>
             <a:endParaRPr lang="ko-KR" altLang="en-US"/>
           </a:p>
@@ -674,7 +676,7 @@
           <a:p>
             <a:fld id="{27D31188-FF41-4827-A5DA-97728D47966F}" type="datetimeFigureOut">
               <a:rPr lang="ko-KR" altLang="en-US" smtClean="0"/>
-              <a:t>2017-11-02</a:t>
+              <a:t>2017-11-03</a:t>
             </a:fld>
             <a:endParaRPr lang="ko-KR" altLang="en-US"/>
           </a:p>
@@ -872,7 +874,7 @@
           <a:p>
             <a:fld id="{27D31188-FF41-4827-A5DA-97728D47966F}" type="datetimeFigureOut">
               <a:rPr lang="ko-KR" altLang="en-US" smtClean="0"/>
-              <a:t>2017-11-02</a:t>
+              <a:t>2017-11-03</a:t>
             </a:fld>
             <a:endParaRPr lang="ko-KR" altLang="en-US"/>
           </a:p>
@@ -1147,7 +1149,7 @@
           <a:p>
             <a:fld id="{27D31188-FF41-4827-A5DA-97728D47966F}" type="datetimeFigureOut">
               <a:rPr lang="ko-KR" altLang="en-US" smtClean="0"/>
-              <a:t>2017-11-02</a:t>
+              <a:t>2017-11-03</a:t>
             </a:fld>
             <a:endParaRPr lang="ko-KR" altLang="en-US"/>
           </a:p>
@@ -1412,7 +1414,7 @@
           <a:p>
             <a:fld id="{27D31188-FF41-4827-A5DA-97728D47966F}" type="datetimeFigureOut">
               <a:rPr lang="ko-KR" altLang="en-US" smtClean="0"/>
-              <a:t>2017-11-02</a:t>
+              <a:t>2017-11-03</a:t>
             </a:fld>
             <a:endParaRPr lang="ko-KR" altLang="en-US"/>
           </a:p>
@@ -1824,7 +1826,7 @@
           <a:p>
             <a:fld id="{27D31188-FF41-4827-A5DA-97728D47966F}" type="datetimeFigureOut">
               <a:rPr lang="ko-KR" altLang="en-US" smtClean="0"/>
-              <a:t>2017-11-02</a:t>
+              <a:t>2017-11-03</a:t>
             </a:fld>
             <a:endParaRPr lang="ko-KR" altLang="en-US"/>
           </a:p>
@@ -1965,7 +1967,7 @@
           <a:p>
             <a:fld id="{27D31188-FF41-4827-A5DA-97728D47966F}" type="datetimeFigureOut">
               <a:rPr lang="ko-KR" altLang="en-US" smtClean="0"/>
-              <a:t>2017-11-02</a:t>
+              <a:t>2017-11-03</a:t>
             </a:fld>
             <a:endParaRPr lang="ko-KR" altLang="en-US"/>
           </a:p>
@@ -2078,7 +2080,7 @@
           <a:p>
             <a:fld id="{27D31188-FF41-4827-A5DA-97728D47966F}" type="datetimeFigureOut">
               <a:rPr lang="ko-KR" altLang="en-US" smtClean="0"/>
-              <a:t>2017-11-02</a:t>
+              <a:t>2017-11-03</a:t>
             </a:fld>
             <a:endParaRPr lang="ko-KR" altLang="en-US"/>
           </a:p>
@@ -2389,7 +2391,7 @@
           <a:p>
             <a:fld id="{27D31188-FF41-4827-A5DA-97728D47966F}" type="datetimeFigureOut">
               <a:rPr lang="ko-KR" altLang="en-US" smtClean="0"/>
-              <a:t>2017-11-02</a:t>
+              <a:t>2017-11-03</a:t>
             </a:fld>
             <a:endParaRPr lang="ko-KR" altLang="en-US"/>
           </a:p>
@@ -2677,7 +2679,7 @@
           <a:p>
             <a:fld id="{27D31188-FF41-4827-A5DA-97728D47966F}" type="datetimeFigureOut">
               <a:rPr lang="ko-KR" altLang="en-US" smtClean="0"/>
-              <a:t>2017-11-02</a:t>
+              <a:t>2017-11-03</a:t>
             </a:fld>
             <a:endParaRPr lang="ko-KR" altLang="en-US"/>
           </a:p>
@@ -2918,7 +2920,7 @@
           <a:p>
             <a:fld id="{27D31188-FF41-4827-A5DA-97728D47966F}" type="datetimeFigureOut">
               <a:rPr lang="ko-KR" altLang="en-US" smtClean="0"/>
-              <a:t>2017-11-02</a:t>
+              <a:t>2017-11-03</a:t>
             </a:fld>
             <a:endParaRPr lang="ko-KR" altLang="en-US"/>
           </a:p>
@@ -14863,6 +14865,6451 @@
 <file path=ppt/slides/slide3.xml><?xml version="1.0" encoding="utf-8"?>
 <p:sld xmlns:a="http://schemas.openxmlformats.org/drawingml/2006/main" xmlns:r="http://schemas.openxmlformats.org/officeDocument/2006/relationships" xmlns:p="http://schemas.openxmlformats.org/presentationml/2006/main">
   <p:cSld>
+    <p:spTree>
+      <p:nvGrpSpPr>
+        <p:cNvPr id="1" name=""/>
+        <p:cNvGrpSpPr/>
+        <p:nvPr/>
+      </p:nvGrpSpPr>
+      <p:grpSpPr>
+        <a:xfrm>
+          <a:off x="0" y="0"/>
+          <a:ext cx="0" cy="0"/>
+          <a:chOff x="0" y="0"/>
+          <a:chExt cx="0" cy="0"/>
+        </a:xfrm>
+      </p:grpSpPr>
+      <p:grpSp>
+        <p:nvGrpSpPr>
+          <p:cNvPr id="102" name="그룹 101">
+            <a:extLst>
+              <a:ext uri="{FF2B5EF4-FFF2-40B4-BE49-F238E27FC236}">
+                <a16:creationId xmlns:a16="http://schemas.microsoft.com/office/drawing/2014/main" id="{B02F1B84-C5F7-4DBA-B483-ACC85F9CFDAF}"/>
+              </a:ext>
+            </a:extLst>
+          </p:cNvPr>
+          <p:cNvGrpSpPr>
+            <a:grpSpLocks/>
+          </p:cNvGrpSpPr>
+          <p:nvPr/>
+        </p:nvGrpSpPr>
+        <p:grpSpPr>
+          <a:xfrm>
+            <a:off x="3592118" y="1551088"/>
+            <a:ext cx="5007765" cy="3755850"/>
+            <a:chOff x="0" y="-9"/>
+            <a:chExt cx="7389836" cy="4868579"/>
+          </a:xfrm>
+        </p:grpSpPr>
+        <p:sp>
+          <p:nvSpPr>
+            <p:cNvPr id="5" name="직사각형 4">
+              <a:extLst>
+                <a:ext uri="{FF2B5EF4-FFF2-40B4-BE49-F238E27FC236}">
+                  <a16:creationId xmlns:a16="http://schemas.microsoft.com/office/drawing/2014/main" id="{2D735A31-6A8B-4249-84C3-66383A09E188}"/>
+                </a:ext>
+              </a:extLst>
+            </p:cNvPr>
+            <p:cNvSpPr/>
+            <p:nvPr/>
+          </p:nvSpPr>
+          <p:spPr>
+            <a:xfrm>
+              <a:off x="0" y="-9"/>
+              <a:ext cx="615820" cy="615817"/>
+            </a:xfrm>
+            <a:prstGeom prst="rect">
+              <a:avLst/>
+            </a:prstGeom>
+            <a:solidFill>
+              <a:srgbClr val="23DEB4"/>
+            </a:solidFill>
+            <a:ln>
+              <a:noFill/>
+            </a:ln>
+          </p:spPr>
+          <p:style>
+            <a:lnRef idx="2">
+              <a:schemeClr val="accent1">
+                <a:shade val="50000"/>
+              </a:schemeClr>
+            </a:lnRef>
+            <a:fillRef idx="1">
+              <a:schemeClr val="accent1"/>
+            </a:fillRef>
+            <a:effectRef idx="0">
+              <a:schemeClr val="accent1"/>
+            </a:effectRef>
+            <a:fontRef idx="minor">
+              <a:schemeClr val="lt1"/>
+            </a:fontRef>
+          </p:style>
+          <p:txBody>
+            <a:bodyPr rtlCol="0" anchor="ctr"/>
+            <a:lstStyle/>
+            <a:p>
+              <a:pPr algn="ctr"/>
+              <a:endParaRPr lang="ko-KR" altLang="en-US"/>
+            </a:p>
+          </p:txBody>
+        </p:sp>
+        <p:sp>
+          <p:nvSpPr>
+            <p:cNvPr id="6" name="직사각형 5">
+              <a:extLst>
+                <a:ext uri="{FF2B5EF4-FFF2-40B4-BE49-F238E27FC236}">
+                  <a16:creationId xmlns:a16="http://schemas.microsoft.com/office/drawing/2014/main" id="{180DA91C-625B-4AA8-B3C1-9E58FEFD54CB}"/>
+                </a:ext>
+              </a:extLst>
+            </p:cNvPr>
+            <p:cNvSpPr/>
+            <p:nvPr/>
+          </p:nvSpPr>
+          <p:spPr>
+            <a:xfrm>
+              <a:off x="615820" y="-9"/>
+              <a:ext cx="615820" cy="615817"/>
+            </a:xfrm>
+            <a:prstGeom prst="rect">
+              <a:avLst/>
+            </a:prstGeom>
+            <a:solidFill>
+              <a:srgbClr val="3EE2BD"/>
+            </a:solidFill>
+            <a:ln>
+              <a:noFill/>
+            </a:ln>
+          </p:spPr>
+          <p:style>
+            <a:lnRef idx="2">
+              <a:schemeClr val="accent1">
+                <a:shade val="50000"/>
+              </a:schemeClr>
+            </a:lnRef>
+            <a:fillRef idx="1">
+              <a:schemeClr val="accent1"/>
+            </a:fillRef>
+            <a:effectRef idx="0">
+              <a:schemeClr val="accent1"/>
+            </a:effectRef>
+            <a:fontRef idx="minor">
+              <a:schemeClr val="lt1"/>
+            </a:fontRef>
+          </p:style>
+          <p:txBody>
+            <a:bodyPr rtlCol="0" anchor="ctr"/>
+            <a:lstStyle/>
+            <a:p>
+              <a:pPr algn="ctr"/>
+              <a:endParaRPr lang="ko-KR" altLang="en-US"/>
+            </a:p>
+          </p:txBody>
+        </p:sp>
+        <p:sp>
+          <p:nvSpPr>
+            <p:cNvPr id="7" name="직사각형 6">
+              <a:extLst>
+                <a:ext uri="{FF2B5EF4-FFF2-40B4-BE49-F238E27FC236}">
+                  <a16:creationId xmlns:a16="http://schemas.microsoft.com/office/drawing/2014/main" id="{AFF41B55-1BE5-4712-A86C-8AC29A5B4405}"/>
+                </a:ext>
+              </a:extLst>
+            </p:cNvPr>
+            <p:cNvSpPr/>
+            <p:nvPr/>
+          </p:nvSpPr>
+          <p:spPr>
+            <a:xfrm>
+              <a:off x="1231640" y="-9"/>
+              <a:ext cx="615820" cy="615817"/>
+            </a:xfrm>
+            <a:prstGeom prst="rect">
+              <a:avLst/>
+            </a:prstGeom>
+            <a:solidFill>
+              <a:srgbClr val="23DEB4"/>
+            </a:solidFill>
+            <a:ln>
+              <a:noFill/>
+            </a:ln>
+          </p:spPr>
+          <p:style>
+            <a:lnRef idx="2">
+              <a:schemeClr val="accent1">
+                <a:shade val="50000"/>
+              </a:schemeClr>
+            </a:lnRef>
+            <a:fillRef idx="1">
+              <a:schemeClr val="accent1"/>
+            </a:fillRef>
+            <a:effectRef idx="0">
+              <a:schemeClr val="accent1"/>
+            </a:effectRef>
+            <a:fontRef idx="minor">
+              <a:schemeClr val="lt1"/>
+            </a:fontRef>
+          </p:style>
+          <p:txBody>
+            <a:bodyPr rtlCol="0" anchor="ctr"/>
+            <a:lstStyle/>
+            <a:p>
+              <a:pPr algn="ctr"/>
+              <a:endParaRPr lang="ko-KR" altLang="en-US"/>
+            </a:p>
+          </p:txBody>
+        </p:sp>
+        <p:sp>
+          <p:nvSpPr>
+            <p:cNvPr id="8" name="직사각형 7">
+              <a:extLst>
+                <a:ext uri="{FF2B5EF4-FFF2-40B4-BE49-F238E27FC236}">
+                  <a16:creationId xmlns:a16="http://schemas.microsoft.com/office/drawing/2014/main" id="{1CEF67EB-83CD-4AC8-B562-503B6BE57419}"/>
+                </a:ext>
+              </a:extLst>
+            </p:cNvPr>
+            <p:cNvSpPr/>
+            <p:nvPr/>
+          </p:nvSpPr>
+          <p:spPr>
+            <a:xfrm>
+              <a:off x="1847459" y="-9"/>
+              <a:ext cx="615820" cy="615817"/>
+            </a:xfrm>
+            <a:prstGeom prst="rect">
+              <a:avLst/>
+            </a:prstGeom>
+            <a:solidFill>
+              <a:srgbClr val="3EE2BD"/>
+            </a:solidFill>
+            <a:ln>
+              <a:noFill/>
+            </a:ln>
+          </p:spPr>
+          <p:style>
+            <a:lnRef idx="2">
+              <a:schemeClr val="accent1">
+                <a:shade val="50000"/>
+              </a:schemeClr>
+            </a:lnRef>
+            <a:fillRef idx="1">
+              <a:schemeClr val="accent1"/>
+            </a:fillRef>
+            <a:effectRef idx="0">
+              <a:schemeClr val="accent1"/>
+            </a:effectRef>
+            <a:fontRef idx="minor">
+              <a:schemeClr val="lt1"/>
+            </a:fontRef>
+          </p:style>
+          <p:txBody>
+            <a:bodyPr rtlCol="0" anchor="ctr"/>
+            <a:lstStyle/>
+            <a:p>
+              <a:pPr algn="ctr"/>
+              <a:endParaRPr lang="ko-KR" altLang="en-US"/>
+            </a:p>
+          </p:txBody>
+        </p:sp>
+        <p:sp>
+          <p:nvSpPr>
+            <p:cNvPr id="9" name="직사각형 8">
+              <a:extLst>
+                <a:ext uri="{FF2B5EF4-FFF2-40B4-BE49-F238E27FC236}">
+                  <a16:creationId xmlns:a16="http://schemas.microsoft.com/office/drawing/2014/main" id="{7474B73F-9C6F-4CA2-8E32-7495B5290A81}"/>
+                </a:ext>
+              </a:extLst>
+            </p:cNvPr>
+            <p:cNvSpPr/>
+            <p:nvPr/>
+          </p:nvSpPr>
+          <p:spPr>
+            <a:xfrm>
+              <a:off x="2463279" y="-9"/>
+              <a:ext cx="615820" cy="615817"/>
+            </a:xfrm>
+            <a:prstGeom prst="rect">
+              <a:avLst/>
+            </a:prstGeom>
+            <a:solidFill>
+              <a:srgbClr val="23DEB4"/>
+            </a:solidFill>
+            <a:ln>
+              <a:noFill/>
+            </a:ln>
+          </p:spPr>
+          <p:style>
+            <a:lnRef idx="2">
+              <a:schemeClr val="accent1">
+                <a:shade val="50000"/>
+              </a:schemeClr>
+            </a:lnRef>
+            <a:fillRef idx="1">
+              <a:schemeClr val="accent1"/>
+            </a:fillRef>
+            <a:effectRef idx="0">
+              <a:schemeClr val="accent1"/>
+            </a:effectRef>
+            <a:fontRef idx="minor">
+              <a:schemeClr val="lt1"/>
+            </a:fontRef>
+          </p:style>
+          <p:txBody>
+            <a:bodyPr rtlCol="0" anchor="ctr"/>
+            <a:lstStyle/>
+            <a:p>
+              <a:pPr algn="ctr"/>
+              <a:endParaRPr lang="ko-KR" altLang="en-US"/>
+            </a:p>
+          </p:txBody>
+        </p:sp>
+        <p:sp>
+          <p:nvSpPr>
+            <p:cNvPr id="10" name="직사각형 9">
+              <a:extLst>
+                <a:ext uri="{FF2B5EF4-FFF2-40B4-BE49-F238E27FC236}">
+                  <a16:creationId xmlns:a16="http://schemas.microsoft.com/office/drawing/2014/main" id="{1011E1D3-B1D8-4504-953E-4E764A508610}"/>
+                </a:ext>
+              </a:extLst>
+            </p:cNvPr>
+            <p:cNvSpPr/>
+            <p:nvPr/>
+          </p:nvSpPr>
+          <p:spPr>
+            <a:xfrm>
+              <a:off x="3079099" y="-9"/>
+              <a:ext cx="615820" cy="615817"/>
+            </a:xfrm>
+            <a:prstGeom prst="rect">
+              <a:avLst/>
+            </a:prstGeom>
+            <a:solidFill>
+              <a:srgbClr val="3EE2BD"/>
+            </a:solidFill>
+            <a:ln>
+              <a:noFill/>
+            </a:ln>
+          </p:spPr>
+          <p:style>
+            <a:lnRef idx="2">
+              <a:schemeClr val="accent1">
+                <a:shade val="50000"/>
+              </a:schemeClr>
+            </a:lnRef>
+            <a:fillRef idx="1">
+              <a:schemeClr val="accent1"/>
+            </a:fillRef>
+            <a:effectRef idx="0">
+              <a:schemeClr val="accent1"/>
+            </a:effectRef>
+            <a:fontRef idx="minor">
+              <a:schemeClr val="lt1"/>
+            </a:fontRef>
+          </p:style>
+          <p:txBody>
+            <a:bodyPr rtlCol="0" anchor="ctr"/>
+            <a:lstStyle/>
+            <a:p>
+              <a:pPr algn="ctr"/>
+              <a:endParaRPr lang="ko-KR" altLang="en-US"/>
+            </a:p>
+          </p:txBody>
+        </p:sp>
+        <p:sp>
+          <p:nvSpPr>
+            <p:cNvPr id="11" name="직사각형 10">
+              <a:extLst>
+                <a:ext uri="{FF2B5EF4-FFF2-40B4-BE49-F238E27FC236}">
+                  <a16:creationId xmlns:a16="http://schemas.microsoft.com/office/drawing/2014/main" id="{E820D510-1CB0-4E52-9C22-5279DB05AD5D}"/>
+                </a:ext>
+              </a:extLst>
+            </p:cNvPr>
+            <p:cNvSpPr/>
+            <p:nvPr/>
+          </p:nvSpPr>
+          <p:spPr>
+            <a:xfrm>
+              <a:off x="3694919" y="-9"/>
+              <a:ext cx="615820" cy="615817"/>
+            </a:xfrm>
+            <a:prstGeom prst="rect">
+              <a:avLst/>
+            </a:prstGeom>
+            <a:solidFill>
+              <a:srgbClr val="23DEB4"/>
+            </a:solidFill>
+            <a:ln>
+              <a:noFill/>
+            </a:ln>
+          </p:spPr>
+          <p:style>
+            <a:lnRef idx="2">
+              <a:schemeClr val="accent1">
+                <a:shade val="50000"/>
+              </a:schemeClr>
+            </a:lnRef>
+            <a:fillRef idx="1">
+              <a:schemeClr val="accent1"/>
+            </a:fillRef>
+            <a:effectRef idx="0">
+              <a:schemeClr val="accent1"/>
+            </a:effectRef>
+            <a:fontRef idx="minor">
+              <a:schemeClr val="lt1"/>
+            </a:fontRef>
+          </p:style>
+          <p:txBody>
+            <a:bodyPr rtlCol="0" anchor="ctr"/>
+            <a:lstStyle/>
+            <a:p>
+              <a:pPr algn="ctr"/>
+              <a:endParaRPr lang="ko-KR" altLang="en-US"/>
+            </a:p>
+          </p:txBody>
+        </p:sp>
+        <p:sp>
+          <p:nvSpPr>
+            <p:cNvPr id="12" name="직사각형 11">
+              <a:extLst>
+                <a:ext uri="{FF2B5EF4-FFF2-40B4-BE49-F238E27FC236}">
+                  <a16:creationId xmlns:a16="http://schemas.microsoft.com/office/drawing/2014/main" id="{E5830419-6E88-4DFA-A16F-1EC5FE0B4A6E}"/>
+                </a:ext>
+              </a:extLst>
+            </p:cNvPr>
+            <p:cNvSpPr/>
+            <p:nvPr/>
+          </p:nvSpPr>
+          <p:spPr>
+            <a:xfrm>
+              <a:off x="4310737" y="-9"/>
+              <a:ext cx="615820" cy="615817"/>
+            </a:xfrm>
+            <a:prstGeom prst="rect">
+              <a:avLst/>
+            </a:prstGeom>
+            <a:solidFill>
+              <a:srgbClr val="3EE2BD"/>
+            </a:solidFill>
+            <a:ln>
+              <a:noFill/>
+            </a:ln>
+          </p:spPr>
+          <p:style>
+            <a:lnRef idx="2">
+              <a:schemeClr val="accent1">
+                <a:shade val="50000"/>
+              </a:schemeClr>
+            </a:lnRef>
+            <a:fillRef idx="1">
+              <a:schemeClr val="accent1"/>
+            </a:fillRef>
+            <a:effectRef idx="0">
+              <a:schemeClr val="accent1"/>
+            </a:effectRef>
+            <a:fontRef idx="minor">
+              <a:schemeClr val="lt1"/>
+            </a:fontRef>
+          </p:style>
+          <p:txBody>
+            <a:bodyPr rtlCol="0" anchor="ctr"/>
+            <a:lstStyle/>
+            <a:p>
+              <a:pPr algn="ctr"/>
+              <a:endParaRPr lang="ko-KR" altLang="en-US"/>
+            </a:p>
+          </p:txBody>
+        </p:sp>
+        <p:sp>
+          <p:nvSpPr>
+            <p:cNvPr id="13" name="직사각형 12">
+              <a:extLst>
+                <a:ext uri="{FF2B5EF4-FFF2-40B4-BE49-F238E27FC236}">
+                  <a16:creationId xmlns:a16="http://schemas.microsoft.com/office/drawing/2014/main" id="{87836683-6875-443D-84B4-A493B143CC10}"/>
+                </a:ext>
+              </a:extLst>
+            </p:cNvPr>
+            <p:cNvSpPr/>
+            <p:nvPr/>
+          </p:nvSpPr>
+          <p:spPr>
+            <a:xfrm>
+              <a:off x="4926557" y="-9"/>
+              <a:ext cx="615820" cy="615817"/>
+            </a:xfrm>
+            <a:prstGeom prst="rect">
+              <a:avLst/>
+            </a:prstGeom>
+            <a:solidFill>
+              <a:srgbClr val="23DEB4"/>
+            </a:solidFill>
+            <a:ln>
+              <a:noFill/>
+            </a:ln>
+          </p:spPr>
+          <p:style>
+            <a:lnRef idx="2">
+              <a:schemeClr val="accent1">
+                <a:shade val="50000"/>
+              </a:schemeClr>
+            </a:lnRef>
+            <a:fillRef idx="1">
+              <a:schemeClr val="accent1"/>
+            </a:fillRef>
+            <a:effectRef idx="0">
+              <a:schemeClr val="accent1"/>
+            </a:effectRef>
+            <a:fontRef idx="minor">
+              <a:schemeClr val="lt1"/>
+            </a:fontRef>
+          </p:style>
+          <p:txBody>
+            <a:bodyPr rtlCol="0" anchor="ctr"/>
+            <a:lstStyle/>
+            <a:p>
+              <a:pPr algn="ctr"/>
+              <a:endParaRPr lang="ko-KR" altLang="en-US"/>
+            </a:p>
+          </p:txBody>
+        </p:sp>
+        <p:sp>
+          <p:nvSpPr>
+            <p:cNvPr id="14" name="직사각형 13">
+              <a:extLst>
+                <a:ext uri="{FF2B5EF4-FFF2-40B4-BE49-F238E27FC236}">
+                  <a16:creationId xmlns:a16="http://schemas.microsoft.com/office/drawing/2014/main" id="{0860CB0E-B1BA-42E3-A996-B9EDBBF51728}"/>
+                </a:ext>
+              </a:extLst>
+            </p:cNvPr>
+            <p:cNvSpPr/>
+            <p:nvPr/>
+          </p:nvSpPr>
+          <p:spPr>
+            <a:xfrm>
+              <a:off x="5542377" y="-9"/>
+              <a:ext cx="615820" cy="615817"/>
+            </a:xfrm>
+            <a:prstGeom prst="rect">
+              <a:avLst/>
+            </a:prstGeom>
+            <a:solidFill>
+              <a:srgbClr val="3EE2BD"/>
+            </a:solidFill>
+            <a:ln>
+              <a:noFill/>
+            </a:ln>
+          </p:spPr>
+          <p:style>
+            <a:lnRef idx="2">
+              <a:schemeClr val="accent1">
+                <a:shade val="50000"/>
+              </a:schemeClr>
+            </a:lnRef>
+            <a:fillRef idx="1">
+              <a:schemeClr val="accent1"/>
+            </a:fillRef>
+            <a:effectRef idx="0">
+              <a:schemeClr val="accent1"/>
+            </a:effectRef>
+            <a:fontRef idx="minor">
+              <a:schemeClr val="lt1"/>
+            </a:fontRef>
+          </p:style>
+          <p:txBody>
+            <a:bodyPr rtlCol="0" anchor="ctr"/>
+            <a:lstStyle/>
+            <a:p>
+              <a:pPr algn="ctr"/>
+              <a:endParaRPr lang="ko-KR" altLang="en-US"/>
+            </a:p>
+          </p:txBody>
+        </p:sp>
+        <p:sp>
+          <p:nvSpPr>
+            <p:cNvPr id="15" name="직사각형 14">
+              <a:extLst>
+                <a:ext uri="{FF2B5EF4-FFF2-40B4-BE49-F238E27FC236}">
+                  <a16:creationId xmlns:a16="http://schemas.microsoft.com/office/drawing/2014/main" id="{B430CDA4-75B6-4687-ADC9-B205D1F769E5}"/>
+                </a:ext>
+              </a:extLst>
+            </p:cNvPr>
+            <p:cNvSpPr/>
+            <p:nvPr/>
+          </p:nvSpPr>
+          <p:spPr>
+            <a:xfrm>
+              <a:off x="6158197" y="-9"/>
+              <a:ext cx="615820" cy="615817"/>
+            </a:xfrm>
+            <a:prstGeom prst="rect">
+              <a:avLst/>
+            </a:prstGeom>
+            <a:solidFill>
+              <a:srgbClr val="23DEB4"/>
+            </a:solidFill>
+            <a:ln>
+              <a:noFill/>
+            </a:ln>
+          </p:spPr>
+          <p:style>
+            <a:lnRef idx="2">
+              <a:schemeClr val="accent1">
+                <a:shade val="50000"/>
+              </a:schemeClr>
+            </a:lnRef>
+            <a:fillRef idx="1">
+              <a:schemeClr val="accent1"/>
+            </a:fillRef>
+            <a:effectRef idx="0">
+              <a:schemeClr val="accent1"/>
+            </a:effectRef>
+            <a:fontRef idx="minor">
+              <a:schemeClr val="lt1"/>
+            </a:fontRef>
+          </p:style>
+          <p:txBody>
+            <a:bodyPr rtlCol="0" anchor="ctr"/>
+            <a:lstStyle/>
+            <a:p>
+              <a:pPr algn="ctr"/>
+              <a:endParaRPr lang="ko-KR" altLang="en-US"/>
+            </a:p>
+          </p:txBody>
+        </p:sp>
+        <p:sp>
+          <p:nvSpPr>
+            <p:cNvPr id="16" name="직사각형 15">
+              <a:extLst>
+                <a:ext uri="{FF2B5EF4-FFF2-40B4-BE49-F238E27FC236}">
+                  <a16:creationId xmlns:a16="http://schemas.microsoft.com/office/drawing/2014/main" id="{616BF026-CEAA-486E-8C95-009279C4980A}"/>
+                </a:ext>
+              </a:extLst>
+            </p:cNvPr>
+            <p:cNvSpPr/>
+            <p:nvPr/>
+          </p:nvSpPr>
+          <p:spPr>
+            <a:xfrm>
+              <a:off x="6774016" y="-9"/>
+              <a:ext cx="615820" cy="615817"/>
+            </a:xfrm>
+            <a:prstGeom prst="rect">
+              <a:avLst/>
+            </a:prstGeom>
+            <a:solidFill>
+              <a:srgbClr val="3EE2BD"/>
+            </a:solidFill>
+            <a:ln>
+              <a:noFill/>
+            </a:ln>
+          </p:spPr>
+          <p:style>
+            <a:lnRef idx="2">
+              <a:schemeClr val="accent1">
+                <a:shade val="50000"/>
+              </a:schemeClr>
+            </a:lnRef>
+            <a:fillRef idx="1">
+              <a:schemeClr val="accent1"/>
+            </a:fillRef>
+            <a:effectRef idx="0">
+              <a:schemeClr val="accent1"/>
+            </a:effectRef>
+            <a:fontRef idx="minor">
+              <a:schemeClr val="lt1"/>
+            </a:fontRef>
+          </p:style>
+          <p:txBody>
+            <a:bodyPr rtlCol="0" anchor="ctr"/>
+            <a:lstStyle/>
+            <a:p>
+              <a:pPr algn="ctr"/>
+              <a:endParaRPr lang="ko-KR" altLang="en-US"/>
+            </a:p>
+          </p:txBody>
+        </p:sp>
+        <p:sp>
+          <p:nvSpPr>
+            <p:cNvPr id="18" name="직사각형 17">
+              <a:extLst>
+                <a:ext uri="{FF2B5EF4-FFF2-40B4-BE49-F238E27FC236}">
+                  <a16:creationId xmlns:a16="http://schemas.microsoft.com/office/drawing/2014/main" id="{0B96A17A-E116-408B-8DA4-E9357A0C3437}"/>
+                </a:ext>
+              </a:extLst>
+            </p:cNvPr>
+            <p:cNvSpPr/>
+            <p:nvPr/>
+          </p:nvSpPr>
+          <p:spPr>
+            <a:xfrm>
+              <a:off x="615820" y="615808"/>
+              <a:ext cx="615820" cy="615817"/>
+            </a:xfrm>
+            <a:prstGeom prst="rect">
+              <a:avLst/>
+            </a:prstGeom>
+            <a:solidFill>
+              <a:srgbClr val="23DEB4"/>
+            </a:solidFill>
+            <a:ln>
+              <a:noFill/>
+            </a:ln>
+          </p:spPr>
+          <p:style>
+            <a:lnRef idx="2">
+              <a:schemeClr val="accent1">
+                <a:shade val="50000"/>
+              </a:schemeClr>
+            </a:lnRef>
+            <a:fillRef idx="1">
+              <a:schemeClr val="accent1"/>
+            </a:fillRef>
+            <a:effectRef idx="0">
+              <a:schemeClr val="accent1"/>
+            </a:effectRef>
+            <a:fontRef idx="minor">
+              <a:schemeClr val="lt1"/>
+            </a:fontRef>
+          </p:style>
+          <p:txBody>
+            <a:bodyPr rtlCol="0" anchor="ctr"/>
+            <a:lstStyle/>
+            <a:p>
+              <a:pPr algn="ctr"/>
+              <a:endParaRPr lang="ko-KR" altLang="en-US"/>
+            </a:p>
+          </p:txBody>
+        </p:sp>
+        <p:sp>
+          <p:nvSpPr>
+            <p:cNvPr id="19" name="직사각형 18">
+              <a:extLst>
+                <a:ext uri="{FF2B5EF4-FFF2-40B4-BE49-F238E27FC236}">
+                  <a16:creationId xmlns:a16="http://schemas.microsoft.com/office/drawing/2014/main" id="{79C217F4-E3F2-428C-A5ED-B8E2A1AE6528}"/>
+                </a:ext>
+              </a:extLst>
+            </p:cNvPr>
+            <p:cNvSpPr/>
+            <p:nvPr/>
+          </p:nvSpPr>
+          <p:spPr>
+            <a:xfrm>
+              <a:off x="1231640" y="615808"/>
+              <a:ext cx="615820" cy="615817"/>
+            </a:xfrm>
+            <a:prstGeom prst="rect">
+              <a:avLst/>
+            </a:prstGeom>
+            <a:solidFill>
+              <a:srgbClr val="3EE2BD"/>
+            </a:solidFill>
+            <a:ln>
+              <a:noFill/>
+            </a:ln>
+          </p:spPr>
+          <p:style>
+            <a:lnRef idx="2">
+              <a:schemeClr val="accent1">
+                <a:shade val="50000"/>
+              </a:schemeClr>
+            </a:lnRef>
+            <a:fillRef idx="1">
+              <a:schemeClr val="accent1"/>
+            </a:fillRef>
+            <a:effectRef idx="0">
+              <a:schemeClr val="accent1"/>
+            </a:effectRef>
+            <a:fontRef idx="minor">
+              <a:schemeClr val="lt1"/>
+            </a:fontRef>
+          </p:style>
+          <p:txBody>
+            <a:bodyPr rtlCol="0" anchor="ctr"/>
+            <a:lstStyle/>
+            <a:p>
+              <a:pPr algn="ctr"/>
+              <a:endParaRPr lang="ko-KR" altLang="en-US"/>
+            </a:p>
+          </p:txBody>
+        </p:sp>
+        <p:sp>
+          <p:nvSpPr>
+            <p:cNvPr id="20" name="직사각형 19">
+              <a:extLst>
+                <a:ext uri="{FF2B5EF4-FFF2-40B4-BE49-F238E27FC236}">
+                  <a16:creationId xmlns:a16="http://schemas.microsoft.com/office/drawing/2014/main" id="{C08F340E-CA34-4159-8591-7CCCBA160317}"/>
+                </a:ext>
+              </a:extLst>
+            </p:cNvPr>
+            <p:cNvSpPr/>
+            <p:nvPr/>
+          </p:nvSpPr>
+          <p:spPr>
+            <a:xfrm>
+              <a:off x="1847459" y="615808"/>
+              <a:ext cx="615820" cy="615817"/>
+            </a:xfrm>
+            <a:prstGeom prst="rect">
+              <a:avLst/>
+            </a:prstGeom>
+            <a:solidFill>
+              <a:srgbClr val="23DEB4"/>
+            </a:solidFill>
+            <a:ln>
+              <a:noFill/>
+            </a:ln>
+          </p:spPr>
+          <p:style>
+            <a:lnRef idx="2">
+              <a:schemeClr val="accent1">
+                <a:shade val="50000"/>
+              </a:schemeClr>
+            </a:lnRef>
+            <a:fillRef idx="1">
+              <a:schemeClr val="accent1"/>
+            </a:fillRef>
+            <a:effectRef idx="0">
+              <a:schemeClr val="accent1"/>
+            </a:effectRef>
+            <a:fontRef idx="minor">
+              <a:schemeClr val="lt1"/>
+            </a:fontRef>
+          </p:style>
+          <p:txBody>
+            <a:bodyPr rtlCol="0" anchor="ctr"/>
+            <a:lstStyle/>
+            <a:p>
+              <a:pPr algn="ctr"/>
+              <a:endParaRPr lang="ko-KR" altLang="en-US"/>
+            </a:p>
+          </p:txBody>
+        </p:sp>
+        <p:sp>
+          <p:nvSpPr>
+            <p:cNvPr id="21" name="직사각형 20">
+              <a:extLst>
+                <a:ext uri="{FF2B5EF4-FFF2-40B4-BE49-F238E27FC236}">
+                  <a16:creationId xmlns:a16="http://schemas.microsoft.com/office/drawing/2014/main" id="{2B8FF4FB-B302-4908-AFCE-9AFE0771ED98}"/>
+                </a:ext>
+              </a:extLst>
+            </p:cNvPr>
+            <p:cNvSpPr/>
+            <p:nvPr/>
+          </p:nvSpPr>
+          <p:spPr>
+            <a:xfrm>
+              <a:off x="2463279" y="615808"/>
+              <a:ext cx="615820" cy="615817"/>
+            </a:xfrm>
+            <a:prstGeom prst="rect">
+              <a:avLst/>
+            </a:prstGeom>
+            <a:solidFill>
+              <a:srgbClr val="3EE2BD"/>
+            </a:solidFill>
+            <a:ln>
+              <a:noFill/>
+            </a:ln>
+          </p:spPr>
+          <p:style>
+            <a:lnRef idx="2">
+              <a:schemeClr val="accent1">
+                <a:shade val="50000"/>
+              </a:schemeClr>
+            </a:lnRef>
+            <a:fillRef idx="1">
+              <a:schemeClr val="accent1"/>
+            </a:fillRef>
+            <a:effectRef idx="0">
+              <a:schemeClr val="accent1"/>
+            </a:effectRef>
+            <a:fontRef idx="minor">
+              <a:schemeClr val="lt1"/>
+            </a:fontRef>
+          </p:style>
+          <p:txBody>
+            <a:bodyPr rtlCol="0" anchor="ctr"/>
+            <a:lstStyle/>
+            <a:p>
+              <a:pPr algn="ctr"/>
+              <a:endParaRPr lang="ko-KR" altLang="en-US"/>
+            </a:p>
+          </p:txBody>
+        </p:sp>
+        <p:sp>
+          <p:nvSpPr>
+            <p:cNvPr id="22" name="직사각형 21">
+              <a:extLst>
+                <a:ext uri="{FF2B5EF4-FFF2-40B4-BE49-F238E27FC236}">
+                  <a16:creationId xmlns:a16="http://schemas.microsoft.com/office/drawing/2014/main" id="{DA3DF4B6-6B71-43D6-9163-3FDEABCD1019}"/>
+                </a:ext>
+              </a:extLst>
+            </p:cNvPr>
+            <p:cNvSpPr/>
+            <p:nvPr/>
+          </p:nvSpPr>
+          <p:spPr>
+            <a:xfrm>
+              <a:off x="3079099" y="615808"/>
+              <a:ext cx="615820" cy="615817"/>
+            </a:xfrm>
+            <a:prstGeom prst="rect">
+              <a:avLst/>
+            </a:prstGeom>
+            <a:solidFill>
+              <a:srgbClr val="23DEB4"/>
+            </a:solidFill>
+            <a:ln>
+              <a:noFill/>
+            </a:ln>
+          </p:spPr>
+          <p:style>
+            <a:lnRef idx="2">
+              <a:schemeClr val="accent1">
+                <a:shade val="50000"/>
+              </a:schemeClr>
+            </a:lnRef>
+            <a:fillRef idx="1">
+              <a:schemeClr val="accent1"/>
+            </a:fillRef>
+            <a:effectRef idx="0">
+              <a:schemeClr val="accent1"/>
+            </a:effectRef>
+            <a:fontRef idx="minor">
+              <a:schemeClr val="lt1"/>
+            </a:fontRef>
+          </p:style>
+          <p:txBody>
+            <a:bodyPr rtlCol="0" anchor="ctr"/>
+            <a:lstStyle/>
+            <a:p>
+              <a:pPr algn="ctr"/>
+              <a:endParaRPr lang="ko-KR" altLang="en-US"/>
+            </a:p>
+          </p:txBody>
+        </p:sp>
+        <p:sp>
+          <p:nvSpPr>
+            <p:cNvPr id="23" name="직사각형 22">
+              <a:extLst>
+                <a:ext uri="{FF2B5EF4-FFF2-40B4-BE49-F238E27FC236}">
+                  <a16:creationId xmlns:a16="http://schemas.microsoft.com/office/drawing/2014/main" id="{5B9BFF14-2501-4C29-9571-3D2753A76D6C}"/>
+                </a:ext>
+              </a:extLst>
+            </p:cNvPr>
+            <p:cNvSpPr/>
+            <p:nvPr/>
+          </p:nvSpPr>
+          <p:spPr>
+            <a:xfrm>
+              <a:off x="3694919" y="615808"/>
+              <a:ext cx="615820" cy="615817"/>
+            </a:xfrm>
+            <a:prstGeom prst="rect">
+              <a:avLst/>
+            </a:prstGeom>
+            <a:solidFill>
+              <a:srgbClr val="3EE2BD"/>
+            </a:solidFill>
+            <a:ln>
+              <a:noFill/>
+            </a:ln>
+          </p:spPr>
+          <p:style>
+            <a:lnRef idx="2">
+              <a:schemeClr val="accent1">
+                <a:shade val="50000"/>
+              </a:schemeClr>
+            </a:lnRef>
+            <a:fillRef idx="1">
+              <a:schemeClr val="accent1"/>
+            </a:fillRef>
+            <a:effectRef idx="0">
+              <a:schemeClr val="accent1"/>
+            </a:effectRef>
+            <a:fontRef idx="minor">
+              <a:schemeClr val="lt1"/>
+            </a:fontRef>
+          </p:style>
+          <p:txBody>
+            <a:bodyPr rtlCol="0" anchor="ctr"/>
+            <a:lstStyle/>
+            <a:p>
+              <a:pPr algn="ctr"/>
+              <a:endParaRPr lang="ko-KR" altLang="en-US"/>
+            </a:p>
+          </p:txBody>
+        </p:sp>
+        <p:sp>
+          <p:nvSpPr>
+            <p:cNvPr id="24" name="직사각형 23">
+              <a:extLst>
+                <a:ext uri="{FF2B5EF4-FFF2-40B4-BE49-F238E27FC236}">
+                  <a16:creationId xmlns:a16="http://schemas.microsoft.com/office/drawing/2014/main" id="{C17A7CDE-A1F2-4D34-8FE2-2B6D90DCE97B}"/>
+                </a:ext>
+              </a:extLst>
+            </p:cNvPr>
+            <p:cNvSpPr/>
+            <p:nvPr/>
+          </p:nvSpPr>
+          <p:spPr>
+            <a:xfrm>
+              <a:off x="4310737" y="615808"/>
+              <a:ext cx="615820" cy="615817"/>
+            </a:xfrm>
+            <a:prstGeom prst="rect">
+              <a:avLst/>
+            </a:prstGeom>
+            <a:solidFill>
+              <a:srgbClr val="23DEB4"/>
+            </a:solidFill>
+            <a:ln>
+              <a:noFill/>
+            </a:ln>
+          </p:spPr>
+          <p:style>
+            <a:lnRef idx="2">
+              <a:schemeClr val="accent1">
+                <a:shade val="50000"/>
+              </a:schemeClr>
+            </a:lnRef>
+            <a:fillRef idx="1">
+              <a:schemeClr val="accent1"/>
+            </a:fillRef>
+            <a:effectRef idx="0">
+              <a:schemeClr val="accent1"/>
+            </a:effectRef>
+            <a:fontRef idx="minor">
+              <a:schemeClr val="lt1"/>
+            </a:fontRef>
+          </p:style>
+          <p:txBody>
+            <a:bodyPr rtlCol="0" anchor="ctr"/>
+            <a:lstStyle/>
+            <a:p>
+              <a:pPr algn="ctr"/>
+              <a:endParaRPr lang="ko-KR" altLang="en-US"/>
+            </a:p>
+          </p:txBody>
+        </p:sp>
+        <p:sp>
+          <p:nvSpPr>
+            <p:cNvPr id="25" name="직사각형 24">
+              <a:extLst>
+                <a:ext uri="{FF2B5EF4-FFF2-40B4-BE49-F238E27FC236}">
+                  <a16:creationId xmlns:a16="http://schemas.microsoft.com/office/drawing/2014/main" id="{78AFCF09-4E0A-49D5-935B-391D4F6F3CF3}"/>
+                </a:ext>
+              </a:extLst>
+            </p:cNvPr>
+            <p:cNvSpPr/>
+            <p:nvPr/>
+          </p:nvSpPr>
+          <p:spPr>
+            <a:xfrm>
+              <a:off x="4926557" y="615808"/>
+              <a:ext cx="615820" cy="615817"/>
+            </a:xfrm>
+            <a:prstGeom prst="rect">
+              <a:avLst/>
+            </a:prstGeom>
+            <a:solidFill>
+              <a:srgbClr val="3EE2BD"/>
+            </a:solidFill>
+            <a:ln>
+              <a:noFill/>
+            </a:ln>
+          </p:spPr>
+          <p:style>
+            <a:lnRef idx="2">
+              <a:schemeClr val="accent1">
+                <a:shade val="50000"/>
+              </a:schemeClr>
+            </a:lnRef>
+            <a:fillRef idx="1">
+              <a:schemeClr val="accent1"/>
+            </a:fillRef>
+            <a:effectRef idx="0">
+              <a:schemeClr val="accent1"/>
+            </a:effectRef>
+            <a:fontRef idx="minor">
+              <a:schemeClr val="lt1"/>
+            </a:fontRef>
+          </p:style>
+          <p:txBody>
+            <a:bodyPr rtlCol="0" anchor="ctr"/>
+            <a:lstStyle/>
+            <a:p>
+              <a:pPr algn="ctr"/>
+              <a:endParaRPr lang="ko-KR" altLang="en-US"/>
+            </a:p>
+          </p:txBody>
+        </p:sp>
+        <p:sp>
+          <p:nvSpPr>
+            <p:cNvPr id="26" name="직사각형 25">
+              <a:extLst>
+                <a:ext uri="{FF2B5EF4-FFF2-40B4-BE49-F238E27FC236}">
+                  <a16:creationId xmlns:a16="http://schemas.microsoft.com/office/drawing/2014/main" id="{D0A39CFF-12E6-47A3-93A8-D1EE740BBB97}"/>
+                </a:ext>
+              </a:extLst>
+            </p:cNvPr>
+            <p:cNvSpPr/>
+            <p:nvPr/>
+          </p:nvSpPr>
+          <p:spPr>
+            <a:xfrm>
+              <a:off x="5542377" y="615808"/>
+              <a:ext cx="615820" cy="615817"/>
+            </a:xfrm>
+            <a:prstGeom prst="rect">
+              <a:avLst/>
+            </a:prstGeom>
+            <a:solidFill>
+              <a:srgbClr val="23DEB4"/>
+            </a:solidFill>
+            <a:ln>
+              <a:noFill/>
+            </a:ln>
+          </p:spPr>
+          <p:style>
+            <a:lnRef idx="2">
+              <a:schemeClr val="accent1">
+                <a:shade val="50000"/>
+              </a:schemeClr>
+            </a:lnRef>
+            <a:fillRef idx="1">
+              <a:schemeClr val="accent1"/>
+            </a:fillRef>
+            <a:effectRef idx="0">
+              <a:schemeClr val="accent1"/>
+            </a:effectRef>
+            <a:fontRef idx="minor">
+              <a:schemeClr val="lt1"/>
+            </a:fontRef>
+          </p:style>
+          <p:txBody>
+            <a:bodyPr rtlCol="0" anchor="ctr"/>
+            <a:lstStyle/>
+            <a:p>
+              <a:pPr algn="ctr"/>
+              <a:endParaRPr lang="ko-KR" altLang="en-US"/>
+            </a:p>
+          </p:txBody>
+        </p:sp>
+        <p:sp>
+          <p:nvSpPr>
+            <p:cNvPr id="27" name="직사각형 26">
+              <a:extLst>
+                <a:ext uri="{FF2B5EF4-FFF2-40B4-BE49-F238E27FC236}">
+                  <a16:creationId xmlns:a16="http://schemas.microsoft.com/office/drawing/2014/main" id="{322ACEC0-BB21-460D-A29F-B33EE9717976}"/>
+                </a:ext>
+              </a:extLst>
+            </p:cNvPr>
+            <p:cNvSpPr/>
+            <p:nvPr/>
+          </p:nvSpPr>
+          <p:spPr>
+            <a:xfrm>
+              <a:off x="6158197" y="615808"/>
+              <a:ext cx="615820" cy="615817"/>
+            </a:xfrm>
+            <a:prstGeom prst="rect">
+              <a:avLst/>
+            </a:prstGeom>
+            <a:solidFill>
+              <a:srgbClr val="3EE2BD"/>
+            </a:solidFill>
+            <a:ln>
+              <a:noFill/>
+            </a:ln>
+          </p:spPr>
+          <p:style>
+            <a:lnRef idx="2">
+              <a:schemeClr val="accent1">
+                <a:shade val="50000"/>
+              </a:schemeClr>
+            </a:lnRef>
+            <a:fillRef idx="1">
+              <a:schemeClr val="accent1"/>
+            </a:fillRef>
+            <a:effectRef idx="0">
+              <a:schemeClr val="accent1"/>
+            </a:effectRef>
+            <a:fontRef idx="minor">
+              <a:schemeClr val="lt1"/>
+            </a:fontRef>
+          </p:style>
+          <p:txBody>
+            <a:bodyPr rtlCol="0" anchor="ctr"/>
+            <a:lstStyle/>
+            <a:p>
+              <a:pPr algn="ctr"/>
+              <a:endParaRPr lang="ko-KR" altLang="en-US"/>
+            </a:p>
+          </p:txBody>
+        </p:sp>
+        <p:sp>
+          <p:nvSpPr>
+            <p:cNvPr id="28" name="직사각형 27">
+              <a:extLst>
+                <a:ext uri="{FF2B5EF4-FFF2-40B4-BE49-F238E27FC236}">
+                  <a16:creationId xmlns:a16="http://schemas.microsoft.com/office/drawing/2014/main" id="{208EE40A-297B-49CA-B8B7-1E470EF1F984}"/>
+                </a:ext>
+              </a:extLst>
+            </p:cNvPr>
+            <p:cNvSpPr/>
+            <p:nvPr/>
+          </p:nvSpPr>
+          <p:spPr>
+            <a:xfrm>
+              <a:off x="6774016" y="615808"/>
+              <a:ext cx="615820" cy="615817"/>
+            </a:xfrm>
+            <a:prstGeom prst="rect">
+              <a:avLst/>
+            </a:prstGeom>
+            <a:solidFill>
+              <a:srgbClr val="23DEB4"/>
+            </a:solidFill>
+            <a:ln>
+              <a:noFill/>
+            </a:ln>
+          </p:spPr>
+          <p:style>
+            <a:lnRef idx="2">
+              <a:schemeClr val="accent1">
+                <a:shade val="50000"/>
+              </a:schemeClr>
+            </a:lnRef>
+            <a:fillRef idx="1">
+              <a:schemeClr val="accent1"/>
+            </a:fillRef>
+            <a:effectRef idx="0">
+              <a:schemeClr val="accent1"/>
+            </a:effectRef>
+            <a:fontRef idx="minor">
+              <a:schemeClr val="lt1"/>
+            </a:fontRef>
+          </p:style>
+          <p:txBody>
+            <a:bodyPr rtlCol="0" anchor="ctr"/>
+            <a:lstStyle/>
+            <a:p>
+              <a:pPr algn="ctr"/>
+              <a:endParaRPr lang="ko-KR" altLang="en-US"/>
+            </a:p>
+          </p:txBody>
+        </p:sp>
+        <p:sp>
+          <p:nvSpPr>
+            <p:cNvPr id="29" name="직사각형 28">
+              <a:extLst>
+                <a:ext uri="{FF2B5EF4-FFF2-40B4-BE49-F238E27FC236}">
+                  <a16:creationId xmlns:a16="http://schemas.microsoft.com/office/drawing/2014/main" id="{C7143B57-EF70-4DF1-9F73-C926FC5F9B3C}"/>
+                </a:ext>
+              </a:extLst>
+            </p:cNvPr>
+            <p:cNvSpPr/>
+            <p:nvPr/>
+          </p:nvSpPr>
+          <p:spPr>
+            <a:xfrm>
+              <a:off x="0" y="615808"/>
+              <a:ext cx="615820" cy="615817"/>
+            </a:xfrm>
+            <a:prstGeom prst="rect">
+              <a:avLst/>
+            </a:prstGeom>
+            <a:solidFill>
+              <a:srgbClr val="3EE2BD"/>
+            </a:solidFill>
+            <a:ln>
+              <a:noFill/>
+            </a:ln>
+          </p:spPr>
+          <p:style>
+            <a:lnRef idx="2">
+              <a:schemeClr val="accent1">
+                <a:shade val="50000"/>
+              </a:schemeClr>
+            </a:lnRef>
+            <a:fillRef idx="1">
+              <a:schemeClr val="accent1"/>
+            </a:fillRef>
+            <a:effectRef idx="0">
+              <a:schemeClr val="accent1"/>
+            </a:effectRef>
+            <a:fontRef idx="minor">
+              <a:schemeClr val="lt1"/>
+            </a:fontRef>
+          </p:style>
+          <p:txBody>
+            <a:bodyPr rtlCol="0" anchor="ctr"/>
+            <a:lstStyle/>
+            <a:p>
+              <a:pPr algn="ctr"/>
+              <a:endParaRPr lang="ko-KR" altLang="en-US"/>
+            </a:p>
+          </p:txBody>
+        </p:sp>
+        <p:sp>
+          <p:nvSpPr>
+            <p:cNvPr id="30" name="직사각형 29">
+              <a:extLst>
+                <a:ext uri="{FF2B5EF4-FFF2-40B4-BE49-F238E27FC236}">
+                  <a16:creationId xmlns:a16="http://schemas.microsoft.com/office/drawing/2014/main" id="{C17A882E-23D8-43D9-BF7A-EF421764315D}"/>
+                </a:ext>
+              </a:extLst>
+            </p:cNvPr>
+            <p:cNvSpPr/>
+            <p:nvPr/>
+          </p:nvSpPr>
+          <p:spPr>
+            <a:xfrm>
+              <a:off x="0" y="1231625"/>
+              <a:ext cx="615820" cy="615817"/>
+            </a:xfrm>
+            <a:prstGeom prst="rect">
+              <a:avLst/>
+            </a:prstGeom>
+            <a:solidFill>
+              <a:srgbClr val="23DEB4"/>
+            </a:solidFill>
+            <a:ln>
+              <a:noFill/>
+            </a:ln>
+          </p:spPr>
+          <p:style>
+            <a:lnRef idx="2">
+              <a:schemeClr val="accent1">
+                <a:shade val="50000"/>
+              </a:schemeClr>
+            </a:lnRef>
+            <a:fillRef idx="1">
+              <a:schemeClr val="accent1"/>
+            </a:fillRef>
+            <a:effectRef idx="0">
+              <a:schemeClr val="accent1"/>
+            </a:effectRef>
+            <a:fontRef idx="minor">
+              <a:schemeClr val="lt1"/>
+            </a:fontRef>
+          </p:style>
+          <p:txBody>
+            <a:bodyPr rtlCol="0" anchor="ctr"/>
+            <a:lstStyle/>
+            <a:p>
+              <a:pPr algn="ctr"/>
+              <a:endParaRPr lang="ko-KR" altLang="en-US"/>
+            </a:p>
+          </p:txBody>
+        </p:sp>
+        <p:sp>
+          <p:nvSpPr>
+            <p:cNvPr id="31" name="직사각형 30">
+              <a:extLst>
+                <a:ext uri="{FF2B5EF4-FFF2-40B4-BE49-F238E27FC236}">
+                  <a16:creationId xmlns:a16="http://schemas.microsoft.com/office/drawing/2014/main" id="{ABD438A7-528A-4052-9EA7-0B8EAD7A56AF}"/>
+                </a:ext>
+              </a:extLst>
+            </p:cNvPr>
+            <p:cNvSpPr/>
+            <p:nvPr/>
+          </p:nvSpPr>
+          <p:spPr>
+            <a:xfrm>
+              <a:off x="615820" y="1231625"/>
+              <a:ext cx="615820" cy="615817"/>
+            </a:xfrm>
+            <a:prstGeom prst="rect">
+              <a:avLst/>
+            </a:prstGeom>
+            <a:solidFill>
+              <a:srgbClr val="3EE2BD"/>
+            </a:solidFill>
+            <a:ln>
+              <a:noFill/>
+            </a:ln>
+          </p:spPr>
+          <p:style>
+            <a:lnRef idx="2">
+              <a:schemeClr val="accent1">
+                <a:shade val="50000"/>
+              </a:schemeClr>
+            </a:lnRef>
+            <a:fillRef idx="1">
+              <a:schemeClr val="accent1"/>
+            </a:fillRef>
+            <a:effectRef idx="0">
+              <a:schemeClr val="accent1"/>
+            </a:effectRef>
+            <a:fontRef idx="minor">
+              <a:schemeClr val="lt1"/>
+            </a:fontRef>
+          </p:style>
+          <p:txBody>
+            <a:bodyPr rtlCol="0" anchor="ctr"/>
+            <a:lstStyle/>
+            <a:p>
+              <a:pPr algn="ctr"/>
+              <a:endParaRPr lang="ko-KR" altLang="en-US"/>
+            </a:p>
+          </p:txBody>
+        </p:sp>
+        <p:sp>
+          <p:nvSpPr>
+            <p:cNvPr id="32" name="직사각형 31">
+              <a:extLst>
+                <a:ext uri="{FF2B5EF4-FFF2-40B4-BE49-F238E27FC236}">
+                  <a16:creationId xmlns:a16="http://schemas.microsoft.com/office/drawing/2014/main" id="{FB5C0721-4ACD-402E-9338-88D43072C47D}"/>
+                </a:ext>
+              </a:extLst>
+            </p:cNvPr>
+            <p:cNvSpPr/>
+            <p:nvPr/>
+          </p:nvSpPr>
+          <p:spPr>
+            <a:xfrm>
+              <a:off x="1231640" y="1231625"/>
+              <a:ext cx="615820" cy="615817"/>
+            </a:xfrm>
+            <a:prstGeom prst="rect">
+              <a:avLst/>
+            </a:prstGeom>
+            <a:solidFill>
+              <a:srgbClr val="23DEB4"/>
+            </a:solidFill>
+            <a:ln>
+              <a:noFill/>
+            </a:ln>
+          </p:spPr>
+          <p:style>
+            <a:lnRef idx="2">
+              <a:schemeClr val="accent1">
+                <a:shade val="50000"/>
+              </a:schemeClr>
+            </a:lnRef>
+            <a:fillRef idx="1">
+              <a:schemeClr val="accent1"/>
+            </a:fillRef>
+            <a:effectRef idx="0">
+              <a:schemeClr val="accent1"/>
+            </a:effectRef>
+            <a:fontRef idx="minor">
+              <a:schemeClr val="lt1"/>
+            </a:fontRef>
+          </p:style>
+          <p:txBody>
+            <a:bodyPr rtlCol="0" anchor="ctr"/>
+            <a:lstStyle/>
+            <a:p>
+              <a:pPr algn="ctr"/>
+              <a:endParaRPr lang="ko-KR" altLang="en-US"/>
+            </a:p>
+          </p:txBody>
+        </p:sp>
+        <p:sp>
+          <p:nvSpPr>
+            <p:cNvPr id="33" name="직사각형 32">
+              <a:extLst>
+                <a:ext uri="{FF2B5EF4-FFF2-40B4-BE49-F238E27FC236}">
+                  <a16:creationId xmlns:a16="http://schemas.microsoft.com/office/drawing/2014/main" id="{3F1AD95F-A43A-45D5-9BC6-035A51F2661A}"/>
+                </a:ext>
+              </a:extLst>
+            </p:cNvPr>
+            <p:cNvSpPr/>
+            <p:nvPr/>
+          </p:nvSpPr>
+          <p:spPr>
+            <a:xfrm>
+              <a:off x="1847459" y="1231625"/>
+              <a:ext cx="615820" cy="615817"/>
+            </a:xfrm>
+            <a:prstGeom prst="rect">
+              <a:avLst/>
+            </a:prstGeom>
+            <a:solidFill>
+              <a:srgbClr val="3EE2BD"/>
+            </a:solidFill>
+            <a:ln>
+              <a:noFill/>
+            </a:ln>
+          </p:spPr>
+          <p:style>
+            <a:lnRef idx="2">
+              <a:schemeClr val="accent1">
+                <a:shade val="50000"/>
+              </a:schemeClr>
+            </a:lnRef>
+            <a:fillRef idx="1">
+              <a:schemeClr val="accent1"/>
+            </a:fillRef>
+            <a:effectRef idx="0">
+              <a:schemeClr val="accent1"/>
+            </a:effectRef>
+            <a:fontRef idx="minor">
+              <a:schemeClr val="lt1"/>
+            </a:fontRef>
+          </p:style>
+          <p:txBody>
+            <a:bodyPr rtlCol="0" anchor="ctr"/>
+            <a:lstStyle/>
+            <a:p>
+              <a:pPr algn="ctr"/>
+              <a:endParaRPr lang="ko-KR" altLang="en-US"/>
+            </a:p>
+          </p:txBody>
+        </p:sp>
+        <p:sp>
+          <p:nvSpPr>
+            <p:cNvPr id="34" name="직사각형 33">
+              <a:extLst>
+                <a:ext uri="{FF2B5EF4-FFF2-40B4-BE49-F238E27FC236}">
+                  <a16:creationId xmlns:a16="http://schemas.microsoft.com/office/drawing/2014/main" id="{9E55AE0D-A5B4-4A2E-AE96-DA1A52A7FC25}"/>
+                </a:ext>
+              </a:extLst>
+            </p:cNvPr>
+            <p:cNvSpPr/>
+            <p:nvPr/>
+          </p:nvSpPr>
+          <p:spPr>
+            <a:xfrm>
+              <a:off x="2463279" y="1231625"/>
+              <a:ext cx="615820" cy="615817"/>
+            </a:xfrm>
+            <a:prstGeom prst="rect">
+              <a:avLst/>
+            </a:prstGeom>
+            <a:solidFill>
+              <a:srgbClr val="23DEB4"/>
+            </a:solidFill>
+            <a:ln>
+              <a:noFill/>
+            </a:ln>
+          </p:spPr>
+          <p:style>
+            <a:lnRef idx="2">
+              <a:schemeClr val="accent1">
+                <a:shade val="50000"/>
+              </a:schemeClr>
+            </a:lnRef>
+            <a:fillRef idx="1">
+              <a:schemeClr val="accent1"/>
+            </a:fillRef>
+            <a:effectRef idx="0">
+              <a:schemeClr val="accent1"/>
+            </a:effectRef>
+            <a:fontRef idx="minor">
+              <a:schemeClr val="lt1"/>
+            </a:fontRef>
+          </p:style>
+          <p:txBody>
+            <a:bodyPr rtlCol="0" anchor="ctr"/>
+            <a:lstStyle/>
+            <a:p>
+              <a:pPr algn="ctr"/>
+              <a:endParaRPr lang="ko-KR" altLang="en-US"/>
+            </a:p>
+          </p:txBody>
+        </p:sp>
+        <p:sp>
+          <p:nvSpPr>
+            <p:cNvPr id="35" name="직사각형 34">
+              <a:extLst>
+                <a:ext uri="{FF2B5EF4-FFF2-40B4-BE49-F238E27FC236}">
+                  <a16:creationId xmlns:a16="http://schemas.microsoft.com/office/drawing/2014/main" id="{D14F8BE2-7425-46B5-A1AB-EABF45EEAE88}"/>
+                </a:ext>
+              </a:extLst>
+            </p:cNvPr>
+            <p:cNvSpPr/>
+            <p:nvPr/>
+          </p:nvSpPr>
+          <p:spPr>
+            <a:xfrm>
+              <a:off x="3079099" y="1231625"/>
+              <a:ext cx="615820" cy="615817"/>
+            </a:xfrm>
+            <a:prstGeom prst="rect">
+              <a:avLst/>
+            </a:prstGeom>
+            <a:solidFill>
+              <a:srgbClr val="3EE2BD"/>
+            </a:solidFill>
+            <a:ln>
+              <a:noFill/>
+            </a:ln>
+          </p:spPr>
+          <p:style>
+            <a:lnRef idx="2">
+              <a:schemeClr val="accent1">
+                <a:shade val="50000"/>
+              </a:schemeClr>
+            </a:lnRef>
+            <a:fillRef idx="1">
+              <a:schemeClr val="accent1"/>
+            </a:fillRef>
+            <a:effectRef idx="0">
+              <a:schemeClr val="accent1"/>
+            </a:effectRef>
+            <a:fontRef idx="minor">
+              <a:schemeClr val="lt1"/>
+            </a:fontRef>
+          </p:style>
+          <p:txBody>
+            <a:bodyPr rtlCol="0" anchor="ctr"/>
+            <a:lstStyle/>
+            <a:p>
+              <a:pPr algn="ctr"/>
+              <a:endParaRPr lang="ko-KR" altLang="en-US"/>
+            </a:p>
+          </p:txBody>
+        </p:sp>
+        <p:sp>
+          <p:nvSpPr>
+            <p:cNvPr id="36" name="직사각형 35">
+              <a:extLst>
+                <a:ext uri="{FF2B5EF4-FFF2-40B4-BE49-F238E27FC236}">
+                  <a16:creationId xmlns:a16="http://schemas.microsoft.com/office/drawing/2014/main" id="{7F5F5E83-3799-4418-AF45-8E05BAF38746}"/>
+                </a:ext>
+              </a:extLst>
+            </p:cNvPr>
+            <p:cNvSpPr/>
+            <p:nvPr/>
+          </p:nvSpPr>
+          <p:spPr>
+            <a:xfrm>
+              <a:off x="3694919" y="1231625"/>
+              <a:ext cx="615820" cy="615817"/>
+            </a:xfrm>
+            <a:prstGeom prst="rect">
+              <a:avLst/>
+            </a:prstGeom>
+            <a:solidFill>
+              <a:srgbClr val="23DEB4"/>
+            </a:solidFill>
+            <a:ln>
+              <a:noFill/>
+            </a:ln>
+          </p:spPr>
+          <p:style>
+            <a:lnRef idx="2">
+              <a:schemeClr val="accent1">
+                <a:shade val="50000"/>
+              </a:schemeClr>
+            </a:lnRef>
+            <a:fillRef idx="1">
+              <a:schemeClr val="accent1"/>
+            </a:fillRef>
+            <a:effectRef idx="0">
+              <a:schemeClr val="accent1"/>
+            </a:effectRef>
+            <a:fontRef idx="minor">
+              <a:schemeClr val="lt1"/>
+            </a:fontRef>
+          </p:style>
+          <p:txBody>
+            <a:bodyPr rtlCol="0" anchor="ctr"/>
+            <a:lstStyle/>
+            <a:p>
+              <a:pPr algn="ctr"/>
+              <a:endParaRPr lang="ko-KR" altLang="en-US"/>
+            </a:p>
+          </p:txBody>
+        </p:sp>
+        <p:sp>
+          <p:nvSpPr>
+            <p:cNvPr id="37" name="직사각형 36">
+              <a:extLst>
+                <a:ext uri="{FF2B5EF4-FFF2-40B4-BE49-F238E27FC236}">
+                  <a16:creationId xmlns:a16="http://schemas.microsoft.com/office/drawing/2014/main" id="{5D9EA490-1202-4B6A-8690-3813E8105FCC}"/>
+                </a:ext>
+              </a:extLst>
+            </p:cNvPr>
+            <p:cNvSpPr/>
+            <p:nvPr/>
+          </p:nvSpPr>
+          <p:spPr>
+            <a:xfrm>
+              <a:off x="4310737" y="1231625"/>
+              <a:ext cx="615820" cy="615817"/>
+            </a:xfrm>
+            <a:prstGeom prst="rect">
+              <a:avLst/>
+            </a:prstGeom>
+            <a:solidFill>
+              <a:srgbClr val="3EE2BD"/>
+            </a:solidFill>
+            <a:ln>
+              <a:noFill/>
+            </a:ln>
+          </p:spPr>
+          <p:style>
+            <a:lnRef idx="2">
+              <a:schemeClr val="accent1">
+                <a:shade val="50000"/>
+              </a:schemeClr>
+            </a:lnRef>
+            <a:fillRef idx="1">
+              <a:schemeClr val="accent1"/>
+            </a:fillRef>
+            <a:effectRef idx="0">
+              <a:schemeClr val="accent1"/>
+            </a:effectRef>
+            <a:fontRef idx="minor">
+              <a:schemeClr val="lt1"/>
+            </a:fontRef>
+          </p:style>
+          <p:txBody>
+            <a:bodyPr rtlCol="0" anchor="ctr"/>
+            <a:lstStyle/>
+            <a:p>
+              <a:pPr algn="ctr"/>
+              <a:endParaRPr lang="ko-KR" altLang="en-US"/>
+            </a:p>
+          </p:txBody>
+        </p:sp>
+        <p:sp>
+          <p:nvSpPr>
+            <p:cNvPr id="38" name="직사각형 37">
+              <a:extLst>
+                <a:ext uri="{FF2B5EF4-FFF2-40B4-BE49-F238E27FC236}">
+                  <a16:creationId xmlns:a16="http://schemas.microsoft.com/office/drawing/2014/main" id="{5450C869-0EC1-4207-B217-1D845CD2ED0C}"/>
+                </a:ext>
+              </a:extLst>
+            </p:cNvPr>
+            <p:cNvSpPr/>
+            <p:nvPr/>
+          </p:nvSpPr>
+          <p:spPr>
+            <a:xfrm>
+              <a:off x="4926557" y="1231625"/>
+              <a:ext cx="615820" cy="615817"/>
+            </a:xfrm>
+            <a:prstGeom prst="rect">
+              <a:avLst/>
+            </a:prstGeom>
+            <a:solidFill>
+              <a:srgbClr val="23DEB4"/>
+            </a:solidFill>
+            <a:ln>
+              <a:noFill/>
+            </a:ln>
+          </p:spPr>
+          <p:style>
+            <a:lnRef idx="2">
+              <a:schemeClr val="accent1">
+                <a:shade val="50000"/>
+              </a:schemeClr>
+            </a:lnRef>
+            <a:fillRef idx="1">
+              <a:schemeClr val="accent1"/>
+            </a:fillRef>
+            <a:effectRef idx="0">
+              <a:schemeClr val="accent1"/>
+            </a:effectRef>
+            <a:fontRef idx="minor">
+              <a:schemeClr val="lt1"/>
+            </a:fontRef>
+          </p:style>
+          <p:txBody>
+            <a:bodyPr rtlCol="0" anchor="ctr"/>
+            <a:lstStyle/>
+            <a:p>
+              <a:pPr algn="ctr"/>
+              <a:endParaRPr lang="ko-KR" altLang="en-US"/>
+            </a:p>
+          </p:txBody>
+        </p:sp>
+        <p:sp>
+          <p:nvSpPr>
+            <p:cNvPr id="39" name="직사각형 38">
+              <a:extLst>
+                <a:ext uri="{FF2B5EF4-FFF2-40B4-BE49-F238E27FC236}">
+                  <a16:creationId xmlns:a16="http://schemas.microsoft.com/office/drawing/2014/main" id="{DB32A92F-FC76-476C-95FC-2DBFBA906928}"/>
+                </a:ext>
+              </a:extLst>
+            </p:cNvPr>
+            <p:cNvSpPr/>
+            <p:nvPr/>
+          </p:nvSpPr>
+          <p:spPr>
+            <a:xfrm>
+              <a:off x="5542377" y="1231625"/>
+              <a:ext cx="615820" cy="615817"/>
+            </a:xfrm>
+            <a:prstGeom prst="rect">
+              <a:avLst/>
+            </a:prstGeom>
+            <a:solidFill>
+              <a:srgbClr val="3EE2BD"/>
+            </a:solidFill>
+            <a:ln>
+              <a:noFill/>
+            </a:ln>
+          </p:spPr>
+          <p:style>
+            <a:lnRef idx="2">
+              <a:schemeClr val="accent1">
+                <a:shade val="50000"/>
+              </a:schemeClr>
+            </a:lnRef>
+            <a:fillRef idx="1">
+              <a:schemeClr val="accent1"/>
+            </a:fillRef>
+            <a:effectRef idx="0">
+              <a:schemeClr val="accent1"/>
+            </a:effectRef>
+            <a:fontRef idx="minor">
+              <a:schemeClr val="lt1"/>
+            </a:fontRef>
+          </p:style>
+          <p:txBody>
+            <a:bodyPr rtlCol="0" anchor="ctr"/>
+            <a:lstStyle/>
+            <a:p>
+              <a:pPr algn="ctr"/>
+              <a:endParaRPr lang="ko-KR" altLang="en-US"/>
+            </a:p>
+          </p:txBody>
+        </p:sp>
+        <p:sp>
+          <p:nvSpPr>
+            <p:cNvPr id="40" name="직사각형 39">
+              <a:extLst>
+                <a:ext uri="{FF2B5EF4-FFF2-40B4-BE49-F238E27FC236}">
+                  <a16:creationId xmlns:a16="http://schemas.microsoft.com/office/drawing/2014/main" id="{EE9650AD-384D-4386-B141-69C4D6D90E7E}"/>
+                </a:ext>
+              </a:extLst>
+            </p:cNvPr>
+            <p:cNvSpPr/>
+            <p:nvPr/>
+          </p:nvSpPr>
+          <p:spPr>
+            <a:xfrm>
+              <a:off x="6158197" y="1231625"/>
+              <a:ext cx="615820" cy="615817"/>
+            </a:xfrm>
+            <a:prstGeom prst="rect">
+              <a:avLst/>
+            </a:prstGeom>
+            <a:solidFill>
+              <a:srgbClr val="23DEB4"/>
+            </a:solidFill>
+            <a:ln>
+              <a:noFill/>
+            </a:ln>
+          </p:spPr>
+          <p:style>
+            <a:lnRef idx="2">
+              <a:schemeClr val="accent1">
+                <a:shade val="50000"/>
+              </a:schemeClr>
+            </a:lnRef>
+            <a:fillRef idx="1">
+              <a:schemeClr val="accent1"/>
+            </a:fillRef>
+            <a:effectRef idx="0">
+              <a:schemeClr val="accent1"/>
+            </a:effectRef>
+            <a:fontRef idx="minor">
+              <a:schemeClr val="lt1"/>
+            </a:fontRef>
+          </p:style>
+          <p:txBody>
+            <a:bodyPr rtlCol="0" anchor="ctr"/>
+            <a:lstStyle/>
+            <a:p>
+              <a:pPr algn="ctr"/>
+              <a:endParaRPr lang="ko-KR" altLang="en-US"/>
+            </a:p>
+          </p:txBody>
+        </p:sp>
+        <p:sp>
+          <p:nvSpPr>
+            <p:cNvPr id="41" name="직사각형 40">
+              <a:extLst>
+                <a:ext uri="{FF2B5EF4-FFF2-40B4-BE49-F238E27FC236}">
+                  <a16:creationId xmlns:a16="http://schemas.microsoft.com/office/drawing/2014/main" id="{08ECDF86-E33F-4E7A-92C6-B72FD187F06D}"/>
+                </a:ext>
+              </a:extLst>
+            </p:cNvPr>
+            <p:cNvSpPr/>
+            <p:nvPr/>
+          </p:nvSpPr>
+          <p:spPr>
+            <a:xfrm>
+              <a:off x="6774016" y="1231625"/>
+              <a:ext cx="615820" cy="615817"/>
+            </a:xfrm>
+            <a:prstGeom prst="rect">
+              <a:avLst/>
+            </a:prstGeom>
+            <a:solidFill>
+              <a:srgbClr val="3EE2BD"/>
+            </a:solidFill>
+            <a:ln>
+              <a:noFill/>
+            </a:ln>
+          </p:spPr>
+          <p:style>
+            <a:lnRef idx="2">
+              <a:schemeClr val="accent1">
+                <a:shade val="50000"/>
+              </a:schemeClr>
+            </a:lnRef>
+            <a:fillRef idx="1">
+              <a:schemeClr val="accent1"/>
+            </a:fillRef>
+            <a:effectRef idx="0">
+              <a:schemeClr val="accent1"/>
+            </a:effectRef>
+            <a:fontRef idx="minor">
+              <a:schemeClr val="lt1"/>
+            </a:fontRef>
+          </p:style>
+          <p:txBody>
+            <a:bodyPr rtlCol="0" anchor="ctr"/>
+            <a:lstStyle/>
+            <a:p>
+              <a:pPr algn="ctr"/>
+              <a:endParaRPr lang="ko-KR" altLang="en-US"/>
+            </a:p>
+          </p:txBody>
+        </p:sp>
+        <p:sp>
+          <p:nvSpPr>
+            <p:cNvPr id="42" name="직사각형 41">
+              <a:extLst>
+                <a:ext uri="{FF2B5EF4-FFF2-40B4-BE49-F238E27FC236}">
+                  <a16:creationId xmlns:a16="http://schemas.microsoft.com/office/drawing/2014/main" id="{06F9EF56-9EA0-4FDB-83D3-B3BD341404FF}"/>
+                </a:ext>
+              </a:extLst>
+            </p:cNvPr>
+            <p:cNvSpPr/>
+            <p:nvPr/>
+          </p:nvSpPr>
+          <p:spPr>
+            <a:xfrm>
+              <a:off x="615820" y="1847442"/>
+              <a:ext cx="615820" cy="615817"/>
+            </a:xfrm>
+            <a:prstGeom prst="rect">
+              <a:avLst/>
+            </a:prstGeom>
+            <a:solidFill>
+              <a:srgbClr val="23DEB4"/>
+            </a:solidFill>
+            <a:ln>
+              <a:noFill/>
+            </a:ln>
+          </p:spPr>
+          <p:style>
+            <a:lnRef idx="2">
+              <a:schemeClr val="accent1">
+                <a:shade val="50000"/>
+              </a:schemeClr>
+            </a:lnRef>
+            <a:fillRef idx="1">
+              <a:schemeClr val="accent1"/>
+            </a:fillRef>
+            <a:effectRef idx="0">
+              <a:schemeClr val="accent1"/>
+            </a:effectRef>
+            <a:fontRef idx="minor">
+              <a:schemeClr val="lt1"/>
+            </a:fontRef>
+          </p:style>
+          <p:txBody>
+            <a:bodyPr rtlCol="0" anchor="ctr"/>
+            <a:lstStyle/>
+            <a:p>
+              <a:pPr algn="ctr"/>
+              <a:endParaRPr lang="ko-KR" altLang="en-US"/>
+            </a:p>
+          </p:txBody>
+        </p:sp>
+        <p:sp>
+          <p:nvSpPr>
+            <p:cNvPr id="43" name="직사각형 42">
+              <a:extLst>
+                <a:ext uri="{FF2B5EF4-FFF2-40B4-BE49-F238E27FC236}">
+                  <a16:creationId xmlns:a16="http://schemas.microsoft.com/office/drawing/2014/main" id="{87655861-9519-408D-9390-57D7AC453997}"/>
+                </a:ext>
+              </a:extLst>
+            </p:cNvPr>
+            <p:cNvSpPr/>
+            <p:nvPr/>
+          </p:nvSpPr>
+          <p:spPr>
+            <a:xfrm>
+              <a:off x="1231640" y="1847442"/>
+              <a:ext cx="615820" cy="615817"/>
+            </a:xfrm>
+            <a:prstGeom prst="rect">
+              <a:avLst/>
+            </a:prstGeom>
+            <a:solidFill>
+              <a:srgbClr val="3EE2BD"/>
+            </a:solidFill>
+            <a:ln>
+              <a:noFill/>
+            </a:ln>
+          </p:spPr>
+          <p:style>
+            <a:lnRef idx="2">
+              <a:schemeClr val="accent1">
+                <a:shade val="50000"/>
+              </a:schemeClr>
+            </a:lnRef>
+            <a:fillRef idx="1">
+              <a:schemeClr val="accent1"/>
+            </a:fillRef>
+            <a:effectRef idx="0">
+              <a:schemeClr val="accent1"/>
+            </a:effectRef>
+            <a:fontRef idx="minor">
+              <a:schemeClr val="lt1"/>
+            </a:fontRef>
+          </p:style>
+          <p:txBody>
+            <a:bodyPr rtlCol="0" anchor="ctr"/>
+            <a:lstStyle/>
+            <a:p>
+              <a:pPr algn="ctr"/>
+              <a:endParaRPr lang="ko-KR" altLang="en-US"/>
+            </a:p>
+          </p:txBody>
+        </p:sp>
+        <p:sp>
+          <p:nvSpPr>
+            <p:cNvPr id="44" name="직사각형 43">
+              <a:extLst>
+                <a:ext uri="{FF2B5EF4-FFF2-40B4-BE49-F238E27FC236}">
+                  <a16:creationId xmlns:a16="http://schemas.microsoft.com/office/drawing/2014/main" id="{6FD40ACE-617C-411C-9944-6BFA7A8FA788}"/>
+                </a:ext>
+              </a:extLst>
+            </p:cNvPr>
+            <p:cNvSpPr/>
+            <p:nvPr/>
+          </p:nvSpPr>
+          <p:spPr>
+            <a:xfrm>
+              <a:off x="1847459" y="1847442"/>
+              <a:ext cx="615820" cy="615817"/>
+            </a:xfrm>
+            <a:prstGeom prst="rect">
+              <a:avLst/>
+            </a:prstGeom>
+            <a:solidFill>
+              <a:srgbClr val="23DEB4"/>
+            </a:solidFill>
+            <a:ln>
+              <a:noFill/>
+            </a:ln>
+          </p:spPr>
+          <p:style>
+            <a:lnRef idx="2">
+              <a:schemeClr val="accent1">
+                <a:shade val="50000"/>
+              </a:schemeClr>
+            </a:lnRef>
+            <a:fillRef idx="1">
+              <a:schemeClr val="accent1"/>
+            </a:fillRef>
+            <a:effectRef idx="0">
+              <a:schemeClr val="accent1"/>
+            </a:effectRef>
+            <a:fontRef idx="minor">
+              <a:schemeClr val="lt1"/>
+            </a:fontRef>
+          </p:style>
+          <p:txBody>
+            <a:bodyPr rtlCol="0" anchor="ctr"/>
+            <a:lstStyle/>
+            <a:p>
+              <a:pPr algn="ctr"/>
+              <a:endParaRPr lang="ko-KR" altLang="en-US"/>
+            </a:p>
+          </p:txBody>
+        </p:sp>
+        <p:sp>
+          <p:nvSpPr>
+            <p:cNvPr id="45" name="직사각형 44">
+              <a:extLst>
+                <a:ext uri="{FF2B5EF4-FFF2-40B4-BE49-F238E27FC236}">
+                  <a16:creationId xmlns:a16="http://schemas.microsoft.com/office/drawing/2014/main" id="{7D8A4C92-54FC-4940-B76C-61DE3D021154}"/>
+                </a:ext>
+              </a:extLst>
+            </p:cNvPr>
+            <p:cNvSpPr/>
+            <p:nvPr/>
+          </p:nvSpPr>
+          <p:spPr>
+            <a:xfrm>
+              <a:off x="2463279" y="1847442"/>
+              <a:ext cx="615820" cy="615817"/>
+            </a:xfrm>
+            <a:prstGeom prst="rect">
+              <a:avLst/>
+            </a:prstGeom>
+            <a:solidFill>
+              <a:srgbClr val="3EE2BD"/>
+            </a:solidFill>
+            <a:ln>
+              <a:noFill/>
+            </a:ln>
+          </p:spPr>
+          <p:style>
+            <a:lnRef idx="2">
+              <a:schemeClr val="accent1">
+                <a:shade val="50000"/>
+              </a:schemeClr>
+            </a:lnRef>
+            <a:fillRef idx="1">
+              <a:schemeClr val="accent1"/>
+            </a:fillRef>
+            <a:effectRef idx="0">
+              <a:schemeClr val="accent1"/>
+            </a:effectRef>
+            <a:fontRef idx="minor">
+              <a:schemeClr val="lt1"/>
+            </a:fontRef>
+          </p:style>
+          <p:txBody>
+            <a:bodyPr rtlCol="0" anchor="ctr"/>
+            <a:lstStyle/>
+            <a:p>
+              <a:pPr algn="ctr"/>
+              <a:endParaRPr lang="ko-KR" altLang="en-US"/>
+            </a:p>
+          </p:txBody>
+        </p:sp>
+        <p:sp>
+          <p:nvSpPr>
+            <p:cNvPr id="46" name="직사각형 45">
+              <a:extLst>
+                <a:ext uri="{FF2B5EF4-FFF2-40B4-BE49-F238E27FC236}">
+                  <a16:creationId xmlns:a16="http://schemas.microsoft.com/office/drawing/2014/main" id="{CF1C266B-EE29-4BCD-B124-89F3F328C890}"/>
+                </a:ext>
+              </a:extLst>
+            </p:cNvPr>
+            <p:cNvSpPr/>
+            <p:nvPr/>
+          </p:nvSpPr>
+          <p:spPr>
+            <a:xfrm>
+              <a:off x="3079099" y="1847442"/>
+              <a:ext cx="615820" cy="615817"/>
+            </a:xfrm>
+            <a:prstGeom prst="rect">
+              <a:avLst/>
+            </a:prstGeom>
+            <a:solidFill>
+              <a:srgbClr val="23DEB4"/>
+            </a:solidFill>
+            <a:ln>
+              <a:noFill/>
+            </a:ln>
+          </p:spPr>
+          <p:style>
+            <a:lnRef idx="2">
+              <a:schemeClr val="accent1">
+                <a:shade val="50000"/>
+              </a:schemeClr>
+            </a:lnRef>
+            <a:fillRef idx="1">
+              <a:schemeClr val="accent1"/>
+            </a:fillRef>
+            <a:effectRef idx="0">
+              <a:schemeClr val="accent1"/>
+            </a:effectRef>
+            <a:fontRef idx="minor">
+              <a:schemeClr val="lt1"/>
+            </a:fontRef>
+          </p:style>
+          <p:txBody>
+            <a:bodyPr rtlCol="0" anchor="ctr"/>
+            <a:lstStyle/>
+            <a:p>
+              <a:pPr algn="ctr"/>
+              <a:endParaRPr lang="ko-KR" altLang="en-US"/>
+            </a:p>
+          </p:txBody>
+        </p:sp>
+        <p:sp>
+          <p:nvSpPr>
+            <p:cNvPr id="47" name="직사각형 46">
+              <a:extLst>
+                <a:ext uri="{FF2B5EF4-FFF2-40B4-BE49-F238E27FC236}">
+                  <a16:creationId xmlns:a16="http://schemas.microsoft.com/office/drawing/2014/main" id="{95DF0788-BA8D-4647-AA22-9BBE609C4D8A}"/>
+                </a:ext>
+              </a:extLst>
+            </p:cNvPr>
+            <p:cNvSpPr/>
+            <p:nvPr/>
+          </p:nvSpPr>
+          <p:spPr>
+            <a:xfrm>
+              <a:off x="3694919" y="1847442"/>
+              <a:ext cx="615820" cy="615817"/>
+            </a:xfrm>
+            <a:prstGeom prst="rect">
+              <a:avLst/>
+            </a:prstGeom>
+            <a:solidFill>
+              <a:srgbClr val="3EE2BD"/>
+            </a:solidFill>
+            <a:ln>
+              <a:noFill/>
+            </a:ln>
+          </p:spPr>
+          <p:style>
+            <a:lnRef idx="2">
+              <a:schemeClr val="accent1">
+                <a:shade val="50000"/>
+              </a:schemeClr>
+            </a:lnRef>
+            <a:fillRef idx="1">
+              <a:schemeClr val="accent1"/>
+            </a:fillRef>
+            <a:effectRef idx="0">
+              <a:schemeClr val="accent1"/>
+            </a:effectRef>
+            <a:fontRef idx="minor">
+              <a:schemeClr val="lt1"/>
+            </a:fontRef>
+          </p:style>
+          <p:txBody>
+            <a:bodyPr rtlCol="0" anchor="ctr"/>
+            <a:lstStyle/>
+            <a:p>
+              <a:pPr algn="ctr"/>
+              <a:endParaRPr lang="ko-KR" altLang="en-US"/>
+            </a:p>
+          </p:txBody>
+        </p:sp>
+        <p:sp>
+          <p:nvSpPr>
+            <p:cNvPr id="48" name="직사각형 47">
+              <a:extLst>
+                <a:ext uri="{FF2B5EF4-FFF2-40B4-BE49-F238E27FC236}">
+                  <a16:creationId xmlns:a16="http://schemas.microsoft.com/office/drawing/2014/main" id="{25E79407-D3B5-4764-B0E3-5386ED46ECC3}"/>
+                </a:ext>
+              </a:extLst>
+            </p:cNvPr>
+            <p:cNvSpPr/>
+            <p:nvPr/>
+          </p:nvSpPr>
+          <p:spPr>
+            <a:xfrm>
+              <a:off x="4310737" y="1847442"/>
+              <a:ext cx="615820" cy="615817"/>
+            </a:xfrm>
+            <a:prstGeom prst="rect">
+              <a:avLst/>
+            </a:prstGeom>
+            <a:solidFill>
+              <a:srgbClr val="23DEB4"/>
+            </a:solidFill>
+            <a:ln>
+              <a:noFill/>
+            </a:ln>
+          </p:spPr>
+          <p:style>
+            <a:lnRef idx="2">
+              <a:schemeClr val="accent1">
+                <a:shade val="50000"/>
+              </a:schemeClr>
+            </a:lnRef>
+            <a:fillRef idx="1">
+              <a:schemeClr val="accent1"/>
+            </a:fillRef>
+            <a:effectRef idx="0">
+              <a:schemeClr val="accent1"/>
+            </a:effectRef>
+            <a:fontRef idx="minor">
+              <a:schemeClr val="lt1"/>
+            </a:fontRef>
+          </p:style>
+          <p:txBody>
+            <a:bodyPr rtlCol="0" anchor="ctr"/>
+            <a:lstStyle/>
+            <a:p>
+              <a:pPr algn="ctr"/>
+              <a:endParaRPr lang="ko-KR" altLang="en-US"/>
+            </a:p>
+          </p:txBody>
+        </p:sp>
+        <p:sp>
+          <p:nvSpPr>
+            <p:cNvPr id="49" name="직사각형 48">
+              <a:extLst>
+                <a:ext uri="{FF2B5EF4-FFF2-40B4-BE49-F238E27FC236}">
+                  <a16:creationId xmlns:a16="http://schemas.microsoft.com/office/drawing/2014/main" id="{AFF09BCC-292D-47F5-8452-1FD4126BD744}"/>
+                </a:ext>
+              </a:extLst>
+            </p:cNvPr>
+            <p:cNvSpPr/>
+            <p:nvPr/>
+          </p:nvSpPr>
+          <p:spPr>
+            <a:xfrm>
+              <a:off x="4926557" y="1847442"/>
+              <a:ext cx="615820" cy="615817"/>
+            </a:xfrm>
+            <a:prstGeom prst="rect">
+              <a:avLst/>
+            </a:prstGeom>
+            <a:solidFill>
+              <a:srgbClr val="3EE2BD"/>
+            </a:solidFill>
+            <a:ln>
+              <a:noFill/>
+            </a:ln>
+          </p:spPr>
+          <p:style>
+            <a:lnRef idx="2">
+              <a:schemeClr val="accent1">
+                <a:shade val="50000"/>
+              </a:schemeClr>
+            </a:lnRef>
+            <a:fillRef idx="1">
+              <a:schemeClr val="accent1"/>
+            </a:fillRef>
+            <a:effectRef idx="0">
+              <a:schemeClr val="accent1"/>
+            </a:effectRef>
+            <a:fontRef idx="minor">
+              <a:schemeClr val="lt1"/>
+            </a:fontRef>
+          </p:style>
+          <p:txBody>
+            <a:bodyPr rtlCol="0" anchor="ctr"/>
+            <a:lstStyle/>
+            <a:p>
+              <a:pPr algn="ctr"/>
+              <a:endParaRPr lang="ko-KR" altLang="en-US"/>
+            </a:p>
+          </p:txBody>
+        </p:sp>
+        <p:sp>
+          <p:nvSpPr>
+            <p:cNvPr id="50" name="직사각형 49">
+              <a:extLst>
+                <a:ext uri="{FF2B5EF4-FFF2-40B4-BE49-F238E27FC236}">
+                  <a16:creationId xmlns:a16="http://schemas.microsoft.com/office/drawing/2014/main" id="{21CE9D89-ECC7-4581-BEC0-097627236F52}"/>
+                </a:ext>
+              </a:extLst>
+            </p:cNvPr>
+            <p:cNvSpPr/>
+            <p:nvPr/>
+          </p:nvSpPr>
+          <p:spPr>
+            <a:xfrm>
+              <a:off x="5542377" y="1847442"/>
+              <a:ext cx="615820" cy="615817"/>
+            </a:xfrm>
+            <a:prstGeom prst="rect">
+              <a:avLst/>
+            </a:prstGeom>
+            <a:solidFill>
+              <a:srgbClr val="23DEB4"/>
+            </a:solidFill>
+            <a:ln>
+              <a:noFill/>
+            </a:ln>
+          </p:spPr>
+          <p:style>
+            <a:lnRef idx="2">
+              <a:schemeClr val="accent1">
+                <a:shade val="50000"/>
+              </a:schemeClr>
+            </a:lnRef>
+            <a:fillRef idx="1">
+              <a:schemeClr val="accent1"/>
+            </a:fillRef>
+            <a:effectRef idx="0">
+              <a:schemeClr val="accent1"/>
+            </a:effectRef>
+            <a:fontRef idx="minor">
+              <a:schemeClr val="lt1"/>
+            </a:fontRef>
+          </p:style>
+          <p:txBody>
+            <a:bodyPr rtlCol="0" anchor="ctr"/>
+            <a:lstStyle/>
+            <a:p>
+              <a:pPr algn="ctr"/>
+              <a:endParaRPr lang="ko-KR" altLang="en-US"/>
+            </a:p>
+          </p:txBody>
+        </p:sp>
+        <p:sp>
+          <p:nvSpPr>
+            <p:cNvPr id="51" name="직사각형 50">
+              <a:extLst>
+                <a:ext uri="{FF2B5EF4-FFF2-40B4-BE49-F238E27FC236}">
+                  <a16:creationId xmlns:a16="http://schemas.microsoft.com/office/drawing/2014/main" id="{EFFDFC87-B55C-467F-8062-E286D1AAD1F9}"/>
+                </a:ext>
+              </a:extLst>
+            </p:cNvPr>
+            <p:cNvSpPr/>
+            <p:nvPr/>
+          </p:nvSpPr>
+          <p:spPr>
+            <a:xfrm>
+              <a:off x="6158197" y="1847442"/>
+              <a:ext cx="615820" cy="615817"/>
+            </a:xfrm>
+            <a:prstGeom prst="rect">
+              <a:avLst/>
+            </a:prstGeom>
+            <a:solidFill>
+              <a:srgbClr val="3EE2BD"/>
+            </a:solidFill>
+            <a:ln>
+              <a:noFill/>
+            </a:ln>
+          </p:spPr>
+          <p:style>
+            <a:lnRef idx="2">
+              <a:schemeClr val="accent1">
+                <a:shade val="50000"/>
+              </a:schemeClr>
+            </a:lnRef>
+            <a:fillRef idx="1">
+              <a:schemeClr val="accent1"/>
+            </a:fillRef>
+            <a:effectRef idx="0">
+              <a:schemeClr val="accent1"/>
+            </a:effectRef>
+            <a:fontRef idx="minor">
+              <a:schemeClr val="lt1"/>
+            </a:fontRef>
+          </p:style>
+          <p:txBody>
+            <a:bodyPr rtlCol="0" anchor="ctr"/>
+            <a:lstStyle/>
+            <a:p>
+              <a:pPr algn="ctr"/>
+              <a:endParaRPr lang="ko-KR" altLang="en-US"/>
+            </a:p>
+          </p:txBody>
+        </p:sp>
+        <p:sp>
+          <p:nvSpPr>
+            <p:cNvPr id="52" name="직사각형 51">
+              <a:extLst>
+                <a:ext uri="{FF2B5EF4-FFF2-40B4-BE49-F238E27FC236}">
+                  <a16:creationId xmlns:a16="http://schemas.microsoft.com/office/drawing/2014/main" id="{74CCD2ED-61E2-4B8F-AC56-9D5602430242}"/>
+                </a:ext>
+              </a:extLst>
+            </p:cNvPr>
+            <p:cNvSpPr/>
+            <p:nvPr/>
+          </p:nvSpPr>
+          <p:spPr>
+            <a:xfrm>
+              <a:off x="6774016" y="1847442"/>
+              <a:ext cx="615820" cy="615817"/>
+            </a:xfrm>
+            <a:prstGeom prst="rect">
+              <a:avLst/>
+            </a:prstGeom>
+            <a:solidFill>
+              <a:srgbClr val="23DEB4"/>
+            </a:solidFill>
+            <a:ln>
+              <a:noFill/>
+            </a:ln>
+          </p:spPr>
+          <p:style>
+            <a:lnRef idx="2">
+              <a:schemeClr val="accent1">
+                <a:shade val="50000"/>
+              </a:schemeClr>
+            </a:lnRef>
+            <a:fillRef idx="1">
+              <a:schemeClr val="accent1"/>
+            </a:fillRef>
+            <a:effectRef idx="0">
+              <a:schemeClr val="accent1"/>
+            </a:effectRef>
+            <a:fontRef idx="minor">
+              <a:schemeClr val="lt1"/>
+            </a:fontRef>
+          </p:style>
+          <p:txBody>
+            <a:bodyPr rtlCol="0" anchor="ctr"/>
+            <a:lstStyle/>
+            <a:p>
+              <a:pPr algn="ctr"/>
+              <a:endParaRPr lang="ko-KR" altLang="en-US"/>
+            </a:p>
+          </p:txBody>
+        </p:sp>
+        <p:sp>
+          <p:nvSpPr>
+            <p:cNvPr id="53" name="직사각형 52">
+              <a:extLst>
+                <a:ext uri="{FF2B5EF4-FFF2-40B4-BE49-F238E27FC236}">
+                  <a16:creationId xmlns:a16="http://schemas.microsoft.com/office/drawing/2014/main" id="{F92B23B2-0FC0-42DC-B9C1-97722E91CA16}"/>
+                </a:ext>
+              </a:extLst>
+            </p:cNvPr>
+            <p:cNvSpPr/>
+            <p:nvPr/>
+          </p:nvSpPr>
+          <p:spPr>
+            <a:xfrm>
+              <a:off x="0" y="1847442"/>
+              <a:ext cx="615820" cy="615817"/>
+            </a:xfrm>
+            <a:prstGeom prst="rect">
+              <a:avLst/>
+            </a:prstGeom>
+            <a:solidFill>
+              <a:srgbClr val="3EE2BD"/>
+            </a:solidFill>
+            <a:ln>
+              <a:noFill/>
+            </a:ln>
+          </p:spPr>
+          <p:style>
+            <a:lnRef idx="2">
+              <a:schemeClr val="accent1">
+                <a:shade val="50000"/>
+              </a:schemeClr>
+            </a:lnRef>
+            <a:fillRef idx="1">
+              <a:schemeClr val="accent1"/>
+            </a:fillRef>
+            <a:effectRef idx="0">
+              <a:schemeClr val="accent1"/>
+            </a:effectRef>
+            <a:fontRef idx="minor">
+              <a:schemeClr val="lt1"/>
+            </a:fontRef>
+          </p:style>
+          <p:txBody>
+            <a:bodyPr rtlCol="0" anchor="ctr"/>
+            <a:lstStyle/>
+            <a:p>
+              <a:pPr algn="ctr"/>
+              <a:endParaRPr lang="ko-KR" altLang="en-US"/>
+            </a:p>
+          </p:txBody>
+        </p:sp>
+        <p:sp>
+          <p:nvSpPr>
+            <p:cNvPr id="54" name="직사각형 53">
+              <a:extLst>
+                <a:ext uri="{FF2B5EF4-FFF2-40B4-BE49-F238E27FC236}">
+                  <a16:creationId xmlns:a16="http://schemas.microsoft.com/office/drawing/2014/main" id="{87D33E4B-8D11-49B4-80D5-804B0F43DC13}"/>
+                </a:ext>
+              </a:extLst>
+            </p:cNvPr>
+            <p:cNvSpPr/>
+            <p:nvPr/>
+          </p:nvSpPr>
+          <p:spPr>
+            <a:xfrm>
+              <a:off x="0" y="2405269"/>
+              <a:ext cx="615820" cy="615817"/>
+            </a:xfrm>
+            <a:prstGeom prst="rect">
+              <a:avLst/>
+            </a:prstGeom>
+            <a:solidFill>
+              <a:srgbClr val="23DEB4"/>
+            </a:solidFill>
+            <a:ln>
+              <a:noFill/>
+            </a:ln>
+          </p:spPr>
+          <p:style>
+            <a:lnRef idx="2">
+              <a:schemeClr val="accent1">
+                <a:shade val="50000"/>
+              </a:schemeClr>
+            </a:lnRef>
+            <a:fillRef idx="1">
+              <a:schemeClr val="accent1"/>
+            </a:fillRef>
+            <a:effectRef idx="0">
+              <a:schemeClr val="accent1"/>
+            </a:effectRef>
+            <a:fontRef idx="minor">
+              <a:schemeClr val="lt1"/>
+            </a:fontRef>
+          </p:style>
+          <p:txBody>
+            <a:bodyPr rtlCol="0" anchor="ctr"/>
+            <a:lstStyle/>
+            <a:p>
+              <a:pPr algn="ctr"/>
+              <a:endParaRPr lang="ko-KR" altLang="en-US"/>
+            </a:p>
+          </p:txBody>
+        </p:sp>
+        <p:sp>
+          <p:nvSpPr>
+            <p:cNvPr id="55" name="직사각형 54">
+              <a:extLst>
+                <a:ext uri="{FF2B5EF4-FFF2-40B4-BE49-F238E27FC236}">
+                  <a16:creationId xmlns:a16="http://schemas.microsoft.com/office/drawing/2014/main" id="{A78F7F3E-7432-4B96-9939-C6D2300DEEC9}"/>
+                </a:ext>
+              </a:extLst>
+            </p:cNvPr>
+            <p:cNvSpPr/>
+            <p:nvPr/>
+          </p:nvSpPr>
+          <p:spPr>
+            <a:xfrm>
+              <a:off x="615820" y="2405269"/>
+              <a:ext cx="615820" cy="615817"/>
+            </a:xfrm>
+            <a:prstGeom prst="rect">
+              <a:avLst/>
+            </a:prstGeom>
+            <a:solidFill>
+              <a:srgbClr val="3EE2BD"/>
+            </a:solidFill>
+            <a:ln>
+              <a:noFill/>
+            </a:ln>
+          </p:spPr>
+          <p:style>
+            <a:lnRef idx="2">
+              <a:schemeClr val="accent1">
+                <a:shade val="50000"/>
+              </a:schemeClr>
+            </a:lnRef>
+            <a:fillRef idx="1">
+              <a:schemeClr val="accent1"/>
+            </a:fillRef>
+            <a:effectRef idx="0">
+              <a:schemeClr val="accent1"/>
+            </a:effectRef>
+            <a:fontRef idx="minor">
+              <a:schemeClr val="lt1"/>
+            </a:fontRef>
+          </p:style>
+          <p:txBody>
+            <a:bodyPr rtlCol="0" anchor="ctr"/>
+            <a:lstStyle/>
+            <a:p>
+              <a:pPr algn="ctr"/>
+              <a:endParaRPr lang="ko-KR" altLang="en-US"/>
+            </a:p>
+          </p:txBody>
+        </p:sp>
+        <p:sp>
+          <p:nvSpPr>
+            <p:cNvPr id="56" name="직사각형 55">
+              <a:extLst>
+                <a:ext uri="{FF2B5EF4-FFF2-40B4-BE49-F238E27FC236}">
+                  <a16:creationId xmlns:a16="http://schemas.microsoft.com/office/drawing/2014/main" id="{6A328476-63C5-4508-A232-BD9CB7576665}"/>
+                </a:ext>
+              </a:extLst>
+            </p:cNvPr>
+            <p:cNvSpPr/>
+            <p:nvPr/>
+          </p:nvSpPr>
+          <p:spPr>
+            <a:xfrm>
+              <a:off x="1231640" y="2405269"/>
+              <a:ext cx="615820" cy="615817"/>
+            </a:xfrm>
+            <a:prstGeom prst="rect">
+              <a:avLst/>
+            </a:prstGeom>
+            <a:solidFill>
+              <a:srgbClr val="23DEB4"/>
+            </a:solidFill>
+            <a:ln>
+              <a:noFill/>
+            </a:ln>
+          </p:spPr>
+          <p:style>
+            <a:lnRef idx="2">
+              <a:schemeClr val="accent1">
+                <a:shade val="50000"/>
+              </a:schemeClr>
+            </a:lnRef>
+            <a:fillRef idx="1">
+              <a:schemeClr val="accent1"/>
+            </a:fillRef>
+            <a:effectRef idx="0">
+              <a:schemeClr val="accent1"/>
+            </a:effectRef>
+            <a:fontRef idx="minor">
+              <a:schemeClr val="lt1"/>
+            </a:fontRef>
+          </p:style>
+          <p:txBody>
+            <a:bodyPr rtlCol="0" anchor="ctr"/>
+            <a:lstStyle/>
+            <a:p>
+              <a:pPr algn="ctr"/>
+              <a:endParaRPr lang="ko-KR" altLang="en-US"/>
+            </a:p>
+          </p:txBody>
+        </p:sp>
+        <p:sp>
+          <p:nvSpPr>
+            <p:cNvPr id="57" name="직사각형 56">
+              <a:extLst>
+                <a:ext uri="{FF2B5EF4-FFF2-40B4-BE49-F238E27FC236}">
+                  <a16:creationId xmlns:a16="http://schemas.microsoft.com/office/drawing/2014/main" id="{C008F3F4-A418-4489-8298-FD78AB018DC1}"/>
+                </a:ext>
+              </a:extLst>
+            </p:cNvPr>
+            <p:cNvSpPr/>
+            <p:nvPr/>
+          </p:nvSpPr>
+          <p:spPr>
+            <a:xfrm>
+              <a:off x="1847459" y="2405269"/>
+              <a:ext cx="615820" cy="615817"/>
+            </a:xfrm>
+            <a:prstGeom prst="rect">
+              <a:avLst/>
+            </a:prstGeom>
+            <a:solidFill>
+              <a:srgbClr val="3EE2BD"/>
+            </a:solidFill>
+            <a:ln>
+              <a:noFill/>
+            </a:ln>
+          </p:spPr>
+          <p:style>
+            <a:lnRef idx="2">
+              <a:schemeClr val="accent1">
+                <a:shade val="50000"/>
+              </a:schemeClr>
+            </a:lnRef>
+            <a:fillRef idx="1">
+              <a:schemeClr val="accent1"/>
+            </a:fillRef>
+            <a:effectRef idx="0">
+              <a:schemeClr val="accent1"/>
+            </a:effectRef>
+            <a:fontRef idx="minor">
+              <a:schemeClr val="lt1"/>
+            </a:fontRef>
+          </p:style>
+          <p:txBody>
+            <a:bodyPr rtlCol="0" anchor="ctr"/>
+            <a:lstStyle/>
+            <a:p>
+              <a:pPr algn="ctr"/>
+              <a:endParaRPr lang="ko-KR" altLang="en-US"/>
+            </a:p>
+          </p:txBody>
+        </p:sp>
+        <p:sp>
+          <p:nvSpPr>
+            <p:cNvPr id="58" name="직사각형 57">
+              <a:extLst>
+                <a:ext uri="{FF2B5EF4-FFF2-40B4-BE49-F238E27FC236}">
+                  <a16:creationId xmlns:a16="http://schemas.microsoft.com/office/drawing/2014/main" id="{B57465D9-87D6-45BB-BE5F-57A223D62960}"/>
+                </a:ext>
+              </a:extLst>
+            </p:cNvPr>
+            <p:cNvSpPr/>
+            <p:nvPr/>
+          </p:nvSpPr>
+          <p:spPr>
+            <a:xfrm>
+              <a:off x="2463279" y="2405269"/>
+              <a:ext cx="615820" cy="615817"/>
+            </a:xfrm>
+            <a:prstGeom prst="rect">
+              <a:avLst/>
+            </a:prstGeom>
+            <a:solidFill>
+              <a:srgbClr val="23DEB4"/>
+            </a:solidFill>
+            <a:ln>
+              <a:noFill/>
+            </a:ln>
+          </p:spPr>
+          <p:style>
+            <a:lnRef idx="2">
+              <a:schemeClr val="accent1">
+                <a:shade val="50000"/>
+              </a:schemeClr>
+            </a:lnRef>
+            <a:fillRef idx="1">
+              <a:schemeClr val="accent1"/>
+            </a:fillRef>
+            <a:effectRef idx="0">
+              <a:schemeClr val="accent1"/>
+            </a:effectRef>
+            <a:fontRef idx="minor">
+              <a:schemeClr val="lt1"/>
+            </a:fontRef>
+          </p:style>
+          <p:txBody>
+            <a:bodyPr rtlCol="0" anchor="ctr"/>
+            <a:lstStyle/>
+            <a:p>
+              <a:pPr algn="ctr"/>
+              <a:endParaRPr lang="ko-KR" altLang="en-US"/>
+            </a:p>
+          </p:txBody>
+        </p:sp>
+        <p:sp>
+          <p:nvSpPr>
+            <p:cNvPr id="59" name="직사각형 58">
+              <a:extLst>
+                <a:ext uri="{FF2B5EF4-FFF2-40B4-BE49-F238E27FC236}">
+                  <a16:creationId xmlns:a16="http://schemas.microsoft.com/office/drawing/2014/main" id="{52AF9FF0-9CAD-4624-BF02-B59167E954E7}"/>
+                </a:ext>
+              </a:extLst>
+            </p:cNvPr>
+            <p:cNvSpPr/>
+            <p:nvPr/>
+          </p:nvSpPr>
+          <p:spPr>
+            <a:xfrm>
+              <a:off x="3079099" y="2405269"/>
+              <a:ext cx="615820" cy="615817"/>
+            </a:xfrm>
+            <a:prstGeom prst="rect">
+              <a:avLst/>
+            </a:prstGeom>
+            <a:solidFill>
+              <a:srgbClr val="3EE2BD"/>
+            </a:solidFill>
+            <a:ln>
+              <a:noFill/>
+            </a:ln>
+          </p:spPr>
+          <p:style>
+            <a:lnRef idx="2">
+              <a:schemeClr val="accent1">
+                <a:shade val="50000"/>
+              </a:schemeClr>
+            </a:lnRef>
+            <a:fillRef idx="1">
+              <a:schemeClr val="accent1"/>
+            </a:fillRef>
+            <a:effectRef idx="0">
+              <a:schemeClr val="accent1"/>
+            </a:effectRef>
+            <a:fontRef idx="minor">
+              <a:schemeClr val="lt1"/>
+            </a:fontRef>
+          </p:style>
+          <p:txBody>
+            <a:bodyPr rtlCol="0" anchor="ctr"/>
+            <a:lstStyle/>
+            <a:p>
+              <a:pPr algn="ctr"/>
+              <a:endParaRPr lang="ko-KR" altLang="en-US"/>
+            </a:p>
+          </p:txBody>
+        </p:sp>
+        <p:sp>
+          <p:nvSpPr>
+            <p:cNvPr id="60" name="직사각형 59">
+              <a:extLst>
+                <a:ext uri="{FF2B5EF4-FFF2-40B4-BE49-F238E27FC236}">
+                  <a16:creationId xmlns:a16="http://schemas.microsoft.com/office/drawing/2014/main" id="{AF85BD74-F991-4DB6-BC87-64CF67D6DC0F}"/>
+                </a:ext>
+              </a:extLst>
+            </p:cNvPr>
+            <p:cNvSpPr/>
+            <p:nvPr/>
+          </p:nvSpPr>
+          <p:spPr>
+            <a:xfrm>
+              <a:off x="3694919" y="2405269"/>
+              <a:ext cx="615820" cy="615817"/>
+            </a:xfrm>
+            <a:prstGeom prst="rect">
+              <a:avLst/>
+            </a:prstGeom>
+            <a:solidFill>
+              <a:srgbClr val="23DEB4"/>
+            </a:solidFill>
+            <a:ln>
+              <a:noFill/>
+            </a:ln>
+          </p:spPr>
+          <p:style>
+            <a:lnRef idx="2">
+              <a:schemeClr val="accent1">
+                <a:shade val="50000"/>
+              </a:schemeClr>
+            </a:lnRef>
+            <a:fillRef idx="1">
+              <a:schemeClr val="accent1"/>
+            </a:fillRef>
+            <a:effectRef idx="0">
+              <a:schemeClr val="accent1"/>
+            </a:effectRef>
+            <a:fontRef idx="minor">
+              <a:schemeClr val="lt1"/>
+            </a:fontRef>
+          </p:style>
+          <p:txBody>
+            <a:bodyPr rtlCol="0" anchor="ctr"/>
+            <a:lstStyle/>
+            <a:p>
+              <a:pPr algn="ctr"/>
+              <a:endParaRPr lang="ko-KR" altLang="en-US"/>
+            </a:p>
+          </p:txBody>
+        </p:sp>
+        <p:sp>
+          <p:nvSpPr>
+            <p:cNvPr id="61" name="직사각형 60">
+              <a:extLst>
+                <a:ext uri="{FF2B5EF4-FFF2-40B4-BE49-F238E27FC236}">
+                  <a16:creationId xmlns:a16="http://schemas.microsoft.com/office/drawing/2014/main" id="{9B3531DF-2C2C-465E-90A6-CB50B6AEABE4}"/>
+                </a:ext>
+              </a:extLst>
+            </p:cNvPr>
+            <p:cNvSpPr/>
+            <p:nvPr/>
+          </p:nvSpPr>
+          <p:spPr>
+            <a:xfrm>
+              <a:off x="4310737" y="2405269"/>
+              <a:ext cx="615820" cy="615817"/>
+            </a:xfrm>
+            <a:prstGeom prst="rect">
+              <a:avLst/>
+            </a:prstGeom>
+            <a:solidFill>
+              <a:srgbClr val="3EE2BD"/>
+            </a:solidFill>
+            <a:ln>
+              <a:noFill/>
+            </a:ln>
+          </p:spPr>
+          <p:style>
+            <a:lnRef idx="2">
+              <a:schemeClr val="accent1">
+                <a:shade val="50000"/>
+              </a:schemeClr>
+            </a:lnRef>
+            <a:fillRef idx="1">
+              <a:schemeClr val="accent1"/>
+            </a:fillRef>
+            <a:effectRef idx="0">
+              <a:schemeClr val="accent1"/>
+            </a:effectRef>
+            <a:fontRef idx="minor">
+              <a:schemeClr val="lt1"/>
+            </a:fontRef>
+          </p:style>
+          <p:txBody>
+            <a:bodyPr rtlCol="0" anchor="ctr"/>
+            <a:lstStyle/>
+            <a:p>
+              <a:pPr algn="ctr"/>
+              <a:endParaRPr lang="ko-KR" altLang="en-US"/>
+            </a:p>
+          </p:txBody>
+        </p:sp>
+        <p:sp>
+          <p:nvSpPr>
+            <p:cNvPr id="62" name="직사각형 61">
+              <a:extLst>
+                <a:ext uri="{FF2B5EF4-FFF2-40B4-BE49-F238E27FC236}">
+                  <a16:creationId xmlns:a16="http://schemas.microsoft.com/office/drawing/2014/main" id="{73DD3AC2-A48C-44D0-93CD-45FBC5B10546}"/>
+                </a:ext>
+              </a:extLst>
+            </p:cNvPr>
+            <p:cNvSpPr/>
+            <p:nvPr/>
+          </p:nvSpPr>
+          <p:spPr>
+            <a:xfrm>
+              <a:off x="4926557" y="2405269"/>
+              <a:ext cx="615820" cy="615817"/>
+            </a:xfrm>
+            <a:prstGeom prst="rect">
+              <a:avLst/>
+            </a:prstGeom>
+            <a:solidFill>
+              <a:srgbClr val="23DEB4"/>
+            </a:solidFill>
+            <a:ln>
+              <a:noFill/>
+            </a:ln>
+          </p:spPr>
+          <p:style>
+            <a:lnRef idx="2">
+              <a:schemeClr val="accent1">
+                <a:shade val="50000"/>
+              </a:schemeClr>
+            </a:lnRef>
+            <a:fillRef idx="1">
+              <a:schemeClr val="accent1"/>
+            </a:fillRef>
+            <a:effectRef idx="0">
+              <a:schemeClr val="accent1"/>
+            </a:effectRef>
+            <a:fontRef idx="minor">
+              <a:schemeClr val="lt1"/>
+            </a:fontRef>
+          </p:style>
+          <p:txBody>
+            <a:bodyPr rtlCol="0" anchor="ctr"/>
+            <a:lstStyle/>
+            <a:p>
+              <a:pPr algn="ctr"/>
+              <a:endParaRPr lang="ko-KR" altLang="en-US"/>
+            </a:p>
+          </p:txBody>
+        </p:sp>
+        <p:sp>
+          <p:nvSpPr>
+            <p:cNvPr id="63" name="직사각형 62">
+              <a:extLst>
+                <a:ext uri="{FF2B5EF4-FFF2-40B4-BE49-F238E27FC236}">
+                  <a16:creationId xmlns:a16="http://schemas.microsoft.com/office/drawing/2014/main" id="{8AC60C6B-8F2E-489C-8825-D9C272F2C0E4}"/>
+                </a:ext>
+              </a:extLst>
+            </p:cNvPr>
+            <p:cNvSpPr/>
+            <p:nvPr/>
+          </p:nvSpPr>
+          <p:spPr>
+            <a:xfrm>
+              <a:off x="5542377" y="2405269"/>
+              <a:ext cx="615820" cy="615817"/>
+            </a:xfrm>
+            <a:prstGeom prst="rect">
+              <a:avLst/>
+            </a:prstGeom>
+            <a:solidFill>
+              <a:srgbClr val="3EE2BD"/>
+            </a:solidFill>
+            <a:ln>
+              <a:noFill/>
+            </a:ln>
+          </p:spPr>
+          <p:style>
+            <a:lnRef idx="2">
+              <a:schemeClr val="accent1">
+                <a:shade val="50000"/>
+              </a:schemeClr>
+            </a:lnRef>
+            <a:fillRef idx="1">
+              <a:schemeClr val="accent1"/>
+            </a:fillRef>
+            <a:effectRef idx="0">
+              <a:schemeClr val="accent1"/>
+            </a:effectRef>
+            <a:fontRef idx="minor">
+              <a:schemeClr val="lt1"/>
+            </a:fontRef>
+          </p:style>
+          <p:txBody>
+            <a:bodyPr rtlCol="0" anchor="ctr"/>
+            <a:lstStyle/>
+            <a:p>
+              <a:pPr algn="ctr"/>
+              <a:endParaRPr lang="ko-KR" altLang="en-US"/>
+            </a:p>
+          </p:txBody>
+        </p:sp>
+        <p:sp>
+          <p:nvSpPr>
+            <p:cNvPr id="64" name="직사각형 63">
+              <a:extLst>
+                <a:ext uri="{FF2B5EF4-FFF2-40B4-BE49-F238E27FC236}">
+                  <a16:creationId xmlns:a16="http://schemas.microsoft.com/office/drawing/2014/main" id="{80EDA97D-E724-4384-86EF-DE4CE3B20AE4}"/>
+                </a:ext>
+              </a:extLst>
+            </p:cNvPr>
+            <p:cNvSpPr/>
+            <p:nvPr/>
+          </p:nvSpPr>
+          <p:spPr>
+            <a:xfrm>
+              <a:off x="6158197" y="2405269"/>
+              <a:ext cx="615820" cy="615817"/>
+            </a:xfrm>
+            <a:prstGeom prst="rect">
+              <a:avLst/>
+            </a:prstGeom>
+            <a:solidFill>
+              <a:srgbClr val="23DEB4"/>
+            </a:solidFill>
+            <a:ln>
+              <a:noFill/>
+            </a:ln>
+          </p:spPr>
+          <p:style>
+            <a:lnRef idx="2">
+              <a:schemeClr val="accent1">
+                <a:shade val="50000"/>
+              </a:schemeClr>
+            </a:lnRef>
+            <a:fillRef idx="1">
+              <a:schemeClr val="accent1"/>
+            </a:fillRef>
+            <a:effectRef idx="0">
+              <a:schemeClr val="accent1"/>
+            </a:effectRef>
+            <a:fontRef idx="minor">
+              <a:schemeClr val="lt1"/>
+            </a:fontRef>
+          </p:style>
+          <p:txBody>
+            <a:bodyPr rtlCol="0" anchor="ctr"/>
+            <a:lstStyle/>
+            <a:p>
+              <a:pPr algn="ctr"/>
+              <a:endParaRPr lang="ko-KR" altLang="en-US"/>
+            </a:p>
+          </p:txBody>
+        </p:sp>
+        <p:sp>
+          <p:nvSpPr>
+            <p:cNvPr id="65" name="직사각형 64">
+              <a:extLst>
+                <a:ext uri="{FF2B5EF4-FFF2-40B4-BE49-F238E27FC236}">
+                  <a16:creationId xmlns:a16="http://schemas.microsoft.com/office/drawing/2014/main" id="{4748CE75-B94A-4A88-B056-FF94D053E873}"/>
+                </a:ext>
+              </a:extLst>
+            </p:cNvPr>
+            <p:cNvSpPr/>
+            <p:nvPr/>
+          </p:nvSpPr>
+          <p:spPr>
+            <a:xfrm>
+              <a:off x="6774016" y="2405269"/>
+              <a:ext cx="615820" cy="615817"/>
+            </a:xfrm>
+            <a:prstGeom prst="rect">
+              <a:avLst/>
+            </a:prstGeom>
+            <a:solidFill>
+              <a:srgbClr val="3EE2BD"/>
+            </a:solidFill>
+            <a:ln>
+              <a:noFill/>
+            </a:ln>
+          </p:spPr>
+          <p:style>
+            <a:lnRef idx="2">
+              <a:schemeClr val="accent1">
+                <a:shade val="50000"/>
+              </a:schemeClr>
+            </a:lnRef>
+            <a:fillRef idx="1">
+              <a:schemeClr val="accent1"/>
+            </a:fillRef>
+            <a:effectRef idx="0">
+              <a:schemeClr val="accent1"/>
+            </a:effectRef>
+            <a:fontRef idx="minor">
+              <a:schemeClr val="lt1"/>
+            </a:fontRef>
+          </p:style>
+          <p:txBody>
+            <a:bodyPr rtlCol="0" anchor="ctr"/>
+            <a:lstStyle/>
+            <a:p>
+              <a:pPr algn="ctr"/>
+              <a:endParaRPr lang="ko-KR" altLang="en-US"/>
+            </a:p>
+          </p:txBody>
+        </p:sp>
+        <p:sp>
+          <p:nvSpPr>
+            <p:cNvPr id="66" name="직사각형 65">
+              <a:extLst>
+                <a:ext uri="{FF2B5EF4-FFF2-40B4-BE49-F238E27FC236}">
+                  <a16:creationId xmlns:a16="http://schemas.microsoft.com/office/drawing/2014/main" id="{31489A40-11D1-460F-BF06-D1495E519439}"/>
+                </a:ext>
+              </a:extLst>
+            </p:cNvPr>
+            <p:cNvSpPr/>
+            <p:nvPr/>
+          </p:nvSpPr>
+          <p:spPr>
+            <a:xfrm>
+              <a:off x="615820" y="3021087"/>
+              <a:ext cx="615820" cy="615817"/>
+            </a:xfrm>
+            <a:prstGeom prst="rect">
+              <a:avLst/>
+            </a:prstGeom>
+            <a:solidFill>
+              <a:srgbClr val="23DEB4"/>
+            </a:solidFill>
+            <a:ln>
+              <a:noFill/>
+            </a:ln>
+          </p:spPr>
+          <p:style>
+            <a:lnRef idx="2">
+              <a:schemeClr val="accent1">
+                <a:shade val="50000"/>
+              </a:schemeClr>
+            </a:lnRef>
+            <a:fillRef idx="1">
+              <a:schemeClr val="accent1"/>
+            </a:fillRef>
+            <a:effectRef idx="0">
+              <a:schemeClr val="accent1"/>
+            </a:effectRef>
+            <a:fontRef idx="minor">
+              <a:schemeClr val="lt1"/>
+            </a:fontRef>
+          </p:style>
+          <p:txBody>
+            <a:bodyPr rtlCol="0" anchor="ctr"/>
+            <a:lstStyle/>
+            <a:p>
+              <a:pPr algn="ctr"/>
+              <a:endParaRPr lang="ko-KR" altLang="en-US"/>
+            </a:p>
+          </p:txBody>
+        </p:sp>
+        <p:sp>
+          <p:nvSpPr>
+            <p:cNvPr id="67" name="직사각형 66">
+              <a:extLst>
+                <a:ext uri="{FF2B5EF4-FFF2-40B4-BE49-F238E27FC236}">
+                  <a16:creationId xmlns:a16="http://schemas.microsoft.com/office/drawing/2014/main" id="{3CE7876E-519C-4DFB-B1E4-1092C1741539}"/>
+                </a:ext>
+              </a:extLst>
+            </p:cNvPr>
+            <p:cNvSpPr/>
+            <p:nvPr/>
+          </p:nvSpPr>
+          <p:spPr>
+            <a:xfrm>
+              <a:off x="1231640" y="3021088"/>
+              <a:ext cx="615820" cy="615817"/>
+            </a:xfrm>
+            <a:prstGeom prst="rect">
+              <a:avLst/>
+            </a:prstGeom>
+            <a:solidFill>
+              <a:srgbClr val="3EE2BD"/>
+            </a:solidFill>
+            <a:ln>
+              <a:noFill/>
+            </a:ln>
+          </p:spPr>
+          <p:style>
+            <a:lnRef idx="2">
+              <a:schemeClr val="accent1">
+                <a:shade val="50000"/>
+              </a:schemeClr>
+            </a:lnRef>
+            <a:fillRef idx="1">
+              <a:schemeClr val="accent1"/>
+            </a:fillRef>
+            <a:effectRef idx="0">
+              <a:schemeClr val="accent1"/>
+            </a:effectRef>
+            <a:fontRef idx="minor">
+              <a:schemeClr val="lt1"/>
+            </a:fontRef>
+          </p:style>
+          <p:txBody>
+            <a:bodyPr rtlCol="0" anchor="ctr"/>
+            <a:lstStyle/>
+            <a:p>
+              <a:pPr algn="ctr"/>
+              <a:endParaRPr lang="ko-KR" altLang="en-US"/>
+            </a:p>
+          </p:txBody>
+        </p:sp>
+        <p:sp>
+          <p:nvSpPr>
+            <p:cNvPr id="68" name="직사각형 67">
+              <a:extLst>
+                <a:ext uri="{FF2B5EF4-FFF2-40B4-BE49-F238E27FC236}">
+                  <a16:creationId xmlns:a16="http://schemas.microsoft.com/office/drawing/2014/main" id="{328FA61F-41FF-4474-AAC4-2B67DA770363}"/>
+                </a:ext>
+              </a:extLst>
+            </p:cNvPr>
+            <p:cNvSpPr/>
+            <p:nvPr/>
+          </p:nvSpPr>
+          <p:spPr>
+            <a:xfrm>
+              <a:off x="1847459" y="3021089"/>
+              <a:ext cx="615820" cy="615817"/>
+            </a:xfrm>
+            <a:prstGeom prst="rect">
+              <a:avLst/>
+            </a:prstGeom>
+            <a:solidFill>
+              <a:srgbClr val="23DEB4"/>
+            </a:solidFill>
+            <a:ln>
+              <a:noFill/>
+            </a:ln>
+          </p:spPr>
+          <p:style>
+            <a:lnRef idx="2">
+              <a:schemeClr val="accent1">
+                <a:shade val="50000"/>
+              </a:schemeClr>
+            </a:lnRef>
+            <a:fillRef idx="1">
+              <a:schemeClr val="accent1"/>
+            </a:fillRef>
+            <a:effectRef idx="0">
+              <a:schemeClr val="accent1"/>
+            </a:effectRef>
+            <a:fontRef idx="minor">
+              <a:schemeClr val="lt1"/>
+            </a:fontRef>
+          </p:style>
+          <p:txBody>
+            <a:bodyPr rtlCol="0" anchor="ctr"/>
+            <a:lstStyle/>
+            <a:p>
+              <a:pPr algn="ctr"/>
+              <a:endParaRPr lang="ko-KR" altLang="en-US"/>
+            </a:p>
+          </p:txBody>
+        </p:sp>
+        <p:sp>
+          <p:nvSpPr>
+            <p:cNvPr id="69" name="직사각형 68">
+              <a:extLst>
+                <a:ext uri="{FF2B5EF4-FFF2-40B4-BE49-F238E27FC236}">
+                  <a16:creationId xmlns:a16="http://schemas.microsoft.com/office/drawing/2014/main" id="{92061CB4-97EF-4889-B80F-BA40A97924A6}"/>
+                </a:ext>
+              </a:extLst>
+            </p:cNvPr>
+            <p:cNvSpPr/>
+            <p:nvPr/>
+          </p:nvSpPr>
+          <p:spPr>
+            <a:xfrm>
+              <a:off x="2463279" y="3021090"/>
+              <a:ext cx="615820" cy="615817"/>
+            </a:xfrm>
+            <a:prstGeom prst="rect">
+              <a:avLst/>
+            </a:prstGeom>
+            <a:solidFill>
+              <a:srgbClr val="3EE2BD"/>
+            </a:solidFill>
+            <a:ln>
+              <a:noFill/>
+            </a:ln>
+          </p:spPr>
+          <p:style>
+            <a:lnRef idx="2">
+              <a:schemeClr val="accent1">
+                <a:shade val="50000"/>
+              </a:schemeClr>
+            </a:lnRef>
+            <a:fillRef idx="1">
+              <a:schemeClr val="accent1"/>
+            </a:fillRef>
+            <a:effectRef idx="0">
+              <a:schemeClr val="accent1"/>
+            </a:effectRef>
+            <a:fontRef idx="minor">
+              <a:schemeClr val="lt1"/>
+            </a:fontRef>
+          </p:style>
+          <p:txBody>
+            <a:bodyPr rtlCol="0" anchor="ctr"/>
+            <a:lstStyle/>
+            <a:p>
+              <a:pPr algn="ctr"/>
+              <a:endParaRPr lang="ko-KR" altLang="en-US"/>
+            </a:p>
+          </p:txBody>
+        </p:sp>
+        <p:sp>
+          <p:nvSpPr>
+            <p:cNvPr id="70" name="직사각형 69">
+              <a:extLst>
+                <a:ext uri="{FF2B5EF4-FFF2-40B4-BE49-F238E27FC236}">
+                  <a16:creationId xmlns:a16="http://schemas.microsoft.com/office/drawing/2014/main" id="{4C24728C-6EC9-4246-9628-81B3F706FC48}"/>
+                </a:ext>
+              </a:extLst>
+            </p:cNvPr>
+            <p:cNvSpPr/>
+            <p:nvPr/>
+          </p:nvSpPr>
+          <p:spPr>
+            <a:xfrm>
+              <a:off x="3079099" y="3021091"/>
+              <a:ext cx="615820" cy="615817"/>
+            </a:xfrm>
+            <a:prstGeom prst="rect">
+              <a:avLst/>
+            </a:prstGeom>
+            <a:solidFill>
+              <a:srgbClr val="23DEB4"/>
+            </a:solidFill>
+            <a:ln>
+              <a:noFill/>
+            </a:ln>
+          </p:spPr>
+          <p:style>
+            <a:lnRef idx="2">
+              <a:schemeClr val="accent1">
+                <a:shade val="50000"/>
+              </a:schemeClr>
+            </a:lnRef>
+            <a:fillRef idx="1">
+              <a:schemeClr val="accent1"/>
+            </a:fillRef>
+            <a:effectRef idx="0">
+              <a:schemeClr val="accent1"/>
+            </a:effectRef>
+            <a:fontRef idx="minor">
+              <a:schemeClr val="lt1"/>
+            </a:fontRef>
+          </p:style>
+          <p:txBody>
+            <a:bodyPr rtlCol="0" anchor="ctr"/>
+            <a:lstStyle/>
+            <a:p>
+              <a:pPr algn="ctr"/>
+              <a:endParaRPr lang="ko-KR" altLang="en-US"/>
+            </a:p>
+          </p:txBody>
+        </p:sp>
+        <p:sp>
+          <p:nvSpPr>
+            <p:cNvPr id="71" name="직사각형 70">
+              <a:extLst>
+                <a:ext uri="{FF2B5EF4-FFF2-40B4-BE49-F238E27FC236}">
+                  <a16:creationId xmlns:a16="http://schemas.microsoft.com/office/drawing/2014/main" id="{9DA97865-ECFB-4886-9673-89B57BB6192E}"/>
+                </a:ext>
+              </a:extLst>
+            </p:cNvPr>
+            <p:cNvSpPr/>
+            <p:nvPr/>
+          </p:nvSpPr>
+          <p:spPr>
+            <a:xfrm>
+              <a:off x="3694919" y="3021092"/>
+              <a:ext cx="615820" cy="615817"/>
+            </a:xfrm>
+            <a:prstGeom prst="rect">
+              <a:avLst/>
+            </a:prstGeom>
+            <a:solidFill>
+              <a:srgbClr val="3EE2BD"/>
+            </a:solidFill>
+            <a:ln>
+              <a:noFill/>
+            </a:ln>
+          </p:spPr>
+          <p:style>
+            <a:lnRef idx="2">
+              <a:schemeClr val="accent1">
+                <a:shade val="50000"/>
+              </a:schemeClr>
+            </a:lnRef>
+            <a:fillRef idx="1">
+              <a:schemeClr val="accent1"/>
+            </a:fillRef>
+            <a:effectRef idx="0">
+              <a:schemeClr val="accent1"/>
+            </a:effectRef>
+            <a:fontRef idx="minor">
+              <a:schemeClr val="lt1"/>
+            </a:fontRef>
+          </p:style>
+          <p:txBody>
+            <a:bodyPr rtlCol="0" anchor="ctr"/>
+            <a:lstStyle/>
+            <a:p>
+              <a:pPr algn="ctr"/>
+              <a:endParaRPr lang="ko-KR" altLang="en-US"/>
+            </a:p>
+          </p:txBody>
+        </p:sp>
+        <p:sp>
+          <p:nvSpPr>
+            <p:cNvPr id="72" name="직사각형 71">
+              <a:extLst>
+                <a:ext uri="{FF2B5EF4-FFF2-40B4-BE49-F238E27FC236}">
+                  <a16:creationId xmlns:a16="http://schemas.microsoft.com/office/drawing/2014/main" id="{B4584715-2B40-4F81-8841-802FEBD1B2C9}"/>
+                </a:ext>
+              </a:extLst>
+            </p:cNvPr>
+            <p:cNvSpPr/>
+            <p:nvPr/>
+          </p:nvSpPr>
+          <p:spPr>
+            <a:xfrm>
+              <a:off x="4310737" y="3021093"/>
+              <a:ext cx="615820" cy="615818"/>
+            </a:xfrm>
+            <a:prstGeom prst="rect">
+              <a:avLst/>
+            </a:prstGeom>
+            <a:solidFill>
+              <a:srgbClr val="23DEB4"/>
+            </a:solidFill>
+            <a:ln>
+              <a:noFill/>
+            </a:ln>
+          </p:spPr>
+          <p:style>
+            <a:lnRef idx="2">
+              <a:schemeClr val="accent1">
+                <a:shade val="50000"/>
+              </a:schemeClr>
+            </a:lnRef>
+            <a:fillRef idx="1">
+              <a:schemeClr val="accent1"/>
+            </a:fillRef>
+            <a:effectRef idx="0">
+              <a:schemeClr val="accent1"/>
+            </a:effectRef>
+            <a:fontRef idx="minor">
+              <a:schemeClr val="lt1"/>
+            </a:fontRef>
+          </p:style>
+          <p:txBody>
+            <a:bodyPr rtlCol="0" anchor="ctr"/>
+            <a:lstStyle/>
+            <a:p>
+              <a:pPr algn="ctr"/>
+              <a:endParaRPr lang="ko-KR" altLang="en-US"/>
+            </a:p>
+          </p:txBody>
+        </p:sp>
+        <p:sp>
+          <p:nvSpPr>
+            <p:cNvPr id="73" name="직사각형 72">
+              <a:extLst>
+                <a:ext uri="{FF2B5EF4-FFF2-40B4-BE49-F238E27FC236}">
+                  <a16:creationId xmlns:a16="http://schemas.microsoft.com/office/drawing/2014/main" id="{6BB7259B-80B4-4965-9E88-A148AD6A8927}"/>
+                </a:ext>
+              </a:extLst>
+            </p:cNvPr>
+            <p:cNvSpPr/>
+            <p:nvPr/>
+          </p:nvSpPr>
+          <p:spPr>
+            <a:xfrm>
+              <a:off x="4926557" y="3021094"/>
+              <a:ext cx="615820" cy="615818"/>
+            </a:xfrm>
+            <a:prstGeom prst="rect">
+              <a:avLst/>
+            </a:prstGeom>
+            <a:solidFill>
+              <a:srgbClr val="3EE2BD"/>
+            </a:solidFill>
+            <a:ln>
+              <a:noFill/>
+            </a:ln>
+          </p:spPr>
+          <p:style>
+            <a:lnRef idx="2">
+              <a:schemeClr val="accent1">
+                <a:shade val="50000"/>
+              </a:schemeClr>
+            </a:lnRef>
+            <a:fillRef idx="1">
+              <a:schemeClr val="accent1"/>
+            </a:fillRef>
+            <a:effectRef idx="0">
+              <a:schemeClr val="accent1"/>
+            </a:effectRef>
+            <a:fontRef idx="minor">
+              <a:schemeClr val="lt1"/>
+            </a:fontRef>
+          </p:style>
+          <p:txBody>
+            <a:bodyPr rtlCol="0" anchor="ctr"/>
+            <a:lstStyle/>
+            <a:p>
+              <a:pPr algn="ctr"/>
+              <a:endParaRPr lang="ko-KR" altLang="en-US"/>
+            </a:p>
+          </p:txBody>
+        </p:sp>
+        <p:sp>
+          <p:nvSpPr>
+            <p:cNvPr id="74" name="직사각형 73">
+              <a:extLst>
+                <a:ext uri="{FF2B5EF4-FFF2-40B4-BE49-F238E27FC236}">
+                  <a16:creationId xmlns:a16="http://schemas.microsoft.com/office/drawing/2014/main" id="{2A921364-B495-453C-AD04-55F2A1C0F4BF}"/>
+                </a:ext>
+              </a:extLst>
+            </p:cNvPr>
+            <p:cNvSpPr/>
+            <p:nvPr/>
+          </p:nvSpPr>
+          <p:spPr>
+            <a:xfrm>
+              <a:off x="5542377" y="3021095"/>
+              <a:ext cx="615820" cy="615818"/>
+            </a:xfrm>
+            <a:prstGeom prst="rect">
+              <a:avLst/>
+            </a:prstGeom>
+            <a:solidFill>
+              <a:srgbClr val="23DEB4"/>
+            </a:solidFill>
+            <a:ln>
+              <a:noFill/>
+            </a:ln>
+          </p:spPr>
+          <p:style>
+            <a:lnRef idx="2">
+              <a:schemeClr val="accent1">
+                <a:shade val="50000"/>
+              </a:schemeClr>
+            </a:lnRef>
+            <a:fillRef idx="1">
+              <a:schemeClr val="accent1"/>
+            </a:fillRef>
+            <a:effectRef idx="0">
+              <a:schemeClr val="accent1"/>
+            </a:effectRef>
+            <a:fontRef idx="minor">
+              <a:schemeClr val="lt1"/>
+            </a:fontRef>
+          </p:style>
+          <p:txBody>
+            <a:bodyPr rtlCol="0" anchor="ctr"/>
+            <a:lstStyle/>
+            <a:p>
+              <a:pPr algn="ctr"/>
+              <a:endParaRPr lang="ko-KR" altLang="en-US"/>
+            </a:p>
+          </p:txBody>
+        </p:sp>
+        <p:sp>
+          <p:nvSpPr>
+            <p:cNvPr id="75" name="직사각형 74">
+              <a:extLst>
+                <a:ext uri="{FF2B5EF4-FFF2-40B4-BE49-F238E27FC236}">
+                  <a16:creationId xmlns:a16="http://schemas.microsoft.com/office/drawing/2014/main" id="{2466ADD9-764C-498E-BCA8-01D88A9C7608}"/>
+                </a:ext>
+              </a:extLst>
+            </p:cNvPr>
+            <p:cNvSpPr/>
+            <p:nvPr/>
+          </p:nvSpPr>
+          <p:spPr>
+            <a:xfrm>
+              <a:off x="6158197" y="3021096"/>
+              <a:ext cx="615820" cy="615818"/>
+            </a:xfrm>
+            <a:prstGeom prst="rect">
+              <a:avLst/>
+            </a:prstGeom>
+            <a:solidFill>
+              <a:srgbClr val="3EE2BD"/>
+            </a:solidFill>
+            <a:ln>
+              <a:noFill/>
+            </a:ln>
+          </p:spPr>
+          <p:style>
+            <a:lnRef idx="2">
+              <a:schemeClr val="accent1">
+                <a:shade val="50000"/>
+              </a:schemeClr>
+            </a:lnRef>
+            <a:fillRef idx="1">
+              <a:schemeClr val="accent1"/>
+            </a:fillRef>
+            <a:effectRef idx="0">
+              <a:schemeClr val="accent1"/>
+            </a:effectRef>
+            <a:fontRef idx="minor">
+              <a:schemeClr val="lt1"/>
+            </a:fontRef>
+          </p:style>
+          <p:txBody>
+            <a:bodyPr rtlCol="0" anchor="ctr"/>
+            <a:lstStyle/>
+            <a:p>
+              <a:pPr algn="ctr"/>
+              <a:endParaRPr lang="ko-KR" altLang="en-US"/>
+            </a:p>
+          </p:txBody>
+        </p:sp>
+        <p:sp>
+          <p:nvSpPr>
+            <p:cNvPr id="76" name="직사각형 75">
+              <a:extLst>
+                <a:ext uri="{FF2B5EF4-FFF2-40B4-BE49-F238E27FC236}">
+                  <a16:creationId xmlns:a16="http://schemas.microsoft.com/office/drawing/2014/main" id="{146F75ED-1F71-4770-802C-918ADDB54D81}"/>
+                </a:ext>
+              </a:extLst>
+            </p:cNvPr>
+            <p:cNvSpPr/>
+            <p:nvPr/>
+          </p:nvSpPr>
+          <p:spPr>
+            <a:xfrm>
+              <a:off x="6774016" y="3021097"/>
+              <a:ext cx="615820" cy="615818"/>
+            </a:xfrm>
+            <a:prstGeom prst="rect">
+              <a:avLst/>
+            </a:prstGeom>
+            <a:solidFill>
+              <a:srgbClr val="23DEB4"/>
+            </a:solidFill>
+            <a:ln>
+              <a:noFill/>
+            </a:ln>
+          </p:spPr>
+          <p:style>
+            <a:lnRef idx="2">
+              <a:schemeClr val="accent1">
+                <a:shade val="50000"/>
+              </a:schemeClr>
+            </a:lnRef>
+            <a:fillRef idx="1">
+              <a:schemeClr val="accent1"/>
+            </a:fillRef>
+            <a:effectRef idx="0">
+              <a:schemeClr val="accent1"/>
+            </a:effectRef>
+            <a:fontRef idx="minor">
+              <a:schemeClr val="lt1"/>
+            </a:fontRef>
+          </p:style>
+          <p:txBody>
+            <a:bodyPr rtlCol="0" anchor="ctr"/>
+            <a:lstStyle/>
+            <a:p>
+              <a:pPr algn="ctr"/>
+              <a:endParaRPr lang="ko-KR" altLang="en-US"/>
+            </a:p>
+          </p:txBody>
+        </p:sp>
+        <p:sp>
+          <p:nvSpPr>
+            <p:cNvPr id="77" name="직사각형 76">
+              <a:extLst>
+                <a:ext uri="{FF2B5EF4-FFF2-40B4-BE49-F238E27FC236}">
+                  <a16:creationId xmlns:a16="http://schemas.microsoft.com/office/drawing/2014/main" id="{3EEDC638-8C3E-4122-8C78-CFD23BEEECEA}"/>
+                </a:ext>
+              </a:extLst>
+            </p:cNvPr>
+            <p:cNvSpPr/>
+            <p:nvPr/>
+          </p:nvSpPr>
+          <p:spPr>
+            <a:xfrm>
+              <a:off x="0" y="3021098"/>
+              <a:ext cx="615820" cy="615818"/>
+            </a:xfrm>
+            <a:prstGeom prst="rect">
+              <a:avLst/>
+            </a:prstGeom>
+            <a:solidFill>
+              <a:srgbClr val="3EE2BD"/>
+            </a:solidFill>
+            <a:ln>
+              <a:noFill/>
+            </a:ln>
+          </p:spPr>
+          <p:style>
+            <a:lnRef idx="2">
+              <a:schemeClr val="accent1">
+                <a:shade val="50000"/>
+              </a:schemeClr>
+            </a:lnRef>
+            <a:fillRef idx="1">
+              <a:schemeClr val="accent1"/>
+            </a:fillRef>
+            <a:effectRef idx="0">
+              <a:schemeClr val="accent1"/>
+            </a:effectRef>
+            <a:fontRef idx="minor">
+              <a:schemeClr val="lt1"/>
+            </a:fontRef>
+          </p:style>
+          <p:txBody>
+            <a:bodyPr rtlCol="0" anchor="ctr"/>
+            <a:lstStyle/>
+            <a:p>
+              <a:pPr algn="ctr"/>
+              <a:endParaRPr lang="ko-KR" altLang="en-US"/>
+            </a:p>
+          </p:txBody>
+        </p:sp>
+        <p:sp>
+          <p:nvSpPr>
+            <p:cNvPr id="78" name="직사각형 77">
+              <a:extLst>
+                <a:ext uri="{FF2B5EF4-FFF2-40B4-BE49-F238E27FC236}">
+                  <a16:creationId xmlns:a16="http://schemas.microsoft.com/office/drawing/2014/main" id="{A11D36D7-30E2-4875-A0F4-222F2E08ECFA}"/>
+                </a:ext>
+              </a:extLst>
+            </p:cNvPr>
+            <p:cNvSpPr/>
+            <p:nvPr/>
+          </p:nvSpPr>
+          <p:spPr>
+            <a:xfrm>
+              <a:off x="0" y="3636917"/>
+              <a:ext cx="615820" cy="615818"/>
+            </a:xfrm>
+            <a:prstGeom prst="rect">
+              <a:avLst/>
+            </a:prstGeom>
+            <a:solidFill>
+              <a:srgbClr val="23DEB4"/>
+            </a:solidFill>
+            <a:ln>
+              <a:noFill/>
+            </a:ln>
+          </p:spPr>
+          <p:style>
+            <a:lnRef idx="2">
+              <a:schemeClr val="accent1">
+                <a:shade val="50000"/>
+              </a:schemeClr>
+            </a:lnRef>
+            <a:fillRef idx="1">
+              <a:schemeClr val="accent1"/>
+            </a:fillRef>
+            <a:effectRef idx="0">
+              <a:schemeClr val="accent1"/>
+            </a:effectRef>
+            <a:fontRef idx="minor">
+              <a:schemeClr val="lt1"/>
+            </a:fontRef>
+          </p:style>
+          <p:txBody>
+            <a:bodyPr rtlCol="0" anchor="ctr"/>
+            <a:lstStyle/>
+            <a:p>
+              <a:pPr algn="ctr"/>
+              <a:endParaRPr lang="ko-KR" altLang="en-US"/>
+            </a:p>
+          </p:txBody>
+        </p:sp>
+        <p:sp>
+          <p:nvSpPr>
+            <p:cNvPr id="79" name="직사각형 78">
+              <a:extLst>
+                <a:ext uri="{FF2B5EF4-FFF2-40B4-BE49-F238E27FC236}">
+                  <a16:creationId xmlns:a16="http://schemas.microsoft.com/office/drawing/2014/main" id="{367BC136-61DF-40F5-93DF-8DB9E45291B5}"/>
+                </a:ext>
+              </a:extLst>
+            </p:cNvPr>
+            <p:cNvSpPr/>
+            <p:nvPr/>
+          </p:nvSpPr>
+          <p:spPr>
+            <a:xfrm>
+              <a:off x="615820" y="3636918"/>
+              <a:ext cx="615820" cy="615818"/>
+            </a:xfrm>
+            <a:prstGeom prst="rect">
+              <a:avLst/>
+            </a:prstGeom>
+            <a:solidFill>
+              <a:srgbClr val="3EE2BD"/>
+            </a:solidFill>
+            <a:ln>
+              <a:noFill/>
+            </a:ln>
+          </p:spPr>
+          <p:style>
+            <a:lnRef idx="2">
+              <a:schemeClr val="accent1">
+                <a:shade val="50000"/>
+              </a:schemeClr>
+            </a:lnRef>
+            <a:fillRef idx="1">
+              <a:schemeClr val="accent1"/>
+            </a:fillRef>
+            <a:effectRef idx="0">
+              <a:schemeClr val="accent1"/>
+            </a:effectRef>
+            <a:fontRef idx="minor">
+              <a:schemeClr val="lt1"/>
+            </a:fontRef>
+          </p:style>
+          <p:txBody>
+            <a:bodyPr rtlCol="0" anchor="ctr"/>
+            <a:lstStyle/>
+            <a:p>
+              <a:pPr algn="ctr"/>
+              <a:endParaRPr lang="ko-KR" altLang="en-US"/>
+            </a:p>
+          </p:txBody>
+        </p:sp>
+        <p:sp>
+          <p:nvSpPr>
+            <p:cNvPr id="80" name="직사각형 79">
+              <a:extLst>
+                <a:ext uri="{FF2B5EF4-FFF2-40B4-BE49-F238E27FC236}">
+                  <a16:creationId xmlns:a16="http://schemas.microsoft.com/office/drawing/2014/main" id="{5C85A7D4-B65B-41F5-80C6-EB4BBDD80E2D}"/>
+                </a:ext>
+              </a:extLst>
+            </p:cNvPr>
+            <p:cNvSpPr/>
+            <p:nvPr/>
+          </p:nvSpPr>
+          <p:spPr>
+            <a:xfrm>
+              <a:off x="1231640" y="3636919"/>
+              <a:ext cx="615820" cy="615819"/>
+            </a:xfrm>
+            <a:prstGeom prst="rect">
+              <a:avLst/>
+            </a:prstGeom>
+            <a:solidFill>
+              <a:srgbClr val="23DEB4"/>
+            </a:solidFill>
+            <a:ln>
+              <a:noFill/>
+            </a:ln>
+          </p:spPr>
+          <p:style>
+            <a:lnRef idx="2">
+              <a:schemeClr val="accent1">
+                <a:shade val="50000"/>
+              </a:schemeClr>
+            </a:lnRef>
+            <a:fillRef idx="1">
+              <a:schemeClr val="accent1"/>
+            </a:fillRef>
+            <a:effectRef idx="0">
+              <a:schemeClr val="accent1"/>
+            </a:effectRef>
+            <a:fontRef idx="minor">
+              <a:schemeClr val="lt1"/>
+            </a:fontRef>
+          </p:style>
+          <p:txBody>
+            <a:bodyPr rtlCol="0" anchor="ctr"/>
+            <a:lstStyle/>
+            <a:p>
+              <a:pPr algn="ctr"/>
+              <a:endParaRPr lang="ko-KR" altLang="en-US"/>
+            </a:p>
+          </p:txBody>
+        </p:sp>
+        <p:sp>
+          <p:nvSpPr>
+            <p:cNvPr id="81" name="직사각형 80">
+              <a:extLst>
+                <a:ext uri="{FF2B5EF4-FFF2-40B4-BE49-F238E27FC236}">
+                  <a16:creationId xmlns:a16="http://schemas.microsoft.com/office/drawing/2014/main" id="{01044F19-98C5-48E8-9640-602FC5787334}"/>
+                </a:ext>
+              </a:extLst>
+            </p:cNvPr>
+            <p:cNvSpPr/>
+            <p:nvPr/>
+          </p:nvSpPr>
+          <p:spPr>
+            <a:xfrm>
+              <a:off x="1847459" y="3636920"/>
+              <a:ext cx="615820" cy="615819"/>
+            </a:xfrm>
+            <a:prstGeom prst="rect">
+              <a:avLst/>
+            </a:prstGeom>
+            <a:solidFill>
+              <a:srgbClr val="3EE2BD"/>
+            </a:solidFill>
+            <a:ln>
+              <a:noFill/>
+            </a:ln>
+          </p:spPr>
+          <p:style>
+            <a:lnRef idx="2">
+              <a:schemeClr val="accent1">
+                <a:shade val="50000"/>
+              </a:schemeClr>
+            </a:lnRef>
+            <a:fillRef idx="1">
+              <a:schemeClr val="accent1"/>
+            </a:fillRef>
+            <a:effectRef idx="0">
+              <a:schemeClr val="accent1"/>
+            </a:effectRef>
+            <a:fontRef idx="minor">
+              <a:schemeClr val="lt1"/>
+            </a:fontRef>
+          </p:style>
+          <p:txBody>
+            <a:bodyPr rtlCol="0" anchor="ctr"/>
+            <a:lstStyle/>
+            <a:p>
+              <a:pPr algn="ctr"/>
+              <a:endParaRPr lang="ko-KR" altLang="en-US"/>
+            </a:p>
+          </p:txBody>
+        </p:sp>
+        <p:sp>
+          <p:nvSpPr>
+            <p:cNvPr id="82" name="직사각형 81">
+              <a:extLst>
+                <a:ext uri="{FF2B5EF4-FFF2-40B4-BE49-F238E27FC236}">
+                  <a16:creationId xmlns:a16="http://schemas.microsoft.com/office/drawing/2014/main" id="{87D93B4F-2411-45E1-B686-CA48E07352FB}"/>
+                </a:ext>
+              </a:extLst>
+            </p:cNvPr>
+            <p:cNvSpPr/>
+            <p:nvPr/>
+          </p:nvSpPr>
+          <p:spPr>
+            <a:xfrm>
+              <a:off x="2463279" y="3636921"/>
+              <a:ext cx="615820" cy="615819"/>
+            </a:xfrm>
+            <a:prstGeom prst="rect">
+              <a:avLst/>
+            </a:prstGeom>
+            <a:solidFill>
+              <a:srgbClr val="23DEB4"/>
+            </a:solidFill>
+            <a:ln>
+              <a:noFill/>
+            </a:ln>
+          </p:spPr>
+          <p:style>
+            <a:lnRef idx="2">
+              <a:schemeClr val="accent1">
+                <a:shade val="50000"/>
+              </a:schemeClr>
+            </a:lnRef>
+            <a:fillRef idx="1">
+              <a:schemeClr val="accent1"/>
+            </a:fillRef>
+            <a:effectRef idx="0">
+              <a:schemeClr val="accent1"/>
+            </a:effectRef>
+            <a:fontRef idx="minor">
+              <a:schemeClr val="lt1"/>
+            </a:fontRef>
+          </p:style>
+          <p:txBody>
+            <a:bodyPr rtlCol="0" anchor="ctr"/>
+            <a:lstStyle/>
+            <a:p>
+              <a:pPr algn="ctr"/>
+              <a:endParaRPr lang="ko-KR" altLang="en-US"/>
+            </a:p>
+          </p:txBody>
+        </p:sp>
+        <p:sp>
+          <p:nvSpPr>
+            <p:cNvPr id="83" name="직사각형 82">
+              <a:extLst>
+                <a:ext uri="{FF2B5EF4-FFF2-40B4-BE49-F238E27FC236}">
+                  <a16:creationId xmlns:a16="http://schemas.microsoft.com/office/drawing/2014/main" id="{9CC8386C-93C7-46E9-99EB-D1AA1F964077}"/>
+                </a:ext>
+              </a:extLst>
+            </p:cNvPr>
+            <p:cNvSpPr/>
+            <p:nvPr/>
+          </p:nvSpPr>
+          <p:spPr>
+            <a:xfrm>
+              <a:off x="3079099" y="3636922"/>
+              <a:ext cx="615820" cy="615819"/>
+            </a:xfrm>
+            <a:prstGeom prst="rect">
+              <a:avLst/>
+            </a:prstGeom>
+            <a:solidFill>
+              <a:srgbClr val="3EE2BD"/>
+            </a:solidFill>
+            <a:ln>
+              <a:noFill/>
+            </a:ln>
+          </p:spPr>
+          <p:style>
+            <a:lnRef idx="2">
+              <a:schemeClr val="accent1">
+                <a:shade val="50000"/>
+              </a:schemeClr>
+            </a:lnRef>
+            <a:fillRef idx="1">
+              <a:schemeClr val="accent1"/>
+            </a:fillRef>
+            <a:effectRef idx="0">
+              <a:schemeClr val="accent1"/>
+            </a:effectRef>
+            <a:fontRef idx="minor">
+              <a:schemeClr val="lt1"/>
+            </a:fontRef>
+          </p:style>
+          <p:txBody>
+            <a:bodyPr rtlCol="0" anchor="ctr"/>
+            <a:lstStyle/>
+            <a:p>
+              <a:pPr algn="ctr"/>
+              <a:endParaRPr lang="ko-KR" altLang="en-US"/>
+            </a:p>
+          </p:txBody>
+        </p:sp>
+        <p:sp>
+          <p:nvSpPr>
+            <p:cNvPr id="84" name="직사각형 83">
+              <a:extLst>
+                <a:ext uri="{FF2B5EF4-FFF2-40B4-BE49-F238E27FC236}">
+                  <a16:creationId xmlns:a16="http://schemas.microsoft.com/office/drawing/2014/main" id="{985D4C35-28D4-4F57-8A48-2C20CD37FEC6}"/>
+                </a:ext>
+              </a:extLst>
+            </p:cNvPr>
+            <p:cNvSpPr/>
+            <p:nvPr/>
+          </p:nvSpPr>
+          <p:spPr>
+            <a:xfrm>
+              <a:off x="3694919" y="3636923"/>
+              <a:ext cx="615820" cy="615819"/>
+            </a:xfrm>
+            <a:prstGeom prst="rect">
+              <a:avLst/>
+            </a:prstGeom>
+            <a:solidFill>
+              <a:srgbClr val="23DEB4"/>
+            </a:solidFill>
+            <a:ln>
+              <a:noFill/>
+            </a:ln>
+          </p:spPr>
+          <p:style>
+            <a:lnRef idx="2">
+              <a:schemeClr val="accent1">
+                <a:shade val="50000"/>
+              </a:schemeClr>
+            </a:lnRef>
+            <a:fillRef idx="1">
+              <a:schemeClr val="accent1"/>
+            </a:fillRef>
+            <a:effectRef idx="0">
+              <a:schemeClr val="accent1"/>
+            </a:effectRef>
+            <a:fontRef idx="minor">
+              <a:schemeClr val="lt1"/>
+            </a:fontRef>
+          </p:style>
+          <p:txBody>
+            <a:bodyPr rtlCol="0" anchor="ctr"/>
+            <a:lstStyle/>
+            <a:p>
+              <a:pPr algn="ctr"/>
+              <a:endParaRPr lang="ko-KR" altLang="en-US"/>
+            </a:p>
+          </p:txBody>
+        </p:sp>
+        <p:sp>
+          <p:nvSpPr>
+            <p:cNvPr id="85" name="직사각형 84">
+              <a:extLst>
+                <a:ext uri="{FF2B5EF4-FFF2-40B4-BE49-F238E27FC236}">
+                  <a16:creationId xmlns:a16="http://schemas.microsoft.com/office/drawing/2014/main" id="{10BA05C9-BFCB-45AA-99FC-8621EE66B67E}"/>
+                </a:ext>
+              </a:extLst>
+            </p:cNvPr>
+            <p:cNvSpPr/>
+            <p:nvPr/>
+          </p:nvSpPr>
+          <p:spPr>
+            <a:xfrm>
+              <a:off x="4310737" y="3636924"/>
+              <a:ext cx="615820" cy="615819"/>
+            </a:xfrm>
+            <a:prstGeom prst="rect">
+              <a:avLst/>
+            </a:prstGeom>
+            <a:solidFill>
+              <a:srgbClr val="3EE2BD"/>
+            </a:solidFill>
+            <a:ln>
+              <a:noFill/>
+            </a:ln>
+          </p:spPr>
+          <p:style>
+            <a:lnRef idx="2">
+              <a:schemeClr val="accent1">
+                <a:shade val="50000"/>
+              </a:schemeClr>
+            </a:lnRef>
+            <a:fillRef idx="1">
+              <a:schemeClr val="accent1"/>
+            </a:fillRef>
+            <a:effectRef idx="0">
+              <a:schemeClr val="accent1"/>
+            </a:effectRef>
+            <a:fontRef idx="minor">
+              <a:schemeClr val="lt1"/>
+            </a:fontRef>
+          </p:style>
+          <p:txBody>
+            <a:bodyPr rtlCol="0" anchor="ctr"/>
+            <a:lstStyle/>
+            <a:p>
+              <a:pPr algn="ctr"/>
+              <a:endParaRPr lang="ko-KR" altLang="en-US"/>
+            </a:p>
+          </p:txBody>
+        </p:sp>
+        <p:sp>
+          <p:nvSpPr>
+            <p:cNvPr id="86" name="직사각형 85">
+              <a:extLst>
+                <a:ext uri="{FF2B5EF4-FFF2-40B4-BE49-F238E27FC236}">
+                  <a16:creationId xmlns:a16="http://schemas.microsoft.com/office/drawing/2014/main" id="{C8175FAC-E89A-4A15-82E3-230177328C6D}"/>
+                </a:ext>
+              </a:extLst>
+            </p:cNvPr>
+            <p:cNvSpPr/>
+            <p:nvPr/>
+          </p:nvSpPr>
+          <p:spPr>
+            <a:xfrm>
+              <a:off x="4926557" y="3636925"/>
+              <a:ext cx="615820" cy="615819"/>
+            </a:xfrm>
+            <a:prstGeom prst="rect">
+              <a:avLst/>
+            </a:prstGeom>
+            <a:solidFill>
+              <a:srgbClr val="23DEB4"/>
+            </a:solidFill>
+            <a:ln>
+              <a:noFill/>
+            </a:ln>
+          </p:spPr>
+          <p:style>
+            <a:lnRef idx="2">
+              <a:schemeClr val="accent1">
+                <a:shade val="50000"/>
+              </a:schemeClr>
+            </a:lnRef>
+            <a:fillRef idx="1">
+              <a:schemeClr val="accent1"/>
+            </a:fillRef>
+            <a:effectRef idx="0">
+              <a:schemeClr val="accent1"/>
+            </a:effectRef>
+            <a:fontRef idx="minor">
+              <a:schemeClr val="lt1"/>
+            </a:fontRef>
+          </p:style>
+          <p:txBody>
+            <a:bodyPr rtlCol="0" anchor="ctr"/>
+            <a:lstStyle/>
+            <a:p>
+              <a:pPr algn="ctr"/>
+              <a:endParaRPr lang="ko-KR" altLang="en-US"/>
+            </a:p>
+          </p:txBody>
+        </p:sp>
+        <p:sp>
+          <p:nvSpPr>
+            <p:cNvPr id="87" name="직사각형 86">
+              <a:extLst>
+                <a:ext uri="{FF2B5EF4-FFF2-40B4-BE49-F238E27FC236}">
+                  <a16:creationId xmlns:a16="http://schemas.microsoft.com/office/drawing/2014/main" id="{41020454-92B0-4590-B8B0-D813C4B856BE}"/>
+                </a:ext>
+              </a:extLst>
+            </p:cNvPr>
+            <p:cNvSpPr/>
+            <p:nvPr/>
+          </p:nvSpPr>
+          <p:spPr>
+            <a:xfrm>
+              <a:off x="5542377" y="3636926"/>
+              <a:ext cx="615820" cy="615820"/>
+            </a:xfrm>
+            <a:prstGeom prst="rect">
+              <a:avLst/>
+            </a:prstGeom>
+            <a:solidFill>
+              <a:srgbClr val="3EE2BD"/>
+            </a:solidFill>
+            <a:ln>
+              <a:noFill/>
+            </a:ln>
+          </p:spPr>
+          <p:style>
+            <a:lnRef idx="2">
+              <a:schemeClr val="accent1">
+                <a:shade val="50000"/>
+              </a:schemeClr>
+            </a:lnRef>
+            <a:fillRef idx="1">
+              <a:schemeClr val="accent1"/>
+            </a:fillRef>
+            <a:effectRef idx="0">
+              <a:schemeClr val="accent1"/>
+            </a:effectRef>
+            <a:fontRef idx="minor">
+              <a:schemeClr val="lt1"/>
+            </a:fontRef>
+          </p:style>
+          <p:txBody>
+            <a:bodyPr rtlCol="0" anchor="ctr"/>
+            <a:lstStyle/>
+            <a:p>
+              <a:pPr algn="ctr"/>
+              <a:endParaRPr lang="ko-KR" altLang="en-US"/>
+            </a:p>
+          </p:txBody>
+        </p:sp>
+        <p:sp>
+          <p:nvSpPr>
+            <p:cNvPr id="88" name="직사각형 87">
+              <a:extLst>
+                <a:ext uri="{FF2B5EF4-FFF2-40B4-BE49-F238E27FC236}">
+                  <a16:creationId xmlns:a16="http://schemas.microsoft.com/office/drawing/2014/main" id="{8975284E-2D7E-48FC-B524-9E6B5C0B67D6}"/>
+                </a:ext>
+              </a:extLst>
+            </p:cNvPr>
+            <p:cNvSpPr/>
+            <p:nvPr/>
+          </p:nvSpPr>
+          <p:spPr>
+            <a:xfrm>
+              <a:off x="6158197" y="3636927"/>
+              <a:ext cx="615820" cy="615820"/>
+            </a:xfrm>
+            <a:prstGeom prst="rect">
+              <a:avLst/>
+            </a:prstGeom>
+            <a:solidFill>
+              <a:srgbClr val="23DEB4"/>
+            </a:solidFill>
+            <a:ln>
+              <a:noFill/>
+            </a:ln>
+          </p:spPr>
+          <p:style>
+            <a:lnRef idx="2">
+              <a:schemeClr val="accent1">
+                <a:shade val="50000"/>
+              </a:schemeClr>
+            </a:lnRef>
+            <a:fillRef idx="1">
+              <a:schemeClr val="accent1"/>
+            </a:fillRef>
+            <a:effectRef idx="0">
+              <a:schemeClr val="accent1"/>
+            </a:effectRef>
+            <a:fontRef idx="minor">
+              <a:schemeClr val="lt1"/>
+            </a:fontRef>
+          </p:style>
+          <p:txBody>
+            <a:bodyPr rtlCol="0" anchor="ctr"/>
+            <a:lstStyle/>
+            <a:p>
+              <a:pPr algn="ctr"/>
+              <a:endParaRPr lang="ko-KR" altLang="en-US"/>
+            </a:p>
+          </p:txBody>
+        </p:sp>
+        <p:sp>
+          <p:nvSpPr>
+            <p:cNvPr id="89" name="직사각형 88">
+              <a:extLst>
+                <a:ext uri="{FF2B5EF4-FFF2-40B4-BE49-F238E27FC236}">
+                  <a16:creationId xmlns:a16="http://schemas.microsoft.com/office/drawing/2014/main" id="{E7584DF0-2156-4999-AFAB-D71030C9B734}"/>
+                </a:ext>
+              </a:extLst>
+            </p:cNvPr>
+            <p:cNvSpPr/>
+            <p:nvPr/>
+          </p:nvSpPr>
+          <p:spPr>
+            <a:xfrm>
+              <a:off x="6774016" y="3636928"/>
+              <a:ext cx="615820" cy="615820"/>
+            </a:xfrm>
+            <a:prstGeom prst="rect">
+              <a:avLst/>
+            </a:prstGeom>
+            <a:solidFill>
+              <a:srgbClr val="3EE2BD"/>
+            </a:solidFill>
+            <a:ln>
+              <a:noFill/>
+            </a:ln>
+          </p:spPr>
+          <p:style>
+            <a:lnRef idx="2">
+              <a:schemeClr val="accent1">
+                <a:shade val="50000"/>
+              </a:schemeClr>
+            </a:lnRef>
+            <a:fillRef idx="1">
+              <a:schemeClr val="accent1"/>
+            </a:fillRef>
+            <a:effectRef idx="0">
+              <a:schemeClr val="accent1"/>
+            </a:effectRef>
+            <a:fontRef idx="minor">
+              <a:schemeClr val="lt1"/>
+            </a:fontRef>
+          </p:style>
+          <p:txBody>
+            <a:bodyPr rtlCol="0" anchor="ctr"/>
+            <a:lstStyle/>
+            <a:p>
+              <a:pPr algn="ctr"/>
+              <a:endParaRPr lang="ko-KR" altLang="en-US"/>
+            </a:p>
+          </p:txBody>
+        </p:sp>
+        <p:sp>
+          <p:nvSpPr>
+            <p:cNvPr id="90" name="직사각형 89">
+              <a:extLst>
+                <a:ext uri="{FF2B5EF4-FFF2-40B4-BE49-F238E27FC236}">
+                  <a16:creationId xmlns:a16="http://schemas.microsoft.com/office/drawing/2014/main" id="{5545C66F-9CF7-4FD9-9E46-AE5CAD609BBE}"/>
+                </a:ext>
+              </a:extLst>
+            </p:cNvPr>
+            <p:cNvSpPr/>
+            <p:nvPr/>
+          </p:nvSpPr>
+          <p:spPr>
+            <a:xfrm>
+              <a:off x="615820" y="4252748"/>
+              <a:ext cx="615820" cy="615820"/>
+            </a:xfrm>
+            <a:prstGeom prst="rect">
+              <a:avLst/>
+            </a:prstGeom>
+            <a:solidFill>
+              <a:srgbClr val="23DEB4"/>
+            </a:solidFill>
+            <a:ln>
+              <a:noFill/>
+            </a:ln>
+          </p:spPr>
+          <p:style>
+            <a:lnRef idx="2">
+              <a:schemeClr val="accent1">
+                <a:shade val="50000"/>
+              </a:schemeClr>
+            </a:lnRef>
+            <a:fillRef idx="1">
+              <a:schemeClr val="accent1"/>
+            </a:fillRef>
+            <a:effectRef idx="0">
+              <a:schemeClr val="accent1"/>
+            </a:effectRef>
+            <a:fontRef idx="minor">
+              <a:schemeClr val="lt1"/>
+            </a:fontRef>
+          </p:style>
+          <p:txBody>
+            <a:bodyPr rtlCol="0" anchor="ctr"/>
+            <a:lstStyle/>
+            <a:p>
+              <a:pPr algn="ctr"/>
+              <a:endParaRPr lang="ko-KR" altLang="en-US"/>
+            </a:p>
+          </p:txBody>
+        </p:sp>
+        <p:sp>
+          <p:nvSpPr>
+            <p:cNvPr id="91" name="직사각형 90">
+              <a:extLst>
+                <a:ext uri="{FF2B5EF4-FFF2-40B4-BE49-F238E27FC236}">
+                  <a16:creationId xmlns:a16="http://schemas.microsoft.com/office/drawing/2014/main" id="{57DC8CCD-DB68-45B3-B304-B103222B6ACE}"/>
+                </a:ext>
+              </a:extLst>
+            </p:cNvPr>
+            <p:cNvSpPr/>
+            <p:nvPr/>
+          </p:nvSpPr>
+          <p:spPr>
+            <a:xfrm>
+              <a:off x="1231640" y="4252748"/>
+              <a:ext cx="615820" cy="615820"/>
+            </a:xfrm>
+            <a:prstGeom prst="rect">
+              <a:avLst/>
+            </a:prstGeom>
+            <a:solidFill>
+              <a:srgbClr val="3EE2BD"/>
+            </a:solidFill>
+            <a:ln>
+              <a:noFill/>
+            </a:ln>
+          </p:spPr>
+          <p:style>
+            <a:lnRef idx="2">
+              <a:schemeClr val="accent1">
+                <a:shade val="50000"/>
+              </a:schemeClr>
+            </a:lnRef>
+            <a:fillRef idx="1">
+              <a:schemeClr val="accent1"/>
+            </a:fillRef>
+            <a:effectRef idx="0">
+              <a:schemeClr val="accent1"/>
+            </a:effectRef>
+            <a:fontRef idx="minor">
+              <a:schemeClr val="lt1"/>
+            </a:fontRef>
+          </p:style>
+          <p:txBody>
+            <a:bodyPr rtlCol="0" anchor="ctr"/>
+            <a:lstStyle/>
+            <a:p>
+              <a:pPr algn="ctr"/>
+              <a:endParaRPr lang="ko-KR" altLang="en-US"/>
+            </a:p>
+          </p:txBody>
+        </p:sp>
+        <p:sp>
+          <p:nvSpPr>
+            <p:cNvPr id="92" name="직사각형 91">
+              <a:extLst>
+                <a:ext uri="{FF2B5EF4-FFF2-40B4-BE49-F238E27FC236}">
+                  <a16:creationId xmlns:a16="http://schemas.microsoft.com/office/drawing/2014/main" id="{28E97660-90A7-4481-B119-3802E745C73C}"/>
+                </a:ext>
+              </a:extLst>
+            </p:cNvPr>
+            <p:cNvSpPr/>
+            <p:nvPr/>
+          </p:nvSpPr>
+          <p:spPr>
+            <a:xfrm>
+              <a:off x="1847459" y="4252748"/>
+              <a:ext cx="615820" cy="615820"/>
+            </a:xfrm>
+            <a:prstGeom prst="rect">
+              <a:avLst/>
+            </a:prstGeom>
+            <a:solidFill>
+              <a:srgbClr val="23DEB4"/>
+            </a:solidFill>
+            <a:ln>
+              <a:noFill/>
+            </a:ln>
+          </p:spPr>
+          <p:style>
+            <a:lnRef idx="2">
+              <a:schemeClr val="accent1">
+                <a:shade val="50000"/>
+              </a:schemeClr>
+            </a:lnRef>
+            <a:fillRef idx="1">
+              <a:schemeClr val="accent1"/>
+            </a:fillRef>
+            <a:effectRef idx="0">
+              <a:schemeClr val="accent1"/>
+            </a:effectRef>
+            <a:fontRef idx="minor">
+              <a:schemeClr val="lt1"/>
+            </a:fontRef>
+          </p:style>
+          <p:txBody>
+            <a:bodyPr rtlCol="0" anchor="ctr"/>
+            <a:lstStyle/>
+            <a:p>
+              <a:pPr algn="ctr"/>
+              <a:endParaRPr lang="ko-KR" altLang="en-US"/>
+            </a:p>
+          </p:txBody>
+        </p:sp>
+        <p:sp>
+          <p:nvSpPr>
+            <p:cNvPr id="93" name="직사각형 92">
+              <a:extLst>
+                <a:ext uri="{FF2B5EF4-FFF2-40B4-BE49-F238E27FC236}">
+                  <a16:creationId xmlns:a16="http://schemas.microsoft.com/office/drawing/2014/main" id="{3A5C8FD5-750E-4F24-AC65-9F99CA1BF18E}"/>
+                </a:ext>
+              </a:extLst>
+            </p:cNvPr>
+            <p:cNvSpPr/>
+            <p:nvPr/>
+          </p:nvSpPr>
+          <p:spPr>
+            <a:xfrm>
+              <a:off x="2463279" y="4252748"/>
+              <a:ext cx="615820" cy="615820"/>
+            </a:xfrm>
+            <a:prstGeom prst="rect">
+              <a:avLst/>
+            </a:prstGeom>
+            <a:solidFill>
+              <a:srgbClr val="3EE2BD"/>
+            </a:solidFill>
+            <a:ln>
+              <a:noFill/>
+            </a:ln>
+          </p:spPr>
+          <p:style>
+            <a:lnRef idx="2">
+              <a:schemeClr val="accent1">
+                <a:shade val="50000"/>
+              </a:schemeClr>
+            </a:lnRef>
+            <a:fillRef idx="1">
+              <a:schemeClr val="accent1"/>
+            </a:fillRef>
+            <a:effectRef idx="0">
+              <a:schemeClr val="accent1"/>
+            </a:effectRef>
+            <a:fontRef idx="minor">
+              <a:schemeClr val="lt1"/>
+            </a:fontRef>
+          </p:style>
+          <p:txBody>
+            <a:bodyPr rtlCol="0" anchor="ctr"/>
+            <a:lstStyle/>
+            <a:p>
+              <a:pPr algn="ctr"/>
+              <a:endParaRPr lang="ko-KR" altLang="en-US"/>
+            </a:p>
+          </p:txBody>
+        </p:sp>
+        <p:sp>
+          <p:nvSpPr>
+            <p:cNvPr id="94" name="직사각형 93">
+              <a:extLst>
+                <a:ext uri="{FF2B5EF4-FFF2-40B4-BE49-F238E27FC236}">
+                  <a16:creationId xmlns:a16="http://schemas.microsoft.com/office/drawing/2014/main" id="{86DA66C7-CAA2-4241-861A-5BEA3EF810E7}"/>
+                </a:ext>
+              </a:extLst>
+            </p:cNvPr>
+            <p:cNvSpPr/>
+            <p:nvPr/>
+          </p:nvSpPr>
+          <p:spPr>
+            <a:xfrm>
+              <a:off x="3079099" y="4252748"/>
+              <a:ext cx="615820" cy="615820"/>
+            </a:xfrm>
+            <a:prstGeom prst="rect">
+              <a:avLst/>
+            </a:prstGeom>
+            <a:solidFill>
+              <a:srgbClr val="23DEB4"/>
+            </a:solidFill>
+            <a:ln>
+              <a:noFill/>
+            </a:ln>
+          </p:spPr>
+          <p:style>
+            <a:lnRef idx="2">
+              <a:schemeClr val="accent1">
+                <a:shade val="50000"/>
+              </a:schemeClr>
+            </a:lnRef>
+            <a:fillRef idx="1">
+              <a:schemeClr val="accent1"/>
+            </a:fillRef>
+            <a:effectRef idx="0">
+              <a:schemeClr val="accent1"/>
+            </a:effectRef>
+            <a:fontRef idx="minor">
+              <a:schemeClr val="lt1"/>
+            </a:fontRef>
+          </p:style>
+          <p:txBody>
+            <a:bodyPr rtlCol="0" anchor="ctr"/>
+            <a:lstStyle/>
+            <a:p>
+              <a:pPr algn="ctr"/>
+              <a:endParaRPr lang="ko-KR" altLang="en-US"/>
+            </a:p>
+          </p:txBody>
+        </p:sp>
+        <p:sp>
+          <p:nvSpPr>
+            <p:cNvPr id="95" name="직사각형 94">
+              <a:extLst>
+                <a:ext uri="{FF2B5EF4-FFF2-40B4-BE49-F238E27FC236}">
+                  <a16:creationId xmlns:a16="http://schemas.microsoft.com/office/drawing/2014/main" id="{0E1D21DD-F6C9-46C2-9DDD-F45A2063CFFE}"/>
+                </a:ext>
+              </a:extLst>
+            </p:cNvPr>
+            <p:cNvSpPr/>
+            <p:nvPr/>
+          </p:nvSpPr>
+          <p:spPr>
+            <a:xfrm>
+              <a:off x="3694919" y="4252748"/>
+              <a:ext cx="615820" cy="615820"/>
+            </a:xfrm>
+            <a:prstGeom prst="rect">
+              <a:avLst/>
+            </a:prstGeom>
+            <a:solidFill>
+              <a:srgbClr val="3EE2BD"/>
+            </a:solidFill>
+            <a:ln>
+              <a:noFill/>
+            </a:ln>
+          </p:spPr>
+          <p:style>
+            <a:lnRef idx="2">
+              <a:schemeClr val="accent1">
+                <a:shade val="50000"/>
+              </a:schemeClr>
+            </a:lnRef>
+            <a:fillRef idx="1">
+              <a:schemeClr val="accent1"/>
+            </a:fillRef>
+            <a:effectRef idx="0">
+              <a:schemeClr val="accent1"/>
+            </a:effectRef>
+            <a:fontRef idx="minor">
+              <a:schemeClr val="lt1"/>
+            </a:fontRef>
+          </p:style>
+          <p:txBody>
+            <a:bodyPr rtlCol="0" anchor="ctr"/>
+            <a:lstStyle/>
+            <a:p>
+              <a:pPr algn="ctr"/>
+              <a:endParaRPr lang="ko-KR" altLang="en-US"/>
+            </a:p>
+          </p:txBody>
+        </p:sp>
+        <p:sp>
+          <p:nvSpPr>
+            <p:cNvPr id="96" name="직사각형 95">
+              <a:extLst>
+                <a:ext uri="{FF2B5EF4-FFF2-40B4-BE49-F238E27FC236}">
+                  <a16:creationId xmlns:a16="http://schemas.microsoft.com/office/drawing/2014/main" id="{A0B17955-DE35-4218-A27F-ED5029E5AF46}"/>
+                </a:ext>
+              </a:extLst>
+            </p:cNvPr>
+            <p:cNvSpPr/>
+            <p:nvPr/>
+          </p:nvSpPr>
+          <p:spPr>
+            <a:xfrm>
+              <a:off x="4310737" y="4252748"/>
+              <a:ext cx="615820" cy="615820"/>
+            </a:xfrm>
+            <a:prstGeom prst="rect">
+              <a:avLst/>
+            </a:prstGeom>
+            <a:solidFill>
+              <a:srgbClr val="23DEB4"/>
+            </a:solidFill>
+            <a:ln>
+              <a:noFill/>
+            </a:ln>
+          </p:spPr>
+          <p:style>
+            <a:lnRef idx="2">
+              <a:schemeClr val="accent1">
+                <a:shade val="50000"/>
+              </a:schemeClr>
+            </a:lnRef>
+            <a:fillRef idx="1">
+              <a:schemeClr val="accent1"/>
+            </a:fillRef>
+            <a:effectRef idx="0">
+              <a:schemeClr val="accent1"/>
+            </a:effectRef>
+            <a:fontRef idx="minor">
+              <a:schemeClr val="lt1"/>
+            </a:fontRef>
+          </p:style>
+          <p:txBody>
+            <a:bodyPr rtlCol="0" anchor="ctr"/>
+            <a:lstStyle/>
+            <a:p>
+              <a:pPr algn="ctr"/>
+              <a:endParaRPr lang="ko-KR" altLang="en-US"/>
+            </a:p>
+          </p:txBody>
+        </p:sp>
+        <p:sp>
+          <p:nvSpPr>
+            <p:cNvPr id="97" name="직사각형 96">
+              <a:extLst>
+                <a:ext uri="{FF2B5EF4-FFF2-40B4-BE49-F238E27FC236}">
+                  <a16:creationId xmlns:a16="http://schemas.microsoft.com/office/drawing/2014/main" id="{F3AD21EB-0C36-410F-9195-7DDF27638893}"/>
+                </a:ext>
+              </a:extLst>
+            </p:cNvPr>
+            <p:cNvSpPr/>
+            <p:nvPr/>
+          </p:nvSpPr>
+          <p:spPr>
+            <a:xfrm>
+              <a:off x="4926557" y="4252748"/>
+              <a:ext cx="615820" cy="615820"/>
+            </a:xfrm>
+            <a:prstGeom prst="rect">
+              <a:avLst/>
+            </a:prstGeom>
+            <a:solidFill>
+              <a:srgbClr val="3EE2BD"/>
+            </a:solidFill>
+            <a:ln>
+              <a:noFill/>
+            </a:ln>
+          </p:spPr>
+          <p:style>
+            <a:lnRef idx="2">
+              <a:schemeClr val="accent1">
+                <a:shade val="50000"/>
+              </a:schemeClr>
+            </a:lnRef>
+            <a:fillRef idx="1">
+              <a:schemeClr val="accent1"/>
+            </a:fillRef>
+            <a:effectRef idx="0">
+              <a:schemeClr val="accent1"/>
+            </a:effectRef>
+            <a:fontRef idx="minor">
+              <a:schemeClr val="lt1"/>
+            </a:fontRef>
+          </p:style>
+          <p:txBody>
+            <a:bodyPr rtlCol="0" anchor="ctr"/>
+            <a:lstStyle/>
+            <a:p>
+              <a:pPr algn="ctr"/>
+              <a:endParaRPr lang="ko-KR" altLang="en-US"/>
+            </a:p>
+          </p:txBody>
+        </p:sp>
+        <p:sp>
+          <p:nvSpPr>
+            <p:cNvPr id="98" name="직사각형 97">
+              <a:extLst>
+                <a:ext uri="{FF2B5EF4-FFF2-40B4-BE49-F238E27FC236}">
+                  <a16:creationId xmlns:a16="http://schemas.microsoft.com/office/drawing/2014/main" id="{978E6BB4-CB53-4472-B3AB-71851E58B163}"/>
+                </a:ext>
+              </a:extLst>
+            </p:cNvPr>
+            <p:cNvSpPr/>
+            <p:nvPr/>
+          </p:nvSpPr>
+          <p:spPr>
+            <a:xfrm>
+              <a:off x="5542377" y="4252745"/>
+              <a:ext cx="615820" cy="615819"/>
+            </a:xfrm>
+            <a:prstGeom prst="rect">
+              <a:avLst/>
+            </a:prstGeom>
+            <a:solidFill>
+              <a:srgbClr val="23DEB4"/>
+            </a:solidFill>
+            <a:ln>
+              <a:noFill/>
+            </a:ln>
+          </p:spPr>
+          <p:style>
+            <a:lnRef idx="2">
+              <a:schemeClr val="accent1">
+                <a:shade val="50000"/>
+              </a:schemeClr>
+            </a:lnRef>
+            <a:fillRef idx="1">
+              <a:schemeClr val="accent1"/>
+            </a:fillRef>
+            <a:effectRef idx="0">
+              <a:schemeClr val="accent1"/>
+            </a:effectRef>
+            <a:fontRef idx="minor">
+              <a:schemeClr val="lt1"/>
+            </a:fontRef>
+          </p:style>
+          <p:txBody>
+            <a:bodyPr rtlCol="0" anchor="ctr"/>
+            <a:lstStyle/>
+            <a:p>
+              <a:pPr algn="ctr"/>
+              <a:endParaRPr lang="ko-KR" altLang="en-US"/>
+            </a:p>
+          </p:txBody>
+        </p:sp>
+        <p:sp>
+          <p:nvSpPr>
+            <p:cNvPr id="99" name="직사각형 98">
+              <a:extLst>
+                <a:ext uri="{FF2B5EF4-FFF2-40B4-BE49-F238E27FC236}">
+                  <a16:creationId xmlns:a16="http://schemas.microsoft.com/office/drawing/2014/main" id="{8EF3F535-4CBB-45DD-AB99-4361DA8CBE01}"/>
+                </a:ext>
+              </a:extLst>
+            </p:cNvPr>
+            <p:cNvSpPr/>
+            <p:nvPr/>
+          </p:nvSpPr>
+          <p:spPr>
+            <a:xfrm>
+              <a:off x="6158197" y="4252748"/>
+              <a:ext cx="615820" cy="615820"/>
+            </a:xfrm>
+            <a:prstGeom prst="rect">
+              <a:avLst/>
+            </a:prstGeom>
+            <a:solidFill>
+              <a:srgbClr val="3EE2BD"/>
+            </a:solidFill>
+            <a:ln>
+              <a:noFill/>
+            </a:ln>
+          </p:spPr>
+          <p:style>
+            <a:lnRef idx="2">
+              <a:schemeClr val="accent1">
+                <a:shade val="50000"/>
+              </a:schemeClr>
+            </a:lnRef>
+            <a:fillRef idx="1">
+              <a:schemeClr val="accent1"/>
+            </a:fillRef>
+            <a:effectRef idx="0">
+              <a:schemeClr val="accent1"/>
+            </a:effectRef>
+            <a:fontRef idx="minor">
+              <a:schemeClr val="lt1"/>
+            </a:fontRef>
+          </p:style>
+          <p:txBody>
+            <a:bodyPr rtlCol="0" anchor="ctr"/>
+            <a:lstStyle/>
+            <a:p>
+              <a:pPr algn="ctr"/>
+              <a:endParaRPr lang="ko-KR" altLang="en-US"/>
+            </a:p>
+          </p:txBody>
+        </p:sp>
+        <p:sp>
+          <p:nvSpPr>
+            <p:cNvPr id="100" name="직사각형 99">
+              <a:extLst>
+                <a:ext uri="{FF2B5EF4-FFF2-40B4-BE49-F238E27FC236}">
+                  <a16:creationId xmlns:a16="http://schemas.microsoft.com/office/drawing/2014/main" id="{87C44432-6251-48B4-97B0-1DCCCFC455C4}"/>
+                </a:ext>
+              </a:extLst>
+            </p:cNvPr>
+            <p:cNvSpPr/>
+            <p:nvPr/>
+          </p:nvSpPr>
+          <p:spPr>
+            <a:xfrm>
+              <a:off x="6774016" y="4252750"/>
+              <a:ext cx="615820" cy="615820"/>
+            </a:xfrm>
+            <a:prstGeom prst="rect">
+              <a:avLst/>
+            </a:prstGeom>
+            <a:solidFill>
+              <a:srgbClr val="23DEB4"/>
+            </a:solidFill>
+            <a:ln>
+              <a:noFill/>
+            </a:ln>
+          </p:spPr>
+          <p:style>
+            <a:lnRef idx="2">
+              <a:schemeClr val="accent1">
+                <a:shade val="50000"/>
+              </a:schemeClr>
+            </a:lnRef>
+            <a:fillRef idx="1">
+              <a:schemeClr val="accent1"/>
+            </a:fillRef>
+            <a:effectRef idx="0">
+              <a:schemeClr val="accent1"/>
+            </a:effectRef>
+            <a:fontRef idx="minor">
+              <a:schemeClr val="lt1"/>
+            </a:fontRef>
+          </p:style>
+          <p:txBody>
+            <a:bodyPr rtlCol="0" anchor="ctr"/>
+            <a:lstStyle/>
+            <a:p>
+              <a:pPr algn="ctr"/>
+              <a:endParaRPr lang="ko-KR" altLang="en-US"/>
+            </a:p>
+          </p:txBody>
+        </p:sp>
+        <p:sp>
+          <p:nvSpPr>
+            <p:cNvPr id="101" name="직사각형 100">
+              <a:extLst>
+                <a:ext uri="{FF2B5EF4-FFF2-40B4-BE49-F238E27FC236}">
+                  <a16:creationId xmlns:a16="http://schemas.microsoft.com/office/drawing/2014/main" id="{ABE73225-9A46-4870-9988-A4CF234779F6}"/>
+                </a:ext>
+              </a:extLst>
+            </p:cNvPr>
+            <p:cNvSpPr/>
+            <p:nvPr/>
+          </p:nvSpPr>
+          <p:spPr>
+            <a:xfrm>
+              <a:off x="0" y="4252749"/>
+              <a:ext cx="615820" cy="615820"/>
+            </a:xfrm>
+            <a:prstGeom prst="rect">
+              <a:avLst/>
+            </a:prstGeom>
+            <a:solidFill>
+              <a:srgbClr val="3EE2BD"/>
+            </a:solidFill>
+            <a:ln>
+              <a:noFill/>
+            </a:ln>
+          </p:spPr>
+          <p:style>
+            <a:lnRef idx="2">
+              <a:schemeClr val="accent1">
+                <a:shade val="50000"/>
+              </a:schemeClr>
+            </a:lnRef>
+            <a:fillRef idx="1">
+              <a:schemeClr val="accent1"/>
+            </a:fillRef>
+            <a:effectRef idx="0">
+              <a:schemeClr val="accent1"/>
+            </a:effectRef>
+            <a:fontRef idx="minor">
+              <a:schemeClr val="lt1"/>
+            </a:fontRef>
+          </p:style>
+          <p:txBody>
+            <a:bodyPr rtlCol="0" anchor="ctr"/>
+            <a:lstStyle/>
+            <a:p>
+              <a:pPr algn="ctr"/>
+              <a:endParaRPr lang="ko-KR" altLang="en-US"/>
+            </a:p>
+          </p:txBody>
+        </p:sp>
+      </p:grpSp>
+      <p:sp>
+        <p:nvSpPr>
+          <p:cNvPr id="104" name="직사각형 103">
+            <a:extLst>
+              <a:ext uri="{FF2B5EF4-FFF2-40B4-BE49-F238E27FC236}">
+                <a16:creationId xmlns:a16="http://schemas.microsoft.com/office/drawing/2014/main" id="{176E8114-4E5C-4878-A165-01D2863AD27F}"/>
+              </a:ext>
+            </a:extLst>
+          </p:cNvPr>
+          <p:cNvSpPr/>
+          <p:nvPr/>
+        </p:nvSpPr>
+        <p:spPr>
+          <a:xfrm>
+            <a:off x="7084271" y="4944660"/>
+            <a:ext cx="1336492" cy="51709"/>
+          </a:xfrm>
+          <a:prstGeom prst="rect">
+            <a:avLst/>
+          </a:prstGeom>
+          <a:solidFill>
+            <a:schemeClr val="bg1"/>
+          </a:solidFill>
+          <a:ln>
+            <a:noFill/>
+          </a:ln>
+          <a:effectLst>
+            <a:outerShdw blurRad="50800" dist="38100" dir="5400000" algn="t" rotWithShape="0">
+              <a:prstClr val="black">
+                <a:alpha val="40000"/>
+              </a:prstClr>
+            </a:outerShdw>
+          </a:effectLst>
+        </p:spPr>
+        <p:style>
+          <a:lnRef idx="2">
+            <a:schemeClr val="accent1">
+              <a:shade val="50000"/>
+            </a:schemeClr>
+          </a:lnRef>
+          <a:fillRef idx="1">
+            <a:schemeClr val="accent1"/>
+          </a:fillRef>
+          <a:effectRef idx="0">
+            <a:schemeClr val="accent1"/>
+          </a:effectRef>
+          <a:fontRef idx="minor">
+            <a:schemeClr val="lt1"/>
+          </a:fontRef>
+        </p:style>
+        <p:txBody>
+          <a:bodyPr rtlCol="0" anchor="ctr"/>
+          <a:lstStyle/>
+          <a:p>
+            <a:pPr algn="ctr"/>
+            <a:endParaRPr lang="ko-KR" altLang="en-US"/>
+          </a:p>
+        </p:txBody>
+      </p:sp>
+      <p:sp>
+        <p:nvSpPr>
+          <p:cNvPr id="105" name="직사각형 104">
+            <a:extLst>
+              <a:ext uri="{FF2B5EF4-FFF2-40B4-BE49-F238E27FC236}">
+                <a16:creationId xmlns:a16="http://schemas.microsoft.com/office/drawing/2014/main" id="{842B8762-733B-4054-953C-2D0C2412304C}"/>
+              </a:ext>
+            </a:extLst>
+          </p:cNvPr>
+          <p:cNvSpPr/>
+          <p:nvPr/>
+        </p:nvSpPr>
+        <p:spPr>
+          <a:xfrm>
+            <a:off x="5212585" y="3051974"/>
+            <a:ext cx="1766830" cy="754053"/>
+          </a:xfrm>
+          <a:prstGeom prst="rect">
+            <a:avLst/>
+          </a:prstGeom>
+          <a:noFill/>
+          <a:effectLst>
+            <a:outerShdw blurRad="50800" dist="25400" dir="3000000" algn="tl" rotWithShape="0">
+              <a:prstClr val="black">
+                <a:alpha val="40000"/>
+              </a:prstClr>
+            </a:outerShdw>
+          </a:effectLst>
+        </p:spPr>
+        <p:txBody>
+          <a:bodyPr wrap="none" lIns="91440" tIns="45720" rIns="91440" bIns="45720">
+            <a:spAutoFit/>
+          </a:bodyPr>
+          <a:lstStyle/>
+          <a:p>
+            <a:pPr algn="ctr"/>
+            <a:r>
+              <a:rPr lang="en-US" altLang="ko-KR" sz="3200" b="1" dirty="0">
+                <a:ln w="0"/>
+                <a:solidFill>
+                  <a:schemeClr val="bg1"/>
+                </a:solidFill>
+                <a:latin typeface="Agency FB" panose="020B0503020202020204" pitchFamily="34" charset="0"/>
+                <a:ea typeface="휴먼모음T" panose="02030504000101010101" pitchFamily="18" charset="-127"/>
+              </a:rPr>
+              <a:t>GAME OVER</a:t>
+            </a:r>
+          </a:p>
+          <a:p>
+            <a:pPr algn="ctr"/>
+            <a:r>
+              <a:rPr lang="ko-KR" altLang="en-US" sz="1100" b="0" cap="none" spc="0" dirty="0">
+                <a:ln w="0"/>
+                <a:solidFill>
+                  <a:schemeClr val="bg1"/>
+                </a:solidFill>
+                <a:latin typeface="Agency FB" panose="020B0503020202020204" pitchFamily="34" charset="0"/>
+                <a:ea typeface="휴먼모음T" panose="02030504000101010101" pitchFamily="18" charset="-127"/>
+              </a:rPr>
+              <a:t>게임 오버</a:t>
+            </a:r>
+            <a:endParaRPr lang="en-US" altLang="ko-KR" sz="1100" b="0" cap="none" spc="0" dirty="0">
+              <a:ln w="0"/>
+              <a:solidFill>
+                <a:schemeClr val="bg1"/>
+              </a:solidFill>
+              <a:latin typeface="Agency FB" panose="020B0503020202020204" pitchFamily="34" charset="0"/>
+              <a:ea typeface="휴먼모음T" panose="02030504000101010101" pitchFamily="18" charset="-127"/>
+            </a:endParaRPr>
+          </a:p>
+        </p:txBody>
+      </p:sp>
+      <p:sp>
+        <p:nvSpPr>
+          <p:cNvPr id="2" name="이등변 삼각형 1">
+            <a:extLst>
+              <a:ext uri="{FF2B5EF4-FFF2-40B4-BE49-F238E27FC236}">
+                <a16:creationId xmlns:a16="http://schemas.microsoft.com/office/drawing/2014/main" id="{D482B228-1C1D-46F4-9BF8-DA8437E2CB8F}"/>
+              </a:ext>
+            </a:extLst>
+          </p:cNvPr>
+          <p:cNvSpPr/>
+          <p:nvPr/>
+        </p:nvSpPr>
+        <p:spPr>
+          <a:xfrm rot="5400000">
+            <a:off x="6950665" y="4633705"/>
+            <a:ext cx="201175" cy="173427"/>
+          </a:xfrm>
+          <a:prstGeom prst="triangle">
+            <a:avLst/>
+          </a:prstGeom>
+          <a:solidFill>
+            <a:schemeClr val="bg1"/>
+          </a:solidFill>
+          <a:ln>
+            <a:noFill/>
+          </a:ln>
+          <a:effectLst>
+            <a:outerShdw blurRad="50800" dist="25400" dir="2700000" algn="tl" rotWithShape="0">
+              <a:prstClr val="black">
+                <a:alpha val="40000"/>
+              </a:prstClr>
+            </a:outerShdw>
+          </a:effectLst>
+        </p:spPr>
+        <p:style>
+          <a:lnRef idx="2">
+            <a:schemeClr val="accent1">
+              <a:shade val="50000"/>
+            </a:schemeClr>
+          </a:lnRef>
+          <a:fillRef idx="1">
+            <a:schemeClr val="accent1"/>
+          </a:fillRef>
+          <a:effectRef idx="0">
+            <a:schemeClr val="accent1"/>
+          </a:effectRef>
+          <a:fontRef idx="minor">
+            <a:schemeClr val="lt1"/>
+          </a:fontRef>
+        </p:style>
+        <p:txBody>
+          <a:bodyPr rtlCol="0" anchor="ctr"/>
+          <a:lstStyle/>
+          <a:p>
+            <a:pPr algn="ctr"/>
+            <a:endParaRPr lang="ko-KR" altLang="en-US"/>
+          </a:p>
+        </p:txBody>
+      </p:sp>
+      <p:grpSp>
+        <p:nvGrpSpPr>
+          <p:cNvPr id="115" name="그룹 114">
+            <a:extLst>
+              <a:ext uri="{FF2B5EF4-FFF2-40B4-BE49-F238E27FC236}">
+                <a16:creationId xmlns:a16="http://schemas.microsoft.com/office/drawing/2014/main" id="{43165779-7076-4C82-8E4F-8F1230B8F88B}"/>
+              </a:ext>
+            </a:extLst>
+          </p:cNvPr>
+          <p:cNvGrpSpPr/>
+          <p:nvPr/>
+        </p:nvGrpSpPr>
+        <p:grpSpPr>
+          <a:xfrm>
+            <a:off x="5414545" y="1332109"/>
+            <a:ext cx="890113" cy="135143"/>
+            <a:chOff x="5052716" y="2027865"/>
+            <a:chExt cx="1010723" cy="135143"/>
+          </a:xfrm>
+        </p:grpSpPr>
+        <p:sp>
+          <p:nvSpPr>
+            <p:cNvPr id="116" name="타원 115">
+              <a:extLst>
+                <a:ext uri="{FF2B5EF4-FFF2-40B4-BE49-F238E27FC236}">
+                  <a16:creationId xmlns:a16="http://schemas.microsoft.com/office/drawing/2014/main" id="{F63B266E-89F7-4850-B398-326D8C5AAC48}"/>
+                </a:ext>
+              </a:extLst>
+            </p:cNvPr>
+            <p:cNvSpPr/>
+            <p:nvPr/>
+          </p:nvSpPr>
+          <p:spPr>
+            <a:xfrm>
+              <a:off x="5052716" y="2027865"/>
+              <a:ext cx="1010723" cy="135143"/>
+            </a:xfrm>
+            <a:prstGeom prst="ellipse">
+              <a:avLst/>
+            </a:prstGeom>
+            <a:solidFill>
+              <a:schemeClr val="bg1">
+                <a:alpha val="10000"/>
+              </a:schemeClr>
+            </a:solidFill>
+            <a:ln>
+              <a:noFill/>
+            </a:ln>
+            <a:effectLst>
+              <a:glow rad="127000">
+                <a:schemeClr val="bg1">
+                  <a:alpha val="27000"/>
+                </a:schemeClr>
+              </a:glow>
+            </a:effectLst>
+          </p:spPr>
+          <p:style>
+            <a:lnRef idx="2">
+              <a:schemeClr val="accent1">
+                <a:shade val="50000"/>
+              </a:schemeClr>
+            </a:lnRef>
+            <a:fillRef idx="1">
+              <a:schemeClr val="accent1"/>
+            </a:fillRef>
+            <a:effectRef idx="0">
+              <a:schemeClr val="accent1"/>
+            </a:effectRef>
+            <a:fontRef idx="minor">
+              <a:schemeClr val="lt1"/>
+            </a:fontRef>
+          </p:style>
+          <p:txBody>
+            <a:bodyPr rtlCol="0" anchor="ctr"/>
+            <a:lstStyle/>
+            <a:p>
+              <a:pPr algn="ctr"/>
+              <a:endParaRPr lang="ko-KR" altLang="en-US"/>
+            </a:p>
+          </p:txBody>
+        </p:sp>
+        <p:sp>
+          <p:nvSpPr>
+            <p:cNvPr id="117" name="타원 116">
+              <a:extLst>
+                <a:ext uri="{FF2B5EF4-FFF2-40B4-BE49-F238E27FC236}">
+                  <a16:creationId xmlns:a16="http://schemas.microsoft.com/office/drawing/2014/main" id="{5333154D-DF47-4F80-A5C6-989A1FC475D0}"/>
+                </a:ext>
+              </a:extLst>
+            </p:cNvPr>
+            <p:cNvSpPr/>
+            <p:nvPr/>
+          </p:nvSpPr>
+          <p:spPr>
+            <a:xfrm>
+              <a:off x="5116260" y="2027865"/>
+              <a:ext cx="571566" cy="135143"/>
+            </a:xfrm>
+            <a:prstGeom prst="ellipse">
+              <a:avLst/>
+            </a:prstGeom>
+            <a:solidFill>
+              <a:schemeClr val="bg1">
+                <a:alpha val="10000"/>
+              </a:schemeClr>
+            </a:solidFill>
+            <a:ln>
+              <a:noFill/>
+            </a:ln>
+            <a:effectLst>
+              <a:glow rad="101600">
+                <a:schemeClr val="bg1">
+                  <a:alpha val="17000"/>
+                </a:schemeClr>
+              </a:glow>
+            </a:effectLst>
+          </p:spPr>
+          <p:style>
+            <a:lnRef idx="2">
+              <a:schemeClr val="accent1">
+                <a:shade val="50000"/>
+              </a:schemeClr>
+            </a:lnRef>
+            <a:fillRef idx="1">
+              <a:schemeClr val="accent1"/>
+            </a:fillRef>
+            <a:effectRef idx="0">
+              <a:schemeClr val="accent1"/>
+            </a:effectRef>
+            <a:fontRef idx="minor">
+              <a:schemeClr val="lt1"/>
+            </a:fontRef>
+          </p:style>
+          <p:txBody>
+            <a:bodyPr rtlCol="0" anchor="ctr"/>
+            <a:lstStyle/>
+            <a:p>
+              <a:pPr algn="ctr"/>
+              <a:endParaRPr lang="ko-KR" altLang="en-US"/>
+            </a:p>
+          </p:txBody>
+        </p:sp>
+      </p:grpSp>
+      <p:grpSp>
+        <p:nvGrpSpPr>
+          <p:cNvPr id="127" name="그룹 126">
+            <a:extLst>
+              <a:ext uri="{FF2B5EF4-FFF2-40B4-BE49-F238E27FC236}">
+                <a16:creationId xmlns:a16="http://schemas.microsoft.com/office/drawing/2014/main" id="{C5B0D86B-59E9-40BC-951C-3EF8347D005A}"/>
+              </a:ext>
+            </a:extLst>
+          </p:cNvPr>
+          <p:cNvGrpSpPr/>
+          <p:nvPr/>
+        </p:nvGrpSpPr>
+        <p:grpSpPr>
+          <a:xfrm>
+            <a:off x="7133291" y="4500010"/>
+            <a:ext cx="1197764" cy="461665"/>
+            <a:chOff x="5209545" y="3740908"/>
+            <a:chExt cx="1197764" cy="461665"/>
+          </a:xfrm>
+        </p:grpSpPr>
+        <p:grpSp>
+          <p:nvGrpSpPr>
+            <p:cNvPr id="123" name="그룹 122">
+              <a:extLst>
+                <a:ext uri="{FF2B5EF4-FFF2-40B4-BE49-F238E27FC236}">
+                  <a16:creationId xmlns:a16="http://schemas.microsoft.com/office/drawing/2014/main" id="{AEB475CD-369D-4D25-AF78-AB0941202CFB}"/>
+                </a:ext>
+              </a:extLst>
+            </p:cNvPr>
+            <p:cNvGrpSpPr/>
+            <p:nvPr/>
+          </p:nvGrpSpPr>
+          <p:grpSpPr>
+            <a:xfrm>
+              <a:off x="5398484" y="3881693"/>
+              <a:ext cx="861828" cy="117133"/>
+              <a:chOff x="5052716" y="1984998"/>
+              <a:chExt cx="1010723" cy="178010"/>
+            </a:xfrm>
+          </p:grpSpPr>
+          <p:sp>
+            <p:nvSpPr>
+              <p:cNvPr id="125" name="타원 124">
+                <a:extLst>
+                  <a:ext uri="{FF2B5EF4-FFF2-40B4-BE49-F238E27FC236}">
+                    <a16:creationId xmlns:a16="http://schemas.microsoft.com/office/drawing/2014/main" id="{8E3CF408-40DD-4BB0-AD97-DD2B87223E79}"/>
+                  </a:ext>
+                </a:extLst>
+              </p:cNvPr>
+              <p:cNvSpPr/>
+              <p:nvPr/>
+            </p:nvSpPr>
+            <p:spPr>
+              <a:xfrm>
+                <a:off x="5052716" y="2027865"/>
+                <a:ext cx="1010723" cy="135143"/>
+              </a:xfrm>
+              <a:prstGeom prst="ellipse">
+                <a:avLst/>
+              </a:prstGeom>
+              <a:solidFill>
+                <a:schemeClr val="bg1">
+                  <a:alpha val="3000"/>
+                </a:schemeClr>
+              </a:solidFill>
+              <a:ln>
+                <a:noFill/>
+              </a:ln>
+              <a:effectLst>
+                <a:glow rad="228600">
+                  <a:schemeClr val="bg1">
+                    <a:alpha val="31000"/>
+                  </a:schemeClr>
+                </a:glow>
+              </a:effectLst>
+            </p:spPr>
+            <p:style>
+              <a:lnRef idx="2">
+                <a:schemeClr val="accent1">
+                  <a:shade val="50000"/>
+                </a:schemeClr>
+              </a:lnRef>
+              <a:fillRef idx="1">
+                <a:schemeClr val="accent1"/>
+              </a:fillRef>
+              <a:effectRef idx="0">
+                <a:schemeClr val="accent1"/>
+              </a:effectRef>
+              <a:fontRef idx="minor">
+                <a:schemeClr val="lt1"/>
+              </a:fontRef>
+            </p:style>
+            <p:txBody>
+              <a:bodyPr rtlCol="0" anchor="ctr"/>
+              <a:lstStyle/>
+              <a:p>
+                <a:pPr algn="ctr"/>
+                <a:endParaRPr lang="ko-KR" altLang="en-US"/>
+              </a:p>
+            </p:txBody>
+          </p:sp>
+          <p:sp>
+            <p:nvSpPr>
+              <p:cNvPr id="126" name="타원 125">
+                <a:extLst>
+                  <a:ext uri="{FF2B5EF4-FFF2-40B4-BE49-F238E27FC236}">
+                    <a16:creationId xmlns:a16="http://schemas.microsoft.com/office/drawing/2014/main" id="{62B60A95-17DD-496A-8300-AA26A6F70F44}"/>
+                  </a:ext>
+                </a:extLst>
+              </p:cNvPr>
+              <p:cNvSpPr/>
+              <p:nvPr/>
+            </p:nvSpPr>
+            <p:spPr>
+              <a:xfrm>
+                <a:off x="5072993" y="1984998"/>
+                <a:ext cx="571566" cy="135143"/>
+              </a:xfrm>
+              <a:prstGeom prst="ellipse">
+                <a:avLst/>
+              </a:prstGeom>
+              <a:solidFill>
+                <a:schemeClr val="bg1">
+                  <a:alpha val="1000"/>
+                </a:schemeClr>
+              </a:solidFill>
+              <a:ln>
+                <a:noFill/>
+              </a:ln>
+              <a:effectLst>
+                <a:glow rad="114300">
+                  <a:schemeClr val="bg1">
+                    <a:alpha val="16000"/>
+                  </a:schemeClr>
+                </a:glow>
+              </a:effectLst>
+            </p:spPr>
+            <p:style>
+              <a:lnRef idx="2">
+                <a:schemeClr val="accent1">
+                  <a:shade val="50000"/>
+                </a:schemeClr>
+              </a:lnRef>
+              <a:fillRef idx="1">
+                <a:schemeClr val="accent1"/>
+              </a:fillRef>
+              <a:effectRef idx="0">
+                <a:schemeClr val="accent1"/>
+              </a:effectRef>
+              <a:fontRef idx="minor">
+                <a:schemeClr val="lt1"/>
+              </a:fontRef>
+            </p:style>
+            <p:txBody>
+              <a:bodyPr rtlCol="0" anchor="ctr"/>
+              <a:lstStyle/>
+              <a:p>
+                <a:pPr algn="ctr"/>
+                <a:endParaRPr lang="ko-KR" altLang="en-US"/>
+              </a:p>
+            </p:txBody>
+          </p:sp>
+        </p:grpSp>
+        <p:sp>
+          <p:nvSpPr>
+            <p:cNvPr id="124" name="직사각형 123">
+              <a:extLst>
+                <a:ext uri="{FF2B5EF4-FFF2-40B4-BE49-F238E27FC236}">
+                  <a16:creationId xmlns:a16="http://schemas.microsoft.com/office/drawing/2014/main" id="{7A75DE43-39A1-4466-943E-3E109740C346}"/>
+                </a:ext>
+              </a:extLst>
+            </p:cNvPr>
+            <p:cNvSpPr/>
+            <p:nvPr/>
+          </p:nvSpPr>
+          <p:spPr>
+            <a:xfrm>
+              <a:off x="5209545" y="3740908"/>
+              <a:ext cx="1197764" cy="461665"/>
+            </a:xfrm>
+            <a:prstGeom prst="rect">
+              <a:avLst/>
+            </a:prstGeom>
+            <a:noFill/>
+            <a:effectLst>
+              <a:outerShdw blurRad="25400" dist="25400" dir="2400000" algn="tl" rotWithShape="0">
+                <a:prstClr val="black">
+                  <a:alpha val="49000"/>
+                </a:prstClr>
+              </a:outerShdw>
+            </a:effectLst>
+          </p:spPr>
+          <p:txBody>
+            <a:bodyPr wrap="none" lIns="91440" tIns="45720" rIns="91440" bIns="45720">
+              <a:spAutoFit/>
+            </a:bodyPr>
+            <a:lstStyle/>
+            <a:p>
+              <a:pPr algn="ctr"/>
+              <a:r>
+                <a:rPr lang="ko-KR" altLang="en-US" sz="2400" dirty="0">
+                  <a:ln w="0"/>
+                  <a:solidFill>
+                    <a:schemeClr val="bg1"/>
+                  </a:solidFill>
+                  <a:effectLst/>
+                  <a:latin typeface="휴먼모음T" panose="02030504000101010101" pitchFamily="18" charset="-127"/>
+                  <a:ea typeface="휴먼모음T" panose="02030504000101010101" pitchFamily="18" charset="-127"/>
+                </a:rPr>
+                <a:t>이어하기</a:t>
+              </a:r>
+              <a:endParaRPr lang="en-US" altLang="ko-KR" sz="2400" b="0" cap="none" spc="0" dirty="0">
+                <a:ln w="0"/>
+                <a:solidFill>
+                  <a:schemeClr val="bg1"/>
+                </a:solidFill>
+                <a:effectLst/>
+                <a:latin typeface="휴먼모음T" panose="02030504000101010101" pitchFamily="18" charset="-127"/>
+                <a:ea typeface="휴먼모음T" panose="02030504000101010101" pitchFamily="18" charset="-127"/>
+              </a:endParaRPr>
+            </a:p>
+          </p:txBody>
+        </p:sp>
+      </p:grpSp>
+    </p:spTree>
+    <p:extLst>
+      <p:ext uri="{BB962C8B-B14F-4D97-AF65-F5344CB8AC3E}">
+        <p14:creationId xmlns:p14="http://schemas.microsoft.com/office/powerpoint/2010/main" val="4171540875"/>
+      </p:ext>
+    </p:extLst>
+  </p:cSld>
+  <p:clrMapOvr>
+    <a:masterClrMapping/>
+  </p:clrMapOvr>
+</p:sld>
+</file>
+
+<file path=ppt/slides/slide4.xml><?xml version="1.0" encoding="utf-8"?>
+<p:sld xmlns:a="http://schemas.openxmlformats.org/drawingml/2006/main" xmlns:r="http://schemas.openxmlformats.org/officeDocument/2006/relationships" xmlns:p="http://schemas.openxmlformats.org/presentationml/2006/main">
+  <p:cSld>
+    <p:bg>
+      <p:bgPr>
+        <a:solidFill>
+          <a:srgbClr val="23DEB4"/>
+        </a:solidFill>
+        <a:effectLst/>
+      </p:bgPr>
+    </p:bg>
+    <p:spTree>
+      <p:nvGrpSpPr>
+        <p:cNvPr id="1" name=""/>
+        <p:cNvGrpSpPr/>
+        <p:nvPr/>
+      </p:nvGrpSpPr>
+      <p:grpSpPr>
+        <a:xfrm>
+          <a:off x="0" y="0"/>
+          <a:ext cx="0" cy="0"/>
+          <a:chOff x="0" y="0"/>
+          <a:chExt cx="0" cy="0"/>
+        </a:xfrm>
+      </p:grpSpPr>
+      <p:sp>
+        <p:nvSpPr>
+          <p:cNvPr id="6" name="직사각형 5">
+            <a:extLst>
+              <a:ext uri="{FF2B5EF4-FFF2-40B4-BE49-F238E27FC236}">
+                <a16:creationId xmlns:a16="http://schemas.microsoft.com/office/drawing/2014/main" id="{D1BC2C4D-C62E-498F-805C-636C7DFCDD97}"/>
+              </a:ext>
+            </a:extLst>
+          </p:cNvPr>
+          <p:cNvSpPr/>
+          <p:nvPr/>
+        </p:nvSpPr>
+        <p:spPr>
+          <a:xfrm>
+            <a:off x="5780753" y="1886620"/>
+            <a:ext cx="548531" cy="34969"/>
+          </a:xfrm>
+          <a:prstGeom prst="rect">
+            <a:avLst/>
+          </a:prstGeom>
+          <a:gradFill flip="none" rotWithShape="1">
+            <a:gsLst>
+              <a:gs pos="0">
+                <a:srgbClr val="FFFF00">
+                  <a:tint val="66000"/>
+                  <a:satMod val="160000"/>
+                  <a:alpha val="80000"/>
+                </a:srgbClr>
+              </a:gs>
+              <a:gs pos="50000">
+                <a:srgbClr val="FFFF00">
+                  <a:tint val="44500"/>
+                  <a:satMod val="160000"/>
+                  <a:alpha val="80000"/>
+                </a:srgbClr>
+              </a:gs>
+              <a:gs pos="100000">
+                <a:srgbClr val="FFFF00">
+                  <a:tint val="23500"/>
+                  <a:satMod val="160000"/>
+                  <a:alpha val="80000"/>
+                </a:srgbClr>
+              </a:gs>
+            </a:gsLst>
+            <a:lin ang="0" scaled="1"/>
+            <a:tileRect/>
+          </a:gradFill>
+          <a:ln>
+            <a:noFill/>
+          </a:ln>
+        </p:spPr>
+        <p:style>
+          <a:lnRef idx="2">
+            <a:schemeClr val="accent1">
+              <a:shade val="50000"/>
+            </a:schemeClr>
+          </a:lnRef>
+          <a:fillRef idx="1">
+            <a:schemeClr val="accent1"/>
+          </a:fillRef>
+          <a:effectRef idx="0">
+            <a:schemeClr val="accent1"/>
+          </a:effectRef>
+          <a:fontRef idx="minor">
+            <a:schemeClr val="lt1"/>
+          </a:fontRef>
+        </p:style>
+        <p:txBody>
+          <a:bodyPr rtlCol="0" anchor="ctr"/>
+          <a:lstStyle/>
+          <a:p>
+            <a:pPr algn="ctr"/>
+            <a:endParaRPr lang="ko-KR" altLang="en-US"/>
+          </a:p>
+        </p:txBody>
+      </p:sp>
+      <p:sp>
+        <p:nvSpPr>
+          <p:cNvPr id="5" name="이등변 삼각형 4">
+            <a:extLst>
+              <a:ext uri="{FF2B5EF4-FFF2-40B4-BE49-F238E27FC236}">
+                <a16:creationId xmlns:a16="http://schemas.microsoft.com/office/drawing/2014/main" id="{C9A1BF62-8976-4087-B537-3D5BD0FD0040}"/>
+              </a:ext>
+            </a:extLst>
+          </p:cNvPr>
+          <p:cNvSpPr/>
+          <p:nvPr/>
+        </p:nvSpPr>
+        <p:spPr>
+          <a:xfrm>
+            <a:off x="4932031" y="2561137"/>
+            <a:ext cx="324514" cy="279754"/>
+          </a:xfrm>
+          <a:prstGeom prst="triangle">
+            <a:avLst/>
+          </a:prstGeom>
+          <a:gradFill flip="none" rotWithShape="1">
+            <a:gsLst>
+              <a:gs pos="0">
+                <a:srgbClr val="C00000">
+                  <a:shade val="30000"/>
+                  <a:satMod val="115000"/>
+                </a:srgbClr>
+              </a:gs>
+              <a:gs pos="50000">
+                <a:srgbClr val="C00000">
+                  <a:shade val="67500"/>
+                  <a:satMod val="115000"/>
+                </a:srgbClr>
+              </a:gs>
+              <a:gs pos="100000">
+                <a:srgbClr val="C00000">
+                  <a:shade val="100000"/>
+                  <a:satMod val="115000"/>
+                </a:srgbClr>
+              </a:gs>
+            </a:gsLst>
+            <a:lin ang="16200000" scaled="1"/>
+            <a:tileRect/>
+          </a:gradFill>
+          <a:ln>
+            <a:noFill/>
+          </a:ln>
+          <a:effectLst>
+            <a:glow rad="50800">
+              <a:schemeClr val="bg1">
+                <a:alpha val="15000"/>
+              </a:schemeClr>
+            </a:glow>
+          </a:effectLst>
+        </p:spPr>
+        <p:style>
+          <a:lnRef idx="2">
+            <a:schemeClr val="accent1">
+              <a:shade val="50000"/>
+            </a:schemeClr>
+          </a:lnRef>
+          <a:fillRef idx="1">
+            <a:schemeClr val="accent1"/>
+          </a:fillRef>
+          <a:effectRef idx="0">
+            <a:schemeClr val="accent1"/>
+          </a:effectRef>
+          <a:fontRef idx="minor">
+            <a:schemeClr val="lt1"/>
+          </a:fontRef>
+        </p:style>
+        <p:txBody>
+          <a:bodyPr rtlCol="0" anchor="ctr"/>
+          <a:lstStyle/>
+          <a:p>
+            <a:pPr algn="ctr"/>
+            <a:endParaRPr lang="ko-KR" altLang="en-US"/>
+          </a:p>
+        </p:txBody>
+      </p:sp>
+      <p:sp>
+        <p:nvSpPr>
+          <p:cNvPr id="13" name="직사각형 12">
+            <a:extLst>
+              <a:ext uri="{FF2B5EF4-FFF2-40B4-BE49-F238E27FC236}">
+                <a16:creationId xmlns:a16="http://schemas.microsoft.com/office/drawing/2014/main" id="{B1132585-1C9E-40BD-8609-D4712997B9E1}"/>
+              </a:ext>
+            </a:extLst>
+          </p:cNvPr>
+          <p:cNvSpPr/>
+          <p:nvPr/>
+        </p:nvSpPr>
+        <p:spPr>
+          <a:xfrm>
+            <a:off x="6982181" y="2557535"/>
+            <a:ext cx="277788" cy="282456"/>
+          </a:xfrm>
+          <a:prstGeom prst="rect">
+            <a:avLst/>
+          </a:prstGeom>
+          <a:gradFill flip="none" rotWithShape="1">
+            <a:gsLst>
+              <a:gs pos="0">
+                <a:schemeClr val="bg1">
+                  <a:lumMod val="85000"/>
+                  <a:alpha val="10000"/>
+                </a:schemeClr>
+              </a:gs>
+              <a:gs pos="50000">
+                <a:schemeClr val="bg1">
+                  <a:lumMod val="95000"/>
+                  <a:alpha val="10000"/>
+                </a:schemeClr>
+              </a:gs>
+              <a:gs pos="100000">
+                <a:schemeClr val="bg1">
+                  <a:alpha val="10000"/>
+                </a:schemeClr>
+              </a:gs>
+            </a:gsLst>
+            <a:lin ang="16200000" scaled="1"/>
+            <a:tileRect/>
+          </a:gradFill>
+          <a:ln w="28575">
+            <a:noFill/>
+          </a:ln>
+          <a:effectLst>
+            <a:glow rad="50800">
+              <a:schemeClr val="bg1">
+                <a:alpha val="76000"/>
+              </a:schemeClr>
+            </a:glow>
+          </a:effectLst>
+        </p:spPr>
+        <p:style>
+          <a:lnRef idx="2">
+            <a:schemeClr val="accent1">
+              <a:shade val="50000"/>
+            </a:schemeClr>
+          </a:lnRef>
+          <a:fillRef idx="1">
+            <a:schemeClr val="accent1"/>
+          </a:fillRef>
+          <a:effectRef idx="0">
+            <a:schemeClr val="accent1"/>
+          </a:effectRef>
+          <a:fontRef idx="minor">
+            <a:schemeClr val="lt1"/>
+          </a:fontRef>
+        </p:style>
+        <p:txBody>
+          <a:bodyPr rtlCol="0" anchor="ctr"/>
+          <a:lstStyle/>
+          <a:p>
+            <a:pPr algn="ctr"/>
+            <a:endParaRPr lang="ko-KR" altLang="en-US"/>
+          </a:p>
+        </p:txBody>
+      </p:sp>
+      <p:sp>
+        <p:nvSpPr>
+          <p:cNvPr id="14" name="이등변 삼각형 13">
+            <a:extLst>
+              <a:ext uri="{FF2B5EF4-FFF2-40B4-BE49-F238E27FC236}">
+                <a16:creationId xmlns:a16="http://schemas.microsoft.com/office/drawing/2014/main" id="{178FD4B5-6B6A-4634-95C4-0A402DFC531D}"/>
+              </a:ext>
+            </a:extLst>
+          </p:cNvPr>
+          <p:cNvSpPr/>
+          <p:nvPr/>
+        </p:nvSpPr>
+        <p:spPr>
+          <a:xfrm>
+            <a:off x="5630990" y="2560237"/>
+            <a:ext cx="324514" cy="279754"/>
+          </a:xfrm>
+          <a:prstGeom prst="triangle">
+            <a:avLst/>
+          </a:prstGeom>
+          <a:gradFill flip="none" rotWithShape="1">
+            <a:gsLst>
+              <a:gs pos="0">
+                <a:schemeClr val="bg1">
+                  <a:lumMod val="85000"/>
+                  <a:alpha val="10000"/>
+                </a:schemeClr>
+              </a:gs>
+              <a:gs pos="50000">
+                <a:schemeClr val="bg1">
+                  <a:lumMod val="95000"/>
+                  <a:alpha val="10000"/>
+                </a:schemeClr>
+              </a:gs>
+              <a:gs pos="100000">
+                <a:schemeClr val="bg1">
+                  <a:alpha val="10000"/>
+                </a:schemeClr>
+              </a:gs>
+            </a:gsLst>
+            <a:lin ang="16200000" scaled="1"/>
+            <a:tileRect/>
+          </a:gradFill>
+          <a:ln>
+            <a:noFill/>
+          </a:ln>
+          <a:effectLst>
+            <a:glow rad="50800">
+              <a:schemeClr val="bg1">
+                <a:alpha val="76000"/>
+              </a:schemeClr>
+            </a:glow>
+          </a:effectLst>
+        </p:spPr>
+        <p:style>
+          <a:lnRef idx="2">
+            <a:schemeClr val="accent1">
+              <a:shade val="50000"/>
+            </a:schemeClr>
+          </a:lnRef>
+          <a:fillRef idx="1">
+            <a:schemeClr val="accent1"/>
+          </a:fillRef>
+          <a:effectRef idx="0">
+            <a:schemeClr val="accent1"/>
+          </a:effectRef>
+          <a:fontRef idx="minor">
+            <a:schemeClr val="lt1"/>
+          </a:fontRef>
+        </p:style>
+        <p:txBody>
+          <a:bodyPr rtlCol="0" anchor="ctr"/>
+          <a:lstStyle/>
+          <a:p>
+            <a:pPr algn="ctr"/>
+            <a:endParaRPr lang="ko-KR" altLang="en-US"/>
+          </a:p>
+        </p:txBody>
+      </p:sp>
+      <p:sp>
+        <p:nvSpPr>
+          <p:cNvPr id="3" name="직사각형 2">
+            <a:extLst>
+              <a:ext uri="{FF2B5EF4-FFF2-40B4-BE49-F238E27FC236}">
+                <a16:creationId xmlns:a16="http://schemas.microsoft.com/office/drawing/2014/main" id="{A0A0091F-70D9-40EB-9B98-EEC16BA2BD9D}"/>
+              </a:ext>
+            </a:extLst>
+          </p:cNvPr>
+          <p:cNvSpPr/>
+          <p:nvPr/>
+        </p:nvSpPr>
+        <p:spPr>
+          <a:xfrm>
+            <a:off x="6329948" y="2559336"/>
+            <a:ext cx="277788" cy="282456"/>
+          </a:xfrm>
+          <a:prstGeom prst="rect">
+            <a:avLst/>
+          </a:prstGeom>
+          <a:gradFill flip="none" rotWithShape="1">
+            <a:gsLst>
+              <a:gs pos="0">
+                <a:srgbClr val="21A588">
+                  <a:shade val="30000"/>
+                  <a:satMod val="115000"/>
+                </a:srgbClr>
+              </a:gs>
+              <a:gs pos="50000">
+                <a:srgbClr val="21A588">
+                  <a:shade val="67500"/>
+                  <a:satMod val="115000"/>
+                </a:srgbClr>
+              </a:gs>
+              <a:gs pos="100000">
+                <a:srgbClr val="21A588">
+                  <a:shade val="100000"/>
+                  <a:satMod val="115000"/>
+                </a:srgbClr>
+              </a:gs>
+            </a:gsLst>
+            <a:lin ang="16200000" scaled="1"/>
+            <a:tileRect/>
+          </a:gradFill>
+          <a:ln w="28575">
+            <a:noFill/>
+          </a:ln>
+          <a:effectLst>
+            <a:glow rad="50800">
+              <a:schemeClr val="bg1">
+                <a:alpha val="15000"/>
+              </a:schemeClr>
+            </a:glow>
+          </a:effectLst>
+        </p:spPr>
+        <p:style>
+          <a:lnRef idx="2">
+            <a:schemeClr val="accent1">
+              <a:shade val="50000"/>
+            </a:schemeClr>
+          </a:lnRef>
+          <a:fillRef idx="1">
+            <a:schemeClr val="accent1"/>
+          </a:fillRef>
+          <a:effectRef idx="0">
+            <a:schemeClr val="accent1"/>
+          </a:effectRef>
+          <a:fontRef idx="minor">
+            <a:schemeClr val="lt1"/>
+          </a:fontRef>
+        </p:style>
+        <p:txBody>
+          <a:bodyPr rtlCol="0" anchor="ctr"/>
+          <a:lstStyle/>
+          <a:p>
+            <a:pPr algn="ctr"/>
+            <a:endParaRPr lang="ko-KR" altLang="en-US"/>
+          </a:p>
+        </p:txBody>
+      </p:sp>
+      <p:grpSp>
+        <p:nvGrpSpPr>
+          <p:cNvPr id="28" name="그룹 27">
+            <a:extLst>
+              <a:ext uri="{FF2B5EF4-FFF2-40B4-BE49-F238E27FC236}">
+                <a16:creationId xmlns:a16="http://schemas.microsoft.com/office/drawing/2014/main" id="{F9C9B84D-E3E1-43AA-8313-FD97068856F7}"/>
+              </a:ext>
+            </a:extLst>
+          </p:cNvPr>
+          <p:cNvGrpSpPr/>
+          <p:nvPr/>
+        </p:nvGrpSpPr>
+        <p:grpSpPr>
+          <a:xfrm>
+            <a:off x="6203054" y="3158425"/>
+            <a:ext cx="1664915" cy="169524"/>
+            <a:chOff x="5780752" y="3158425"/>
+            <a:chExt cx="1664915" cy="169524"/>
+          </a:xfrm>
+        </p:grpSpPr>
+        <p:sp>
+          <p:nvSpPr>
+            <p:cNvPr id="10" name="평행 사변형 9">
+              <a:extLst>
+                <a:ext uri="{FF2B5EF4-FFF2-40B4-BE49-F238E27FC236}">
+                  <a16:creationId xmlns:a16="http://schemas.microsoft.com/office/drawing/2014/main" id="{3AAF6A81-79AB-49ED-A3F2-F05E98FB39D5}"/>
+                </a:ext>
+              </a:extLst>
+            </p:cNvPr>
+            <p:cNvSpPr/>
+            <p:nvPr/>
+          </p:nvSpPr>
+          <p:spPr>
+            <a:xfrm>
+              <a:off x="5780752" y="3158425"/>
+              <a:ext cx="1664915" cy="169524"/>
+            </a:xfrm>
+            <a:prstGeom prst="parallelogram">
+              <a:avLst>
+                <a:gd name="adj" fmla="val 100655"/>
+              </a:avLst>
+            </a:prstGeom>
+            <a:solidFill>
+              <a:schemeClr val="bg1">
+                <a:alpha val="27000"/>
+              </a:schemeClr>
+            </a:solidFill>
+            <a:ln>
+              <a:noFill/>
+            </a:ln>
+          </p:spPr>
+          <p:style>
+            <a:lnRef idx="2">
+              <a:schemeClr val="accent1">
+                <a:shade val="50000"/>
+              </a:schemeClr>
+            </a:lnRef>
+            <a:fillRef idx="1">
+              <a:schemeClr val="accent1"/>
+            </a:fillRef>
+            <a:effectRef idx="0">
+              <a:schemeClr val="accent1"/>
+            </a:effectRef>
+            <a:fontRef idx="minor">
+              <a:schemeClr val="lt1"/>
+            </a:fontRef>
+          </p:style>
+          <p:txBody>
+            <a:bodyPr rtlCol="0" anchor="ctr"/>
+            <a:lstStyle/>
+            <a:p>
+              <a:pPr algn="ctr"/>
+              <a:endParaRPr lang="ko-KR" altLang="en-US"/>
+            </a:p>
+          </p:txBody>
+        </p:sp>
+        <p:sp>
+          <p:nvSpPr>
+            <p:cNvPr id="22" name="평행 사변형 21">
+              <a:extLst>
+                <a:ext uri="{FF2B5EF4-FFF2-40B4-BE49-F238E27FC236}">
+                  <a16:creationId xmlns:a16="http://schemas.microsoft.com/office/drawing/2014/main" id="{1F1F7313-9468-446D-A51C-E6A6AB9941DB}"/>
+                </a:ext>
+              </a:extLst>
+            </p:cNvPr>
+            <p:cNvSpPr/>
+            <p:nvPr/>
+          </p:nvSpPr>
+          <p:spPr>
+            <a:xfrm>
+              <a:off x="6848475" y="3158425"/>
+              <a:ext cx="597192" cy="169524"/>
+            </a:xfrm>
+            <a:prstGeom prst="parallelogram">
+              <a:avLst>
+                <a:gd name="adj" fmla="val 100655"/>
+              </a:avLst>
+            </a:prstGeom>
+            <a:solidFill>
+              <a:schemeClr val="tx1">
+                <a:alpha val="27000"/>
+              </a:schemeClr>
+            </a:solidFill>
+            <a:ln>
+              <a:noFill/>
+            </a:ln>
+          </p:spPr>
+          <p:style>
+            <a:lnRef idx="2">
+              <a:schemeClr val="accent1">
+                <a:shade val="50000"/>
+              </a:schemeClr>
+            </a:lnRef>
+            <a:fillRef idx="1">
+              <a:schemeClr val="accent1"/>
+            </a:fillRef>
+            <a:effectRef idx="0">
+              <a:schemeClr val="accent1"/>
+            </a:effectRef>
+            <a:fontRef idx="minor">
+              <a:schemeClr val="lt1"/>
+            </a:fontRef>
+          </p:style>
+          <p:txBody>
+            <a:bodyPr rtlCol="0" anchor="ctr"/>
+            <a:lstStyle/>
+            <a:p>
+              <a:pPr algn="ctr"/>
+              <a:endParaRPr lang="ko-KR" altLang="en-US"/>
+            </a:p>
+          </p:txBody>
+        </p:sp>
+      </p:grpSp>
+      <p:grpSp>
+        <p:nvGrpSpPr>
+          <p:cNvPr id="29" name="그룹 28">
+            <a:extLst>
+              <a:ext uri="{FF2B5EF4-FFF2-40B4-BE49-F238E27FC236}">
+                <a16:creationId xmlns:a16="http://schemas.microsoft.com/office/drawing/2014/main" id="{3C61D866-445B-44E6-8899-991BE7DFD9F8}"/>
+              </a:ext>
+            </a:extLst>
+          </p:cNvPr>
+          <p:cNvGrpSpPr/>
+          <p:nvPr/>
+        </p:nvGrpSpPr>
+        <p:grpSpPr>
+          <a:xfrm>
+            <a:off x="6203054" y="3637806"/>
+            <a:ext cx="1664915" cy="169524"/>
+            <a:chOff x="5780752" y="3637806"/>
+            <a:chExt cx="1664915" cy="169524"/>
+          </a:xfrm>
+        </p:grpSpPr>
+        <p:sp>
+          <p:nvSpPr>
+            <p:cNvPr id="23" name="평행 사변형 22">
+              <a:extLst>
+                <a:ext uri="{FF2B5EF4-FFF2-40B4-BE49-F238E27FC236}">
+                  <a16:creationId xmlns:a16="http://schemas.microsoft.com/office/drawing/2014/main" id="{CBAB78E3-26A9-4A1A-B78D-EC5C7C3DA93D}"/>
+                </a:ext>
+              </a:extLst>
+            </p:cNvPr>
+            <p:cNvSpPr/>
+            <p:nvPr/>
+          </p:nvSpPr>
+          <p:spPr>
+            <a:xfrm>
+              <a:off x="5780752" y="3637806"/>
+              <a:ext cx="1664915" cy="169524"/>
+            </a:xfrm>
+            <a:prstGeom prst="parallelogram">
+              <a:avLst>
+                <a:gd name="adj" fmla="val 100655"/>
+              </a:avLst>
+            </a:prstGeom>
+            <a:solidFill>
+              <a:schemeClr val="tx1">
+                <a:lumMod val="65000"/>
+                <a:lumOff val="35000"/>
+                <a:alpha val="3000"/>
+              </a:schemeClr>
+            </a:solidFill>
+            <a:ln>
+              <a:noFill/>
+            </a:ln>
+            <a:effectLst>
+              <a:glow rad="50800">
+                <a:schemeClr val="tx1">
+                  <a:lumMod val="65000"/>
+                  <a:lumOff val="35000"/>
+                  <a:alpha val="13000"/>
+                </a:schemeClr>
+              </a:glow>
+            </a:effectLst>
+          </p:spPr>
+          <p:style>
+            <a:lnRef idx="2">
+              <a:schemeClr val="accent1">
+                <a:shade val="50000"/>
+              </a:schemeClr>
+            </a:lnRef>
+            <a:fillRef idx="1">
+              <a:schemeClr val="accent1"/>
+            </a:fillRef>
+            <a:effectRef idx="0">
+              <a:schemeClr val="accent1"/>
+            </a:effectRef>
+            <a:fontRef idx="minor">
+              <a:schemeClr val="lt1"/>
+            </a:fontRef>
+          </p:style>
+          <p:txBody>
+            <a:bodyPr rtlCol="0" anchor="ctr"/>
+            <a:lstStyle/>
+            <a:p>
+              <a:pPr algn="ctr"/>
+              <a:endParaRPr lang="ko-KR" altLang="en-US"/>
+            </a:p>
+          </p:txBody>
+        </p:sp>
+        <p:sp>
+          <p:nvSpPr>
+            <p:cNvPr id="24" name="평행 사변형 23">
+              <a:extLst>
+                <a:ext uri="{FF2B5EF4-FFF2-40B4-BE49-F238E27FC236}">
+                  <a16:creationId xmlns:a16="http://schemas.microsoft.com/office/drawing/2014/main" id="{39971980-6AC1-453A-BF37-C439D069A328}"/>
+                </a:ext>
+              </a:extLst>
+            </p:cNvPr>
+            <p:cNvSpPr/>
+            <p:nvPr/>
+          </p:nvSpPr>
+          <p:spPr>
+            <a:xfrm>
+              <a:off x="6848475" y="3637806"/>
+              <a:ext cx="597192" cy="169524"/>
+            </a:xfrm>
+            <a:prstGeom prst="parallelogram">
+              <a:avLst>
+                <a:gd name="adj" fmla="val 100655"/>
+              </a:avLst>
+            </a:prstGeom>
+            <a:solidFill>
+              <a:schemeClr val="tx1">
+                <a:lumMod val="75000"/>
+                <a:lumOff val="25000"/>
+                <a:alpha val="3000"/>
+              </a:schemeClr>
+            </a:solidFill>
+            <a:ln>
+              <a:noFill/>
+            </a:ln>
+            <a:effectLst>
+              <a:glow rad="50800">
+                <a:schemeClr val="tx1">
+                  <a:lumMod val="75000"/>
+                  <a:lumOff val="25000"/>
+                  <a:alpha val="3000"/>
+                </a:schemeClr>
+              </a:glow>
+            </a:effectLst>
+          </p:spPr>
+          <p:style>
+            <a:lnRef idx="2">
+              <a:schemeClr val="accent1">
+                <a:shade val="50000"/>
+              </a:schemeClr>
+            </a:lnRef>
+            <a:fillRef idx="1">
+              <a:schemeClr val="accent1"/>
+            </a:fillRef>
+            <a:effectRef idx="0">
+              <a:schemeClr val="accent1"/>
+            </a:effectRef>
+            <a:fontRef idx="minor">
+              <a:schemeClr val="lt1"/>
+            </a:fontRef>
+          </p:style>
+          <p:txBody>
+            <a:bodyPr rtlCol="0" anchor="ctr"/>
+            <a:lstStyle/>
+            <a:p>
+              <a:pPr algn="ctr"/>
+              <a:endParaRPr lang="ko-KR" altLang="en-US"/>
+            </a:p>
+          </p:txBody>
+        </p:sp>
+      </p:grpSp>
+      <p:sp>
+        <p:nvSpPr>
+          <p:cNvPr id="25" name="평행 사변형 24">
+            <a:extLst>
+              <a:ext uri="{FF2B5EF4-FFF2-40B4-BE49-F238E27FC236}">
+                <a16:creationId xmlns:a16="http://schemas.microsoft.com/office/drawing/2014/main" id="{F3E39A59-82BF-4B17-B302-3B81D71E3CE8}"/>
+              </a:ext>
+            </a:extLst>
+          </p:cNvPr>
+          <p:cNvSpPr/>
+          <p:nvPr/>
+        </p:nvSpPr>
+        <p:spPr>
+          <a:xfrm>
+            <a:off x="4324032" y="3158425"/>
+            <a:ext cx="1664915" cy="169524"/>
+          </a:xfrm>
+          <a:prstGeom prst="parallelogram">
+            <a:avLst>
+              <a:gd name="adj" fmla="val 100655"/>
+            </a:avLst>
+          </a:prstGeom>
+          <a:solidFill>
+            <a:schemeClr val="bg1">
+              <a:alpha val="27000"/>
+            </a:schemeClr>
+          </a:solidFill>
+          <a:ln>
+            <a:noFill/>
+          </a:ln>
+        </p:spPr>
+        <p:style>
+          <a:lnRef idx="2">
+            <a:schemeClr val="accent1">
+              <a:shade val="50000"/>
+            </a:schemeClr>
+          </a:lnRef>
+          <a:fillRef idx="1">
+            <a:schemeClr val="accent1"/>
+          </a:fillRef>
+          <a:effectRef idx="0">
+            <a:schemeClr val="accent1"/>
+          </a:effectRef>
+          <a:fontRef idx="minor">
+            <a:schemeClr val="lt1"/>
+          </a:fontRef>
+        </p:style>
+        <p:txBody>
+          <a:bodyPr rtlCol="0" anchor="ctr"/>
+          <a:lstStyle/>
+          <a:p>
+            <a:pPr algn="ctr"/>
+            <a:endParaRPr lang="ko-KR" altLang="en-US"/>
+          </a:p>
+        </p:txBody>
+      </p:sp>
+      <p:sp>
+        <p:nvSpPr>
+          <p:cNvPr id="26" name="평행 사변형 25">
+            <a:extLst>
+              <a:ext uri="{FF2B5EF4-FFF2-40B4-BE49-F238E27FC236}">
+                <a16:creationId xmlns:a16="http://schemas.microsoft.com/office/drawing/2014/main" id="{04398FEE-AF56-4E04-B9DD-EA9ECC251CD3}"/>
+              </a:ext>
+            </a:extLst>
+          </p:cNvPr>
+          <p:cNvSpPr/>
+          <p:nvPr/>
+        </p:nvSpPr>
+        <p:spPr>
+          <a:xfrm>
+            <a:off x="4324032" y="3637806"/>
+            <a:ext cx="1664915" cy="169524"/>
+          </a:xfrm>
+          <a:prstGeom prst="parallelogram">
+            <a:avLst>
+              <a:gd name="adj" fmla="val 100655"/>
+            </a:avLst>
+          </a:prstGeom>
+          <a:solidFill>
+            <a:schemeClr val="tx1">
+              <a:lumMod val="65000"/>
+              <a:lumOff val="35000"/>
+              <a:alpha val="3000"/>
+            </a:schemeClr>
+          </a:solidFill>
+          <a:ln>
+            <a:noFill/>
+          </a:ln>
+          <a:effectLst>
+            <a:glow rad="50800">
+              <a:schemeClr val="tx1">
+                <a:lumMod val="65000"/>
+                <a:lumOff val="35000"/>
+                <a:alpha val="13000"/>
+              </a:schemeClr>
+            </a:glow>
+          </a:effectLst>
+        </p:spPr>
+        <p:style>
+          <a:lnRef idx="2">
+            <a:schemeClr val="accent1">
+              <a:shade val="50000"/>
+            </a:schemeClr>
+          </a:lnRef>
+          <a:fillRef idx="1">
+            <a:schemeClr val="accent1"/>
+          </a:fillRef>
+          <a:effectRef idx="0">
+            <a:schemeClr val="accent1"/>
+          </a:effectRef>
+          <a:fontRef idx="minor">
+            <a:schemeClr val="lt1"/>
+          </a:fontRef>
+        </p:style>
+        <p:txBody>
+          <a:bodyPr rtlCol="0" anchor="ctr"/>
+          <a:lstStyle/>
+          <a:p>
+            <a:pPr algn="ctr"/>
+            <a:endParaRPr lang="ko-KR" altLang="en-US"/>
+          </a:p>
+        </p:txBody>
+      </p:sp>
+    </p:spTree>
+    <p:extLst>
+      <p:ext uri="{BB962C8B-B14F-4D97-AF65-F5344CB8AC3E}">
+        <p14:creationId xmlns:p14="http://schemas.microsoft.com/office/powerpoint/2010/main" val="3207608161"/>
+      </p:ext>
+    </p:extLst>
+  </p:cSld>
+  <p:clrMapOvr>
+    <a:masterClrMapping/>
+  </p:clrMapOvr>
+</p:sld>
+</file>
+
+<file path=ppt/slides/slide5.xml><?xml version="1.0" encoding="utf-8"?>
+<p:sld xmlns:a="http://schemas.openxmlformats.org/drawingml/2006/main" xmlns:r="http://schemas.openxmlformats.org/officeDocument/2006/relationships" xmlns:p="http://schemas.openxmlformats.org/presentationml/2006/main">
+  <p:cSld>
     <p:bg>
       <p:bgPr>
         <a:solidFill>
@@ -14950,7 +21397,7 @@
 </p:sld>
 </file>
 
-<file path=ppt/slides/slide4.xml><?xml version="1.0" encoding="utf-8"?>
+<file path=ppt/slides/slide6.xml><?xml version="1.0" encoding="utf-8"?>
 <p:sld xmlns:a="http://schemas.openxmlformats.org/drawingml/2006/main" xmlns:r="http://schemas.openxmlformats.org/officeDocument/2006/relationships" xmlns:p="http://schemas.openxmlformats.org/presentationml/2006/main">
   <p:cSld>
     <p:spTree>
@@ -19352,7 +25799,7 @@
 </p:sld>
 </file>
 
-<file path=ppt/slides/slide5.xml><?xml version="1.0" encoding="utf-8"?>
+<file path=ppt/slides/slide7.xml><?xml version="1.0" encoding="utf-8"?>
 <p:sld xmlns:a="http://schemas.openxmlformats.org/drawingml/2006/main" xmlns:r="http://schemas.openxmlformats.org/officeDocument/2006/relationships" xmlns:p="http://schemas.openxmlformats.org/presentationml/2006/main">
   <p:cSld>
     <p:spTree>
@@ -22976,7 +29423,7 @@
 </p:sld>
 </file>
 
-<file path=ppt/slides/slide6.xml><?xml version="1.0" encoding="utf-8"?>
+<file path=ppt/slides/slide8.xml><?xml version="1.0" encoding="utf-8"?>
 <p:sld xmlns:a="http://schemas.openxmlformats.org/drawingml/2006/main" xmlns:r="http://schemas.openxmlformats.org/officeDocument/2006/relationships" xmlns:p="http://schemas.openxmlformats.org/presentationml/2006/main">
   <p:cSld>
     <p:spTree>

--- a/PPT/그래픽 리소스 작업.pptx
+++ b/PPT/그래픽 리소스 작업.pptx
@@ -272,7 +272,7 @@
           <a:p>
             <a:fld id="{27D31188-FF41-4827-A5DA-97728D47966F}" type="datetimeFigureOut">
               <a:rPr lang="ko-KR" altLang="en-US" smtClean="0"/>
-              <a:t>2017-11-12</a:t>
+              <a:t>2017-11-15</a:t>
             </a:fld>
             <a:endParaRPr lang="ko-KR" altLang="en-US"/>
           </a:p>
@@ -470,7 +470,7 @@
           <a:p>
             <a:fld id="{27D31188-FF41-4827-A5DA-97728D47966F}" type="datetimeFigureOut">
               <a:rPr lang="ko-KR" altLang="en-US" smtClean="0"/>
-              <a:t>2017-11-12</a:t>
+              <a:t>2017-11-15</a:t>
             </a:fld>
             <a:endParaRPr lang="ko-KR" altLang="en-US"/>
           </a:p>
@@ -678,7 +678,7 @@
           <a:p>
             <a:fld id="{27D31188-FF41-4827-A5DA-97728D47966F}" type="datetimeFigureOut">
               <a:rPr lang="ko-KR" altLang="en-US" smtClean="0"/>
-              <a:t>2017-11-12</a:t>
+              <a:t>2017-11-15</a:t>
             </a:fld>
             <a:endParaRPr lang="ko-KR" altLang="en-US"/>
           </a:p>
@@ -876,7 +876,7 @@
           <a:p>
             <a:fld id="{27D31188-FF41-4827-A5DA-97728D47966F}" type="datetimeFigureOut">
               <a:rPr lang="ko-KR" altLang="en-US" smtClean="0"/>
-              <a:t>2017-11-12</a:t>
+              <a:t>2017-11-15</a:t>
             </a:fld>
             <a:endParaRPr lang="ko-KR" altLang="en-US"/>
           </a:p>
@@ -1151,7 +1151,7 @@
           <a:p>
             <a:fld id="{27D31188-FF41-4827-A5DA-97728D47966F}" type="datetimeFigureOut">
               <a:rPr lang="ko-KR" altLang="en-US" smtClean="0"/>
-              <a:t>2017-11-12</a:t>
+              <a:t>2017-11-15</a:t>
             </a:fld>
             <a:endParaRPr lang="ko-KR" altLang="en-US"/>
           </a:p>
@@ -1416,7 +1416,7 @@
           <a:p>
             <a:fld id="{27D31188-FF41-4827-A5DA-97728D47966F}" type="datetimeFigureOut">
               <a:rPr lang="ko-KR" altLang="en-US" smtClean="0"/>
-              <a:t>2017-11-12</a:t>
+              <a:t>2017-11-15</a:t>
             </a:fld>
             <a:endParaRPr lang="ko-KR" altLang="en-US"/>
           </a:p>
@@ -1828,7 +1828,7 @@
           <a:p>
             <a:fld id="{27D31188-FF41-4827-A5DA-97728D47966F}" type="datetimeFigureOut">
               <a:rPr lang="ko-KR" altLang="en-US" smtClean="0"/>
-              <a:t>2017-11-12</a:t>
+              <a:t>2017-11-15</a:t>
             </a:fld>
             <a:endParaRPr lang="ko-KR" altLang="en-US"/>
           </a:p>
@@ -1969,7 +1969,7 @@
           <a:p>
             <a:fld id="{27D31188-FF41-4827-A5DA-97728D47966F}" type="datetimeFigureOut">
               <a:rPr lang="ko-KR" altLang="en-US" smtClean="0"/>
-              <a:t>2017-11-12</a:t>
+              <a:t>2017-11-15</a:t>
             </a:fld>
             <a:endParaRPr lang="ko-KR" altLang="en-US"/>
           </a:p>
@@ -2082,7 +2082,7 @@
           <a:p>
             <a:fld id="{27D31188-FF41-4827-A5DA-97728D47966F}" type="datetimeFigureOut">
               <a:rPr lang="ko-KR" altLang="en-US" smtClean="0"/>
-              <a:t>2017-11-12</a:t>
+              <a:t>2017-11-15</a:t>
             </a:fld>
             <a:endParaRPr lang="ko-KR" altLang="en-US"/>
           </a:p>
@@ -2393,7 +2393,7 @@
           <a:p>
             <a:fld id="{27D31188-FF41-4827-A5DA-97728D47966F}" type="datetimeFigureOut">
               <a:rPr lang="ko-KR" altLang="en-US" smtClean="0"/>
-              <a:t>2017-11-12</a:t>
+              <a:t>2017-11-15</a:t>
             </a:fld>
             <a:endParaRPr lang="ko-KR" altLang="en-US"/>
           </a:p>
@@ -2681,7 +2681,7 @@
           <a:p>
             <a:fld id="{27D31188-FF41-4827-A5DA-97728D47966F}" type="datetimeFigureOut">
               <a:rPr lang="ko-KR" altLang="en-US" smtClean="0"/>
-              <a:t>2017-11-12</a:t>
+              <a:t>2017-11-15</a:t>
             </a:fld>
             <a:endParaRPr lang="ko-KR" altLang="en-US"/>
           </a:p>
@@ -2922,7 +2922,7 @@
           <a:p>
             <a:fld id="{27D31188-FF41-4827-A5DA-97728D47966F}" type="datetimeFigureOut">
               <a:rPr lang="ko-KR" altLang="en-US" smtClean="0"/>
-              <a:t>2017-11-12</a:t>
+              <a:t>2017-11-15</a:t>
             </a:fld>
             <a:endParaRPr lang="ko-KR" altLang="en-US"/>
           </a:p>
@@ -35214,512 +35214,6 @@
           </a:p>
         </p:txBody>
       </p:sp>
-      <p:sp>
-        <p:nvSpPr>
-          <p:cNvPr id="32" name="직사각형 31">
-            <a:extLst>
-              <a:ext uri="{FF2B5EF4-FFF2-40B4-BE49-F238E27FC236}">
-                <a16:creationId xmlns:a16="http://schemas.microsoft.com/office/drawing/2014/main" id="{C8D76F8A-B581-4A11-86BC-B49B6D1E39C9}"/>
-              </a:ext>
-            </a:extLst>
-          </p:cNvPr>
-          <p:cNvSpPr/>
-          <p:nvPr/>
-        </p:nvSpPr>
-        <p:spPr>
-          <a:xfrm>
-            <a:off x="3827754" y="1808621"/>
-            <a:ext cx="108000" cy="216000"/>
-          </a:xfrm>
-          <a:prstGeom prst="rect">
-            <a:avLst/>
-          </a:prstGeom>
-          <a:noFill/>
-          <a:effectLst>
-            <a:outerShdw blurRad="50800" dist="38100" dir="2700000" algn="tl" rotWithShape="0">
-              <a:prstClr val="black">
-                <a:alpha val="40000"/>
-              </a:prstClr>
-            </a:outerShdw>
-          </a:effectLst>
-        </p:spPr>
-        <p:txBody>
-          <a:bodyPr wrap="none" lIns="91440" tIns="45720" rIns="91440" bIns="45720" anchor="ctr">
-            <a:spAutoFit/>
-          </a:bodyPr>
-          <a:lstStyle/>
-          <a:p>
-            <a:pPr algn="ctr"/>
-            <a:r>
-              <a:rPr lang="en-US" altLang="ko-KR" sz="2000" b="0" cap="none" spc="0" dirty="0">
-                <a:ln w="0"/>
-                <a:solidFill>
-                  <a:schemeClr val="bg1"/>
-                </a:solidFill>
-                <a:latin typeface="Agency FB" panose="020B0503020202020204" pitchFamily="34" charset="0"/>
-                <a:ea typeface="휴먼엑스포" panose="02030504000101010101" pitchFamily="18" charset="-127"/>
-              </a:rPr>
-              <a:t>1</a:t>
-            </a:r>
-          </a:p>
-        </p:txBody>
-      </p:sp>
-      <p:sp>
-        <p:nvSpPr>
-          <p:cNvPr id="33" name="직사각형 32">
-            <a:extLst>
-              <a:ext uri="{FF2B5EF4-FFF2-40B4-BE49-F238E27FC236}">
-                <a16:creationId xmlns:a16="http://schemas.microsoft.com/office/drawing/2014/main" id="{CB5DA208-7EFC-411D-AE80-62F8F2B1DF39}"/>
-              </a:ext>
-            </a:extLst>
-          </p:cNvPr>
-          <p:cNvSpPr/>
-          <p:nvPr/>
-        </p:nvSpPr>
-        <p:spPr>
-          <a:xfrm>
-            <a:off x="3938774" y="1808621"/>
-            <a:ext cx="108000" cy="216000"/>
-          </a:xfrm>
-          <a:prstGeom prst="rect">
-            <a:avLst/>
-          </a:prstGeom>
-          <a:noFill/>
-          <a:effectLst>
-            <a:outerShdw blurRad="50800" dist="38100" dir="2700000" algn="tl" rotWithShape="0">
-              <a:prstClr val="black">
-                <a:alpha val="40000"/>
-              </a:prstClr>
-            </a:outerShdw>
-          </a:effectLst>
-        </p:spPr>
-        <p:txBody>
-          <a:bodyPr wrap="none" lIns="91440" tIns="45720" rIns="91440" bIns="45720" anchor="ctr">
-            <a:spAutoFit/>
-          </a:bodyPr>
-          <a:lstStyle/>
-          <a:p>
-            <a:pPr algn="ctr"/>
-            <a:r>
-              <a:rPr lang="en-US" altLang="ko-KR" sz="2000" dirty="0">
-                <a:ln w="0"/>
-                <a:solidFill>
-                  <a:schemeClr val="bg1"/>
-                </a:solidFill>
-                <a:latin typeface="Agency FB" panose="020B0503020202020204" pitchFamily="34" charset="0"/>
-                <a:ea typeface="휴먼엑스포" panose="02030504000101010101" pitchFamily="18" charset="-127"/>
-              </a:rPr>
-              <a:t>2</a:t>
-            </a:r>
-            <a:endParaRPr lang="en-US" altLang="ko-KR" sz="2000" b="0" cap="none" spc="0" dirty="0">
-              <a:ln w="0"/>
-              <a:solidFill>
-                <a:schemeClr val="bg1"/>
-              </a:solidFill>
-              <a:latin typeface="Agency FB" panose="020B0503020202020204" pitchFamily="34" charset="0"/>
-              <a:ea typeface="휴먼엑스포" panose="02030504000101010101" pitchFamily="18" charset="-127"/>
-            </a:endParaRPr>
-          </a:p>
-        </p:txBody>
-      </p:sp>
-      <p:sp>
-        <p:nvSpPr>
-          <p:cNvPr id="34" name="직사각형 33">
-            <a:extLst>
-              <a:ext uri="{FF2B5EF4-FFF2-40B4-BE49-F238E27FC236}">
-                <a16:creationId xmlns:a16="http://schemas.microsoft.com/office/drawing/2014/main" id="{ED94554C-F659-470D-8FF1-1562B297346F}"/>
-              </a:ext>
-            </a:extLst>
-          </p:cNvPr>
-          <p:cNvSpPr/>
-          <p:nvPr/>
-        </p:nvSpPr>
-        <p:spPr>
-          <a:xfrm>
-            <a:off x="4048011" y="1808621"/>
-            <a:ext cx="108000" cy="216000"/>
-          </a:xfrm>
-          <a:prstGeom prst="rect">
-            <a:avLst/>
-          </a:prstGeom>
-          <a:noFill/>
-          <a:effectLst>
-            <a:outerShdw blurRad="50800" dist="38100" dir="2700000" algn="tl" rotWithShape="0">
-              <a:prstClr val="black">
-                <a:alpha val="40000"/>
-              </a:prstClr>
-            </a:outerShdw>
-          </a:effectLst>
-        </p:spPr>
-        <p:txBody>
-          <a:bodyPr wrap="none" lIns="91440" tIns="45720" rIns="91440" bIns="45720" anchor="ctr">
-            <a:spAutoFit/>
-          </a:bodyPr>
-          <a:lstStyle/>
-          <a:p>
-            <a:pPr algn="ctr"/>
-            <a:r>
-              <a:rPr lang="en-US" altLang="ko-KR" sz="2000" b="0" cap="none" spc="0" dirty="0">
-                <a:ln w="0"/>
-                <a:solidFill>
-                  <a:schemeClr val="bg1"/>
-                </a:solidFill>
-                <a:latin typeface="Agency FB" panose="020B0503020202020204" pitchFamily="34" charset="0"/>
-                <a:ea typeface="휴먼엑스포" panose="02030504000101010101" pitchFamily="18" charset="-127"/>
-              </a:rPr>
-              <a:t>3</a:t>
-            </a:r>
-          </a:p>
-        </p:txBody>
-      </p:sp>
-      <p:sp>
-        <p:nvSpPr>
-          <p:cNvPr id="35" name="직사각형 34">
-            <a:extLst>
-              <a:ext uri="{FF2B5EF4-FFF2-40B4-BE49-F238E27FC236}">
-                <a16:creationId xmlns:a16="http://schemas.microsoft.com/office/drawing/2014/main" id="{DD5015CE-D8E3-4131-A8CE-6EDBA006979B}"/>
-              </a:ext>
-            </a:extLst>
-          </p:cNvPr>
-          <p:cNvSpPr/>
-          <p:nvPr/>
-        </p:nvSpPr>
-        <p:spPr>
-          <a:xfrm>
-            <a:off x="4156973" y="1808621"/>
-            <a:ext cx="108000" cy="216000"/>
-          </a:xfrm>
-          <a:prstGeom prst="rect">
-            <a:avLst/>
-          </a:prstGeom>
-          <a:noFill/>
-          <a:effectLst>
-            <a:outerShdw blurRad="50800" dist="38100" dir="2700000" algn="tl" rotWithShape="0">
-              <a:prstClr val="black">
-                <a:alpha val="40000"/>
-              </a:prstClr>
-            </a:outerShdw>
-          </a:effectLst>
-        </p:spPr>
-        <p:txBody>
-          <a:bodyPr wrap="none" lIns="91440" tIns="45720" rIns="91440" bIns="45720" anchor="ctr">
-            <a:spAutoFit/>
-          </a:bodyPr>
-          <a:lstStyle/>
-          <a:p>
-            <a:pPr algn="ctr"/>
-            <a:r>
-              <a:rPr lang="en-US" altLang="ko-KR" sz="2000" dirty="0">
-                <a:ln w="0"/>
-                <a:solidFill>
-                  <a:schemeClr val="bg1"/>
-                </a:solidFill>
-                <a:latin typeface="Agency FB" panose="020B0503020202020204" pitchFamily="34" charset="0"/>
-                <a:ea typeface="휴먼엑스포" panose="02030504000101010101" pitchFamily="18" charset="-127"/>
-              </a:rPr>
-              <a:t>4</a:t>
-            </a:r>
-            <a:endParaRPr lang="en-US" altLang="ko-KR" sz="2000" b="0" cap="none" spc="0" dirty="0">
-              <a:ln w="0"/>
-              <a:solidFill>
-                <a:schemeClr val="bg1"/>
-              </a:solidFill>
-              <a:latin typeface="Agency FB" panose="020B0503020202020204" pitchFamily="34" charset="0"/>
-              <a:ea typeface="휴먼엑스포" panose="02030504000101010101" pitchFamily="18" charset="-127"/>
-            </a:endParaRPr>
-          </a:p>
-        </p:txBody>
-      </p:sp>
-      <p:sp>
-        <p:nvSpPr>
-          <p:cNvPr id="36" name="직사각형 35">
-            <a:extLst>
-              <a:ext uri="{FF2B5EF4-FFF2-40B4-BE49-F238E27FC236}">
-                <a16:creationId xmlns:a16="http://schemas.microsoft.com/office/drawing/2014/main" id="{2E14FD24-8A45-4A21-ABFA-5A8C49165112}"/>
-              </a:ext>
-            </a:extLst>
-          </p:cNvPr>
-          <p:cNvSpPr/>
-          <p:nvPr/>
-        </p:nvSpPr>
-        <p:spPr>
-          <a:xfrm>
-            <a:off x="4267218" y="1808621"/>
-            <a:ext cx="108000" cy="216000"/>
-          </a:xfrm>
-          <a:prstGeom prst="rect">
-            <a:avLst/>
-          </a:prstGeom>
-          <a:noFill/>
-          <a:effectLst>
-            <a:outerShdw blurRad="50800" dist="38100" dir="2700000" algn="tl" rotWithShape="0">
-              <a:prstClr val="black">
-                <a:alpha val="40000"/>
-              </a:prstClr>
-            </a:outerShdw>
-          </a:effectLst>
-        </p:spPr>
-        <p:txBody>
-          <a:bodyPr wrap="none" lIns="91440" tIns="45720" rIns="91440" bIns="45720" anchor="ctr">
-            <a:spAutoFit/>
-          </a:bodyPr>
-          <a:lstStyle/>
-          <a:p>
-            <a:pPr algn="ctr"/>
-            <a:r>
-              <a:rPr lang="en-US" altLang="ko-KR" sz="2000" dirty="0">
-                <a:ln w="0"/>
-                <a:solidFill>
-                  <a:schemeClr val="bg1"/>
-                </a:solidFill>
-                <a:latin typeface="Agency FB" panose="020B0503020202020204" pitchFamily="34" charset="0"/>
-                <a:ea typeface="휴먼엑스포" panose="02030504000101010101" pitchFamily="18" charset="-127"/>
-              </a:rPr>
-              <a:t>5</a:t>
-            </a:r>
-            <a:endParaRPr lang="en-US" altLang="ko-KR" sz="2000" b="0" cap="none" spc="0" dirty="0">
-              <a:ln w="0"/>
-              <a:solidFill>
-                <a:schemeClr val="bg1"/>
-              </a:solidFill>
-              <a:latin typeface="Agency FB" panose="020B0503020202020204" pitchFamily="34" charset="0"/>
-              <a:ea typeface="휴먼엑스포" panose="02030504000101010101" pitchFamily="18" charset="-127"/>
-            </a:endParaRPr>
-          </a:p>
-        </p:txBody>
-      </p:sp>
-      <p:sp>
-        <p:nvSpPr>
-          <p:cNvPr id="37" name="직사각형 36">
-            <a:extLst>
-              <a:ext uri="{FF2B5EF4-FFF2-40B4-BE49-F238E27FC236}">
-                <a16:creationId xmlns:a16="http://schemas.microsoft.com/office/drawing/2014/main" id="{7D814C00-97E3-4590-B5C6-A610598CB169}"/>
-              </a:ext>
-            </a:extLst>
-          </p:cNvPr>
-          <p:cNvSpPr/>
-          <p:nvPr/>
-        </p:nvSpPr>
-        <p:spPr>
-          <a:xfrm>
-            <a:off x="4377852" y="1808621"/>
-            <a:ext cx="108000" cy="216000"/>
-          </a:xfrm>
-          <a:prstGeom prst="rect">
-            <a:avLst/>
-          </a:prstGeom>
-          <a:noFill/>
-          <a:effectLst>
-            <a:outerShdw blurRad="50800" dist="38100" dir="2700000" algn="tl" rotWithShape="0">
-              <a:prstClr val="black">
-                <a:alpha val="40000"/>
-              </a:prstClr>
-            </a:outerShdw>
-          </a:effectLst>
-        </p:spPr>
-        <p:txBody>
-          <a:bodyPr wrap="none" lIns="91440" tIns="45720" rIns="91440" bIns="45720" anchor="ctr">
-            <a:spAutoFit/>
-          </a:bodyPr>
-          <a:lstStyle/>
-          <a:p>
-            <a:pPr algn="ctr"/>
-            <a:r>
-              <a:rPr lang="en-US" altLang="ko-KR" sz="2000" dirty="0">
-                <a:ln w="0"/>
-                <a:solidFill>
-                  <a:schemeClr val="bg1"/>
-                </a:solidFill>
-                <a:latin typeface="Agency FB" panose="020B0503020202020204" pitchFamily="34" charset="0"/>
-                <a:ea typeface="휴먼엑스포" panose="02030504000101010101" pitchFamily="18" charset="-127"/>
-              </a:rPr>
-              <a:t>6</a:t>
-            </a:r>
-            <a:endParaRPr lang="en-US" altLang="ko-KR" sz="2000" b="0" cap="none" spc="0" dirty="0">
-              <a:ln w="0"/>
-              <a:solidFill>
-                <a:schemeClr val="bg1"/>
-              </a:solidFill>
-              <a:latin typeface="Agency FB" panose="020B0503020202020204" pitchFamily="34" charset="0"/>
-              <a:ea typeface="휴먼엑스포" panose="02030504000101010101" pitchFamily="18" charset="-127"/>
-            </a:endParaRPr>
-          </a:p>
-        </p:txBody>
-      </p:sp>
-      <p:sp>
-        <p:nvSpPr>
-          <p:cNvPr id="38" name="직사각형 37">
-            <a:extLst>
-              <a:ext uri="{FF2B5EF4-FFF2-40B4-BE49-F238E27FC236}">
-                <a16:creationId xmlns:a16="http://schemas.microsoft.com/office/drawing/2014/main" id="{1AB98195-7878-4B40-8831-3CCFF9873D96}"/>
-              </a:ext>
-            </a:extLst>
-          </p:cNvPr>
-          <p:cNvSpPr/>
-          <p:nvPr/>
-        </p:nvSpPr>
-        <p:spPr>
-          <a:xfrm>
-            <a:off x="4488233" y="1810643"/>
-            <a:ext cx="108000" cy="216000"/>
-          </a:xfrm>
-          <a:prstGeom prst="rect">
-            <a:avLst/>
-          </a:prstGeom>
-          <a:noFill/>
-          <a:effectLst>
-            <a:outerShdw blurRad="50800" dist="38100" dir="2700000" algn="tl" rotWithShape="0">
-              <a:prstClr val="black">
-                <a:alpha val="40000"/>
-              </a:prstClr>
-            </a:outerShdw>
-          </a:effectLst>
-        </p:spPr>
-        <p:txBody>
-          <a:bodyPr wrap="none" lIns="91440" tIns="45720" rIns="91440" bIns="45720" anchor="ctr">
-            <a:spAutoFit/>
-          </a:bodyPr>
-          <a:lstStyle/>
-          <a:p>
-            <a:pPr algn="ctr"/>
-            <a:r>
-              <a:rPr lang="en-US" altLang="ko-KR" sz="2000" dirty="0">
-                <a:ln w="0"/>
-                <a:solidFill>
-                  <a:schemeClr val="bg1"/>
-                </a:solidFill>
-                <a:latin typeface="Agency FB" panose="020B0503020202020204" pitchFamily="34" charset="0"/>
-                <a:ea typeface="휴먼엑스포" panose="02030504000101010101" pitchFamily="18" charset="-127"/>
-              </a:rPr>
-              <a:t>7</a:t>
-            </a:r>
-            <a:endParaRPr lang="en-US" altLang="ko-KR" sz="2000" b="0" cap="none" spc="0" dirty="0">
-              <a:ln w="0"/>
-              <a:solidFill>
-                <a:schemeClr val="bg1"/>
-              </a:solidFill>
-              <a:latin typeface="Agency FB" panose="020B0503020202020204" pitchFamily="34" charset="0"/>
-              <a:ea typeface="휴먼엑스포" panose="02030504000101010101" pitchFamily="18" charset="-127"/>
-            </a:endParaRPr>
-          </a:p>
-        </p:txBody>
-      </p:sp>
-      <p:sp>
-        <p:nvSpPr>
-          <p:cNvPr id="39" name="직사각형 38">
-            <a:extLst>
-              <a:ext uri="{FF2B5EF4-FFF2-40B4-BE49-F238E27FC236}">
-                <a16:creationId xmlns:a16="http://schemas.microsoft.com/office/drawing/2014/main" id="{5AB56C65-B6A9-45D4-A839-8062D6C2AA4A}"/>
-              </a:ext>
-            </a:extLst>
-          </p:cNvPr>
-          <p:cNvSpPr/>
-          <p:nvPr/>
-        </p:nvSpPr>
-        <p:spPr>
-          <a:xfrm>
-            <a:off x="4599031" y="1808621"/>
-            <a:ext cx="108000" cy="216000"/>
-          </a:xfrm>
-          <a:prstGeom prst="rect">
-            <a:avLst/>
-          </a:prstGeom>
-          <a:noFill/>
-          <a:effectLst>
-            <a:outerShdw blurRad="50800" dist="38100" dir="2700000" algn="tl" rotWithShape="0">
-              <a:prstClr val="black">
-                <a:alpha val="40000"/>
-              </a:prstClr>
-            </a:outerShdw>
-          </a:effectLst>
-        </p:spPr>
-        <p:txBody>
-          <a:bodyPr wrap="none" lIns="91440" tIns="45720" rIns="91440" bIns="45720" anchor="ctr">
-            <a:spAutoFit/>
-          </a:bodyPr>
-          <a:lstStyle/>
-          <a:p>
-            <a:pPr algn="ctr"/>
-            <a:r>
-              <a:rPr lang="en-US" altLang="ko-KR" sz="2000" dirty="0">
-                <a:ln w="0"/>
-                <a:solidFill>
-                  <a:schemeClr val="bg1"/>
-                </a:solidFill>
-                <a:latin typeface="Agency FB" panose="020B0503020202020204" pitchFamily="34" charset="0"/>
-                <a:ea typeface="휴먼엑스포" panose="02030504000101010101" pitchFamily="18" charset="-127"/>
-              </a:rPr>
-              <a:t>8</a:t>
-            </a:r>
-            <a:endParaRPr lang="en-US" altLang="ko-KR" sz="2000" b="0" cap="none" spc="0" dirty="0">
-              <a:ln w="0"/>
-              <a:solidFill>
-                <a:schemeClr val="bg1"/>
-              </a:solidFill>
-              <a:latin typeface="Agency FB" panose="020B0503020202020204" pitchFamily="34" charset="0"/>
-              <a:ea typeface="휴먼엑스포" panose="02030504000101010101" pitchFamily="18" charset="-127"/>
-            </a:endParaRPr>
-          </a:p>
-        </p:txBody>
-      </p:sp>
-      <p:sp>
-        <p:nvSpPr>
-          <p:cNvPr id="40" name="직사각형 39">
-            <a:extLst>
-              <a:ext uri="{FF2B5EF4-FFF2-40B4-BE49-F238E27FC236}">
-                <a16:creationId xmlns:a16="http://schemas.microsoft.com/office/drawing/2014/main" id="{79D1E937-18A7-4CD7-AFED-F77CDE7B6280}"/>
-              </a:ext>
-            </a:extLst>
-          </p:cNvPr>
-          <p:cNvSpPr/>
-          <p:nvPr/>
-        </p:nvSpPr>
-        <p:spPr>
-          <a:xfrm>
-            <a:off x="4711058" y="1808621"/>
-            <a:ext cx="108000" cy="216000"/>
-          </a:xfrm>
-          <a:prstGeom prst="rect">
-            <a:avLst/>
-          </a:prstGeom>
-          <a:noFill/>
-          <a:effectLst>
-            <a:outerShdw blurRad="50800" dist="38100" dir="2700000" algn="tl" rotWithShape="0">
-              <a:prstClr val="black">
-                <a:alpha val="40000"/>
-              </a:prstClr>
-            </a:outerShdw>
-          </a:effectLst>
-        </p:spPr>
-        <p:txBody>
-          <a:bodyPr wrap="none" lIns="91440" tIns="45720" rIns="91440" bIns="45720" anchor="ctr">
-            <a:spAutoFit/>
-          </a:bodyPr>
-          <a:lstStyle/>
-          <a:p>
-            <a:pPr algn="ctr"/>
-            <a:r>
-              <a:rPr lang="en-US" altLang="ko-KR" sz="2000" dirty="0">
-                <a:ln w="0"/>
-                <a:solidFill>
-                  <a:schemeClr val="bg1"/>
-                </a:solidFill>
-                <a:latin typeface="Agency FB" panose="020B0503020202020204" pitchFamily="34" charset="0"/>
-                <a:ea typeface="휴먼엑스포" panose="02030504000101010101" pitchFamily="18" charset="-127"/>
-              </a:rPr>
-              <a:t>9</a:t>
-            </a:r>
-            <a:endParaRPr lang="en-US" altLang="ko-KR" sz="2000" b="0" cap="none" spc="0" dirty="0">
-              <a:ln w="0"/>
-              <a:solidFill>
-                <a:schemeClr val="bg1"/>
-              </a:solidFill>
-              <a:latin typeface="Agency FB" panose="020B0503020202020204" pitchFamily="34" charset="0"/>
-              <a:ea typeface="휴먼엑스포" panose="02030504000101010101" pitchFamily="18" charset="-127"/>
-            </a:endParaRPr>
-          </a:p>
-        </p:txBody>
-      </p:sp>
       <p:grpSp>
         <p:nvGrpSpPr>
           <p:cNvPr id="8" name="그룹 7">
@@ -36412,10 +35906,10 @@
       </p:sp>
       <p:grpSp>
         <p:nvGrpSpPr>
-          <p:cNvPr id="55" name="그룹 54">
+          <p:cNvPr id="3" name="그룹 2">
             <a:extLst>
               <a:ext uri="{FF2B5EF4-FFF2-40B4-BE49-F238E27FC236}">
-                <a16:creationId xmlns:a16="http://schemas.microsoft.com/office/drawing/2014/main" id="{D1FCEC51-A440-4FE8-A35D-7E99A3C37E2B}"/>
+                <a16:creationId xmlns:a16="http://schemas.microsoft.com/office/drawing/2014/main" id="{37B16B77-78FC-41CF-8FD5-3150B712BB35}"/>
               </a:ext>
             </a:extLst>
           </p:cNvPr>
@@ -36425,9 +35919,9 @@
         <p:grpSpPr>
           <a:xfrm>
             <a:off x="7372943" y="1557632"/>
-            <a:ext cx="1224000" cy="1169145"/>
+            <a:ext cx="1224000" cy="1078667"/>
             <a:chOff x="7372943" y="1557632"/>
-            <a:chExt cx="1224000" cy="1169145"/>
+            <a:chExt cx="1224000" cy="1078667"/>
           </a:xfrm>
         </p:grpSpPr>
         <p:sp>
@@ -36534,7 +36028,7 @@
           </p:nvSpPr>
           <p:spPr>
             <a:xfrm>
-              <a:off x="7372943" y="1704013"/>
+              <a:off x="7372943" y="1696870"/>
               <a:ext cx="1224000" cy="144000"/>
             </a:xfrm>
             <a:prstGeom prst="rect">
@@ -36624,7 +36118,7 @@
           </p:nvSpPr>
           <p:spPr>
             <a:xfrm>
-              <a:off x="7372943" y="1851188"/>
+              <a:off x="7372943" y="1829759"/>
               <a:ext cx="1224000" cy="144000"/>
             </a:xfrm>
             <a:prstGeom prst="rect">
@@ -36714,7 +36208,7 @@
           </p:nvSpPr>
           <p:spPr>
             <a:xfrm>
-              <a:off x="7372943" y="1998888"/>
+              <a:off x="7372943" y="1963173"/>
               <a:ext cx="1224000" cy="144000"/>
             </a:xfrm>
             <a:prstGeom prst="rect">
@@ -36804,7 +36298,7 @@
           </p:nvSpPr>
           <p:spPr>
             <a:xfrm>
-              <a:off x="7372943" y="2146292"/>
+              <a:off x="7372943" y="2096291"/>
               <a:ext cx="1224000" cy="144000"/>
             </a:xfrm>
             <a:prstGeom prst="rect">
@@ -36894,7 +36388,7 @@
           </p:nvSpPr>
           <p:spPr>
             <a:xfrm>
-              <a:off x="7372943" y="2292109"/>
+              <a:off x="7372943" y="2230203"/>
               <a:ext cx="1224000" cy="144000"/>
             </a:xfrm>
             <a:prstGeom prst="rect">
@@ -36984,7 +36478,7 @@
           </p:nvSpPr>
           <p:spPr>
             <a:xfrm>
-              <a:off x="7372943" y="2437536"/>
+              <a:off x="7372943" y="2361344"/>
               <a:ext cx="1224000" cy="144000"/>
             </a:xfrm>
             <a:prstGeom prst="rect">
@@ -37092,7 +36586,7 @@
           </p:nvSpPr>
           <p:spPr>
             <a:xfrm>
-              <a:off x="7372943" y="2582777"/>
+              <a:off x="7372943" y="2492299"/>
               <a:ext cx="1224000" cy="144000"/>
             </a:xfrm>
             <a:prstGeom prst="rect">
@@ -37169,186 +36663,677 @@
           </p:txBody>
         </p:sp>
       </p:grpSp>
-      <p:sp>
-        <p:nvSpPr>
-          <p:cNvPr id="62" name="직사각형 61">
+      <p:grpSp>
+        <p:nvGrpSpPr>
+          <p:cNvPr id="4" name="그룹 3">
             <a:extLst>
               <a:ext uri="{FF2B5EF4-FFF2-40B4-BE49-F238E27FC236}">
-                <a16:creationId xmlns:a16="http://schemas.microsoft.com/office/drawing/2014/main" id="{284EE36D-A392-4665-B721-A293723B62DC}"/>
+                <a16:creationId xmlns:a16="http://schemas.microsoft.com/office/drawing/2014/main" id="{87F9B571-4D52-459D-9149-5DF7F7ECFD3E}"/>
               </a:ext>
             </a:extLst>
           </p:cNvPr>
-          <p:cNvSpPr/>
+          <p:cNvGrpSpPr/>
           <p:nvPr/>
-        </p:nvSpPr>
-        <p:spPr>
+        </p:nvGrpSpPr>
+        <p:grpSpPr>
           <a:xfrm>
-            <a:off x="3144964" y="3238563"/>
-            <a:ext cx="108000" cy="216000"/>
+            <a:off x="3769377" y="1731143"/>
+            <a:ext cx="1098919" cy="216000"/>
+            <a:chOff x="3769377" y="1731143"/>
+            <a:chExt cx="1098919" cy="216000"/>
           </a:xfrm>
-          <a:prstGeom prst="rect">
-            <a:avLst/>
-          </a:prstGeom>
-          <a:ln>
+        </p:grpSpPr>
+        <p:sp>
+          <p:nvSpPr>
+            <p:cNvPr id="62" name="직사각형 61">
+              <a:extLst>
+                <a:ext uri="{FF2B5EF4-FFF2-40B4-BE49-F238E27FC236}">
+                  <a16:creationId xmlns:a16="http://schemas.microsoft.com/office/drawing/2014/main" id="{284EE36D-A392-4665-B721-A293723B62DC}"/>
+                </a:ext>
+              </a:extLst>
+            </p:cNvPr>
+            <p:cNvSpPr/>
+            <p:nvPr/>
+          </p:nvSpPr>
+          <p:spPr>
+            <a:xfrm>
+              <a:off x="3769377" y="1731143"/>
+              <a:ext cx="108000" cy="216000"/>
+            </a:xfrm>
+            <a:prstGeom prst="rect">
+              <a:avLst/>
+            </a:prstGeom>
             <a:noFill/>
-          </a:ln>
-        </p:spPr>
-        <p:style>
-          <a:lnRef idx="2">
-            <a:schemeClr val="accent1">
-              <a:shade val="50000"/>
-            </a:schemeClr>
-          </a:lnRef>
-          <a:fillRef idx="1">
-            <a:schemeClr val="accent1"/>
-          </a:fillRef>
-          <a:effectRef idx="0">
-            <a:schemeClr val="accent1"/>
-          </a:effectRef>
-          <a:fontRef idx="minor">
-            <a:schemeClr val="lt1"/>
-          </a:fontRef>
-        </p:style>
-        <p:txBody>
-          <a:bodyPr rtlCol="0" anchor="ctr"/>
-          <a:lstStyle/>
-          <a:p>
-            <a:pPr algn="ctr"/>
-            <a:endParaRPr lang="ko-KR" altLang="en-US" sz="2000" dirty="0">
-              <a:effectLst>
-                <a:outerShdw blurRad="38100" dist="38100" dir="2700000" algn="tl">
-                  <a:srgbClr val="000000">
-                    <a:alpha val="43137"/>
-                  </a:srgbClr>
-                </a:outerShdw>
-              </a:effectLst>
-              <a:latin typeface="Agency FB" panose="020B0503020202020204" pitchFamily="34" charset="0"/>
-            </a:endParaRPr>
-          </a:p>
-        </p:txBody>
-      </p:sp>
-      <p:sp>
-        <p:nvSpPr>
-          <p:cNvPr id="30" name="직사각형 29">
-            <a:extLst>
-              <a:ext uri="{FF2B5EF4-FFF2-40B4-BE49-F238E27FC236}">
-                <a16:creationId xmlns:a16="http://schemas.microsoft.com/office/drawing/2014/main" id="{D401D8CF-2C0E-4841-8F5C-5EB79E979910}"/>
-              </a:ext>
-            </a:extLst>
-          </p:cNvPr>
-          <p:cNvSpPr/>
-          <p:nvPr/>
-        </p:nvSpPr>
-        <p:spPr>
-          <a:xfrm>
-            <a:off x="3041206" y="2819798"/>
-            <a:ext cx="273208" cy="400110"/>
-          </a:xfrm>
-          <a:prstGeom prst="rect">
-            <a:avLst/>
-          </a:prstGeom>
-          <a:noFill/>
-          <a:effectLst>
-            <a:outerShdw blurRad="50800" dist="38100" dir="2700000" algn="tl" rotWithShape="0">
-              <a:prstClr val="black">
-                <a:alpha val="40000"/>
-              </a:prstClr>
-            </a:outerShdw>
-          </a:effectLst>
-        </p:spPr>
-        <p:txBody>
-          <a:bodyPr wrap="square" lIns="91440" tIns="45720" rIns="91440" bIns="45720" anchor="ctr">
-            <a:spAutoFit/>
-          </a:bodyPr>
-          <a:lstStyle/>
-          <a:p>
-            <a:pPr algn="dist"/>
-            <a:r>
-              <a:rPr lang="en-US" altLang="ko-KR" sz="2000" b="0" cap="none" spc="0" dirty="0">
-                <a:ln w="0"/>
-                <a:solidFill>
-                  <a:schemeClr val="bg1"/>
-                </a:solidFill>
+            <a:ln>
+              <a:noFill/>
+            </a:ln>
+            <a:effectLst>
+              <a:outerShdw blurRad="50800" dist="38100" dir="2700000" algn="tl" rotWithShape="0">
+                <a:prstClr val="black">
+                  <a:alpha val="40000"/>
+                </a:prstClr>
+              </a:outerShdw>
+            </a:effectLst>
+          </p:spPr>
+          <p:style>
+            <a:lnRef idx="2">
+              <a:schemeClr val="accent1">
+                <a:shade val="50000"/>
+              </a:schemeClr>
+            </a:lnRef>
+            <a:fillRef idx="1">
+              <a:schemeClr val="accent1"/>
+            </a:fillRef>
+            <a:effectRef idx="0">
+              <a:schemeClr val="accent1"/>
+            </a:effectRef>
+            <a:fontRef idx="minor">
+              <a:schemeClr val="lt1"/>
+            </a:fontRef>
+          </p:style>
+          <p:txBody>
+            <a:bodyPr rtlCol="0" anchor="ctr"/>
+            <a:lstStyle/>
+            <a:p>
+              <a:pPr algn="ctr"/>
+              <a:r>
+                <a:rPr lang="en-US" altLang="ko-KR" sz="2000" dirty="0">
+                  <a:latin typeface="Agency FB" panose="020B0503020202020204" pitchFamily="34" charset="0"/>
+                </a:rPr>
+                <a:t>0</a:t>
+              </a:r>
+              <a:endParaRPr lang="ko-KR" altLang="en-US" sz="2000" dirty="0">
                 <a:latin typeface="Agency FB" panose="020B0503020202020204" pitchFamily="34" charset="0"/>
-                <a:ea typeface="휴먼엑스포" panose="02030504000101010101" pitchFamily="18" charset="-127"/>
-              </a:rPr>
-              <a:t>0</a:t>
-            </a:r>
-          </a:p>
-        </p:txBody>
-      </p:sp>
-      <p:pic>
-        <p:nvPicPr>
-          <p:cNvPr id="69" name="그림 68">
-            <a:extLst>
-              <a:ext uri="{FF2B5EF4-FFF2-40B4-BE49-F238E27FC236}">
-                <a16:creationId xmlns:a16="http://schemas.microsoft.com/office/drawing/2014/main" id="{CF8B5224-CDB5-4173-B311-3D420AD23BD3}"/>
-              </a:ext>
-            </a:extLst>
-          </p:cNvPr>
-          <p:cNvPicPr>
-            <a:picLocks noChangeAspect="1"/>
-          </p:cNvPicPr>
-          <p:nvPr/>
-        </p:nvPicPr>
-        <p:blipFill>
-          <a:blip r:embed="rId2">
-            <a:extLst>
-              <a:ext uri="{28A0092B-C50C-407E-A947-70E740481C1C}">
-                <a14:useLocalDpi xmlns:a14="http://schemas.microsoft.com/office/drawing/2010/main" val="0"/>
-              </a:ext>
-            </a:extLst>
-          </a:blip>
-          <a:stretch>
-            <a:fillRect/>
-          </a:stretch>
-        </p:blipFill>
-        <p:spPr>
-          <a:xfrm>
-            <a:off x="2340921" y="3770393"/>
-            <a:ext cx="171474" cy="342948"/>
-          </a:xfrm>
-          <a:prstGeom prst="rect">
-            <a:avLst/>
-          </a:prstGeom>
-        </p:spPr>
-      </p:pic>
-      <p:pic>
-        <p:nvPicPr>
-          <p:cNvPr id="67" name="그림 66">
-            <a:extLst>
-              <a:ext uri="{FF2B5EF4-FFF2-40B4-BE49-F238E27FC236}">
-                <a16:creationId xmlns:a16="http://schemas.microsoft.com/office/drawing/2014/main" id="{82CFF87D-6817-45C4-8995-02BF8F533A9D}"/>
-              </a:ext>
-            </a:extLst>
-          </p:cNvPr>
-          <p:cNvPicPr>
-            <a:picLocks noChangeAspect="1"/>
-          </p:cNvPicPr>
-          <p:nvPr/>
-        </p:nvPicPr>
-        <p:blipFill>
-          <a:blip r:embed="rId3">
-            <a:extLst>
-              <a:ext uri="{28A0092B-C50C-407E-A947-70E740481C1C}">
-                <a14:useLocalDpi xmlns:a14="http://schemas.microsoft.com/office/drawing/2010/main" val="0"/>
-              </a:ext>
-            </a:extLst>
-          </a:blip>
-          <a:stretch>
-            <a:fillRect/>
-          </a:stretch>
-        </p:blipFill>
-        <p:spPr>
-          <a:xfrm>
-            <a:off x="2059934" y="3535343"/>
-            <a:ext cx="809738" cy="1000265"/>
-          </a:xfrm>
-          <a:prstGeom prst="rect">
-            <a:avLst/>
-          </a:prstGeom>
-        </p:spPr>
-      </p:pic>
+              </a:endParaRPr>
+            </a:p>
+          </p:txBody>
+        </p:sp>
+        <p:sp>
+          <p:nvSpPr>
+            <p:cNvPr id="54" name="직사각형 53">
+              <a:extLst>
+                <a:ext uri="{FF2B5EF4-FFF2-40B4-BE49-F238E27FC236}">
+                  <a16:creationId xmlns:a16="http://schemas.microsoft.com/office/drawing/2014/main" id="{596CE896-3D62-4944-BB90-C4D7A7E80B16}"/>
+                </a:ext>
+              </a:extLst>
+            </p:cNvPr>
+            <p:cNvSpPr/>
+            <p:nvPr/>
+          </p:nvSpPr>
+          <p:spPr>
+            <a:xfrm>
+              <a:off x="3877377" y="1731143"/>
+              <a:ext cx="108000" cy="216000"/>
+            </a:xfrm>
+            <a:prstGeom prst="rect">
+              <a:avLst/>
+            </a:prstGeom>
+            <a:noFill/>
+            <a:ln>
+              <a:noFill/>
+            </a:ln>
+            <a:effectLst>
+              <a:outerShdw blurRad="50800" dist="38100" dir="2700000" algn="tl" rotWithShape="0">
+                <a:prstClr val="black">
+                  <a:alpha val="40000"/>
+                </a:prstClr>
+              </a:outerShdw>
+            </a:effectLst>
+          </p:spPr>
+          <p:style>
+            <a:lnRef idx="2">
+              <a:schemeClr val="accent1">
+                <a:shade val="50000"/>
+              </a:schemeClr>
+            </a:lnRef>
+            <a:fillRef idx="1">
+              <a:schemeClr val="accent1"/>
+            </a:fillRef>
+            <a:effectRef idx="0">
+              <a:schemeClr val="accent1"/>
+            </a:effectRef>
+            <a:fontRef idx="minor">
+              <a:schemeClr val="lt1"/>
+            </a:fontRef>
+          </p:style>
+          <p:txBody>
+            <a:bodyPr rtlCol="0" anchor="ctr"/>
+            <a:lstStyle/>
+            <a:p>
+              <a:pPr algn="ctr"/>
+              <a:r>
+                <a:rPr lang="en-US" altLang="ko-KR" sz="2000" dirty="0">
+                  <a:latin typeface="Agency FB" panose="020B0503020202020204" pitchFamily="34" charset="0"/>
+                </a:rPr>
+                <a:t>1</a:t>
+              </a:r>
+              <a:endParaRPr lang="ko-KR" altLang="en-US" sz="2000" dirty="0">
+                <a:latin typeface="Agency FB" panose="020B0503020202020204" pitchFamily="34" charset="0"/>
+              </a:endParaRPr>
+            </a:p>
+          </p:txBody>
+        </p:sp>
+        <p:sp>
+          <p:nvSpPr>
+            <p:cNvPr id="56" name="직사각형 55">
+              <a:extLst>
+                <a:ext uri="{FF2B5EF4-FFF2-40B4-BE49-F238E27FC236}">
+                  <a16:creationId xmlns:a16="http://schemas.microsoft.com/office/drawing/2014/main" id="{1E0B360E-E3F6-4823-ADF5-045B030EB399}"/>
+                </a:ext>
+              </a:extLst>
+            </p:cNvPr>
+            <p:cNvSpPr/>
+            <p:nvPr/>
+          </p:nvSpPr>
+          <p:spPr>
+            <a:xfrm>
+              <a:off x="3990139" y="1731143"/>
+              <a:ext cx="108000" cy="216000"/>
+            </a:xfrm>
+            <a:prstGeom prst="rect">
+              <a:avLst/>
+            </a:prstGeom>
+            <a:noFill/>
+            <a:ln>
+              <a:noFill/>
+            </a:ln>
+            <a:effectLst>
+              <a:outerShdw blurRad="50800" dist="38100" dir="2700000" algn="tl" rotWithShape="0">
+                <a:prstClr val="black">
+                  <a:alpha val="40000"/>
+                </a:prstClr>
+              </a:outerShdw>
+            </a:effectLst>
+          </p:spPr>
+          <p:style>
+            <a:lnRef idx="2">
+              <a:schemeClr val="accent1">
+                <a:shade val="50000"/>
+              </a:schemeClr>
+            </a:lnRef>
+            <a:fillRef idx="1">
+              <a:schemeClr val="accent1"/>
+            </a:fillRef>
+            <a:effectRef idx="0">
+              <a:schemeClr val="accent1"/>
+            </a:effectRef>
+            <a:fontRef idx="minor">
+              <a:schemeClr val="lt1"/>
+            </a:fontRef>
+          </p:style>
+          <p:txBody>
+            <a:bodyPr rtlCol="0" anchor="ctr"/>
+            <a:lstStyle/>
+            <a:p>
+              <a:pPr algn="ctr"/>
+              <a:r>
+                <a:rPr lang="en-US" altLang="ko-KR" sz="2000" dirty="0">
+                  <a:latin typeface="Agency FB" panose="020B0503020202020204" pitchFamily="34" charset="0"/>
+                </a:rPr>
+                <a:t>2</a:t>
+              </a:r>
+              <a:endParaRPr lang="ko-KR" altLang="en-US" sz="2000" dirty="0">
+                <a:latin typeface="Agency FB" panose="020B0503020202020204" pitchFamily="34" charset="0"/>
+              </a:endParaRPr>
+            </a:p>
+          </p:txBody>
+        </p:sp>
+        <p:sp>
+          <p:nvSpPr>
+            <p:cNvPr id="57" name="직사각형 56">
+              <a:extLst>
+                <a:ext uri="{FF2B5EF4-FFF2-40B4-BE49-F238E27FC236}">
+                  <a16:creationId xmlns:a16="http://schemas.microsoft.com/office/drawing/2014/main" id="{A52547B9-C79D-482E-AD88-9901836AE32B}"/>
+                </a:ext>
+              </a:extLst>
+            </p:cNvPr>
+            <p:cNvSpPr/>
+            <p:nvPr/>
+          </p:nvSpPr>
+          <p:spPr>
+            <a:xfrm>
+              <a:off x="4100520" y="1731143"/>
+              <a:ext cx="108000" cy="216000"/>
+            </a:xfrm>
+            <a:prstGeom prst="rect">
+              <a:avLst/>
+            </a:prstGeom>
+            <a:noFill/>
+            <a:ln>
+              <a:noFill/>
+            </a:ln>
+            <a:effectLst>
+              <a:outerShdw blurRad="50800" dist="38100" dir="2700000" algn="tl" rotWithShape="0">
+                <a:prstClr val="black">
+                  <a:alpha val="40000"/>
+                </a:prstClr>
+              </a:outerShdw>
+            </a:effectLst>
+          </p:spPr>
+          <p:style>
+            <a:lnRef idx="2">
+              <a:schemeClr val="accent1">
+                <a:shade val="50000"/>
+              </a:schemeClr>
+            </a:lnRef>
+            <a:fillRef idx="1">
+              <a:schemeClr val="accent1"/>
+            </a:fillRef>
+            <a:effectRef idx="0">
+              <a:schemeClr val="accent1"/>
+            </a:effectRef>
+            <a:fontRef idx="minor">
+              <a:schemeClr val="lt1"/>
+            </a:fontRef>
+          </p:style>
+          <p:txBody>
+            <a:bodyPr rtlCol="0" anchor="ctr"/>
+            <a:lstStyle/>
+            <a:p>
+              <a:pPr algn="ctr"/>
+              <a:r>
+                <a:rPr lang="en-US" altLang="ko-KR" sz="2000" dirty="0">
+                  <a:latin typeface="Agency FB" panose="020B0503020202020204" pitchFamily="34" charset="0"/>
+                </a:rPr>
+                <a:t>3</a:t>
+              </a:r>
+              <a:endParaRPr lang="ko-KR" altLang="en-US" sz="2000" dirty="0">
+                <a:latin typeface="Agency FB" panose="020B0503020202020204" pitchFamily="34" charset="0"/>
+              </a:endParaRPr>
+            </a:p>
+          </p:txBody>
+        </p:sp>
+        <p:sp>
+          <p:nvSpPr>
+            <p:cNvPr id="58" name="직사각형 57">
+              <a:extLst>
+                <a:ext uri="{FF2B5EF4-FFF2-40B4-BE49-F238E27FC236}">
+                  <a16:creationId xmlns:a16="http://schemas.microsoft.com/office/drawing/2014/main" id="{FDFD8784-C754-415C-B34A-0687D3E3DB1A}"/>
+                </a:ext>
+              </a:extLst>
+            </p:cNvPr>
+            <p:cNvSpPr/>
+            <p:nvPr/>
+          </p:nvSpPr>
+          <p:spPr>
+            <a:xfrm>
+              <a:off x="4212291" y="1731143"/>
+              <a:ext cx="108000" cy="216000"/>
+            </a:xfrm>
+            <a:prstGeom prst="rect">
+              <a:avLst/>
+            </a:prstGeom>
+            <a:noFill/>
+            <a:ln>
+              <a:noFill/>
+            </a:ln>
+            <a:effectLst>
+              <a:outerShdw blurRad="50800" dist="38100" dir="2700000" algn="tl" rotWithShape="0">
+                <a:prstClr val="black">
+                  <a:alpha val="40000"/>
+                </a:prstClr>
+              </a:outerShdw>
+            </a:effectLst>
+          </p:spPr>
+          <p:style>
+            <a:lnRef idx="2">
+              <a:schemeClr val="accent1">
+                <a:shade val="50000"/>
+              </a:schemeClr>
+            </a:lnRef>
+            <a:fillRef idx="1">
+              <a:schemeClr val="accent1"/>
+            </a:fillRef>
+            <a:effectRef idx="0">
+              <a:schemeClr val="accent1"/>
+            </a:effectRef>
+            <a:fontRef idx="minor">
+              <a:schemeClr val="lt1"/>
+            </a:fontRef>
+          </p:style>
+          <p:txBody>
+            <a:bodyPr rtlCol="0" anchor="ctr"/>
+            <a:lstStyle/>
+            <a:p>
+              <a:pPr algn="ctr"/>
+              <a:r>
+                <a:rPr lang="en-US" altLang="ko-KR" sz="2000" dirty="0">
+                  <a:latin typeface="Agency FB" panose="020B0503020202020204" pitchFamily="34" charset="0"/>
+                </a:rPr>
+                <a:t>4</a:t>
+              </a:r>
+              <a:endParaRPr lang="ko-KR" altLang="en-US" sz="2000" dirty="0">
+                <a:latin typeface="Agency FB" panose="020B0503020202020204" pitchFamily="34" charset="0"/>
+              </a:endParaRPr>
+            </a:p>
+          </p:txBody>
+        </p:sp>
+        <p:sp>
+          <p:nvSpPr>
+            <p:cNvPr id="59" name="직사각형 58">
+              <a:extLst>
+                <a:ext uri="{FF2B5EF4-FFF2-40B4-BE49-F238E27FC236}">
+                  <a16:creationId xmlns:a16="http://schemas.microsoft.com/office/drawing/2014/main" id="{0954B6D8-4889-4CA5-9E6B-D1B65BF450AE}"/>
+                </a:ext>
+              </a:extLst>
+            </p:cNvPr>
+            <p:cNvSpPr/>
+            <p:nvPr/>
+          </p:nvSpPr>
+          <p:spPr>
+            <a:xfrm>
+              <a:off x="4322672" y="1731143"/>
+              <a:ext cx="108000" cy="216000"/>
+            </a:xfrm>
+            <a:prstGeom prst="rect">
+              <a:avLst/>
+            </a:prstGeom>
+            <a:noFill/>
+            <a:ln>
+              <a:noFill/>
+            </a:ln>
+            <a:effectLst>
+              <a:outerShdw blurRad="50800" dist="38100" dir="2700000" algn="tl" rotWithShape="0">
+                <a:prstClr val="black">
+                  <a:alpha val="40000"/>
+                </a:prstClr>
+              </a:outerShdw>
+            </a:effectLst>
+          </p:spPr>
+          <p:style>
+            <a:lnRef idx="2">
+              <a:schemeClr val="accent1">
+                <a:shade val="50000"/>
+              </a:schemeClr>
+            </a:lnRef>
+            <a:fillRef idx="1">
+              <a:schemeClr val="accent1"/>
+            </a:fillRef>
+            <a:effectRef idx="0">
+              <a:schemeClr val="accent1"/>
+            </a:effectRef>
+            <a:fontRef idx="minor">
+              <a:schemeClr val="lt1"/>
+            </a:fontRef>
+          </p:style>
+          <p:txBody>
+            <a:bodyPr rtlCol="0" anchor="ctr"/>
+            <a:lstStyle/>
+            <a:p>
+              <a:pPr algn="ctr"/>
+              <a:r>
+                <a:rPr lang="en-US" altLang="ko-KR" sz="2000" dirty="0">
+                  <a:latin typeface="Agency FB" panose="020B0503020202020204" pitchFamily="34" charset="0"/>
+                </a:rPr>
+                <a:t>5</a:t>
+              </a:r>
+              <a:endParaRPr lang="ko-KR" altLang="en-US" sz="2000" dirty="0">
+                <a:latin typeface="Agency FB" panose="020B0503020202020204" pitchFamily="34" charset="0"/>
+              </a:endParaRPr>
+            </a:p>
+          </p:txBody>
+        </p:sp>
+        <p:sp>
+          <p:nvSpPr>
+            <p:cNvPr id="60" name="직사각형 59">
+              <a:extLst>
+                <a:ext uri="{FF2B5EF4-FFF2-40B4-BE49-F238E27FC236}">
+                  <a16:creationId xmlns:a16="http://schemas.microsoft.com/office/drawing/2014/main" id="{68E3A758-46AB-4916-9DF3-106C2B76B64F}"/>
+                </a:ext>
+              </a:extLst>
+            </p:cNvPr>
+            <p:cNvSpPr/>
+            <p:nvPr/>
+          </p:nvSpPr>
+          <p:spPr>
+            <a:xfrm>
+              <a:off x="4433053" y="1731143"/>
+              <a:ext cx="108000" cy="216000"/>
+            </a:xfrm>
+            <a:prstGeom prst="rect">
+              <a:avLst/>
+            </a:prstGeom>
+            <a:noFill/>
+            <a:ln>
+              <a:noFill/>
+            </a:ln>
+            <a:effectLst>
+              <a:outerShdw blurRad="50800" dist="38100" dir="2700000" algn="tl" rotWithShape="0">
+                <a:prstClr val="black">
+                  <a:alpha val="40000"/>
+                </a:prstClr>
+              </a:outerShdw>
+            </a:effectLst>
+          </p:spPr>
+          <p:style>
+            <a:lnRef idx="2">
+              <a:schemeClr val="accent1">
+                <a:shade val="50000"/>
+              </a:schemeClr>
+            </a:lnRef>
+            <a:fillRef idx="1">
+              <a:schemeClr val="accent1"/>
+            </a:fillRef>
+            <a:effectRef idx="0">
+              <a:schemeClr val="accent1"/>
+            </a:effectRef>
+            <a:fontRef idx="minor">
+              <a:schemeClr val="lt1"/>
+            </a:fontRef>
+          </p:style>
+          <p:txBody>
+            <a:bodyPr rtlCol="0" anchor="ctr"/>
+            <a:lstStyle/>
+            <a:p>
+              <a:pPr algn="ctr"/>
+              <a:r>
+                <a:rPr lang="en-US" altLang="ko-KR" sz="2000" dirty="0">
+                  <a:latin typeface="Agency FB" panose="020B0503020202020204" pitchFamily="34" charset="0"/>
+                </a:rPr>
+                <a:t>6</a:t>
+              </a:r>
+              <a:endParaRPr lang="ko-KR" altLang="en-US" sz="2000" dirty="0">
+                <a:latin typeface="Agency FB" panose="020B0503020202020204" pitchFamily="34" charset="0"/>
+              </a:endParaRPr>
+            </a:p>
+          </p:txBody>
+        </p:sp>
+        <p:sp>
+          <p:nvSpPr>
+            <p:cNvPr id="61" name="직사각형 60">
+              <a:extLst>
+                <a:ext uri="{FF2B5EF4-FFF2-40B4-BE49-F238E27FC236}">
+                  <a16:creationId xmlns:a16="http://schemas.microsoft.com/office/drawing/2014/main" id="{C33145B6-20BD-4A9F-9BDE-D20DAAB881B6}"/>
+                </a:ext>
+              </a:extLst>
+            </p:cNvPr>
+            <p:cNvSpPr/>
+            <p:nvPr/>
+          </p:nvSpPr>
+          <p:spPr>
+            <a:xfrm>
+              <a:off x="4541053" y="1731143"/>
+              <a:ext cx="108000" cy="216000"/>
+            </a:xfrm>
+            <a:prstGeom prst="rect">
+              <a:avLst/>
+            </a:prstGeom>
+            <a:noFill/>
+            <a:ln>
+              <a:noFill/>
+            </a:ln>
+            <a:effectLst>
+              <a:outerShdw blurRad="50800" dist="38100" dir="2700000" algn="tl" rotWithShape="0">
+                <a:prstClr val="black">
+                  <a:alpha val="40000"/>
+                </a:prstClr>
+              </a:outerShdw>
+            </a:effectLst>
+          </p:spPr>
+          <p:style>
+            <a:lnRef idx="2">
+              <a:schemeClr val="accent1">
+                <a:shade val="50000"/>
+              </a:schemeClr>
+            </a:lnRef>
+            <a:fillRef idx="1">
+              <a:schemeClr val="accent1"/>
+            </a:fillRef>
+            <a:effectRef idx="0">
+              <a:schemeClr val="accent1"/>
+            </a:effectRef>
+            <a:fontRef idx="minor">
+              <a:schemeClr val="lt1"/>
+            </a:fontRef>
+          </p:style>
+          <p:txBody>
+            <a:bodyPr rtlCol="0" anchor="ctr"/>
+            <a:lstStyle/>
+            <a:p>
+              <a:pPr algn="ctr"/>
+              <a:r>
+                <a:rPr lang="en-US" altLang="ko-KR" sz="2000" dirty="0">
+                  <a:latin typeface="Agency FB" panose="020B0503020202020204" pitchFamily="34" charset="0"/>
+                </a:rPr>
+                <a:t>7</a:t>
+              </a:r>
+              <a:endParaRPr lang="ko-KR" altLang="en-US" sz="2000" dirty="0">
+                <a:latin typeface="Agency FB" panose="020B0503020202020204" pitchFamily="34" charset="0"/>
+              </a:endParaRPr>
+            </a:p>
+          </p:txBody>
+        </p:sp>
+        <p:sp>
+          <p:nvSpPr>
+            <p:cNvPr id="63" name="직사각형 62">
+              <a:extLst>
+                <a:ext uri="{FF2B5EF4-FFF2-40B4-BE49-F238E27FC236}">
+                  <a16:creationId xmlns:a16="http://schemas.microsoft.com/office/drawing/2014/main" id="{CC5936EC-8D12-4A89-96DA-0C90B936EDC5}"/>
+                </a:ext>
+              </a:extLst>
+            </p:cNvPr>
+            <p:cNvSpPr/>
+            <p:nvPr/>
+          </p:nvSpPr>
+          <p:spPr>
+            <a:xfrm>
+              <a:off x="4652296" y="1731143"/>
+              <a:ext cx="108000" cy="216000"/>
+            </a:xfrm>
+            <a:prstGeom prst="rect">
+              <a:avLst/>
+            </a:prstGeom>
+            <a:noFill/>
+            <a:ln>
+              <a:noFill/>
+            </a:ln>
+            <a:effectLst>
+              <a:outerShdw blurRad="50800" dist="38100" dir="2700000" algn="tl" rotWithShape="0">
+                <a:prstClr val="black">
+                  <a:alpha val="40000"/>
+                </a:prstClr>
+              </a:outerShdw>
+            </a:effectLst>
+          </p:spPr>
+          <p:style>
+            <a:lnRef idx="2">
+              <a:schemeClr val="accent1">
+                <a:shade val="50000"/>
+              </a:schemeClr>
+            </a:lnRef>
+            <a:fillRef idx="1">
+              <a:schemeClr val="accent1"/>
+            </a:fillRef>
+            <a:effectRef idx="0">
+              <a:schemeClr val="accent1"/>
+            </a:effectRef>
+            <a:fontRef idx="minor">
+              <a:schemeClr val="lt1"/>
+            </a:fontRef>
+          </p:style>
+          <p:txBody>
+            <a:bodyPr rtlCol="0" anchor="ctr"/>
+            <a:lstStyle/>
+            <a:p>
+              <a:pPr algn="ctr"/>
+              <a:r>
+                <a:rPr lang="en-US" altLang="ko-KR" sz="2000" dirty="0">
+                  <a:latin typeface="Agency FB" panose="020B0503020202020204" pitchFamily="34" charset="0"/>
+                </a:rPr>
+                <a:t>8</a:t>
+              </a:r>
+              <a:endParaRPr lang="ko-KR" altLang="en-US" sz="2000" dirty="0">
+                <a:latin typeface="Agency FB" panose="020B0503020202020204" pitchFamily="34" charset="0"/>
+              </a:endParaRPr>
+            </a:p>
+          </p:txBody>
+        </p:sp>
+        <p:sp>
+          <p:nvSpPr>
+            <p:cNvPr id="64" name="직사각형 63">
+              <a:extLst>
+                <a:ext uri="{FF2B5EF4-FFF2-40B4-BE49-F238E27FC236}">
+                  <a16:creationId xmlns:a16="http://schemas.microsoft.com/office/drawing/2014/main" id="{3302F448-1106-461D-8205-6E54CFE33723}"/>
+                </a:ext>
+              </a:extLst>
+            </p:cNvPr>
+            <p:cNvSpPr/>
+            <p:nvPr/>
+          </p:nvSpPr>
+          <p:spPr>
+            <a:xfrm>
+              <a:off x="4760296" y="1731143"/>
+              <a:ext cx="108000" cy="216000"/>
+            </a:xfrm>
+            <a:prstGeom prst="rect">
+              <a:avLst/>
+            </a:prstGeom>
+            <a:noFill/>
+            <a:ln>
+              <a:noFill/>
+            </a:ln>
+            <a:effectLst>
+              <a:outerShdw blurRad="50800" dist="38100" dir="2700000" algn="tl" rotWithShape="0">
+                <a:prstClr val="black">
+                  <a:alpha val="40000"/>
+                </a:prstClr>
+              </a:outerShdw>
+            </a:effectLst>
+          </p:spPr>
+          <p:style>
+            <a:lnRef idx="2">
+              <a:schemeClr val="accent1">
+                <a:shade val="50000"/>
+              </a:schemeClr>
+            </a:lnRef>
+            <a:fillRef idx="1">
+              <a:schemeClr val="accent1"/>
+            </a:fillRef>
+            <a:effectRef idx="0">
+              <a:schemeClr val="accent1"/>
+            </a:effectRef>
+            <a:fontRef idx="minor">
+              <a:schemeClr val="lt1"/>
+            </a:fontRef>
+          </p:style>
+          <p:txBody>
+            <a:bodyPr rtlCol="0" anchor="ctr"/>
+            <a:lstStyle/>
+            <a:p>
+              <a:pPr algn="ctr"/>
+              <a:r>
+                <a:rPr lang="en-US" altLang="ko-KR" sz="2000" dirty="0">
+                  <a:latin typeface="Agency FB" panose="020B0503020202020204" pitchFamily="34" charset="0"/>
+                </a:rPr>
+                <a:t>9</a:t>
+              </a:r>
+              <a:endParaRPr lang="ko-KR" altLang="en-US" sz="2000" dirty="0">
+                <a:latin typeface="Agency FB" panose="020B0503020202020204" pitchFamily="34" charset="0"/>
+              </a:endParaRPr>
+            </a:p>
+          </p:txBody>
+        </p:sp>
+      </p:grpSp>
     </p:spTree>
     <p:extLst>
       <p:ext uri="{BB962C8B-B14F-4D97-AF65-F5344CB8AC3E}">

--- a/PPT/그래픽 리소스 작업.pptx
+++ b/PPT/그래픽 리소스 작업.pptx
@@ -271,7 +271,7 @@
           <a:p>
             <a:fld id="{27D31188-FF41-4827-A5DA-97728D47966F}" type="datetimeFigureOut">
               <a:rPr lang="ko-KR" altLang="en-US" smtClean="0"/>
-              <a:t>2017-11-21</a:t>
+              <a:t>2017-12-03</a:t>
             </a:fld>
             <a:endParaRPr lang="ko-KR" altLang="en-US"/>
           </a:p>
@@ -469,7 +469,7 @@
           <a:p>
             <a:fld id="{27D31188-FF41-4827-A5DA-97728D47966F}" type="datetimeFigureOut">
               <a:rPr lang="ko-KR" altLang="en-US" smtClean="0"/>
-              <a:t>2017-11-21</a:t>
+              <a:t>2017-12-03</a:t>
             </a:fld>
             <a:endParaRPr lang="ko-KR" altLang="en-US"/>
           </a:p>
@@ -677,7 +677,7 @@
           <a:p>
             <a:fld id="{27D31188-FF41-4827-A5DA-97728D47966F}" type="datetimeFigureOut">
               <a:rPr lang="ko-KR" altLang="en-US" smtClean="0"/>
-              <a:t>2017-11-21</a:t>
+              <a:t>2017-12-03</a:t>
             </a:fld>
             <a:endParaRPr lang="ko-KR" altLang="en-US"/>
           </a:p>
@@ -875,7 +875,7 @@
           <a:p>
             <a:fld id="{27D31188-FF41-4827-A5DA-97728D47966F}" type="datetimeFigureOut">
               <a:rPr lang="ko-KR" altLang="en-US" smtClean="0"/>
-              <a:t>2017-11-21</a:t>
+              <a:t>2017-12-03</a:t>
             </a:fld>
             <a:endParaRPr lang="ko-KR" altLang="en-US"/>
           </a:p>
@@ -1150,7 +1150,7 @@
           <a:p>
             <a:fld id="{27D31188-FF41-4827-A5DA-97728D47966F}" type="datetimeFigureOut">
               <a:rPr lang="ko-KR" altLang="en-US" smtClean="0"/>
-              <a:t>2017-11-21</a:t>
+              <a:t>2017-12-03</a:t>
             </a:fld>
             <a:endParaRPr lang="ko-KR" altLang="en-US"/>
           </a:p>
@@ -1415,7 +1415,7 @@
           <a:p>
             <a:fld id="{27D31188-FF41-4827-A5DA-97728D47966F}" type="datetimeFigureOut">
               <a:rPr lang="ko-KR" altLang="en-US" smtClean="0"/>
-              <a:t>2017-11-21</a:t>
+              <a:t>2017-12-03</a:t>
             </a:fld>
             <a:endParaRPr lang="ko-KR" altLang="en-US"/>
           </a:p>
@@ -1827,7 +1827,7 @@
           <a:p>
             <a:fld id="{27D31188-FF41-4827-A5DA-97728D47966F}" type="datetimeFigureOut">
               <a:rPr lang="ko-KR" altLang="en-US" smtClean="0"/>
-              <a:t>2017-11-21</a:t>
+              <a:t>2017-12-03</a:t>
             </a:fld>
             <a:endParaRPr lang="ko-KR" altLang="en-US"/>
           </a:p>
@@ -1968,7 +1968,7 @@
           <a:p>
             <a:fld id="{27D31188-FF41-4827-A5DA-97728D47966F}" type="datetimeFigureOut">
               <a:rPr lang="ko-KR" altLang="en-US" smtClean="0"/>
-              <a:t>2017-11-21</a:t>
+              <a:t>2017-12-03</a:t>
             </a:fld>
             <a:endParaRPr lang="ko-KR" altLang="en-US"/>
           </a:p>
@@ -2081,7 +2081,7 @@
           <a:p>
             <a:fld id="{27D31188-FF41-4827-A5DA-97728D47966F}" type="datetimeFigureOut">
               <a:rPr lang="ko-KR" altLang="en-US" smtClean="0"/>
-              <a:t>2017-11-21</a:t>
+              <a:t>2017-12-03</a:t>
             </a:fld>
             <a:endParaRPr lang="ko-KR" altLang="en-US"/>
           </a:p>
@@ -2392,7 +2392,7 @@
           <a:p>
             <a:fld id="{27D31188-FF41-4827-A5DA-97728D47966F}" type="datetimeFigureOut">
               <a:rPr lang="ko-KR" altLang="en-US" smtClean="0"/>
-              <a:t>2017-11-21</a:t>
+              <a:t>2017-12-03</a:t>
             </a:fld>
             <a:endParaRPr lang="ko-KR" altLang="en-US"/>
           </a:p>
@@ -2680,7 +2680,7 @@
           <a:p>
             <a:fld id="{27D31188-FF41-4827-A5DA-97728D47966F}" type="datetimeFigureOut">
               <a:rPr lang="ko-KR" altLang="en-US" smtClean="0"/>
-              <a:t>2017-11-21</a:t>
+              <a:t>2017-12-03</a:t>
             </a:fld>
             <a:endParaRPr lang="ko-KR" altLang="en-US"/>
           </a:p>
@@ -2921,7 +2921,7 @@
           <a:p>
             <a:fld id="{27D31188-FF41-4827-A5DA-97728D47966F}" type="datetimeFigureOut">
               <a:rPr lang="ko-KR" altLang="en-US" smtClean="0"/>
-              <a:t>2017-11-21</a:t>
+              <a:t>2017-12-03</a:t>
             </a:fld>
             <a:endParaRPr lang="ko-KR" altLang="en-US"/>
           </a:p>

--- a/PPT/그래픽 리소스 작업.pptx
+++ b/PPT/그래픽 리소스 작업.pptx
@@ -271,7 +271,7 @@
           <a:p>
             <a:fld id="{27D31188-FF41-4827-A5DA-97728D47966F}" type="datetimeFigureOut">
               <a:rPr lang="ko-KR" altLang="en-US" smtClean="0"/>
-              <a:t>2017-12-03</a:t>
+              <a:t>2017-12-10</a:t>
             </a:fld>
             <a:endParaRPr lang="ko-KR" altLang="en-US"/>
           </a:p>
@@ -469,7 +469,7 @@
           <a:p>
             <a:fld id="{27D31188-FF41-4827-A5DA-97728D47966F}" type="datetimeFigureOut">
               <a:rPr lang="ko-KR" altLang="en-US" smtClean="0"/>
-              <a:t>2017-12-03</a:t>
+              <a:t>2017-12-10</a:t>
             </a:fld>
             <a:endParaRPr lang="ko-KR" altLang="en-US"/>
           </a:p>
@@ -677,7 +677,7 @@
           <a:p>
             <a:fld id="{27D31188-FF41-4827-A5DA-97728D47966F}" type="datetimeFigureOut">
               <a:rPr lang="ko-KR" altLang="en-US" smtClean="0"/>
-              <a:t>2017-12-03</a:t>
+              <a:t>2017-12-10</a:t>
             </a:fld>
             <a:endParaRPr lang="ko-KR" altLang="en-US"/>
           </a:p>
@@ -875,7 +875,7 @@
           <a:p>
             <a:fld id="{27D31188-FF41-4827-A5DA-97728D47966F}" type="datetimeFigureOut">
               <a:rPr lang="ko-KR" altLang="en-US" smtClean="0"/>
-              <a:t>2017-12-03</a:t>
+              <a:t>2017-12-10</a:t>
             </a:fld>
             <a:endParaRPr lang="ko-KR" altLang="en-US"/>
           </a:p>
@@ -1150,7 +1150,7 @@
           <a:p>
             <a:fld id="{27D31188-FF41-4827-A5DA-97728D47966F}" type="datetimeFigureOut">
               <a:rPr lang="ko-KR" altLang="en-US" smtClean="0"/>
-              <a:t>2017-12-03</a:t>
+              <a:t>2017-12-10</a:t>
             </a:fld>
             <a:endParaRPr lang="ko-KR" altLang="en-US"/>
           </a:p>
@@ -1415,7 +1415,7 @@
           <a:p>
             <a:fld id="{27D31188-FF41-4827-A5DA-97728D47966F}" type="datetimeFigureOut">
               <a:rPr lang="ko-KR" altLang="en-US" smtClean="0"/>
-              <a:t>2017-12-03</a:t>
+              <a:t>2017-12-10</a:t>
             </a:fld>
             <a:endParaRPr lang="ko-KR" altLang="en-US"/>
           </a:p>
@@ -1827,7 +1827,7 @@
           <a:p>
             <a:fld id="{27D31188-FF41-4827-A5DA-97728D47966F}" type="datetimeFigureOut">
               <a:rPr lang="ko-KR" altLang="en-US" smtClean="0"/>
-              <a:t>2017-12-03</a:t>
+              <a:t>2017-12-10</a:t>
             </a:fld>
             <a:endParaRPr lang="ko-KR" altLang="en-US"/>
           </a:p>
@@ -1968,7 +1968,7 @@
           <a:p>
             <a:fld id="{27D31188-FF41-4827-A5DA-97728D47966F}" type="datetimeFigureOut">
               <a:rPr lang="ko-KR" altLang="en-US" smtClean="0"/>
-              <a:t>2017-12-03</a:t>
+              <a:t>2017-12-10</a:t>
             </a:fld>
             <a:endParaRPr lang="ko-KR" altLang="en-US"/>
           </a:p>
@@ -2081,7 +2081,7 @@
           <a:p>
             <a:fld id="{27D31188-FF41-4827-A5DA-97728D47966F}" type="datetimeFigureOut">
               <a:rPr lang="ko-KR" altLang="en-US" smtClean="0"/>
-              <a:t>2017-12-03</a:t>
+              <a:t>2017-12-10</a:t>
             </a:fld>
             <a:endParaRPr lang="ko-KR" altLang="en-US"/>
           </a:p>
@@ -2392,7 +2392,7 @@
           <a:p>
             <a:fld id="{27D31188-FF41-4827-A5DA-97728D47966F}" type="datetimeFigureOut">
               <a:rPr lang="ko-KR" altLang="en-US" smtClean="0"/>
-              <a:t>2017-12-03</a:t>
+              <a:t>2017-12-10</a:t>
             </a:fld>
             <a:endParaRPr lang="ko-KR" altLang="en-US"/>
           </a:p>
@@ -2680,7 +2680,7 @@
           <a:p>
             <a:fld id="{27D31188-FF41-4827-A5DA-97728D47966F}" type="datetimeFigureOut">
               <a:rPr lang="ko-KR" altLang="en-US" smtClean="0"/>
-              <a:t>2017-12-03</a:t>
+              <a:t>2017-12-10</a:t>
             </a:fld>
             <a:endParaRPr lang="ko-KR" altLang="en-US"/>
           </a:p>
@@ -2921,7 +2921,7 @@
           <a:p>
             <a:fld id="{27D31188-FF41-4827-A5DA-97728D47966F}" type="datetimeFigureOut">
               <a:rPr lang="ko-KR" altLang="en-US" smtClean="0"/>
-              <a:t>2017-12-03</a:t>
+              <a:t>2017-12-10</a:t>
             </a:fld>
             <a:endParaRPr lang="ko-KR" altLang="en-US"/>
           </a:p>
